--- a/Courses/Software-Sciences/Module-1-OOP/07.2-Classes-and-Objects-Advanced/07.2-Classes-and-Objects-Advanced.pptx
+++ b/Courses/Software-Sciences/Module-1-OOP/07.2-Classes-and-Objects-Advanced/07.2-Classes-and-Objects-Advanced.pptx
@@ -244,7 +244,7 @@
             </a:lvl1pPr>
           </a:lstStyle>
           <a:p>
-            <a:endParaRPr lang="bg-BG"/>
+            <a:endParaRPr lang="bg-BG" dirty="0"/>
           </a:p>
         </p:txBody>
       </p:sp>
@@ -283,9 +283,9 @@
           <a:p>
             <a:fld id="{4E087215-0C8F-4762-A664-737A353EC9A4}" type="datetimeFigureOut">
               <a:rPr lang="bg-BG" smtClean="0"/>
-              <a:t>23.01.23 г.</a:t>
+              <a:t>17.05.23 г.</a:t>
             </a:fld>
-            <a:endParaRPr lang="bg-BG"/>
+            <a:endParaRPr lang="bg-BG" dirty="0"/>
           </a:p>
         </p:txBody>
       </p:sp>
@@ -323,17 +323,17 @@
           </a:lstStyle>
           <a:p>
             <a:r>
-              <a:rPr lang="en-US" sz="1100"/>
+              <a:rPr lang="en-US" sz="1100" dirty="0"/>
               <a:t>© SoftUni – </a:t>
             </a:r>
             <a:r>
-              <a:rPr lang="en-US" sz="1100" u="sng">
+              <a:rPr lang="en-US" sz="1100" u="sng" dirty="0">
                 <a:hlinkClick r:id="rId2"/>
               </a:rPr>
               <a:t>https://softuni.org</a:t>
             </a:r>
             <a:r>
-              <a:rPr lang="en-US" sz="1100"/>
+              <a:rPr lang="en-US" sz="1100" dirty="0"/>
               <a:t>. Copyrighted document. Unauthorized copy or reproduction is not permitted.</a:t>
             </a:r>
           </a:p>
@@ -376,7 +376,7 @@
               <a:rPr lang="bg-BG" smtClean="0"/>
               <a:t>‹#›</a:t>
             </a:fld>
-            <a:endParaRPr lang="bg-BG"/>
+            <a:endParaRPr lang="bg-BG" dirty="0"/>
           </a:p>
         </p:txBody>
       </p:sp>
@@ -441,7 +441,7 @@
             </a:lvl1pPr>
           </a:lstStyle>
           <a:p>
-            <a:endParaRPr lang="en-US"/>
+            <a:endParaRPr lang="en-US" dirty="0"/>
           </a:p>
         </p:txBody>
       </p:sp>
@@ -474,9 +474,9 @@
           <a:p>
             <a:fld id="{72D84649-876A-46C9-8472-14CB09C070D8}" type="datetimeFigureOut">
               <a:rPr lang="en-US" smtClean="0"/>
-              <a:t>1/23/23</a:t>
+              <a:t>5/17/23</a:t>
             </a:fld>
-            <a:endParaRPr lang="en-US"/>
+            <a:endParaRPr lang="en-US" dirty="0"/>
           </a:p>
         </p:txBody>
       </p:sp>
@@ -509,7 +509,7 @@
           <a:bodyPr vert="horz" lIns="91440" tIns="45720" rIns="91440" bIns="45720" rtlCol="0" anchor="ctr"/>
           <a:lstStyle/>
           <a:p>
-            <a:endParaRPr lang="en-US"/>
+            <a:endParaRPr lang="en-US" dirty="0"/>
           </a:p>
         </p:txBody>
       </p:sp>
@@ -603,7 +603,7 @@
               <a:rPr lang="en-US" smtClean="0"/>
               <a:t>‹#›</a:t>
             </a:fld>
-            <a:endParaRPr lang="en-US"/>
+            <a:endParaRPr lang="en-US" dirty="0"/>
           </a:p>
         </p:txBody>
       </p:sp>
@@ -641,17 +641,17 @@
           </a:lstStyle>
           <a:p>
             <a:r>
-              <a:rPr lang="en-US"/>
+              <a:rPr lang="en-US" dirty="0"/>
               <a:t>© SoftUni – </a:t>
             </a:r>
             <a:r>
-              <a:rPr lang="en-US" u="sng">
+              <a:rPr lang="en-US" u="sng" dirty="0">
                 <a:hlinkClick r:id="rId2"/>
               </a:rPr>
               <a:t>https://softuni.org</a:t>
             </a:r>
             <a:r>
-              <a:rPr lang="en-US"/>
+              <a:rPr lang="en-US" dirty="0"/>
               <a:t>. Copyrighted document. Unauthorized copy or reproduction is not permitted.</a:t>
             </a:r>
           </a:p>
@@ -805,7 +805,7 @@
           <a:bodyPr/>
           <a:lstStyle/>
           <a:p>
-            <a:endParaRPr lang="en-US"/>
+            <a:endParaRPr lang="en-US" dirty="0"/>
           </a:p>
         </p:txBody>
       </p:sp>
@@ -829,7 +829,7 @@
               <a:pPr/>
               <a:t>1</a:t>
             </a:fld>
-            <a:endParaRPr lang="en-US"/>
+            <a:endParaRPr lang="en-US" dirty="0"/>
           </a:p>
         </p:txBody>
       </p:sp>
@@ -867,17 +867,17 @@
           </a:lstStyle>
           <a:p>
             <a:r>
-              <a:rPr lang="en-US"/>
+              <a:rPr lang="en-US" dirty="0"/>
               <a:t>© SoftUni – </a:t>
             </a:r>
             <a:r>
-              <a:rPr lang="en-US" u="sng">
+              <a:rPr lang="en-US" u="sng" dirty="0">
                 <a:hlinkClick r:id="rId3"/>
               </a:rPr>
               <a:t>https://softuni.org</a:t>
             </a:r>
             <a:r>
-              <a:rPr lang="en-US"/>
+              <a:rPr lang="en-US" dirty="0"/>
               <a:t>. Copyrighted document. Unauthorized copy or reproduction is not permitted.</a:t>
             </a:r>
           </a:p>
@@ -1002,15 +1002,7 @@
           <a:p>
             <a:r>
               <a:rPr lang="en-US" dirty="0"/>
-              <a:t>© </a:t>
-            </a:r>
-            <a:r>
-              <a:rPr lang="en-US" dirty="0" err="1"/>
-              <a:t>SoftUni</a:t>
-            </a:r>
-            <a:r>
-              <a:rPr lang="en-US" dirty="0"/>
-              <a:t> – </a:t>
+              <a:t>© SoftUni – </a:t>
             </a:r>
             <a:r>
               <a:rPr lang="en-US" u="sng" dirty="0">
@@ -1082,7 +1074,7 @@
           <a:bodyPr/>
           <a:lstStyle/>
           <a:p>
-            <a:endParaRPr lang="bg-BG"/>
+            <a:endParaRPr lang="bg-BG" dirty="0"/>
           </a:p>
         </p:txBody>
       </p:sp>
@@ -1105,7 +1097,7 @@
               <a:rPr lang="en-US" smtClean="0"/>
               <a:t>13</a:t>
             </a:fld>
-            <a:endParaRPr lang="en-US"/>
+            <a:endParaRPr lang="en-US" dirty="0"/>
           </a:p>
         </p:txBody>
       </p:sp>
@@ -1143,17 +1135,17 @@
           </a:lstStyle>
           <a:p>
             <a:r>
-              <a:rPr lang="en-US"/>
+              <a:rPr lang="en-US" dirty="0"/>
               <a:t>© SoftUni – </a:t>
             </a:r>
             <a:r>
-              <a:rPr lang="en-US" u="sng">
+              <a:rPr lang="en-US" u="sng" dirty="0">
                 <a:hlinkClick r:id="rId3"/>
               </a:rPr>
               <a:t>https://softuni.org</a:t>
             </a:r>
             <a:r>
-              <a:rPr lang="en-US"/>
+              <a:rPr lang="en-US" dirty="0"/>
               <a:t>. Copyrighted document. Unauthorized copy or reproduction is not permitted.</a:t>
             </a:r>
           </a:p>
@@ -1216,7 +1208,7 @@
           <a:bodyPr/>
           <a:lstStyle/>
           <a:p>
-            <a:endParaRPr lang="en-US"/>
+            <a:endParaRPr lang="en-US" dirty="0"/>
           </a:p>
         </p:txBody>
       </p:sp>
@@ -1240,7 +1232,7 @@
               <a:pPr/>
               <a:t>15</a:t>
             </a:fld>
-            <a:endParaRPr lang="en-US"/>
+            <a:endParaRPr lang="en-US" dirty="0"/>
           </a:p>
         </p:txBody>
       </p:sp>
@@ -1278,17 +1270,17 @@
           </a:lstStyle>
           <a:p>
             <a:r>
-              <a:rPr lang="en-US"/>
+              <a:rPr lang="en-US" dirty="0"/>
               <a:t>© SoftUni – </a:t>
             </a:r>
             <a:r>
-              <a:rPr lang="en-US" u="sng">
+              <a:rPr lang="en-US" u="sng" dirty="0">
                 <a:hlinkClick r:id="rId3"/>
               </a:rPr>
               <a:t>https://softuni.org</a:t>
             </a:r>
             <a:r>
-              <a:rPr lang="en-US"/>
+              <a:rPr lang="en-US" dirty="0"/>
               <a:t>. Copyrighted document. Unauthorized copy or reproduction is not permitted.</a:t>
             </a:r>
           </a:p>
@@ -1351,7 +1343,7 @@
           <a:bodyPr/>
           <a:lstStyle/>
           <a:p>
-            <a:endParaRPr lang="en-US"/>
+            <a:endParaRPr lang="en-US" dirty="0"/>
           </a:p>
         </p:txBody>
       </p:sp>
@@ -1481,7 +1473,7 @@
               <a:pPr/>
               <a:t>16</a:t>
             </a:fld>
-            <a:endParaRPr lang="en-US"/>
+            <a:endParaRPr lang="en-US" dirty="0"/>
           </a:p>
         </p:txBody>
       </p:sp>
@@ -1519,17 +1511,17 @@
           </a:lstStyle>
           <a:p>
             <a:r>
-              <a:rPr lang="en-US"/>
+              <a:rPr lang="en-US" dirty="0"/>
               <a:t>© SoftUni – </a:t>
             </a:r>
             <a:r>
-              <a:rPr lang="en-US" u="sng">
+              <a:rPr lang="en-US" u="sng" dirty="0">
                 <a:hlinkClick r:id="rId3"/>
               </a:rPr>
               <a:t>https://softuni.org</a:t>
             </a:r>
             <a:r>
-              <a:rPr lang="en-US"/>
+              <a:rPr lang="en-US" dirty="0"/>
               <a:t>. Copyrighted document. Unauthorized copy or reproduction is not permitted.</a:t>
             </a:r>
           </a:p>
@@ -1592,7 +1584,7 @@
           <a:bodyPr/>
           <a:lstStyle/>
           <a:p>
-            <a:endParaRPr lang="en-US"/>
+            <a:endParaRPr lang="en-US" dirty="0"/>
           </a:p>
         </p:txBody>
       </p:sp>
@@ -1722,7 +1714,7 @@
               <a:pPr/>
               <a:t>17</a:t>
             </a:fld>
-            <a:endParaRPr lang="en-US"/>
+            <a:endParaRPr lang="en-US" dirty="0"/>
           </a:p>
         </p:txBody>
       </p:sp>
@@ -1760,17 +1752,17 @@
           </a:lstStyle>
           <a:p>
             <a:r>
-              <a:rPr lang="en-US"/>
+              <a:rPr lang="en-US" dirty="0"/>
               <a:t>© SoftUni – </a:t>
             </a:r>
             <a:r>
-              <a:rPr lang="en-US" u="sng">
+              <a:rPr lang="en-US" u="sng" dirty="0">
                 <a:hlinkClick r:id="rId3"/>
               </a:rPr>
               <a:t>https://softuni.org</a:t>
             </a:r>
             <a:r>
-              <a:rPr lang="en-US"/>
+              <a:rPr lang="en-US" dirty="0"/>
               <a:t>. Copyrighted document. Unauthorized copy or reproduction is not permitted.</a:t>
             </a:r>
           </a:p>
@@ -1856,7 +1848,7 @@
               <a:rPr lang="en-US" smtClean="0"/>
               <a:t>2</a:t>
             </a:fld>
-            <a:endParaRPr lang="en-US"/>
+            <a:endParaRPr lang="en-US" dirty="0"/>
           </a:p>
         </p:txBody>
       </p:sp>
@@ -1876,17 +1868,17 @@
           <a:lstStyle/>
           <a:p>
             <a:r>
-              <a:rPr lang="en-US"/>
+              <a:rPr lang="en-US" dirty="0"/>
               <a:t>© SoftUni – </a:t>
             </a:r>
             <a:r>
-              <a:rPr lang="en-US" u="sng">
+              <a:rPr lang="en-US" u="sng" dirty="0">
                 <a:hlinkClick r:id="rId3"/>
               </a:rPr>
               <a:t>https://softuni.org</a:t>
             </a:r>
             <a:r>
-              <a:rPr lang="en-US"/>
+              <a:rPr lang="en-US" dirty="0"/>
               <a:t>. Copyrighted document. Unauthorized copy or reproduction is not permitted.</a:t>
             </a:r>
           </a:p>
@@ -1972,7 +1964,7 @@
               <a:rPr lang="en-US" smtClean="0"/>
               <a:t>3</a:t>
             </a:fld>
-            <a:endParaRPr lang="en-US"/>
+            <a:endParaRPr lang="en-US" dirty="0"/>
           </a:p>
         </p:txBody>
       </p:sp>
@@ -1992,17 +1984,17 @@
           <a:lstStyle/>
           <a:p>
             <a:r>
-              <a:rPr lang="en-US"/>
+              <a:rPr lang="en-US" dirty="0"/>
               <a:t>© SoftUni – </a:t>
             </a:r>
             <a:r>
-              <a:rPr lang="en-US" u="sng">
+              <a:rPr lang="en-US" u="sng" dirty="0">
                 <a:hlinkClick r:id="rId3"/>
               </a:rPr>
               <a:t>https://softuni.org</a:t>
             </a:r>
             <a:r>
-              <a:rPr lang="en-US"/>
+              <a:rPr lang="en-US" dirty="0"/>
               <a:t>. Copyrighted document. Unauthorized copy or reproduction is not permitted.</a:t>
             </a:r>
           </a:p>
@@ -2065,7 +2057,7 @@
           <a:bodyPr/>
           <a:lstStyle/>
           <a:p>
-            <a:endParaRPr lang="en-US"/>
+            <a:endParaRPr lang="en-US" dirty="0"/>
           </a:p>
         </p:txBody>
       </p:sp>
@@ -2089,7 +2081,7 @@
               <a:pPr/>
               <a:t>6</a:t>
             </a:fld>
-            <a:endParaRPr lang="en-US"/>
+            <a:endParaRPr lang="en-US" dirty="0"/>
           </a:p>
         </p:txBody>
       </p:sp>
@@ -2127,17 +2119,17 @@
           </a:lstStyle>
           <a:p>
             <a:r>
-              <a:rPr lang="en-US"/>
+              <a:rPr lang="en-US" dirty="0"/>
               <a:t>© SoftUni – </a:t>
             </a:r>
             <a:r>
-              <a:rPr lang="en-US" u="sng">
+              <a:rPr lang="en-US" u="sng" dirty="0">
                 <a:hlinkClick r:id="rId3"/>
               </a:rPr>
               <a:t>https://softuni.org</a:t>
             </a:r>
             <a:r>
-              <a:rPr lang="en-US"/>
+              <a:rPr lang="en-US" dirty="0"/>
               <a:t>. Copyrighted document. Unauthorized copy or reproduction is not permitted.</a:t>
             </a:r>
           </a:p>
@@ -2200,7 +2192,7 @@
           <a:bodyPr/>
           <a:lstStyle/>
           <a:p>
-            <a:endParaRPr lang="en-GB"/>
+            <a:endParaRPr lang="en-GB" dirty="0"/>
           </a:p>
         </p:txBody>
       </p:sp>
@@ -2224,7 +2216,7 @@
               <a:pPr/>
               <a:t>7</a:t>
             </a:fld>
-            <a:endParaRPr lang="en-US"/>
+            <a:endParaRPr lang="en-US" dirty="0"/>
           </a:p>
         </p:txBody>
       </p:sp>
@@ -2262,17 +2254,17 @@
           </a:lstStyle>
           <a:p>
             <a:r>
-              <a:rPr lang="en-US"/>
+              <a:rPr lang="en-US" dirty="0"/>
               <a:t>© SoftUni – </a:t>
             </a:r>
             <a:r>
-              <a:rPr lang="en-US" u="sng">
+              <a:rPr lang="en-US" u="sng" dirty="0">
                 <a:hlinkClick r:id="rId3"/>
               </a:rPr>
               <a:t>https://softuni.org</a:t>
             </a:r>
             <a:r>
-              <a:rPr lang="en-US"/>
+              <a:rPr lang="en-US" dirty="0"/>
               <a:t>. Copyrighted document. Unauthorized copy or reproduction is not permitted.</a:t>
             </a:r>
           </a:p>
@@ -2335,7 +2327,7 @@
           <a:bodyPr/>
           <a:lstStyle/>
           <a:p>
-            <a:endParaRPr lang="en-GB"/>
+            <a:endParaRPr lang="en-GB" dirty="0"/>
           </a:p>
         </p:txBody>
       </p:sp>
@@ -2359,7 +2351,7 @@
               <a:pPr/>
               <a:t>8</a:t>
             </a:fld>
-            <a:endParaRPr lang="en-US"/>
+            <a:endParaRPr lang="en-US" dirty="0"/>
           </a:p>
         </p:txBody>
       </p:sp>
@@ -2397,17 +2389,17 @@
           </a:lstStyle>
           <a:p>
             <a:r>
-              <a:rPr lang="en-US"/>
+              <a:rPr lang="en-US" dirty="0"/>
               <a:t>© SoftUni – </a:t>
             </a:r>
             <a:r>
-              <a:rPr lang="en-US" u="sng">
+              <a:rPr lang="en-US" u="sng" dirty="0">
                 <a:hlinkClick r:id="rId3"/>
               </a:rPr>
               <a:t>https://softuni.org</a:t>
             </a:r>
             <a:r>
-              <a:rPr lang="en-US"/>
+              <a:rPr lang="en-US" dirty="0"/>
               <a:t>. Copyrighted document. Unauthorized copy or reproduction is not permitted.</a:t>
             </a:r>
           </a:p>
@@ -2493,7 +2485,7 @@
               <a:rPr lang="en-US" smtClean="0"/>
               <a:t>9</a:t>
             </a:fld>
-            <a:endParaRPr lang="en-US"/>
+            <a:endParaRPr lang="en-US" dirty="0"/>
           </a:p>
         </p:txBody>
       </p:sp>
@@ -2513,17 +2505,17 @@
           <a:lstStyle/>
           <a:p>
             <a:r>
-              <a:rPr lang="en-US"/>
+              <a:rPr lang="en-US" dirty="0"/>
               <a:t>© SoftUni – </a:t>
             </a:r>
             <a:r>
-              <a:rPr lang="en-US" u="sng">
+              <a:rPr lang="en-US" u="sng" dirty="0">
                 <a:hlinkClick r:id="rId3"/>
               </a:rPr>
               <a:t>https://softuni.org</a:t>
             </a:r>
             <a:r>
-              <a:rPr lang="en-US"/>
+              <a:rPr lang="en-US" dirty="0"/>
               <a:t>. Copyrighted document. Unauthorized copy or reproduction is not permitted.</a:t>
             </a:r>
           </a:p>
@@ -2586,7 +2578,7 @@
           <a:bodyPr/>
           <a:lstStyle/>
           <a:p>
-            <a:endParaRPr lang="bg-BG"/>
+            <a:endParaRPr lang="bg-BG" dirty="0"/>
           </a:p>
         </p:txBody>
       </p:sp>
@@ -2609,7 +2601,7 @@
               <a:rPr lang="en-US" smtClean="0"/>
               <a:t>10</a:t>
             </a:fld>
-            <a:endParaRPr lang="en-US"/>
+            <a:endParaRPr lang="en-US" dirty="0"/>
           </a:p>
         </p:txBody>
       </p:sp>
@@ -2647,17 +2639,17 @@
           </a:lstStyle>
           <a:p>
             <a:r>
-              <a:rPr lang="en-US"/>
+              <a:rPr lang="en-US" dirty="0"/>
               <a:t>© SoftUni – </a:t>
             </a:r>
             <a:r>
-              <a:rPr lang="en-US" u="sng">
+              <a:rPr lang="en-US" u="sng" dirty="0">
                 <a:hlinkClick r:id="rId3"/>
               </a:rPr>
               <a:t>https://softuni.org</a:t>
             </a:r>
             <a:r>
-              <a:rPr lang="en-US"/>
+              <a:rPr lang="en-US" dirty="0"/>
               <a:t>. Copyrighted document. Unauthorized copy or reproduction is not permitted.</a:t>
             </a:r>
           </a:p>
@@ -2743,7 +2735,7 @@
               <a:rPr lang="en-US" smtClean="0"/>
               <a:t>11</a:t>
             </a:fld>
-            <a:endParaRPr lang="en-US"/>
+            <a:endParaRPr lang="en-US" dirty="0"/>
           </a:p>
         </p:txBody>
       </p:sp>
@@ -2763,17 +2755,17 @@
           <a:lstStyle/>
           <a:p>
             <a:r>
-              <a:rPr lang="en-US"/>
+              <a:rPr lang="en-US" dirty="0"/>
               <a:t>© SoftUni – </a:t>
             </a:r>
             <a:r>
-              <a:rPr lang="en-US" u="sng">
+              <a:rPr lang="en-US" u="sng" dirty="0">
                 <a:hlinkClick r:id="rId3"/>
               </a:rPr>
               <a:t>https://softuni.org</a:t>
             </a:r>
             <a:r>
-              <a:rPr lang="en-US"/>
+              <a:rPr lang="en-US" dirty="0"/>
               <a:t>. Copyrighted document. Unauthorized copy or reproduction is not permitted.</a:t>
             </a:r>
           </a:p>
@@ -2873,7 +2865,7 @@
               <a:tabLst/>
               <a:defRPr/>
             </a:pPr>
-            <a:endParaRPr kumimoji="0" lang="en-US" altLang="ko-KR" sz="2398" b="0" i="0" u="none" strike="noStrike" kern="1200" cap="none" spc="0" normalizeH="0" baseline="0" noProof="0">
+            <a:endParaRPr kumimoji="0" lang="en-US" altLang="ko-KR" sz="2398" b="0" i="0" u="none" strike="noStrike" kern="1200" cap="none" spc="0" normalizeH="0" baseline="0" noProof="0" dirty="0">
               <a:ln>
                 <a:noFill/>
               </a:ln>
@@ -3298,7 +3290,7 @@
           </a:lstStyle>
           <a:p>
             <a:r>
-              <a:rPr lang="en-US" noProof="0"/>
+              <a:rPr lang="en-US" noProof="0" dirty="0"/>
               <a:t>Click icon to add picture</a:t>
             </a:r>
           </a:p>
@@ -3502,7 +3494,7 @@
               <a:tabLst/>
               <a:defRPr/>
             </a:pPr>
-            <a:endParaRPr kumimoji="0" lang="en-US" altLang="ko-KR" sz="2398" b="0" i="0" u="none" strike="noStrike" kern="1200" cap="none" spc="0" normalizeH="0" baseline="0" noProof="0">
+            <a:endParaRPr kumimoji="0" lang="en-US" altLang="ko-KR" sz="2398" b="0" i="0" u="none" strike="noStrike" kern="1200" cap="none" spc="0" normalizeH="0" baseline="0" noProof="0" dirty="0">
               <a:ln>
                 <a:noFill/>
               </a:ln>
@@ -3561,7 +3553,7 @@
               <a:pPr/>
               <a:t>‹#›</a:t>
             </a:fld>
-            <a:endParaRPr lang="en-US"/>
+            <a:endParaRPr lang="en-US" dirty="0"/>
           </a:p>
         </p:txBody>
       </p:sp>
@@ -3625,7 +3617,7 @@
               <a:tabLst/>
               <a:defRPr/>
             </a:pPr>
-            <a:endParaRPr kumimoji="0" lang="en-US" altLang="ko-KR" sz="2398" b="0" i="0" u="none" strike="noStrike" kern="1200" cap="none" spc="0" normalizeH="0" baseline="0" noProof="0">
+            <a:endParaRPr kumimoji="0" lang="en-US" altLang="ko-KR" sz="2398" b="0" i="0" u="none" strike="noStrike" kern="1200" cap="none" spc="0" normalizeH="0" baseline="0" noProof="0" dirty="0">
               <a:ln>
                 <a:noFill/>
               </a:ln>
@@ -3898,7 +3890,7 @@
               <a:tabLst/>
               <a:defRPr/>
             </a:pPr>
-            <a:endParaRPr kumimoji="0" lang="en-US" altLang="ko-KR" sz="2398" b="0" i="0" u="none" strike="noStrike" kern="1200" cap="none" spc="0" normalizeH="0" baseline="0" noProof="0">
+            <a:endParaRPr kumimoji="0" lang="en-US" altLang="ko-KR" sz="2398" b="0" i="0" u="none" strike="noStrike" kern="1200" cap="none" spc="0" normalizeH="0" baseline="0" noProof="0" dirty="0">
               <a:ln>
                 <a:noFill/>
               </a:ln>
@@ -4084,7 +4076,7 @@
               <a:pPr/>
               <a:t>‹#›</a:t>
             </a:fld>
-            <a:endParaRPr lang="en-US" noProof="0"/>
+            <a:endParaRPr lang="en-US" noProof="0" dirty="0"/>
           </a:p>
         </p:txBody>
       </p:sp>
@@ -4238,7 +4230,7 @@
           </a:lstStyle>
           <a:p>
             <a:r>
-              <a:rPr lang="en-US" altLang="ko-KR" noProof="0"/>
+              <a:rPr lang="en-US" altLang="ko-KR" noProof="0" dirty="0"/>
               <a:t>Your Picture Here</a:t>
             </a:r>
           </a:p>
@@ -4302,7 +4294,7 @@
               <a:tabLst/>
               <a:defRPr/>
             </a:pPr>
-            <a:endParaRPr kumimoji="0" lang="en-US" altLang="ko-KR" sz="2398" b="0" i="0" u="none" strike="noStrike" kern="1200" cap="none" spc="0" normalizeH="0" baseline="0" noProof="0">
+            <a:endParaRPr kumimoji="0" lang="en-US" altLang="ko-KR" sz="2398" b="0" i="0" u="none" strike="noStrike" kern="1200" cap="none" spc="0" normalizeH="0" baseline="0" noProof="0" dirty="0">
               <a:ln>
                 <a:noFill/>
               </a:ln>
@@ -4377,7 +4369,7 @@
               <a:tabLst/>
               <a:defRPr/>
             </a:pPr>
-            <a:endParaRPr kumimoji="0" lang="en-US" altLang="ko-KR" sz="2398" b="0" i="0" u="none" strike="noStrike" kern="1200" cap="none" spc="0" normalizeH="0" baseline="0" noProof="0">
+            <a:endParaRPr kumimoji="0" lang="en-US" altLang="ko-KR" sz="2398" b="0" i="0" u="none" strike="noStrike" kern="1200" cap="none" spc="0" normalizeH="0" baseline="0" noProof="0" dirty="0">
               <a:ln>
                 <a:noFill/>
               </a:ln>
@@ -4458,7 +4450,7 @@
               <a:tabLst/>
               <a:defRPr/>
             </a:pPr>
-            <a:endParaRPr kumimoji="0" lang="en-US" altLang="ko-KR" sz="2398" b="0" i="0" u="none" strike="noStrike" kern="1200" cap="none" spc="0" normalizeH="0" baseline="0" noProof="0">
+            <a:endParaRPr kumimoji="0" lang="en-US" altLang="ko-KR" sz="2398" b="0" i="0" u="none" strike="noStrike" kern="1200" cap="none" spc="0" normalizeH="0" baseline="0" noProof="0" dirty="0">
               <a:ln>
                 <a:noFill/>
               </a:ln>
@@ -4539,7 +4531,7 @@
               <a:tabLst/>
               <a:defRPr/>
             </a:pPr>
-            <a:endParaRPr kumimoji="0" lang="en-US" altLang="ko-KR" sz="2398" b="0" i="0" u="none" strike="noStrike" kern="1200" cap="none" spc="0" normalizeH="0" baseline="0" noProof="0">
+            <a:endParaRPr kumimoji="0" lang="en-US" altLang="ko-KR" sz="2398" b="0" i="0" u="none" strike="noStrike" kern="1200" cap="none" spc="0" normalizeH="0" baseline="0" noProof="0" dirty="0">
               <a:ln>
                 <a:noFill/>
               </a:ln>
@@ -4743,7 +4735,7 @@
               <a:tabLst/>
               <a:defRPr/>
             </a:pPr>
-            <a:endParaRPr kumimoji="0" lang="en-US" altLang="ko-KR" sz="2398" b="0" i="0" u="none" strike="noStrike" kern="1200" cap="none" spc="0" normalizeH="0" baseline="0" noProof="0">
+            <a:endParaRPr kumimoji="0" lang="en-US" altLang="ko-KR" sz="2398" b="0" i="0" u="none" strike="noStrike" kern="1200" cap="none" spc="0" normalizeH="0" baseline="0" noProof="0" dirty="0">
               <a:ln>
                 <a:noFill/>
               </a:ln>
@@ -4799,7 +4791,7 @@
               </a:spcAft>
             </a:pPr>
             <a:r>
-              <a:rPr lang="en-US" sz="1600" noProof="0">
+              <a:rPr lang="en-US" sz="1600" noProof="0" dirty="0">
                 <a:solidFill>
                   <a:schemeClr val="bg2"/>
                 </a:solidFill>
@@ -4811,7 +4803,7 @@
               <a:t>© SoftUni – </a:t>
             </a:r>
             <a:r>
-              <a:rPr lang="en-US" sz="1600" u="sng" noProof="0">
+              <a:rPr lang="en-US" sz="1600" u="sng" noProof="0" dirty="0">
                 <a:solidFill>
                   <a:schemeClr val="bg2"/>
                 </a:solidFill>
@@ -4830,7 +4822,7 @@
               <a:t>https://softuni.org</a:t>
             </a:r>
             <a:r>
-              <a:rPr lang="en-US" sz="1600" noProof="0">
+              <a:rPr lang="en-US" sz="1600" noProof="0" dirty="0">
                 <a:solidFill>
                   <a:schemeClr val="bg2"/>
                 </a:solidFill>
@@ -4841,7 +4833,7 @@
               </a:rPr>
               <a:t>. Copyrighted document. Unauthorized copy, reproduction or use is not permitted.</a:t>
             </a:r>
-            <a:endParaRPr lang="en-US" sz="2400" noProof="0">
+            <a:endParaRPr lang="en-US" sz="2400" noProof="0" dirty="0">
               <a:solidFill>
                 <a:schemeClr val="bg2"/>
               </a:solidFill>
@@ -5705,7 +5697,7 @@
               <a:pPr/>
               <a:t>‹#›</a:t>
             </a:fld>
-            <a:endParaRPr lang="en-US" noProof="0"/>
+            <a:endParaRPr lang="en-US" noProof="0" dirty="0"/>
           </a:p>
         </p:txBody>
       </p:sp>
@@ -6057,7 +6049,7 @@
               <a:tabLst/>
               <a:defRPr/>
             </a:pPr>
-            <a:endParaRPr kumimoji="0" lang="en-US" altLang="ko-KR" sz="2398" b="0" i="0" u="none" strike="noStrike" kern="1200" cap="none" spc="0" normalizeH="0" baseline="0" noProof="0">
+            <a:endParaRPr kumimoji="0" lang="en-US" altLang="ko-KR" sz="2398" b="0" i="0" u="none" strike="noStrike" kern="1200" cap="none" spc="0" normalizeH="0" baseline="0" noProof="0" dirty="0">
               <a:ln>
                 <a:noFill/>
               </a:ln>
@@ -6249,7 +6241,7 @@
               <a:tabLst/>
               <a:defRPr/>
             </a:pPr>
-            <a:endParaRPr kumimoji="0" lang="en-US" altLang="ko-KR" sz="2398" b="0" i="0" u="none" strike="noStrike" kern="1200" cap="none" spc="0" normalizeH="0" baseline="0" noProof="0">
+            <a:endParaRPr kumimoji="0" lang="en-US" altLang="ko-KR" sz="2398" b="0" i="0" u="none" strike="noStrike" kern="1200" cap="none" spc="0" normalizeH="0" baseline="0" noProof="0" dirty="0">
               <a:ln>
                 <a:noFill/>
               </a:ln>
@@ -6431,7 +6423,7 @@
               <a:pPr/>
               <a:t>‹#›</a:t>
             </a:fld>
-            <a:endParaRPr lang="en-US" noProof="0"/>
+            <a:endParaRPr lang="en-US" noProof="0" dirty="0"/>
           </a:p>
         </p:txBody>
       </p:sp>
@@ -6577,7 +6569,7 @@
               <a:tabLst/>
               <a:defRPr/>
             </a:pPr>
-            <a:endParaRPr kumimoji="0" lang="en-US" altLang="ko-KR" sz="2398" b="0" i="0" u="none" strike="noStrike" kern="1200" cap="none" spc="0" normalizeH="0" baseline="0" noProof="0">
+            <a:endParaRPr kumimoji="0" lang="en-US" altLang="ko-KR" sz="2398" b="0" i="0" u="none" strike="noStrike" kern="1200" cap="none" spc="0" normalizeH="0" baseline="0" noProof="0" dirty="0">
               <a:ln>
                 <a:noFill/>
               </a:ln>
@@ -6747,7 +6739,7 @@
               <a:pPr/>
               <a:t>‹#›</a:t>
             </a:fld>
-            <a:endParaRPr lang="en-US" noProof="0"/>
+            <a:endParaRPr lang="en-US" noProof="0" dirty="0"/>
           </a:p>
         </p:txBody>
       </p:sp>
@@ -6942,7 +6934,7 @@
               <a:tabLst/>
               <a:defRPr/>
             </a:pPr>
-            <a:endParaRPr kumimoji="0" lang="en-US" altLang="ko-KR" sz="2398" b="0" i="0" u="none" strike="noStrike" kern="1200" cap="none" spc="0" normalizeH="0" baseline="0" noProof="0">
+            <a:endParaRPr kumimoji="0" lang="en-US" altLang="ko-KR" sz="2398" b="0" i="0" u="none" strike="noStrike" kern="1200" cap="none" spc="0" normalizeH="0" baseline="0" noProof="0" dirty="0">
               <a:ln>
                 <a:noFill/>
               </a:ln>
@@ -7112,7 +7104,7 @@
               <a:pPr/>
               <a:t>‹#›</a:t>
             </a:fld>
-            <a:endParaRPr lang="en-US" noProof="0"/>
+            <a:endParaRPr lang="en-US" noProof="0" dirty="0"/>
           </a:p>
         </p:txBody>
       </p:sp>
@@ -7174,7 +7166,7 @@
               <a:tabLst/>
               <a:defRPr/>
             </a:pPr>
-            <a:endParaRPr kumimoji="0" lang="en-US" altLang="ko-KR" sz="2398" b="0" i="0" u="none" strike="noStrike" kern="1200" cap="none" spc="0" normalizeH="0" baseline="0" noProof="0">
+            <a:endParaRPr kumimoji="0" lang="en-US" altLang="ko-KR" sz="2398" b="0" i="0" u="none" strike="noStrike" kern="1200" cap="none" spc="0" normalizeH="0" baseline="0" noProof="0" dirty="0">
               <a:ln>
                 <a:noFill/>
               </a:ln>
@@ -7487,7 +7479,7 @@
               <a:pPr/>
               <a:t>‹#›</a:t>
             </a:fld>
-            <a:endParaRPr lang="en-US" noProof="0"/>
+            <a:endParaRPr lang="en-US" noProof="0" dirty="0"/>
           </a:p>
         </p:txBody>
       </p:sp>
@@ -7555,7 +7547,7 @@
               <a:tabLst/>
               <a:defRPr/>
             </a:pPr>
-            <a:endParaRPr kumimoji="0" lang="en-US" altLang="ko-KR" sz="2398" b="0" i="0" u="none" strike="noStrike" kern="1200" cap="none" spc="0" normalizeH="0" baseline="0" noProof="0">
+            <a:endParaRPr kumimoji="0" lang="en-US" altLang="ko-KR" sz="2398" b="0" i="0" u="none" strike="noStrike" kern="1200" cap="none" spc="0" normalizeH="0" baseline="0" noProof="0" dirty="0">
               <a:ln>
                 <a:noFill/>
               </a:ln>
@@ -7868,7 +7860,7 @@
               <a:pPr/>
               <a:t>‹#›</a:t>
             </a:fld>
-            <a:endParaRPr lang="en-US" noProof="0"/>
+            <a:endParaRPr lang="en-US" noProof="0" dirty="0"/>
           </a:p>
         </p:txBody>
       </p:sp>
@@ -7936,7 +7928,7 @@
               <a:tabLst/>
               <a:defRPr/>
             </a:pPr>
-            <a:endParaRPr kumimoji="0" lang="en-US" altLang="ko-KR" sz="2398" b="0" i="0" u="none" strike="noStrike" kern="1200" cap="none" spc="0" normalizeH="0" baseline="0" noProof="0">
+            <a:endParaRPr kumimoji="0" lang="en-US" altLang="ko-KR" sz="2398" b="0" i="0" u="none" strike="noStrike" kern="1200" cap="none" spc="0" normalizeH="0" baseline="0" noProof="0" dirty="0">
               <a:ln>
                 <a:noFill/>
               </a:ln>
@@ -8203,7 +8195,7 @@
               <a:pPr/>
               <a:t>‹#›</a:t>
             </a:fld>
-            <a:endParaRPr lang="en-US" noProof="0"/>
+            <a:endParaRPr lang="en-US" noProof="0" dirty="0"/>
           </a:p>
         </p:txBody>
       </p:sp>
@@ -8271,7 +8263,7 @@
               <a:tabLst/>
               <a:defRPr/>
             </a:pPr>
-            <a:endParaRPr kumimoji="0" lang="en-US" altLang="ko-KR" sz="2398" b="0" i="0" u="none" strike="noStrike" kern="1200" cap="none" spc="0" normalizeH="0" baseline="0" noProof="0">
+            <a:endParaRPr kumimoji="0" lang="en-US" altLang="ko-KR" sz="2398" b="0" i="0" u="none" strike="noStrike" kern="1200" cap="none" spc="0" normalizeH="0" baseline="0" noProof="0" dirty="0">
               <a:ln>
                 <a:noFill/>
               </a:ln>
@@ -8639,7 +8631,7 @@
               <a:tabLst/>
               <a:defRPr/>
             </a:pPr>
-            <a:endParaRPr kumimoji="0" lang="en-US" altLang="ko-KR" sz="2398" b="0" i="0" u="none" strike="noStrike" kern="1200" cap="none" spc="0" normalizeH="0" baseline="0" noProof="0">
+            <a:endParaRPr kumimoji="0" lang="en-US" altLang="ko-KR" sz="2398" b="0" i="0" u="none" strike="noStrike" kern="1200" cap="none" spc="0" normalizeH="0" baseline="0" noProof="0" dirty="0">
               <a:ln>
                 <a:noFill/>
               </a:ln>
@@ -9363,12 +9355,8 @@
           <a:lstStyle/>
           <a:p>
             <a:r>
-              <a:rPr lang="en-US" dirty="0" err="1"/>
-              <a:t>SoftUni</a:t>
-            </a:r>
-            <a:r>
-              <a:rPr lang="en-US"/>
-              <a:t> Team</a:t>
+              <a:rPr lang="en-US" dirty="0"/>
+              <a:t>SoftUni Team</a:t>
             </a:r>
           </a:p>
         </p:txBody>
@@ -9394,7 +9382,7 @@
           <a:lstStyle/>
           <a:p>
             <a:r>
-              <a:rPr lang="en-US"/>
+              <a:rPr lang="en-US" dirty="0"/>
               <a:t>Technical Trainers</a:t>
             </a:r>
           </a:p>
@@ -9505,11 +9493,11 @@
           <a:lstStyle/>
           <a:p>
             <a:r>
-              <a:rPr lang="bg-BG"/>
+              <a:rPr lang="bg-BG" dirty="0"/>
               <a:t>Списък от обекти: </a:t>
             </a:r>
             <a:r>
-              <a:rPr lang="en-US"/>
+              <a:rPr lang="en-US" dirty="0"/>
               <a:t>List&lt;T&gt;</a:t>
             </a:r>
           </a:p>
@@ -9732,23 +9720,7 @@
                   <a:schemeClr val="tx1"/>
                 </a:solidFill>
               </a:rPr>
-              <a:t>using </a:t>
-            </a:r>
-            <a:r>
-              <a:rPr lang="en-US" sz="2400" dirty="0" err="1">
-                <a:solidFill>
-                  <a:schemeClr val="tx1"/>
-                </a:solidFill>
-              </a:rPr>
-              <a:t>System.Collections.Generic</a:t>
-            </a:r>
-            <a:r>
-              <a:rPr lang="en-US" sz="2400" dirty="0">
-                <a:solidFill>
-                  <a:schemeClr val="tx1"/>
-                </a:solidFill>
-              </a:rPr>
-              <a:t>;</a:t>
+              <a:t>using System.Collections.Generic;</a:t>
             </a:r>
           </a:p>
           <a:p>
@@ -9895,7 +9867,7 @@
               </a:spcAft>
             </a:pPr>
             <a:r>
-              <a:rPr lang="en-US" sz="2400" dirty="0" err="1">
+              <a:rPr lang="en-US" sz="2400" dirty="0">
                 <a:solidFill>
                   <a:schemeClr val="tx1"/>
                 </a:solidFill>
@@ -9903,20 +9875,12 @@
               <a:t>names.</a:t>
             </a:r>
             <a:r>
-              <a:rPr lang="en-US" sz="2400" dirty="0" err="1">
+              <a:rPr lang="en-US" sz="2400" dirty="0">
                 <a:solidFill>
                   <a:schemeClr val="bg1"/>
                 </a:solidFill>
               </a:rPr>
-              <a:t>Add</a:t>
-            </a:r>
-            <a:r>
-              <a:rPr lang="en-US" sz="2400" dirty="0">
-                <a:solidFill>
-                  <a:schemeClr val="bg1"/>
-                </a:solidFill>
-              </a:rPr>
-              <a:t>(</a:t>
+              <a:t>Add(</a:t>
             </a:r>
             <a:r>
               <a:rPr lang="en-US" sz="2400" dirty="0">
@@ -9953,7 +9917,7 @@
               </a:spcAft>
             </a:pPr>
             <a:r>
-              <a:rPr lang="en-US" sz="2400" dirty="0" err="1">
+              <a:rPr lang="en-US" sz="2400" dirty="0">
                 <a:solidFill>
                   <a:schemeClr val="tx1"/>
                 </a:solidFill>
@@ -9961,20 +9925,12 @@
               <a:t>names.</a:t>
             </a:r>
             <a:r>
-              <a:rPr lang="en-US" sz="2400" dirty="0" err="1">
+              <a:rPr lang="en-US" sz="2400" dirty="0">
                 <a:solidFill>
                   <a:schemeClr val="bg1"/>
                 </a:solidFill>
               </a:rPr>
-              <a:t>Add</a:t>
-            </a:r>
-            <a:r>
-              <a:rPr lang="en-US" sz="2400" dirty="0">
-                <a:solidFill>
-                  <a:schemeClr val="bg1"/>
-                </a:solidFill>
-              </a:rPr>
-              <a:t>(</a:t>
+              <a:t>Add(</a:t>
             </a:r>
             <a:r>
               <a:rPr lang="en-US" sz="2400" dirty="0">
@@ -10011,7 +9967,7 @@
               </a:spcAft>
             </a:pPr>
             <a:r>
-              <a:rPr lang="en-US" sz="2400" dirty="0" err="1">
+              <a:rPr lang="en-US" sz="2400" dirty="0">
                 <a:solidFill>
                   <a:schemeClr val="tx1"/>
                 </a:solidFill>
@@ -10019,20 +9975,12 @@
               <a:t>names.</a:t>
             </a:r>
             <a:r>
-              <a:rPr lang="en-US" sz="2400" dirty="0" err="1">
+              <a:rPr lang="en-US" sz="2400" dirty="0">
                 <a:solidFill>
                   <a:schemeClr val="bg1"/>
                 </a:solidFill>
               </a:rPr>
-              <a:t>Add</a:t>
-            </a:r>
-            <a:r>
-              <a:rPr lang="en-US" sz="2400" dirty="0">
-                <a:solidFill>
-                  <a:schemeClr val="bg1"/>
-                </a:solidFill>
-              </a:rPr>
-              <a:t>(</a:t>
+              <a:t>Add(</a:t>
             </a:r>
             <a:r>
               <a:rPr lang="en-US" sz="2400" dirty="0">
@@ -10130,23 +10078,7 @@
                   <a:schemeClr val="tx1"/>
                 </a:solidFill>
               </a:rPr>
-              <a:t>  </a:t>
-            </a:r>
-            <a:r>
-              <a:rPr lang="en-US" sz="2400" dirty="0" err="1">
-                <a:solidFill>
-                  <a:schemeClr val="tx1"/>
-                </a:solidFill>
-              </a:rPr>
-              <a:t>Console.WriteLine</a:t>
-            </a:r>
-            <a:r>
-              <a:rPr lang="en-US" sz="2400" dirty="0">
-                <a:solidFill>
-                  <a:schemeClr val="tx1"/>
-                </a:solidFill>
-              </a:rPr>
-              <a:t>(name);</a:t>
+              <a:t>  Console.WriteLine(name);</a:t>
             </a:r>
           </a:p>
         </p:txBody>
@@ -10277,7 +10209,7 @@
               <a:pPr/>
               <a:t>10</a:t>
             </a:fld>
-            <a:endParaRPr lang="en-US"/>
+            <a:endParaRPr lang="en-US" dirty="0"/>
           </a:p>
         </p:txBody>
       </p:sp>
@@ -10363,7 +10295,7 @@
             <a:p>
               <a:pPr algn="ctr"/>
               <a:r>
-                <a:rPr lang="en-US" sz="2799" b="1">
+                <a:rPr lang="en-US" sz="2799" b="1" dirty="0">
                   <a:solidFill>
                     <a:schemeClr val="tx1"/>
                   </a:solidFill>
@@ -10435,14 +10367,14 @@
             <a:p>
               <a:pPr algn="ctr"/>
               <a:r>
-                <a:rPr lang="en-GB" sz="2799" b="1">
+                <a:rPr lang="en-GB" sz="2799" b="1" dirty="0">
                   <a:solidFill>
                     <a:schemeClr val="tx1"/>
                   </a:solidFill>
                 </a:rPr>
                 <a:t>Maria</a:t>
               </a:r>
-              <a:endParaRPr lang="en-US" sz="2799" b="1">
+              <a:endParaRPr lang="en-US" sz="2799" b="1" dirty="0">
                 <a:solidFill>
                   <a:schemeClr val="tx1"/>
                 </a:solidFill>
@@ -10571,10 +10503,10 @@
                 <a:buSzPct val="70000"/>
               </a:pPr>
               <a:r>
-                <a:rPr lang="en-GB" sz="2999"/>
+                <a:rPr lang="en-GB" sz="2999" dirty="0"/>
                 <a:t>0</a:t>
               </a:r>
-              <a:endParaRPr lang="en-US" sz="2999"/>
+              <a:endParaRPr lang="en-US" sz="2999" dirty="0"/>
             </a:p>
           </p:txBody>
         </p:sp>
@@ -10622,10 +10554,10 @@
                 <a:buSzPct val="70000"/>
               </a:pPr>
               <a:r>
-                <a:rPr lang="en-GB" sz="2999"/>
+                <a:rPr lang="en-GB" sz="2999" dirty="0"/>
                 <a:t>1</a:t>
               </a:r>
-              <a:endParaRPr lang="en-US" sz="2999"/>
+              <a:endParaRPr lang="en-US" sz="2999" dirty="0"/>
             </a:p>
           </p:txBody>
         </p:sp>
@@ -10673,10 +10605,10 @@
                 <a:buSzPct val="70000"/>
               </a:pPr>
               <a:r>
-                <a:rPr lang="en-GB" sz="2999"/>
+                <a:rPr lang="en-GB" sz="2999" dirty="0"/>
                 <a:t>2</a:t>
               </a:r>
-              <a:endParaRPr lang="en-US" sz="2999"/>
+              <a:endParaRPr lang="en-US" sz="2999" dirty="0"/>
             </a:p>
           </p:txBody>
         </p:sp>
@@ -11480,7 +11412,7 @@
               <a:pPr/>
               <a:t>11</a:t>
             </a:fld>
-            <a:endParaRPr lang="en-US" noProof="0"/>
+            <a:endParaRPr lang="en-US" noProof="0" dirty="0"/>
           </a:p>
         </p:txBody>
       </p:sp>
@@ -11968,10 +11900,10 @@
           <a:lstStyle/>
           <a:p>
             <a:r>
-              <a:rPr lang="bg-BG"/>
-              <a:t>Списък от правоъгълници – пример </a:t>
-            </a:r>
-            <a:endParaRPr lang="en-US"/>
+              <a:rPr lang="bg-BG" dirty="0"/>
+              <a:t>Примери: Списък от правоъгълници </a:t>
+            </a:r>
+            <a:endParaRPr lang="en-US" dirty="0"/>
           </a:p>
         </p:txBody>
       </p:sp>
@@ -12161,23 +12093,7 @@
                   <a:schemeClr val="tx1"/>
                 </a:solidFill>
               </a:rPr>
-              <a:t> </a:t>
-            </a:r>
-            <a:r>
-              <a:rPr lang="en-US" sz="2400" dirty="0" err="1">
-                <a:solidFill>
-                  <a:schemeClr val="tx1"/>
-                </a:solidFill>
-              </a:rPr>
-              <a:t>rects</a:t>
-            </a:r>
-            <a:r>
-              <a:rPr lang="en-US" sz="2400" dirty="0">
-                <a:solidFill>
-                  <a:schemeClr val="tx1"/>
-                </a:solidFill>
-              </a:rPr>
-              <a:t> = </a:t>
+              <a:t> rects = </a:t>
             </a:r>
             <a:r>
               <a:rPr lang="en-US" sz="2400" dirty="0">
@@ -12238,7 +12154,7 @@
               </a:spcBef>
             </a:pPr>
             <a:r>
-              <a:rPr lang="en-US" sz="2400" dirty="0" err="1">
+              <a:rPr lang="en-US" sz="2400" dirty="0">
                 <a:solidFill>
                   <a:schemeClr val="tx1"/>
                 </a:solidFill>
@@ -12246,20 +12162,12 @@
               <a:t>rects.</a:t>
             </a:r>
             <a:r>
-              <a:rPr lang="en-US" sz="2400" dirty="0" err="1">
+              <a:rPr lang="en-US" sz="2400" dirty="0">
                 <a:solidFill>
                   <a:schemeClr val="bg1"/>
                 </a:solidFill>
               </a:rPr>
-              <a:t>Add</a:t>
-            </a:r>
-            <a:r>
-              <a:rPr lang="en-US" sz="2400" dirty="0">
-                <a:solidFill>
-                  <a:schemeClr val="bg1"/>
-                </a:solidFill>
-              </a:rPr>
-              <a:t>(</a:t>
+              <a:t>Add(</a:t>
             </a:r>
             <a:r>
               <a:rPr lang="en-US" sz="2400" dirty="0">
@@ -12293,7 +12201,7 @@
               </a:spcBef>
             </a:pPr>
             <a:r>
-              <a:rPr lang="en-US" sz="2400" dirty="0" err="1">
+              <a:rPr lang="en-US" sz="2400" dirty="0">
                 <a:solidFill>
                   <a:schemeClr val="tx1"/>
                 </a:solidFill>
@@ -12301,20 +12209,12 @@
               <a:t>rects.</a:t>
             </a:r>
             <a:r>
-              <a:rPr lang="en-US" sz="2400" dirty="0" err="1">
+              <a:rPr lang="en-US" sz="2400" dirty="0">
                 <a:solidFill>
                   <a:schemeClr val="bg1"/>
                 </a:solidFill>
               </a:rPr>
-              <a:t>Add</a:t>
-            </a:r>
-            <a:r>
-              <a:rPr lang="en-US" sz="2400" dirty="0">
-                <a:solidFill>
-                  <a:schemeClr val="bg1"/>
-                </a:solidFill>
-              </a:rPr>
-              <a:t>(</a:t>
+              <a:t>Add(</a:t>
             </a:r>
             <a:r>
               <a:rPr lang="en-US" sz="2400" dirty="0">
@@ -12348,7 +12248,7 @@
               </a:spcBef>
             </a:pPr>
             <a:r>
-              <a:rPr lang="en-US" sz="2400" dirty="0" err="1">
+              <a:rPr lang="en-US" sz="2400" dirty="0">
                 <a:solidFill>
                   <a:schemeClr val="tx1"/>
                 </a:solidFill>
@@ -12356,20 +12256,12 @@
               <a:t>rects.</a:t>
             </a:r>
             <a:r>
-              <a:rPr lang="en-US" sz="2400" dirty="0" err="1">
+              <a:rPr lang="en-US" sz="2400" dirty="0">
                 <a:solidFill>
                   <a:schemeClr val="bg1"/>
                 </a:solidFill>
               </a:rPr>
-              <a:t>Add</a:t>
-            </a:r>
-            <a:r>
-              <a:rPr lang="en-US" sz="2400" dirty="0">
-                <a:solidFill>
-                  <a:schemeClr val="bg1"/>
-                </a:solidFill>
-              </a:rPr>
-              <a:t>(</a:t>
+              <a:t>Add(</a:t>
             </a:r>
             <a:r>
               <a:rPr lang="en-US" sz="2400" dirty="0">
@@ -12438,65 +12330,17 @@
                   <a:schemeClr val="tx1"/>
                 </a:solidFill>
               </a:rPr>
-              <a:t>foreach (var r in </a:t>
-            </a:r>
-            <a:r>
-              <a:rPr lang="en-US" sz="2400" dirty="0" err="1">
+              <a:t>foreach (var r in rects)</a:t>
+            </a:r>
+          </a:p>
+          <a:p>
+            <a:r>
+              <a:rPr lang="en-US" sz="2400" dirty="0">
                 <a:solidFill>
                   <a:schemeClr val="tx1"/>
                 </a:solidFill>
               </a:rPr>
-              <a:t>rects</a:t>
-            </a:r>
-            <a:r>
-              <a:rPr lang="en-US" sz="2400" dirty="0">
-                <a:solidFill>
-                  <a:schemeClr val="tx1"/>
-                </a:solidFill>
-              </a:rPr>
-              <a:t>)</a:t>
-            </a:r>
-          </a:p>
-          <a:p>
-            <a:r>
-              <a:rPr lang="en-US" sz="2400" dirty="0">
-                <a:solidFill>
-                  <a:schemeClr val="tx1"/>
-                </a:solidFill>
-              </a:rPr>
-              <a:t>  </a:t>
-            </a:r>
-            <a:r>
-              <a:rPr lang="en-US" sz="2400" dirty="0" err="1">
-                <a:solidFill>
-                  <a:schemeClr val="tx1"/>
-                </a:solidFill>
-              </a:rPr>
-              <a:t>Console.WriteLine</a:t>
-            </a:r>
-            <a:r>
-              <a:rPr lang="en-US" sz="2400" dirty="0">
-                <a:solidFill>
-                  <a:schemeClr val="tx1"/>
-                </a:solidFill>
-              </a:rPr>
-              <a:t>($"</a:t>
-            </a:r>
-            <a:r>
-              <a:rPr lang="en-US" sz="2400" dirty="0" err="1">
-                <a:solidFill>
-                  <a:schemeClr val="tx1"/>
-                </a:solidFill>
-              </a:rPr>
-              <a:t>Rect</a:t>
-            </a:r>
-            <a:r>
-              <a:rPr lang="en-US" sz="2400" dirty="0">
-                <a:solidFill>
-                  <a:schemeClr val="tx1"/>
-                </a:solidFill>
-              </a:rPr>
-              <a:t>({r.width},</a:t>
+              <a:t>  Console.WriteLine($"Rect({r.width},</a:t>
             </a:r>
             <a:r>
               <a:rPr lang="en-US" sz="2400" dirty="0">
@@ -13002,10 +12846,10 @@
           <a:lstStyle/>
           <a:p>
             <a:r>
-              <a:rPr lang="bg-BG"/>
-              <a:t>Списък от правоъгълници – пример </a:t>
-            </a:r>
-            <a:endParaRPr lang="en-US"/>
+              <a:rPr lang="bg-BG" dirty="0"/>
+              <a:t>Примери: Списък от правоъгълници </a:t>
+            </a:r>
+            <a:endParaRPr lang="en-US" dirty="0"/>
           </a:p>
         </p:txBody>
       </p:sp>
@@ -13225,7 +13069,7 @@
               </a:spcAft>
             </a:pPr>
             <a:r>
-              <a:rPr lang="en-US" sz="2400" dirty="0" err="1">
+              <a:rPr lang="en-US" sz="2400" dirty="0">
                 <a:solidFill>
                   <a:schemeClr val="tx1"/>
                 </a:solidFill>
@@ -13233,20 +13077,12 @@
               <a:t>rects.</a:t>
             </a:r>
             <a:r>
-              <a:rPr lang="en-US" sz="2400" dirty="0" err="1">
+              <a:rPr lang="en-US" sz="2400" dirty="0">
                 <a:solidFill>
                   <a:schemeClr val="bg1"/>
                 </a:solidFill>
               </a:rPr>
-              <a:t>RemoveAt</a:t>
-            </a:r>
-            <a:r>
-              <a:rPr lang="en-US" sz="2400" dirty="0">
-                <a:solidFill>
-                  <a:schemeClr val="bg1"/>
-                </a:solidFill>
-              </a:rPr>
-              <a:t>(</a:t>
+              <a:t>RemoveAt(</a:t>
             </a:r>
             <a:r>
               <a:rPr lang="en-US" sz="2400" dirty="0">
@@ -13283,7 +13119,7 @@
               </a:spcAft>
             </a:pPr>
             <a:r>
-              <a:rPr lang="en-US" sz="2400" dirty="0" err="1">
+              <a:rPr lang="en-US" sz="2400" dirty="0">
                 <a:solidFill>
                   <a:schemeClr val="tx1"/>
                 </a:solidFill>
@@ -13291,20 +13127,12 @@
               <a:t>rects.</a:t>
             </a:r>
             <a:r>
-              <a:rPr lang="en-US" sz="2400" dirty="0" err="1">
+              <a:rPr lang="en-US" sz="2400" dirty="0">
                 <a:solidFill>
                   <a:schemeClr val="bg1"/>
                 </a:solidFill>
               </a:rPr>
-              <a:t>Insert</a:t>
-            </a:r>
-            <a:r>
-              <a:rPr lang="en-US" sz="2400" dirty="0">
-                <a:solidFill>
-                  <a:schemeClr val="bg1"/>
-                </a:solidFill>
-              </a:rPr>
-              <a:t>(</a:t>
+              <a:t>Insert(</a:t>
             </a:r>
             <a:r>
               <a:rPr lang="en-US" sz="2400" dirty="0">
@@ -13384,15 +13212,23 @@
                   <a:schemeClr val="tx1"/>
                 </a:solidFill>
               </a:rPr>
-              <a:t>for (int </a:t>
-            </a:r>
-            <a:r>
-              <a:rPr lang="en-US" sz="2400" dirty="0" err="1">
+              <a:t>for (int i</a:t>
+            </a:r>
+            <a:r>
+              <a:rPr lang="bg-BG" sz="2400" dirty="0">
                 <a:solidFill>
                   <a:schemeClr val="tx1"/>
                 </a:solidFill>
               </a:rPr>
-              <a:t>i</a:t>
+              <a:t> </a:t>
+            </a:r>
+            <a:r>
+              <a:rPr lang="en-US" sz="2400" dirty="0">
+                <a:solidFill>
+                  <a:schemeClr val="tx1"/>
+                </a:solidFill>
+              </a:rPr>
+              <a:t>=</a:t>
             </a:r>
             <a:r>
               <a:rPr lang="bg-BG" sz="2400" dirty="0">
@@ -13408,7 +13244,7 @@
                   <a:schemeClr val="tx1"/>
                 </a:solidFill>
               </a:rPr>
-              <a:t>=</a:t>
+              <a:t>0; i</a:t>
             </a:r>
             <a:r>
               <a:rPr lang="bg-BG" sz="2400" dirty="0">
@@ -13424,71 +13260,23 @@
                   <a:schemeClr val="tx1"/>
                 </a:solidFill>
               </a:rPr>
-              <a:t>0; </a:t>
-            </a:r>
-            <a:r>
-              <a:rPr lang="en-US" sz="2400" dirty="0" err="1">
+              <a:t>&lt;</a:t>
+            </a:r>
+            <a:r>
+              <a:rPr lang="bg-BG" sz="2400" dirty="0">
                 <a:solidFill>
                   <a:schemeClr val="tx1"/>
                 </a:solidFill>
               </a:rPr>
-              <a:t>i</a:t>
-            </a:r>
-            <a:r>
-              <a:rPr lang="bg-BG" sz="2400" dirty="0">
+              <a:t> </a:t>
+            </a:r>
+            <a:r>
+              <a:rPr lang="en-US" sz="2400" dirty="0">
                 <a:solidFill>
                   <a:schemeClr val="tx1"/>
                 </a:solidFill>
               </a:rPr>
-              <a:t> </a:t>
-            </a:r>
-            <a:r>
-              <a:rPr lang="en-US" sz="2400" dirty="0">
-                <a:solidFill>
-                  <a:schemeClr val="tx1"/>
-                </a:solidFill>
-              </a:rPr>
-              <a:t>&lt;</a:t>
-            </a:r>
-            <a:r>
-              <a:rPr lang="bg-BG" sz="2400" dirty="0">
-                <a:solidFill>
-                  <a:schemeClr val="tx1"/>
-                </a:solidFill>
-              </a:rPr>
-              <a:t> </a:t>
-            </a:r>
-            <a:r>
-              <a:rPr lang="en-US" sz="2400" dirty="0" err="1">
-                <a:solidFill>
-                  <a:schemeClr val="tx1"/>
-                </a:solidFill>
-              </a:rPr>
-              <a:t>rects.Count</a:t>
-            </a:r>
-            <a:r>
-              <a:rPr lang="en-US" sz="2400" dirty="0">
-                <a:solidFill>
-                  <a:schemeClr val="tx1"/>
-                </a:solidFill>
-              </a:rPr>
-              <a:t>; </a:t>
-            </a:r>
-            <a:r>
-              <a:rPr lang="en-US" sz="2400" dirty="0" err="1">
-                <a:solidFill>
-                  <a:schemeClr val="tx1"/>
-                </a:solidFill>
-              </a:rPr>
-              <a:t>i</a:t>
-            </a:r>
-            <a:r>
-              <a:rPr lang="en-US" sz="2400" dirty="0">
-                <a:solidFill>
-                  <a:schemeClr val="tx1"/>
-                </a:solidFill>
-              </a:rPr>
-              <a:t>++)</a:t>
+              <a:t>rects.Count; i++)</a:t>
             </a:r>
           </a:p>
           <a:p>
@@ -13532,52 +13320,12 @@
               <a:t>  </a:t>
             </a:r>
             <a:r>
-              <a:rPr lang="en-US" sz="2400" dirty="0" err="1">
+              <a:rPr lang="en-US" sz="2400" dirty="0">
                 <a:solidFill>
                   <a:schemeClr val="tx1"/>
                 </a:solidFill>
               </a:rPr>
-              <a:t>Console.WriteLine</a:t>
-            </a:r>
-            <a:r>
-              <a:rPr lang="en-US" sz="2400" dirty="0">
-                <a:solidFill>
-                  <a:schemeClr val="tx1"/>
-                </a:solidFill>
-              </a:rPr>
-              <a:t>($"</a:t>
-            </a:r>
-            <a:r>
-              <a:rPr lang="en-US" sz="2400" dirty="0" err="1">
-                <a:solidFill>
-                  <a:schemeClr val="tx1"/>
-                </a:solidFill>
-              </a:rPr>
-              <a:t>Rect</a:t>
-            </a:r>
-            <a:r>
-              <a:rPr lang="en-US" sz="2400" dirty="0">
-                <a:solidFill>
-                  <a:schemeClr val="tx1"/>
-                </a:solidFill>
-              </a:rPr>
-              <a:t> #{</a:t>
-            </a:r>
-            <a:r>
-              <a:rPr lang="en-US" sz="2400" dirty="0" err="1">
-                <a:solidFill>
-                  <a:schemeClr val="tx1"/>
-                </a:solidFill>
-              </a:rPr>
-              <a:t>i</a:t>
-            </a:r>
-            <a:r>
-              <a:rPr lang="en-US" sz="2400" dirty="0">
-                <a:solidFill>
-                  <a:schemeClr val="tx1"/>
-                </a:solidFill>
-              </a:rPr>
-              <a:t>}:"):</a:t>
+              <a:t>Console.WriteLine($"Rect #{i}:"):</a:t>
             </a:r>
           </a:p>
           <a:p>
@@ -13595,55 +13343,7 @@
                   <a:schemeClr val="tx1"/>
                 </a:solidFill>
               </a:rPr>
-              <a:t>  </a:t>
-            </a:r>
-            <a:r>
-              <a:rPr lang="en-US" sz="2400" dirty="0" err="1">
-                <a:solidFill>
-                  <a:schemeClr val="tx1"/>
-                </a:solidFill>
-              </a:rPr>
-              <a:t>Console.WriteLine</a:t>
-            </a:r>
-            <a:r>
-              <a:rPr lang="en-US" sz="2400" dirty="0">
-                <a:solidFill>
-                  <a:schemeClr val="tx1"/>
-                </a:solidFill>
-              </a:rPr>
-              <a:t>($"  Width: {</a:t>
-            </a:r>
-            <a:r>
-              <a:rPr lang="en-US" sz="2400" dirty="0" err="1">
-                <a:solidFill>
-                  <a:schemeClr val="tx1"/>
-                </a:solidFill>
-              </a:rPr>
-              <a:t>rects</a:t>
-            </a:r>
-            <a:r>
-              <a:rPr lang="en-US" sz="2400" dirty="0">
-                <a:solidFill>
-                  <a:schemeClr val="tx1"/>
-                </a:solidFill>
-              </a:rPr>
-              <a:t>[</a:t>
-            </a:r>
-            <a:r>
-              <a:rPr lang="en-US" sz="2400" dirty="0" err="1">
-                <a:solidFill>
-                  <a:schemeClr val="tx1"/>
-                </a:solidFill>
-              </a:rPr>
-              <a:t>i</a:t>
-            </a:r>
-            <a:r>
-              <a:rPr lang="en-US" sz="2400" dirty="0">
-                <a:solidFill>
-                  <a:schemeClr val="tx1"/>
-                </a:solidFill>
-              </a:rPr>
-              <a:t>].width}");</a:t>
+              <a:t>  Console.WriteLine($"  Width: {rects[i].width}");</a:t>
             </a:r>
           </a:p>
           <a:p>
@@ -13661,55 +13361,7 @@
                   <a:schemeClr val="tx1"/>
                 </a:solidFill>
               </a:rPr>
-              <a:t>  </a:t>
-            </a:r>
-            <a:r>
-              <a:rPr lang="en-US" sz="2400" dirty="0" err="1">
-                <a:solidFill>
-                  <a:schemeClr val="tx1"/>
-                </a:solidFill>
-              </a:rPr>
-              <a:t>Console.WriteLine</a:t>
-            </a:r>
-            <a:r>
-              <a:rPr lang="en-US" sz="2400" dirty="0">
-                <a:solidFill>
-                  <a:schemeClr val="tx1"/>
-                </a:solidFill>
-              </a:rPr>
-              <a:t>($"  Height: {</a:t>
-            </a:r>
-            <a:r>
-              <a:rPr lang="en-US" sz="2400" dirty="0" err="1">
-                <a:solidFill>
-                  <a:schemeClr val="tx1"/>
-                </a:solidFill>
-              </a:rPr>
-              <a:t>rects</a:t>
-            </a:r>
-            <a:r>
-              <a:rPr lang="en-US" sz="2400" dirty="0">
-                <a:solidFill>
-                  <a:schemeClr val="tx1"/>
-                </a:solidFill>
-              </a:rPr>
-              <a:t>[</a:t>
-            </a:r>
-            <a:r>
-              <a:rPr lang="en-US" sz="2400" dirty="0" err="1">
-                <a:solidFill>
-                  <a:schemeClr val="tx1"/>
-                </a:solidFill>
-              </a:rPr>
-              <a:t>i</a:t>
-            </a:r>
-            <a:r>
-              <a:rPr lang="en-US" sz="2400" dirty="0">
-                <a:solidFill>
-                  <a:schemeClr val="tx1"/>
-                </a:solidFill>
-              </a:rPr>
-              <a:t>].height}");</a:t>
+              <a:t>  Console.WriteLine($"  Height: {rects[i].height}");</a:t>
             </a:r>
           </a:p>
           <a:p>
@@ -13727,55 +13379,7 @@
                   <a:schemeClr val="tx1"/>
                 </a:solidFill>
               </a:rPr>
-              <a:t>  </a:t>
-            </a:r>
-            <a:r>
-              <a:rPr lang="en-US" sz="2400" dirty="0" err="1">
-                <a:solidFill>
-                  <a:schemeClr val="tx1"/>
-                </a:solidFill>
-              </a:rPr>
-              <a:t>Console.WriteLine</a:t>
-            </a:r>
-            <a:r>
-              <a:rPr lang="en-US" sz="2400" dirty="0">
-                <a:solidFill>
-                  <a:schemeClr val="tx1"/>
-                </a:solidFill>
-              </a:rPr>
-              <a:t>($"  Color: {</a:t>
-            </a:r>
-            <a:r>
-              <a:rPr lang="en-US" sz="2400" dirty="0" err="1">
-                <a:solidFill>
-                  <a:schemeClr val="tx1"/>
-                </a:solidFill>
-              </a:rPr>
-              <a:t>rects</a:t>
-            </a:r>
-            <a:r>
-              <a:rPr lang="en-US" sz="2400" dirty="0">
-                <a:solidFill>
-                  <a:schemeClr val="tx1"/>
-                </a:solidFill>
-              </a:rPr>
-              <a:t>[</a:t>
-            </a:r>
-            <a:r>
-              <a:rPr lang="en-US" sz="2400" dirty="0" err="1">
-                <a:solidFill>
-                  <a:schemeClr val="tx1"/>
-                </a:solidFill>
-              </a:rPr>
-              <a:t>i</a:t>
-            </a:r>
-            <a:r>
-              <a:rPr lang="en-US" sz="2400" dirty="0">
-                <a:solidFill>
-                  <a:schemeClr val="tx1"/>
-                </a:solidFill>
-              </a:rPr>
-              <a:t>].color}");</a:t>
+              <a:t>  Console.WriteLine($"  Color: {rects[i].color}");</a:t>
             </a:r>
           </a:p>
           <a:p>
@@ -13924,7 +13528,7 @@
               <a:pPr/>
               <a:t>13</a:t>
             </a:fld>
-            <a:endParaRPr lang="en-US"/>
+            <a:endParaRPr lang="en-US" dirty="0"/>
           </a:p>
         </p:txBody>
       </p:sp>
@@ -14316,7 +13920,7 @@
           <a:lstStyle/>
           <a:p>
             <a:r>
-              <a:rPr lang="bg-BG"/>
+              <a:rPr lang="bg-BG" dirty="0"/>
               <a:t>Сортиране на списък</a:t>
             </a:r>
           </a:p>
@@ -14597,7 +14201,7 @@
               <a:pPr/>
               <a:t>14</a:t>
             </a:fld>
-            <a:endParaRPr lang="en-US" noProof="0"/>
+            <a:endParaRPr lang="en-US" noProof="0" dirty="0"/>
           </a:p>
         </p:txBody>
       </p:sp>
@@ -15001,29 +14605,29 @@
           <a:p>
             <a:pPr lvl="0"/>
             <a:r>
-              <a:rPr lang="en-US"/>
+              <a:rPr lang="en-US" dirty="0"/>
               <a:t>…</a:t>
             </a:r>
           </a:p>
           <a:p>
             <a:pPr lvl="0"/>
             <a:r>
-              <a:rPr lang="en-GB"/>
+              <a:rPr lang="en-GB" dirty="0"/>
               <a:t>…</a:t>
             </a:r>
-            <a:endParaRPr lang="en-US"/>
+            <a:endParaRPr lang="en-US" dirty="0"/>
           </a:p>
           <a:p>
             <a:pPr lvl="0"/>
             <a:r>
-              <a:rPr lang="en-GB"/>
+              <a:rPr lang="en-GB" dirty="0"/>
               <a:t>…</a:t>
             </a:r>
-            <a:endParaRPr lang="en-US"/>
+            <a:endParaRPr lang="en-US" dirty="0"/>
           </a:p>
           <a:p>
             <a:pPr lvl="0"/>
-            <a:endParaRPr lang="en-US"/>
+            <a:endParaRPr lang="en-US" dirty="0"/>
           </a:p>
         </p:txBody>
       </p:sp>
@@ -15045,10 +14649,10 @@
           <a:lstStyle/>
           <a:p>
             <a:r>
-              <a:rPr lang="bg-BG"/>
+              <a:rPr lang="bg-BG" dirty="0"/>
               <a:t>Обобщение</a:t>
             </a:r>
-            <a:endParaRPr lang="en-US"/>
+            <a:endParaRPr lang="en-US" dirty="0"/>
           </a:p>
         </p:txBody>
       </p:sp>
@@ -15122,7 +14726,7 @@
             <a:lstStyle/>
             <a:p>
               <a:pPr algn="ctr"/>
-              <a:endParaRPr lang="ko-KR" altLang="en-US" sz="2398"/>
+              <a:endParaRPr lang="ko-KR" altLang="en-US" sz="2398" dirty="0"/>
             </a:p>
           </p:txBody>
         </p:sp>
@@ -15178,7 +14782,7 @@
             <a:lstStyle/>
             <a:p>
               <a:pPr algn="ctr"/>
-              <a:endParaRPr lang="ko-KR" altLang="en-US" sz="2398">
+              <a:endParaRPr lang="ko-KR" altLang="en-US" sz="2398" dirty="0">
                 <a:solidFill>
                   <a:schemeClr val="bg1"/>
                 </a:solidFill>
@@ -15239,7 +14843,7 @@
             <a:lstStyle/>
             <a:p>
               <a:pPr algn="ctr"/>
-              <a:endParaRPr lang="ko-KR" altLang="en-US" sz="2398">
+              <a:endParaRPr lang="ko-KR" altLang="en-US" sz="2398" dirty="0">
                 <a:solidFill>
                   <a:schemeClr val="tx1"/>
                 </a:solidFill>
@@ -15468,7 +15072,7 @@
                   </a:schemeClr>
                 </a:solidFill>
               </a:rPr>
-              <a:t>инстанциране </a:t>
+              <a:t>инстанцииране </a:t>
             </a:r>
             <a:r>
               <a:rPr lang="bg-BG" sz="3900" dirty="0">
@@ -15715,7 +15319,7 @@
               <a:pPr/>
               <a:t>15</a:t>
             </a:fld>
-            <a:endParaRPr lang="en-US" noProof="0"/>
+            <a:endParaRPr lang="en-US" noProof="0" dirty="0"/>
           </a:p>
         </p:txBody>
       </p:sp>
@@ -16054,7 +15658,7 @@
           <a:lstStyle/>
           <a:p>
             <a:r>
-              <a:rPr lang="bg-BG" sz="8800">
+              <a:rPr lang="bg-BG" sz="8800" dirty="0">
                 <a:solidFill>
                   <a:srgbClr val="234465"/>
                 </a:solidFill>
@@ -16062,14 +15666,14 @@
               <a:t>Въпроси</a:t>
             </a:r>
             <a:r>
-              <a:rPr lang="en-US" sz="8800">
+              <a:rPr lang="en-US" sz="8800" dirty="0">
                 <a:solidFill>
                   <a:srgbClr val="234465"/>
                 </a:solidFill>
               </a:rPr>
               <a:t>?</a:t>
             </a:r>
-            <a:endParaRPr lang="en-US" sz="8800"/>
+            <a:endParaRPr lang="en-US" sz="8800" dirty="0"/>
           </a:p>
         </p:txBody>
       </p:sp>
@@ -16143,34 +15747,34 @@
               </a:lnSpc>
             </a:pPr>
             <a:r>
-              <a:rPr lang="bg-BG"/>
+              <a:rPr lang="bg-BG" dirty="0"/>
               <a:t>Този курс</a:t>
             </a:r>
             <a:r>
-              <a:rPr lang="en-US"/>
+              <a:rPr lang="en-US" dirty="0"/>
               <a:t> (</a:t>
             </a:r>
             <a:r>
-              <a:rPr lang="bg-BG"/>
+              <a:rPr lang="bg-BG" dirty="0"/>
               <a:t>презентации, примери, демонстрационен код, упражнения, домашни, видео и други активи</a:t>
             </a:r>
             <a:r>
-              <a:rPr lang="en-US"/>
+              <a:rPr lang="en-US" dirty="0"/>
               <a:t>) </a:t>
             </a:r>
             <a:r>
-              <a:rPr lang="bg-BG"/>
+              <a:rPr lang="bg-BG" dirty="0"/>
               <a:t>представлява</a:t>
             </a:r>
             <a:r>
-              <a:rPr lang="en-US"/>
+              <a:rPr lang="en-US" dirty="0"/>
               <a:t> </a:t>
             </a:r>
             <a:r>
-              <a:rPr lang="bg-BG" b="1"/>
+              <a:rPr lang="bg-BG" b="1" dirty="0"/>
               <a:t>защитено авторско съдържание</a:t>
             </a:r>
-            <a:endParaRPr lang="en-US"/>
+            <a:endParaRPr lang="en-US" dirty="0"/>
           </a:p>
           <a:p>
             <a:pPr>
@@ -16179,15 +15783,15 @@
               </a:lnSpc>
             </a:pPr>
             <a:r>
-              <a:rPr lang="bg-BG"/>
+              <a:rPr lang="bg-BG" dirty="0"/>
               <a:t>Нерегламентирано копиране</a:t>
             </a:r>
             <a:r>
-              <a:rPr lang="en-US"/>
+              <a:rPr lang="en-US" dirty="0"/>
               <a:t>,</a:t>
             </a:r>
             <a:r>
-              <a:rPr lang="bg-BG"/>
+              <a:rPr lang="bg-BG" dirty="0"/>
               <a:t> разпространение или използване е незаконно</a:t>
             </a:r>
           </a:p>
@@ -16198,24 +15802,24 @@
               </a:lnSpc>
             </a:pPr>
             <a:r>
-              <a:rPr lang="en-US"/>
+              <a:rPr lang="en-US" dirty="0"/>
               <a:t>© </a:t>
             </a:r>
             <a:r>
-              <a:rPr lang="bg-BG" err="1"/>
+              <a:rPr lang="bg-BG" dirty="0"/>
               <a:t>СофтУни</a:t>
             </a:r>
             <a:r>
-              <a:rPr lang="en-US"/>
+              <a:rPr lang="en-US" dirty="0"/>
               <a:t> – </a:t>
             </a:r>
             <a:r>
-              <a:rPr lang="en-US">
+              <a:rPr lang="en-US" dirty="0">
                 <a:hlinkClick r:id="rId3"/>
               </a:rPr>
               <a:t>https://softuni.org</a:t>
             </a:r>
-            <a:endParaRPr lang="en-US"/>
+            <a:endParaRPr lang="en-US" dirty="0"/>
           </a:p>
           <a:p>
             <a:pPr>
@@ -16224,24 +15828,24 @@
               </a:lnSpc>
             </a:pPr>
             <a:r>
-              <a:rPr lang="en-US"/>
+              <a:rPr lang="en-US" dirty="0"/>
               <a:t>© </a:t>
             </a:r>
             <a:r>
-              <a:rPr lang="bg-BG"/>
+              <a:rPr lang="bg-BG" dirty="0"/>
               <a:t>Софтуерен университет</a:t>
             </a:r>
             <a:r>
-              <a:rPr lang="en-US"/>
+              <a:rPr lang="en-US" dirty="0"/>
               <a:t> – </a:t>
             </a:r>
             <a:r>
-              <a:rPr lang="en-US">
+              <a:rPr lang="en-US" dirty="0">
                 <a:hlinkClick r:id="rId4"/>
               </a:rPr>
               <a:t>https://softuni.bg</a:t>
             </a:r>
-            <a:endParaRPr lang="bg-BG"/>
+            <a:endParaRPr lang="bg-BG" dirty="0"/>
           </a:p>
           <a:p>
             <a:pPr>
@@ -16249,7 +15853,7 @@
                 <a:spcPct val="120000"/>
               </a:lnSpc>
             </a:pPr>
-            <a:endParaRPr lang="bg-BG"/>
+            <a:endParaRPr lang="bg-BG" dirty="0"/>
           </a:p>
         </p:txBody>
       </p:sp>
@@ -16316,7 +15920,7 @@
           <a:lstStyle/>
           <a:p>
             <a:r>
-              <a:rPr lang="bg-BG"/>
+              <a:rPr lang="bg-BG" dirty="0"/>
               <a:t>Лиценз</a:t>
             </a:r>
           </a:p>
@@ -16360,7 +15964,7 @@
               <a:pPr/>
               <a:t>17</a:t>
             </a:fld>
-            <a:endParaRPr lang="en-US" noProof="0"/>
+            <a:endParaRPr lang="en-US" noProof="0" dirty="0"/>
           </a:p>
         </p:txBody>
       </p:sp>
@@ -16435,7 +16039,7 @@
             </a:pPr>
             <a:r>
               <a:rPr lang="bg-BG" sz="4000" dirty="0"/>
-              <a:t>Инстанциране на клас</a:t>
+              <a:t>Дистанциране на клас</a:t>
             </a:r>
             <a:endParaRPr lang="en-GB" sz="4000" dirty="0"/>
           </a:p>
@@ -16524,10 +16128,10 @@
           <a:lstStyle/>
           <a:p>
             <a:r>
-              <a:rPr lang="bg-BG"/>
+              <a:rPr lang="bg-BG" dirty="0"/>
               <a:t>Съдържание</a:t>
             </a:r>
-            <a:endParaRPr lang="en-US"/>
+            <a:endParaRPr lang="en-US" dirty="0"/>
           </a:p>
         </p:txBody>
       </p:sp>
@@ -16657,7 +16261,7 @@
               <a:pPr/>
               <a:t>2</a:t>
             </a:fld>
-            <a:endParaRPr lang="en-US"/>
+            <a:endParaRPr lang="en-US" dirty="0"/>
           </a:p>
         </p:txBody>
       </p:sp>
@@ -16999,7 +16603,7 @@
               <a:rPr lang="bg-BG" dirty="0"/>
               <a:t>Референция към обекта</a:t>
             </a:r>
-            <a:endParaRPr lang="en-BG" dirty="0"/>
+            <a:endParaRPr lang="en-BG"/>
           </a:p>
         </p:txBody>
       </p:sp>
@@ -17026,7 +16630,7 @@
           <a:p>
             <a:r>
               <a:rPr lang="bg-BG" dirty="0"/>
-              <a:t>Инстанциране на клас</a:t>
+              <a:t>Инстанцииране на клас</a:t>
             </a:r>
             <a:endParaRPr lang="en-US" dirty="0"/>
           </a:p>
@@ -17137,7 +16741,7 @@
           <a:p>
             <a:r>
               <a:rPr lang="bg-BG" sz="3200" dirty="0"/>
-              <a:t>При всяко инстанциране на класа се създава </a:t>
+              <a:t>При всяко инстанцииране на класа се създава </a:t>
             </a:r>
             <a:r>
               <a:rPr lang="bg-BG" sz="3200" b="1" dirty="0">
@@ -17807,7 +17411,7 @@
               <a:pPr/>
               <a:t>4</a:t>
             </a:fld>
-            <a:endParaRPr lang="en-US" noProof="0"/>
+            <a:endParaRPr lang="en-US" noProof="0" dirty="0"/>
           </a:p>
         </p:txBody>
       </p:sp>
@@ -17937,7 +17541,7 @@
               <a:pPr/>
               <a:t>4</a:t>
             </a:fld>
-            <a:endParaRPr lang="en-US"/>
+            <a:endParaRPr lang="en-US" dirty="0"/>
           </a:p>
         </p:txBody>
       </p:sp>
@@ -18317,10 +17921,10 @@
           <a:lstStyle/>
           <a:p>
             <a:r>
-              <a:rPr lang="bg-BG"/>
+              <a:rPr lang="bg-BG" dirty="0"/>
               <a:t>Референция към обекта</a:t>
             </a:r>
-            <a:endParaRPr lang="en-GB"/>
+            <a:endParaRPr lang="en-GB" dirty="0"/>
           </a:p>
         </p:txBody>
       </p:sp>
@@ -18629,7 +18233,7 @@
             <a:lstStyle/>
             <a:p>
               <a:pPr algn="ctr"/>
-              <a:endParaRPr lang="en-US" sz="2799" b="1">
+              <a:endParaRPr lang="en-US" sz="2799" b="1" dirty="0">
                 <a:solidFill>
                   <a:srgbClr val="FFFFFF"/>
                 </a:solidFill>
@@ -18706,14 +18310,14 @@
             <a:p>
               <a:pPr algn="ctr"/>
               <a:r>
-                <a:rPr lang="en-GB" sz="2799" b="1">
+                <a:rPr lang="en-GB" sz="2799" b="1" dirty="0">
                   <a:solidFill>
                     <a:srgbClr val="FFFFFF"/>
                   </a:solidFill>
                 </a:rPr>
                 <a:t>Heap</a:t>
               </a:r>
-              <a:endParaRPr lang="en-US" sz="2799" b="1">
+              <a:endParaRPr lang="en-US" sz="2799" b="1" dirty="0">
                 <a:solidFill>
                   <a:srgbClr val="FFFFFF"/>
                 </a:solidFill>
@@ -18782,7 +18386,7 @@
             <a:lstStyle/>
             <a:p>
               <a:pPr algn="ctr"/>
-              <a:endParaRPr lang="en-US" sz="2799" b="1">
+              <a:endParaRPr lang="en-US" sz="2799" b="1" dirty="0">
                 <a:solidFill>
                   <a:srgbClr val="FFFFFF"/>
                 </a:solidFill>
@@ -18859,14 +18463,14 @@
             <a:p>
               <a:pPr algn="ctr"/>
               <a:r>
-                <a:rPr lang="en-GB" sz="2799" b="1">
+                <a:rPr lang="en-GB" sz="2799" b="1" dirty="0">
                   <a:solidFill>
                     <a:srgbClr val="FFFFFF"/>
                   </a:solidFill>
                 </a:rPr>
                 <a:t>Stack</a:t>
               </a:r>
-              <a:endParaRPr lang="en-US" sz="2799" b="1">
+              <a:endParaRPr lang="en-US" sz="2799" b="1" dirty="0">
                 <a:solidFill>
                   <a:srgbClr val="FFFFFF"/>
                 </a:solidFill>
@@ -18967,7 +18571,7 @@
               <a:p>
                 <a:pPr algn="ctr"/>
                 <a:r>
-                  <a:rPr lang="en-GB" sz="2399" b="1">
+                  <a:rPr lang="en-GB" sz="2399" b="1" dirty="0">
                     <a:solidFill>
                       <a:srgbClr val="FFFFFF"/>
                     </a:solidFill>
@@ -19021,10 +18625,10 @@
                   <a:buSzPct val="70000"/>
                 </a:pPr>
                 <a:r>
-                  <a:rPr lang="en-GB" sz="2399" b="1"/>
+                  <a:rPr lang="en-GB" sz="2399" b="1" dirty="0"/>
                   <a:t>object</a:t>
                 </a:r>
-                <a:endParaRPr lang="en-US" sz="2399" b="1"/>
+                <a:endParaRPr lang="en-US" sz="2399" b="1" dirty="0"/>
               </a:p>
             </p:txBody>
           </p:sp>
@@ -19090,7 +18694,7 @@
               <a:p>
                 <a:pPr algn="ctr"/>
                 <a:r>
-                  <a:rPr lang="en-GB" sz="2399" b="1">
+                  <a:rPr lang="en-GB" sz="2399" b="1" dirty="0">
                     <a:solidFill>
                       <a:srgbClr val="FFFFFF"/>
                     </a:solidFill>
@@ -19098,14 +18702,14 @@
                   <a:t>Width = </a:t>
                 </a:r>
                 <a:r>
-                  <a:rPr lang="bg-BG" sz="2399" b="1">
+                  <a:rPr lang="bg-BG" sz="2399" b="1" dirty="0">
                     <a:solidFill>
                       <a:srgbClr val="FFFFFF"/>
                     </a:solidFill>
                   </a:rPr>
                   <a:t>0</a:t>
                 </a:r>
-                <a:endParaRPr lang="en-GB" sz="2399" b="1">
+                <a:endParaRPr lang="en-GB" sz="2399" b="1" dirty="0">
                   <a:solidFill>
                     <a:srgbClr val="FFFFFF"/>
                   </a:solidFill>
@@ -19114,7 +18718,7 @@
               <a:p>
                 <a:pPr algn="ctr"/>
                 <a:r>
-                  <a:rPr lang="en-US" sz="2399" b="1">
+                  <a:rPr lang="en-US" sz="2399" b="1" dirty="0">
                     <a:solidFill>
                       <a:srgbClr val="FFFFFF"/>
                     </a:solidFill>
@@ -19122,14 +18726,14 @@
                   <a:t>Height</a:t>
                 </a:r>
                 <a:r>
-                  <a:rPr lang="en-GB" sz="2399" b="1">
+                  <a:rPr lang="en-GB" sz="2399" b="1" dirty="0">
                     <a:solidFill>
                       <a:srgbClr val="FFFFFF"/>
                     </a:solidFill>
                   </a:rPr>
                   <a:t> = 0</a:t>
                 </a:r>
-                <a:endParaRPr lang="en-US" sz="2399" b="1">
+                <a:endParaRPr lang="en-US" sz="2399" b="1" dirty="0">
                   <a:solidFill>
                     <a:srgbClr val="FFFFFF"/>
                   </a:solidFill>
@@ -19179,7 +18783,7 @@
               <a:lstStyle/>
               <a:p>
                 <a:pPr algn="ctr"/>
-                <a:endParaRPr lang="en-US" sz="3599" b="1"/>
+                <a:endParaRPr lang="en-US" sz="3599" b="1" dirty="0"/>
               </a:p>
             </p:txBody>
           </p:sp>
@@ -19311,7 +18915,7 @@
               <a:pPr/>
               <a:t>5</a:t>
             </a:fld>
-            <a:endParaRPr lang="en-US"/>
+            <a:endParaRPr lang="en-US" dirty="0"/>
           </a:p>
         </p:txBody>
       </p:sp>
@@ -19732,10 +19336,10 @@
           <a:lstStyle/>
           <a:p>
             <a:r>
-              <a:rPr lang="bg-BG"/>
+              <a:rPr lang="bg-BG" dirty="0"/>
               <a:t>Множество конструктори</a:t>
             </a:r>
-            <a:endParaRPr lang="en-US"/>
+            <a:endParaRPr lang="en-US" dirty="0"/>
           </a:p>
         </p:txBody>
       </p:sp>
@@ -20043,23 +19647,7 @@
                   <a:schemeClr val="tx1"/>
                 </a:solidFill>
               </a:rPr>
-              <a:t>    </a:t>
-            </a:r>
-            <a:r>
-              <a:rPr lang="en-US" sz="2499" dirty="0" err="1">
-                <a:solidFill>
-                  <a:schemeClr val="tx1"/>
-                </a:solidFill>
-              </a:rPr>
-              <a:t>this.color</a:t>
-            </a:r>
-            <a:r>
-              <a:rPr lang="en-US" sz="2499" dirty="0">
-                <a:solidFill>
-                  <a:schemeClr val="tx1"/>
-                </a:solidFill>
-              </a:rPr>
-              <a:t> = "white";</a:t>
+              <a:t>    this.color = "white";</a:t>
             </a:r>
           </a:p>
           <a:p>
@@ -20213,23 +19801,7 @@
                   <a:schemeClr val="tx1"/>
                 </a:solidFill>
               </a:rPr>
-              <a:t>    </a:t>
-            </a:r>
-            <a:r>
-              <a:rPr lang="en-US" sz="2499" dirty="0" err="1">
-                <a:solidFill>
-                  <a:schemeClr val="tx1"/>
-                </a:solidFill>
-              </a:rPr>
-              <a:t>this.color</a:t>
-            </a:r>
-            <a:r>
-              <a:rPr lang="en-US" sz="2499" dirty="0">
-                <a:solidFill>
-                  <a:schemeClr val="tx1"/>
-                </a:solidFill>
-              </a:rPr>
-              <a:t> = color;</a:t>
+              <a:t>    this.color = color;</a:t>
             </a:r>
           </a:p>
           <a:p>
@@ -20538,7 +20110,7 @@
               <a:pPr/>
               <a:t>7</a:t>
             </a:fld>
-            <a:endParaRPr lang="en-US" noProof="0"/>
+            <a:endParaRPr lang="en-US" noProof="0" dirty="0"/>
           </a:p>
         </p:txBody>
       </p:sp>
@@ -20873,11 +20445,11 @@
           <a:lstStyle/>
           <a:p>
             <a:r>
-              <a:rPr lang="bg-BG"/>
+              <a:rPr lang="bg-BG" dirty="0"/>
               <a:t>Единият конструктор може да извика другия (</a:t>
             </a:r>
             <a:r>
-              <a:rPr lang="en-US" b="1">
+              <a:rPr lang="en-US" b="1" dirty="0">
                 <a:solidFill>
                   <a:schemeClr val="bg1"/>
                 </a:solidFill>
@@ -20885,10 +20457,10 @@
               <a:t>constructor chaining</a:t>
             </a:r>
             <a:r>
-              <a:rPr lang="en-US"/>
+              <a:rPr lang="en-US" dirty="0"/>
               <a:t>)</a:t>
             </a:r>
-            <a:endParaRPr lang="en-GB"/>
+            <a:endParaRPr lang="en-GB" dirty="0"/>
           </a:p>
         </p:txBody>
       </p:sp>
@@ -21052,7 +20624,7 @@
               </a:spcAft>
             </a:pPr>
             <a:r>
-              <a:rPr lang="en-US" sz="2499">
+              <a:rPr lang="en-US" sz="2499" dirty="0">
                 <a:solidFill>
                   <a:schemeClr val="tx1"/>
                 </a:solidFill>
@@ -21070,7 +20642,7 @@
               </a:spcAft>
             </a:pPr>
             <a:r>
-              <a:rPr lang="en-US" sz="2499">
+              <a:rPr lang="en-US" sz="2499" dirty="0">
                 <a:solidFill>
                   <a:schemeClr val="tx1"/>
                 </a:solidFill>
@@ -21088,7 +20660,7 @@
               </a:spcAft>
             </a:pPr>
             <a:r>
-              <a:rPr lang="en-US" sz="2499">
+              <a:rPr lang="en-US" sz="2499" dirty="0">
                 <a:solidFill>
                   <a:schemeClr val="tx1"/>
                 </a:solidFill>
@@ -21104,7 +20676,7 @@
               <a:t>int</a:t>
             </a:r>
             <a:r>
-              <a:rPr lang="en-US" sz="2499">
+              <a:rPr lang="en-US" sz="2499" dirty="0">
                 <a:solidFill>
                   <a:schemeClr val="tx1"/>
                 </a:solidFill>
@@ -21122,7 +20694,7 @@
               </a:spcAft>
             </a:pPr>
             <a:r>
-              <a:rPr lang="en-US" sz="2499">
+              <a:rPr lang="en-US" sz="2499" dirty="0">
                 <a:solidFill>
                   <a:schemeClr val="tx1"/>
                 </a:solidFill>
@@ -21130,7 +20702,7 @@
               <a:t>  public </a:t>
             </a:r>
             <a:r>
-              <a:rPr lang="en-US" sz="2499">
+              <a:rPr lang="en-US" sz="2499" dirty="0">
                 <a:solidFill>
                   <a:schemeClr val="bg1"/>
                 </a:solidFill>
@@ -21138,7 +20710,7 @@
               <a:t>Person()</a:t>
             </a:r>
             <a:r>
-              <a:rPr lang="en-US" sz="2499"/>
+              <a:rPr lang="en-US" sz="2499" dirty="0"/>
               <a:t> </a:t>
             </a:r>
           </a:p>
@@ -21152,7 +20724,7 @@
               </a:spcAft>
             </a:pPr>
             <a:r>
-              <a:rPr lang="en-US" sz="2499">
+              <a:rPr lang="en-US" sz="2499" dirty="0">
                 <a:solidFill>
                   <a:schemeClr val="tx1"/>
                 </a:solidFill>
@@ -21188,7 +20760,7 @@
               </a:spcAft>
             </a:pPr>
             <a:r>
-              <a:rPr lang="en-US" sz="2499">
+              <a:rPr lang="en-US" sz="2499" dirty="0">
                 <a:solidFill>
                   <a:schemeClr val="tx1"/>
                 </a:solidFill>
@@ -21206,7 +20778,7 @@
               </a:spcAft>
             </a:pPr>
             <a:r>
-              <a:rPr lang="en-US" sz="2499">
+              <a:rPr lang="en-US" sz="2499" dirty="0">
                 <a:solidFill>
                   <a:schemeClr val="tx1"/>
                 </a:solidFill>
@@ -21214,7 +20786,7 @@
               <a:t>  public Person(string name) : </a:t>
             </a:r>
             <a:r>
-              <a:rPr lang="en-US" sz="2499">
+              <a:rPr lang="en-US" sz="2499" dirty="0">
                 <a:solidFill>
                   <a:schemeClr val="bg1"/>
                 </a:solidFill>
@@ -21222,14 +20794,14 @@
               <a:t>this()</a:t>
             </a:r>
             <a:br>
-              <a:rPr lang="bg-BG" sz="2499">
+              <a:rPr lang="bg-BG" sz="2499" dirty="0">
                 <a:solidFill>
                   <a:schemeClr val="bg1"/>
                 </a:solidFill>
               </a:rPr>
             </a:br>
             <a:r>
-              <a:rPr lang="bg-BG" sz="2499">
+              <a:rPr lang="bg-BG" sz="2499" dirty="0">
                 <a:solidFill>
                   <a:schemeClr val="bg1"/>
                 </a:solidFill>
@@ -21237,7 +20809,7 @@
               <a:t>  </a:t>
             </a:r>
             <a:r>
-              <a:rPr lang="en-US" sz="2499">
+              <a:rPr lang="en-US" sz="2499" dirty="0">
                 <a:solidFill>
                   <a:schemeClr val="tx1"/>
                 </a:solidFill>
@@ -21255,7 +20827,7 @@
               </a:spcAft>
             </a:pPr>
             <a:r>
-              <a:rPr lang="en-US" sz="2499">
+              <a:rPr lang="en-US" sz="2499" dirty="0">
                 <a:solidFill>
                   <a:schemeClr val="tx1"/>
                 </a:solidFill>
@@ -21273,7 +20845,7 @@
               </a:spcAft>
             </a:pPr>
             <a:r>
-              <a:rPr lang="en-US" sz="2499">
+              <a:rPr lang="en-US" sz="2499" dirty="0">
                 <a:solidFill>
                   <a:schemeClr val="tx1"/>
                 </a:solidFill>
@@ -21291,7 +20863,7 @@
               </a:spcAft>
             </a:pPr>
             <a:r>
-              <a:rPr lang="en-US" sz="2499">
+              <a:rPr lang="en-US" sz="2499" dirty="0">
                 <a:solidFill>
                   <a:schemeClr val="tx1"/>
                 </a:solidFill>
@@ -21459,7 +21031,7 @@
           <a:lstStyle/>
           <a:p>
             <a:pPr algn="ctr"/>
-            <a:endParaRPr lang="en-US" sz="2799" b="1">
+            <a:endParaRPr lang="en-US" sz="2799" b="1" dirty="0">
               <a:solidFill>
                 <a:srgbClr val="FFFFFF"/>
               </a:solidFill>
@@ -21512,7 +21084,7 @@
               <a:pPr/>
               <a:t>8</a:t>
             </a:fld>
-            <a:endParaRPr lang="en-US" noProof="0"/>
+            <a:endParaRPr lang="en-US" noProof="0" dirty="0"/>
           </a:p>
         </p:txBody>
       </p:sp>
@@ -21543,10 +21115,10 @@
           <a:lstStyle/>
           <a:p>
             <a:r>
-              <a:rPr lang="bg-BG"/>
+              <a:rPr lang="bg-BG" dirty="0"/>
               <a:t>Множество конструктори</a:t>
             </a:r>
-            <a:endParaRPr lang="en-US"/>
+            <a:endParaRPr lang="en-US" dirty="0"/>
           </a:p>
         </p:txBody>
       </p:sp>
@@ -21969,18 +21541,18 @@
           <a:lstStyle/>
           <a:p>
             <a:r>
-              <a:rPr lang="bg-BG"/>
+              <a:rPr lang="bg-BG" dirty="0"/>
               <a:t>Как да използваме </a:t>
             </a:r>
             <a:r>
-              <a:rPr lang="en-US" b="1"/>
+              <a:rPr lang="en-US" b="1" dirty="0"/>
               <a:t>List&lt;T&gt;</a:t>
             </a:r>
             <a:r>
-              <a:rPr lang="bg-BG"/>
+              <a:rPr lang="bg-BG" dirty="0"/>
               <a:t>?</a:t>
             </a:r>
-            <a:endParaRPr lang="en-US"/>
+            <a:endParaRPr lang="en-US" dirty="0"/>
           </a:p>
         </p:txBody>
       </p:sp>
@@ -22006,10 +21578,10 @@
           <a:lstStyle/>
           <a:p>
             <a:r>
-              <a:rPr lang="bg-BG"/>
+              <a:rPr lang="bg-BG" dirty="0"/>
               <a:t>Списъци от обекти</a:t>
             </a:r>
-            <a:endParaRPr lang="en-US"/>
+            <a:endParaRPr lang="en-US" dirty="0"/>
           </a:p>
         </p:txBody>
       </p:sp>
@@ -22095,7 +21667,7 @@
             <a:p>
               <a:pPr algn="ctr"/>
               <a:r>
-                <a:rPr lang="en-GB" sz="2799" b="1">
+                <a:rPr lang="en-GB" sz="2799" b="1" dirty="0">
                   <a:solidFill>
                     <a:srgbClr val="FFFFFF"/>
                   </a:solidFill>
@@ -22109,7 +21681,7 @@
                 </a:rPr>
                 <a:t>…</a:t>
               </a:r>
-              <a:endParaRPr lang="en-US" sz="2799" b="1">
+              <a:endParaRPr lang="en-US" sz="2799" b="1" dirty="0">
                 <a:solidFill>
                   <a:srgbClr val="FFFFFF"/>
                 </a:solidFill>
@@ -22186,7 +21758,7 @@
             <a:p>
               <a:pPr algn="ctr"/>
               <a:r>
-                <a:rPr lang="en-GB" sz="2799" b="1">
+                <a:rPr lang="en-GB" sz="2799" b="1" dirty="0">
                   <a:solidFill>
                     <a:srgbClr val="FFFFFF"/>
                   </a:solidFill>
@@ -22200,7 +21772,7 @@
                 </a:rPr>
                 <a:t>…</a:t>
               </a:r>
-              <a:endParaRPr lang="en-US" sz="2799" b="1">
+              <a:endParaRPr lang="en-US" sz="2799" b="1" dirty="0">
                 <a:solidFill>
                   <a:srgbClr val="FFFFFF"/>
                 </a:solidFill>
@@ -22277,7 +21849,7 @@
             <a:p>
               <a:pPr algn="ctr"/>
               <a:r>
-                <a:rPr lang="en-GB" sz="2799" b="1">
+                <a:rPr lang="en-GB" sz="2799" b="1" dirty="0">
                   <a:solidFill>
                     <a:srgbClr val="FFFFFF"/>
                   </a:solidFill>
@@ -22291,7 +21863,7 @@
                 </a:rPr>
                 <a:t>…</a:t>
               </a:r>
-              <a:endParaRPr lang="en-US" sz="2799" b="1">
+              <a:endParaRPr lang="en-US" sz="2799" b="1" dirty="0">
                 <a:solidFill>
                   <a:srgbClr val="FFFFFF"/>
                 </a:solidFill>
@@ -22368,7 +21940,7 @@
             <a:p>
               <a:pPr algn="ctr"/>
               <a:r>
-                <a:rPr lang="en-GB" sz="2799" b="1">
+                <a:rPr lang="en-GB" sz="2799" b="1" dirty="0">
                   <a:solidFill>
                     <a:srgbClr val="FFFFFF"/>
                   </a:solidFill>
@@ -22382,7 +21954,7 @@
                 </a:rPr>
                 <a:t>…</a:t>
               </a:r>
-              <a:endParaRPr lang="en-US" sz="2799" b="1">
+              <a:endParaRPr lang="en-US" sz="2799" b="1" dirty="0">
                 <a:solidFill>
                   <a:srgbClr val="FFFFFF"/>
                 </a:solidFill>
@@ -22459,7 +22031,7 @@
             <a:p>
               <a:pPr algn="ctr"/>
               <a:r>
-                <a:rPr lang="en-GB" sz="2799" b="1">
+                <a:rPr lang="en-GB" sz="2799" b="1" dirty="0">
                   <a:solidFill>
                     <a:srgbClr val="FFFFFF"/>
                   </a:solidFill>
@@ -22473,7 +22045,7 @@
                 </a:rPr>
                 <a:t>…</a:t>
               </a:r>
-              <a:endParaRPr lang="en-US" sz="2799" b="1">
+              <a:endParaRPr lang="en-US" sz="2799" b="1" dirty="0">
                 <a:solidFill>
                   <a:srgbClr val="FFFFFF"/>
                 </a:solidFill>
@@ -22532,14 +22104,14 @@
                 <a:buSzPct val="70000"/>
               </a:pPr>
               <a:r>
-                <a:rPr lang="en-GB" sz="2999">
+                <a:rPr lang="en-GB" sz="2999" dirty="0">
                   <a:solidFill>
                     <a:schemeClr val="bg2"/>
                   </a:solidFill>
                 </a:rPr>
                 <a:t>0</a:t>
               </a:r>
-              <a:endParaRPr lang="en-US" sz="2999">
+              <a:endParaRPr lang="en-US" sz="2999" dirty="0">
                 <a:solidFill>
                   <a:schemeClr val="bg2"/>
                 </a:solidFill>
@@ -22591,14 +22163,14 @@
                 <a:buSzPct val="70000"/>
               </a:pPr>
               <a:r>
-                <a:rPr lang="en-GB" sz="2999">
+                <a:rPr lang="en-GB" sz="2999" dirty="0">
                   <a:solidFill>
                     <a:schemeClr val="bg2"/>
                   </a:solidFill>
                 </a:rPr>
                 <a:t>1</a:t>
               </a:r>
-              <a:endParaRPr lang="en-US" sz="2999">
+              <a:endParaRPr lang="en-US" sz="2999" dirty="0">
                 <a:solidFill>
                   <a:schemeClr val="bg2"/>
                 </a:solidFill>
@@ -22650,14 +22222,14 @@
                 <a:buSzPct val="70000"/>
               </a:pPr>
               <a:r>
-                <a:rPr lang="en-GB" sz="2999">
+                <a:rPr lang="en-GB" sz="2999" dirty="0">
                   <a:solidFill>
                     <a:schemeClr val="bg2"/>
                   </a:solidFill>
                 </a:rPr>
                 <a:t>2</a:t>
               </a:r>
-              <a:endParaRPr lang="en-US" sz="2999">
+              <a:endParaRPr lang="en-US" sz="2999" dirty="0">
                 <a:solidFill>
                   <a:schemeClr val="bg2"/>
                 </a:solidFill>
@@ -22709,14 +22281,14 @@
                 <a:buSzPct val="70000"/>
               </a:pPr>
               <a:r>
-                <a:rPr lang="en-GB" sz="2999">
+                <a:rPr lang="en-GB" sz="2999" dirty="0">
                   <a:solidFill>
                     <a:schemeClr val="bg2"/>
                   </a:solidFill>
                 </a:rPr>
                 <a:t>3</a:t>
               </a:r>
-              <a:endParaRPr lang="en-US" sz="2999">
+              <a:endParaRPr lang="en-US" sz="2999" dirty="0">
                 <a:solidFill>
                   <a:schemeClr val="bg2"/>
                 </a:solidFill>
@@ -22768,14 +22340,14 @@
                 <a:buSzPct val="70000"/>
               </a:pPr>
               <a:r>
-                <a:rPr lang="en-GB" sz="2999">
+                <a:rPr lang="en-GB" sz="2999" dirty="0">
                   <a:solidFill>
                     <a:schemeClr val="bg2"/>
                   </a:solidFill>
                 </a:rPr>
                 <a:t>4</a:t>
               </a:r>
-              <a:endParaRPr lang="en-US" sz="2999">
+              <a:endParaRPr lang="en-US" sz="2999" dirty="0">
                 <a:solidFill>
                   <a:schemeClr val="bg2"/>
                 </a:solidFill>

--- a/Courses/Software-Sciences/Module-1-OOP/07.2-Classes-and-Objects-Advanced/07.2-Classes-and-Objects-Advanced.pptx
+++ b/Courses/Software-Sciences/Module-1-OOP/07.2-Classes-and-Objects-Advanced/07.2-Classes-and-Objects-Advanced.pptx
@@ -283,7 +283,7 @@
           <a:p>
             <a:fld id="{4E087215-0C8F-4762-A664-737A353EC9A4}" type="datetimeFigureOut">
               <a:rPr lang="bg-BG" smtClean="0"/>
-              <a:t>17.05.23 г.</a:t>
+              <a:t>2.7.2023 г.</a:t>
             </a:fld>
             <a:endParaRPr lang="bg-BG" dirty="0"/>
           </a:p>
@@ -474,7 +474,7 @@
           <a:p>
             <a:fld id="{72D84649-876A-46C9-8472-14CB09C070D8}" type="datetimeFigureOut">
               <a:rPr lang="en-US" smtClean="0"/>
-              <a:t>5/17/23</a:t>
+              <a:t>2-Jul-23</a:t>
             </a:fld>
             <a:endParaRPr lang="en-US" dirty="0"/>
           </a:p>
@@ -9286,7 +9286,7 @@
           <a:p>
             <a:r>
               <a:rPr lang="bg-BG" dirty="0"/>
-              <a:t>Класове и обекти</a:t>
+              <a:t>Класове и обекти и списъци</a:t>
             </a:r>
             <a:endParaRPr lang="en-US" dirty="0"/>
           </a:p>
@@ -16022,7 +16022,12 @@
             <p:ph type="body" sz="quarter" idx="13"/>
           </p:nvPr>
         </p:nvSpPr>
-        <p:spPr/>
+        <p:spPr>
+          <a:xfrm>
+            <a:off x="196766" y="1371604"/>
+            <a:ext cx="11389234" cy="5207396"/>
+          </a:xfrm>
+        </p:spPr>
         <p:txBody>
           <a:bodyPr>
             <a:noAutofit/>
@@ -16038,23 +16043,38 @@
               </a:buClr>
             </a:pPr>
             <a:r>
+              <a:rPr lang="bg-BG" sz="4000" b="1" dirty="0"/>
+              <a:t>Инстанциране</a:t>
+            </a:r>
+            <a:r>
               <a:rPr lang="bg-BG" sz="4000" dirty="0"/>
-              <a:t>Дистанциране на клас</a:t>
-            </a:r>
-            <a:endParaRPr lang="en-GB" sz="4000" dirty="0"/>
+              <a:t> на клас и </a:t>
+            </a:r>
+            <a:r>
+              <a:rPr lang="bg-BG" sz="4000" b="1" dirty="0"/>
+              <a:t>референция</a:t>
+            </a:r>
+            <a:r>
+              <a:rPr lang="bg-BG" sz="4000" dirty="0"/>
+              <a:t> към обект</a:t>
+            </a:r>
           </a:p>
           <a:p>
             <a:pPr marL="514196" indent="-514196">
               <a:lnSpc>
                 <a:spcPct val="100000"/>
               </a:lnSpc>
-              <a:spcBef>
-                <a:spcPts val="1200"/>
-              </a:spcBef>
+              <a:buClr>
+                <a:schemeClr val="tx1"/>
+              </a:buClr>
             </a:pPr>
             <a:r>
+              <a:rPr lang="bg-BG" sz="4000" b="1" dirty="0"/>
+              <a:t>Множество конструктори </a:t>
+            </a:r>
+            <a:r>
               <a:rPr lang="bg-BG" sz="4000" dirty="0"/>
-              <a:t>Множество конструктори</a:t>
+              <a:t>и вериги от извиквания на конструктори</a:t>
             </a:r>
             <a:endParaRPr lang="en-US" sz="4000" dirty="0"/>
           </a:p>
@@ -16065,8 +16085,12 @@
               </a:buClr>
             </a:pPr>
             <a:r>
+              <a:rPr lang="bg-BG" sz="4000" b="1" dirty="0"/>
+              <a:t>Списъци</a:t>
+            </a:r>
+            <a:r>
               <a:rPr lang="bg-BG" sz="4000" dirty="0"/>
-              <a:t>Списъци</a:t>
+              <a:t> от обекти</a:t>
             </a:r>
             <a:endParaRPr lang="en-GB" sz="4000" dirty="0"/>
           </a:p>
@@ -16077,8 +16101,12 @@
               </a:buClr>
             </a:pPr>
             <a:r>
+              <a:rPr lang="bg-BG" sz="3800" b="1" dirty="0"/>
+              <a:t>Създаване</a:t>
+            </a:r>
+            <a:r>
               <a:rPr lang="bg-BG" sz="3800" dirty="0"/>
-              <a:t>Създаване на списък</a:t>
+              <a:t> на списък</a:t>
             </a:r>
           </a:p>
           <a:p>
@@ -16088,8 +16116,20 @@
               </a:buClr>
             </a:pPr>
             <a:r>
+              <a:rPr lang="bg-BG" sz="3800" b="1" dirty="0"/>
+              <a:t>Добавяне</a:t>
+            </a:r>
+            <a:r>
               <a:rPr lang="bg-BG" sz="3800" dirty="0"/>
-              <a:t>Добавяне и премахване на елементи</a:t>
+              <a:t> и </a:t>
+            </a:r>
+            <a:r>
+              <a:rPr lang="bg-BG" sz="3800" b="1" dirty="0"/>
+              <a:t>премахване</a:t>
+            </a:r>
+            <a:r>
+              <a:rPr lang="bg-BG" sz="3800" dirty="0"/>
+              <a:t> на елементи</a:t>
             </a:r>
           </a:p>
           <a:p>
@@ -16099,8 +16139,20 @@
               </a:buClr>
             </a:pPr>
             <a:r>
+              <a:rPr lang="bg-BG" sz="3800" b="1" dirty="0"/>
+              <a:t>Сортиране</a:t>
+            </a:r>
+            <a:r>
               <a:rPr lang="bg-BG" sz="3800" dirty="0"/>
-              <a:t>Сортиране и отпечатване на списък</a:t>
+              <a:t> и </a:t>
+            </a:r>
+            <a:r>
+              <a:rPr lang="bg-BG" sz="3800" b="1" dirty="0"/>
+              <a:t>отпечатване</a:t>
+            </a:r>
+            <a:r>
+              <a:rPr lang="bg-BG" sz="3800" dirty="0"/>
+              <a:t> на списък</a:t>
             </a:r>
             <a:endParaRPr lang="en-US" sz="3800" dirty="0"/>
           </a:p>
@@ -16630,7 +16682,7 @@
           <a:p>
             <a:r>
               <a:rPr lang="bg-BG" dirty="0"/>
-              <a:t>Инстанцииране на клас</a:t>
+              <a:t>Инстанциране на клас</a:t>
             </a:r>
             <a:endParaRPr lang="en-US" dirty="0"/>
           </a:p>
@@ -19206,7 +19258,7 @@
           <a:p>
             <a:r>
               <a:rPr lang="bg-BG" dirty="0"/>
-              <a:t>Вериги от конструктори</a:t>
+              <a:t>Вериги от извиквания на конструктори</a:t>
             </a:r>
             <a:endParaRPr lang="en-US" dirty="0"/>
           </a:p>

--- a/Courses/Software-Sciences/Module-1-OOP/07.2-Classes-and-Objects-Advanced/07.2-Classes-and-Objects-Advanced.pptx
+++ b/Courses/Software-Sciences/Module-1-OOP/07.2-Classes-and-Objects-Advanced/07.2-Classes-and-Objects-Advanced.pptx
@@ -11,7 +11,7 @@
     <p:handoutMasterId r:id="rId20"/>
   </p:handoutMasterIdLst>
   <p:sldIdLst>
-    <p:sldId id="297" r:id="rId2"/>
+    <p:sldId id="627" r:id="rId2"/>
     <p:sldId id="298" r:id="rId3"/>
     <p:sldId id="504" r:id="rId4"/>
     <p:sldId id="524" r:id="rId5"/>
@@ -26,8 +26,8 @@
     <p:sldId id="555" r:id="rId14"/>
     <p:sldId id="305" r:id="rId15"/>
     <p:sldId id="343" r:id="rId16"/>
-    <p:sldId id="401" r:id="rId17"/>
-    <p:sldId id="493" r:id="rId18"/>
+    <p:sldId id="556" r:id="rId17"/>
+    <p:sldId id="505" r:id="rId18"/>
   </p:sldIdLst>
   <p:sldSz cx="12192000" cy="6858000"/>
   <p:notesSz cx="6858000" cy="9144000"/>
@@ -129,27 +129,27 @@
   <p:extLst>
     <p:ext uri="{521415D9-36F7-43E2-AB2F-B90AF26B5E84}">
       <p14:sectionLst xmlns:p14="http://schemas.microsoft.com/office/powerpoint/2010/main">
-        <p14:section name="Въведение" id="{E700BDB4-EB25-4458-9C38-D57E5CC4D9AF}">
+        <p14:section name="Въведение" id="{B9ABE757-20CC-403A-8648-0CA36B7EBAE8}">
           <p14:sldIdLst>
-            <p14:sldId id="297"/>
+            <p14:sldId id="627"/>
             <p14:sldId id="298"/>
           </p14:sldIdLst>
         </p14:section>
-        <p14:section name="Инстанциране на клас" id="{C9028C2C-EB66-4420-BF65-544B58DB94C2}">
+        <p14:section name="Инстанциране на клас" id="{46576661-805B-43E9-AFDD-FF7D9ED403C5}">
           <p14:sldIdLst>
             <p14:sldId id="504"/>
             <p14:sldId id="524"/>
             <p14:sldId id="525"/>
           </p14:sldIdLst>
         </p14:section>
-        <p14:section name="Множество конструктори" id="{7A74B0D9-9C31-449B-9E49-BCC3FCFBDC8B}">
+        <p14:section name="Множество конструктори" id="{637C81D4-FD55-4EAF-B936-518ECA72CC53}">
           <p14:sldIdLst>
             <p14:sldId id="544"/>
             <p14:sldId id="548"/>
             <p14:sldId id="549"/>
           </p14:sldIdLst>
         </p14:section>
-        <p14:section name="Списъци от обекти" id="{3559390C-6B12-4124-93E8-88C078E88DB8}">
+        <p14:section name="Списъци от обекти" id="{9CDE35B0-65B6-4E8C-8AED-0BFC80F33973}">
           <p14:sldIdLst>
             <p14:sldId id="550"/>
             <p14:sldId id="492"/>
@@ -159,11 +159,11 @@
             <p14:sldId id="305"/>
           </p14:sldIdLst>
         </p14:section>
-        <p14:section name="Обобщение" id="{DD02C24B-513C-4CFA-9E95-574B842AE999}">
+        <p14:section name="Обобщение" id="{57701A11-800D-4253-BBA1-84662227C9A3}">
           <p14:sldIdLst>
             <p14:sldId id="343"/>
-            <p14:sldId id="401"/>
-            <p14:sldId id="493"/>
+            <p14:sldId id="556"/>
+            <p14:sldId id="505"/>
           </p14:sldIdLst>
         </p14:section>
       </p14:sectionLst>
@@ -244,7 +244,7 @@
             </a:lvl1pPr>
           </a:lstStyle>
           <a:p>
-            <a:endParaRPr lang="bg-BG" dirty="0"/>
+            <a:endParaRPr lang="bg-BG"/>
           </a:p>
         </p:txBody>
       </p:sp>
@@ -283,9 +283,9 @@
           <a:p>
             <a:fld id="{4E087215-0C8F-4762-A664-737A353EC9A4}" type="datetimeFigureOut">
               <a:rPr lang="bg-BG" smtClean="0"/>
-              <a:t>2.7.2023 г.</a:t>
+              <a:t>2.10.23 г.</a:t>
             </a:fld>
-            <a:endParaRPr lang="bg-BG" dirty="0"/>
+            <a:endParaRPr lang="bg-BG"/>
           </a:p>
         </p:txBody>
       </p:sp>
@@ -307,8 +307,8 @@
         </p:nvSpPr>
         <p:spPr>
           <a:xfrm>
-            <a:off x="-1" y="8847000"/>
-            <a:ext cx="6443999" cy="297000"/>
+            <a:off x="-1" y="8892000"/>
+            <a:ext cx="6443999" cy="252000"/>
           </a:xfrm>
           <a:prstGeom prst="rect">
             <a:avLst/>
@@ -323,19 +323,24 @@
           </a:lstStyle>
           <a:p>
             <a:r>
-              <a:rPr lang="en-US" sz="1100" dirty="0"/>
-              <a:t>© SoftUni – </a:t>
-            </a:r>
-            <a:r>
-              <a:rPr lang="en-US" sz="1100" u="sng" dirty="0">
+              <a:rPr lang="bg-BG" sz="1100" dirty="0"/>
+              <a:t>Работна група </a:t>
+            </a:r>
+            <a:r>
+              <a:rPr lang="ru-RU" sz="1100" dirty="0"/>
+              <a:t>"Образование по програмиране и ИТ</a:t>
+            </a:r>
+            <a:r>
+              <a:rPr lang="bg-BG" sz="1100" dirty="0"/>
+              <a:t>", с подкрепата на </a:t>
+            </a:r>
+            <a:r>
+              <a:rPr lang="en-US" sz="1100" dirty="0">
                 <a:hlinkClick r:id="rId2"/>
               </a:rPr>
-              <a:t>https://softuni.org</a:t>
-            </a:r>
-            <a:r>
-              <a:rPr lang="en-US" sz="1100" dirty="0"/>
-              <a:t>. Copyrighted document. Unauthorized copy or reproduction is not permitted.</a:t>
-            </a:r>
+              <a:t>SoftUni</a:t>
+            </a:r>
+            <a:endParaRPr lang="en-US" sz="1100" dirty="0"/>
           </a:p>
         </p:txBody>
       </p:sp>
@@ -357,8 +362,8 @@
         </p:nvSpPr>
         <p:spPr>
           <a:xfrm>
-            <a:off x="6443999" y="8847000"/>
-            <a:ext cx="412413" cy="297000"/>
+            <a:off x="6443999" y="8892000"/>
+            <a:ext cx="412413" cy="252000"/>
           </a:xfrm>
           <a:prstGeom prst="rect">
             <a:avLst/>
@@ -441,7 +446,7 @@
             </a:lvl1pPr>
           </a:lstStyle>
           <a:p>
-            <a:endParaRPr lang="en-US" dirty="0"/>
+            <a:endParaRPr lang="en-US"/>
           </a:p>
         </p:txBody>
       </p:sp>
@@ -474,9 +479,9 @@
           <a:p>
             <a:fld id="{72D84649-876A-46C9-8472-14CB09C070D8}" type="datetimeFigureOut">
               <a:rPr lang="en-US" smtClean="0"/>
-              <a:t>2-Jul-23</a:t>
+              <a:t>10/2/23</a:t>
             </a:fld>
-            <a:endParaRPr lang="en-US" dirty="0"/>
+            <a:endParaRPr lang="en-US"/>
           </a:p>
         </p:txBody>
       </p:sp>
@@ -509,7 +514,7 @@
           <a:bodyPr vert="horz" lIns="91440" tIns="45720" rIns="91440" bIns="45720" rtlCol="0" anchor="ctr"/>
           <a:lstStyle/>
           <a:p>
-            <a:endParaRPr lang="en-US" dirty="0"/>
+            <a:endParaRPr lang="en-US"/>
           </a:p>
         </p:txBody>
       </p:sp>
@@ -584,8 +589,8 @@
         </p:nvSpPr>
         <p:spPr>
           <a:xfrm>
-            <a:off x="6488999" y="8847000"/>
-            <a:ext cx="367414" cy="297000"/>
+            <a:off x="6488999" y="8892000"/>
+            <a:ext cx="367414" cy="252000"/>
           </a:xfrm>
           <a:prstGeom prst="rect">
             <a:avLst/>
@@ -625,8 +630,8 @@
         </p:nvSpPr>
         <p:spPr>
           <a:xfrm>
-            <a:off x="-1" y="8847000"/>
-            <a:ext cx="6488999" cy="297000"/>
+            <a:off x="-1" y="8892000"/>
+            <a:ext cx="6488999" cy="252000"/>
           </a:xfrm>
           <a:prstGeom prst="rect">
             <a:avLst/>
@@ -641,19 +646,24 @@
           </a:lstStyle>
           <a:p>
             <a:r>
-              <a:rPr lang="en-US" dirty="0"/>
-              <a:t>© SoftUni – </a:t>
-            </a:r>
-            <a:r>
-              <a:rPr lang="en-US" u="sng" dirty="0">
+              <a:rPr lang="bg-BG" sz="1100" dirty="0"/>
+              <a:t>Работна група </a:t>
+            </a:r>
+            <a:r>
+              <a:rPr lang="bg-BG" dirty="0"/>
+              <a:t>"Образование по програмиране и ИТ"</a:t>
+            </a:r>
+            <a:r>
+              <a:rPr lang="bg-BG" sz="1100" dirty="0"/>
+              <a:t>, с подкрепата на </a:t>
+            </a:r>
+            <a:r>
+              <a:rPr lang="en-US" sz="1100" dirty="0">
                 <a:hlinkClick r:id="rId2"/>
               </a:rPr>
-              <a:t>https://softuni.org</a:t>
-            </a:r>
-            <a:r>
-              <a:rPr lang="en-US" dirty="0"/>
-              <a:t>. Copyrighted document. Unauthorized copy or reproduction is not permitted.</a:t>
-            </a:r>
+              <a:t>SoftUni</a:t>
+            </a:r>
+            <a:endParaRPr lang="en-US" sz="1100" dirty="0"/>
           </a:p>
         </p:txBody>
       </p:sp>
@@ -835,10 +845,10 @@
       </p:sp>
       <p:sp>
         <p:nvSpPr>
-          <p:cNvPr id="7" name="Footer Placeholder 7">
+          <p:cNvPr id="4" name="Footer Placeholder 7">
             <a:extLst>
               <a:ext uri="{FF2B5EF4-FFF2-40B4-BE49-F238E27FC236}">
-                <a16:creationId xmlns:a16="http://schemas.microsoft.com/office/drawing/2014/main" id="{DB89DF01-AF9C-4186-BC00-44F3F37E5271}"/>
+                <a16:creationId xmlns:a16="http://schemas.microsoft.com/office/drawing/2014/main" id="{C2D5B3F4-646B-5DA4-F973-7515905E5005}"/>
               </a:ext>
             </a:extLst>
           </p:cNvPr>
@@ -851,8 +861,8 @@
         </p:nvSpPr>
         <p:spPr>
           <a:xfrm>
-            <a:off x="-1" y="8847000"/>
-            <a:ext cx="6488999" cy="297000"/>
+            <a:off x="-1" y="8892000"/>
+            <a:ext cx="6488999" cy="252000"/>
           </a:xfrm>
           <a:prstGeom prst="rect">
             <a:avLst/>
@@ -867,26 +877,31 @@
           </a:lstStyle>
           <a:p>
             <a:r>
-              <a:rPr lang="en-US" dirty="0"/>
-              <a:t>© SoftUni – </a:t>
-            </a:r>
-            <a:r>
-              <a:rPr lang="en-US" u="sng" dirty="0">
+              <a:rPr lang="bg-BG" sz="1100" dirty="0"/>
+              <a:t>Работна група </a:t>
+            </a:r>
+            <a:r>
+              <a:rPr lang="bg-BG" dirty="0"/>
+              <a:t>"Образование по програмиране и ИТ"</a:t>
+            </a:r>
+            <a:r>
+              <a:rPr lang="bg-BG" sz="1100" dirty="0"/>
+              <a:t>, с подкрепата на </a:t>
+            </a:r>
+            <a:r>
+              <a:rPr lang="en-US" sz="1100" dirty="0">
                 <a:hlinkClick r:id="rId3"/>
               </a:rPr>
-              <a:t>https://softuni.org</a:t>
-            </a:r>
-            <a:r>
-              <a:rPr lang="en-US" dirty="0"/>
-              <a:t>. Copyrighted document. Unauthorized copy or reproduction is not permitted.</a:t>
-            </a:r>
+              <a:t>SoftUni</a:t>
+            </a:r>
+            <a:endParaRPr lang="en-US" sz="1100" dirty="0"/>
           </a:p>
         </p:txBody>
       </p:sp>
     </p:spTree>
     <p:extLst>
       <p:ext uri="{BB962C8B-B14F-4D97-AF65-F5344CB8AC3E}">
-        <p14:creationId xmlns:p14="http://schemas.microsoft.com/office/powerpoint/2010/main" val="439921419"/>
+        <p14:creationId xmlns:p14="http://schemas.microsoft.com/office/powerpoint/2010/main" val="3855554386"/>
       </p:ext>
     </p:extLst>
   </p:cSld>
@@ -969,10 +984,10 @@
       </p:sp>
       <p:sp>
         <p:nvSpPr>
-          <p:cNvPr id="7" name="Footer Placeholder 7">
+          <p:cNvPr id="5" name="Footer Placeholder 7">
             <a:extLst>
               <a:ext uri="{FF2B5EF4-FFF2-40B4-BE49-F238E27FC236}">
-                <a16:creationId xmlns:a16="http://schemas.microsoft.com/office/drawing/2014/main" id="{C663E775-B715-45B3-BD85-2BE7799CA3D7}"/>
+                <a16:creationId xmlns:a16="http://schemas.microsoft.com/office/drawing/2014/main" id="{7B8A355C-57E8-DB71-7D41-7251648D61C7}"/>
               </a:ext>
             </a:extLst>
           </p:cNvPr>
@@ -985,8 +1000,8 @@
         </p:nvSpPr>
         <p:spPr>
           <a:xfrm>
-            <a:off x="-1" y="8847000"/>
-            <a:ext cx="6488999" cy="297000"/>
+            <a:off x="-1" y="8892000"/>
+            <a:ext cx="6488999" cy="252000"/>
           </a:xfrm>
           <a:prstGeom prst="rect">
             <a:avLst/>
@@ -1001,26 +1016,31 @@
           </a:lstStyle>
           <a:p>
             <a:r>
-              <a:rPr lang="en-US" dirty="0"/>
-              <a:t>© SoftUni – </a:t>
-            </a:r>
-            <a:r>
-              <a:rPr lang="en-US" u="sng" dirty="0">
+              <a:rPr lang="bg-BG" sz="1100" dirty="0"/>
+              <a:t>Работна група </a:t>
+            </a:r>
+            <a:r>
+              <a:rPr lang="bg-BG" dirty="0"/>
+              <a:t>"Образование по програмиране и ИТ"</a:t>
+            </a:r>
+            <a:r>
+              <a:rPr lang="bg-BG" sz="1100" dirty="0"/>
+              <a:t>, с подкрепата на </a:t>
+            </a:r>
+            <a:r>
+              <a:rPr lang="en-US" sz="1100" dirty="0">
                 <a:hlinkClick r:id="rId3"/>
               </a:rPr>
-              <a:t>https://softuni.org</a:t>
-            </a:r>
-            <a:r>
-              <a:rPr lang="en-US" dirty="0"/>
-              <a:t>. Copyrighted document. Unauthorized copy or reproduction is not permitted.</a:t>
-            </a:r>
+              <a:t>SoftUni</a:t>
+            </a:r>
+            <a:endParaRPr lang="en-US" sz="1100" dirty="0"/>
           </a:p>
         </p:txBody>
       </p:sp>
     </p:spTree>
     <p:extLst>
       <p:ext uri="{BB962C8B-B14F-4D97-AF65-F5344CB8AC3E}">
-        <p14:creationId xmlns:p14="http://schemas.microsoft.com/office/powerpoint/2010/main" val="2012748679"/>
+        <p14:creationId xmlns:p14="http://schemas.microsoft.com/office/powerpoint/2010/main" val="3368061448"/>
       </p:ext>
     </p:extLst>
   </p:cSld>
@@ -1103,10 +1123,10 @@
       </p:sp>
       <p:sp>
         <p:nvSpPr>
-          <p:cNvPr id="7" name="Footer Placeholder 7">
+          <p:cNvPr id="5" name="Footer Placeholder 7">
             <a:extLst>
               <a:ext uri="{FF2B5EF4-FFF2-40B4-BE49-F238E27FC236}">
-                <a16:creationId xmlns:a16="http://schemas.microsoft.com/office/drawing/2014/main" id="{C663E775-B715-45B3-BD85-2BE7799CA3D7}"/>
+                <a16:creationId xmlns:a16="http://schemas.microsoft.com/office/drawing/2014/main" id="{B94C3349-167D-4EF9-D85C-7970C959106B}"/>
               </a:ext>
             </a:extLst>
           </p:cNvPr>
@@ -1119,8 +1139,8 @@
         </p:nvSpPr>
         <p:spPr>
           <a:xfrm>
-            <a:off x="-1" y="8847000"/>
-            <a:ext cx="6488999" cy="297000"/>
+            <a:off x="-1" y="8892000"/>
+            <a:ext cx="6488999" cy="252000"/>
           </a:xfrm>
           <a:prstGeom prst="rect">
             <a:avLst/>
@@ -1135,26 +1155,31 @@
           </a:lstStyle>
           <a:p>
             <a:r>
-              <a:rPr lang="en-US" dirty="0"/>
-              <a:t>© SoftUni – </a:t>
-            </a:r>
-            <a:r>
-              <a:rPr lang="en-US" u="sng" dirty="0">
+              <a:rPr lang="bg-BG" sz="1100" dirty="0"/>
+              <a:t>Работна група </a:t>
+            </a:r>
+            <a:r>
+              <a:rPr lang="bg-BG" dirty="0"/>
+              <a:t>"Образование по програмиране и ИТ"</a:t>
+            </a:r>
+            <a:r>
+              <a:rPr lang="bg-BG" sz="1100" dirty="0"/>
+              <a:t>, с подкрепата на </a:t>
+            </a:r>
+            <a:r>
+              <a:rPr lang="en-US" sz="1100" dirty="0">
                 <a:hlinkClick r:id="rId3"/>
               </a:rPr>
-              <a:t>https://softuni.org</a:t>
-            </a:r>
-            <a:r>
-              <a:rPr lang="en-US" dirty="0"/>
-              <a:t>. Copyrighted document. Unauthorized copy or reproduction is not permitted.</a:t>
-            </a:r>
+              <a:t>SoftUni</a:t>
+            </a:r>
+            <a:endParaRPr lang="en-US" sz="1100" dirty="0"/>
           </a:p>
         </p:txBody>
       </p:sp>
     </p:spTree>
     <p:extLst>
       <p:ext uri="{BB962C8B-B14F-4D97-AF65-F5344CB8AC3E}">
-        <p14:creationId xmlns:p14="http://schemas.microsoft.com/office/powerpoint/2010/main" val="2552602952"/>
+        <p14:creationId xmlns:p14="http://schemas.microsoft.com/office/powerpoint/2010/main" val="3412475355"/>
       </p:ext>
     </p:extLst>
   </p:cSld>
@@ -1238,10 +1263,10 @@
       </p:sp>
       <p:sp>
         <p:nvSpPr>
-          <p:cNvPr id="6" name="Footer Placeholder 7">
+          <p:cNvPr id="4" name="Footer Placeholder 7">
             <a:extLst>
               <a:ext uri="{FF2B5EF4-FFF2-40B4-BE49-F238E27FC236}">
-                <a16:creationId xmlns:a16="http://schemas.microsoft.com/office/drawing/2014/main" id="{D0A069D5-D550-4E32-8F90-949CCE66A041}"/>
+                <a16:creationId xmlns:a16="http://schemas.microsoft.com/office/drawing/2014/main" id="{1E79AE81-7498-036B-E303-64D716551707}"/>
               </a:ext>
             </a:extLst>
           </p:cNvPr>
@@ -1254,8 +1279,8 @@
         </p:nvSpPr>
         <p:spPr>
           <a:xfrm>
-            <a:off x="-1" y="8847000"/>
-            <a:ext cx="6488999" cy="297000"/>
+            <a:off x="-1" y="8892000"/>
+            <a:ext cx="6488999" cy="252000"/>
           </a:xfrm>
           <a:prstGeom prst="rect">
             <a:avLst/>
@@ -1270,26 +1295,31 @@
           </a:lstStyle>
           <a:p>
             <a:r>
-              <a:rPr lang="en-US" dirty="0"/>
-              <a:t>© SoftUni – </a:t>
-            </a:r>
-            <a:r>
-              <a:rPr lang="en-US" u="sng" dirty="0">
+              <a:rPr lang="bg-BG" sz="1100" dirty="0"/>
+              <a:t>Работна група </a:t>
+            </a:r>
+            <a:r>
+              <a:rPr lang="bg-BG" dirty="0"/>
+              <a:t>"Образование по програмиране и ИТ"</a:t>
+            </a:r>
+            <a:r>
+              <a:rPr lang="bg-BG" sz="1100" dirty="0"/>
+              <a:t>, с подкрепата на </a:t>
+            </a:r>
+            <a:r>
+              <a:rPr lang="en-US" sz="1100" dirty="0">
                 <a:hlinkClick r:id="rId3"/>
               </a:rPr>
-              <a:t>https://softuni.org</a:t>
-            </a:r>
-            <a:r>
-              <a:rPr lang="en-US" dirty="0"/>
-              <a:t>. Copyrighted document. Unauthorized copy or reproduction is not permitted.</a:t>
-            </a:r>
+              <a:t>SoftUni</a:t>
+            </a:r>
+            <a:endParaRPr lang="en-US" sz="1100" dirty="0"/>
           </a:p>
         </p:txBody>
       </p:sp>
     </p:spTree>
     <p:extLst>
       <p:ext uri="{BB962C8B-B14F-4D97-AF65-F5344CB8AC3E}">
-        <p14:creationId xmlns:p14="http://schemas.microsoft.com/office/powerpoint/2010/main" val="3730804690"/>
+        <p14:creationId xmlns:p14="http://schemas.microsoft.com/office/powerpoint/2010/main" val="404661447"/>
       </p:ext>
     </p:extLst>
   </p:cSld>
@@ -1479,10 +1509,10 @@
       </p:sp>
       <p:sp>
         <p:nvSpPr>
-          <p:cNvPr id="6" name="Footer Placeholder 7">
+          <p:cNvPr id="5" name="Footer Placeholder 7">
             <a:extLst>
               <a:ext uri="{FF2B5EF4-FFF2-40B4-BE49-F238E27FC236}">
-                <a16:creationId xmlns:a16="http://schemas.microsoft.com/office/drawing/2014/main" id="{ADACDA92-A232-46BE-A6E3-30135B429D65}"/>
+                <a16:creationId xmlns:a16="http://schemas.microsoft.com/office/drawing/2014/main" id="{663DD007-1527-50B4-2469-AB3535788564}"/>
               </a:ext>
             </a:extLst>
           </p:cNvPr>
@@ -1495,8 +1525,8 @@
         </p:nvSpPr>
         <p:spPr>
           <a:xfrm>
-            <a:off x="-1" y="8847000"/>
-            <a:ext cx="6488999" cy="297000"/>
+            <a:off x="-1" y="8892000"/>
+            <a:ext cx="6488999" cy="252000"/>
           </a:xfrm>
           <a:prstGeom prst="rect">
             <a:avLst/>
@@ -1511,26 +1541,31 @@
           </a:lstStyle>
           <a:p>
             <a:r>
-              <a:rPr lang="en-US" dirty="0"/>
-              <a:t>© SoftUni – </a:t>
-            </a:r>
-            <a:r>
-              <a:rPr lang="en-US" u="sng" dirty="0">
+              <a:rPr lang="bg-BG" sz="1100" dirty="0"/>
+              <a:t>Работна група </a:t>
+            </a:r>
+            <a:r>
+              <a:rPr lang="bg-BG" dirty="0"/>
+              <a:t>"Образование по програмиране и ИТ"</a:t>
+            </a:r>
+            <a:r>
+              <a:rPr lang="bg-BG" sz="1100" dirty="0"/>
+              <a:t>, с подкрепата на </a:t>
+            </a:r>
+            <a:r>
+              <a:rPr lang="en-US" sz="1100" dirty="0">
                 <a:hlinkClick r:id="rId3"/>
               </a:rPr>
-              <a:t>https://softuni.org</a:t>
-            </a:r>
-            <a:r>
-              <a:rPr lang="en-US" dirty="0"/>
-              <a:t>. Copyrighted document. Unauthorized copy or reproduction is not permitted.</a:t>
-            </a:r>
+              <a:t>SoftUni</a:t>
+            </a:r>
+            <a:endParaRPr lang="en-US" sz="1100" dirty="0"/>
           </a:p>
         </p:txBody>
       </p:sp>
     </p:spTree>
     <p:extLst>
       <p:ext uri="{BB962C8B-B14F-4D97-AF65-F5344CB8AC3E}">
-        <p14:creationId xmlns:p14="http://schemas.microsoft.com/office/powerpoint/2010/main" val="91562186"/>
+        <p14:creationId xmlns:p14="http://schemas.microsoft.com/office/powerpoint/2010/main" val="2001977535"/>
       </p:ext>
     </p:extLst>
   </p:cSld>
@@ -1584,7 +1619,7 @@
           <a:bodyPr/>
           <a:lstStyle/>
           <a:p>
-            <a:endParaRPr lang="en-US" dirty="0"/>
+            <a:endParaRPr lang="en-US"/>
           </a:p>
         </p:txBody>
       </p:sp>
@@ -1720,10 +1755,10 @@
       </p:sp>
       <p:sp>
         <p:nvSpPr>
-          <p:cNvPr id="7" name="Footer Placeholder 7">
+          <p:cNvPr id="5" name="Footer Placeholder 7">
             <a:extLst>
               <a:ext uri="{FF2B5EF4-FFF2-40B4-BE49-F238E27FC236}">
-                <a16:creationId xmlns:a16="http://schemas.microsoft.com/office/drawing/2014/main" id="{CAC18C5D-64E2-4134-AE2F-F0A300B4F54D}"/>
+                <a16:creationId xmlns:a16="http://schemas.microsoft.com/office/drawing/2014/main" id="{4ABE2C6A-96D0-DD00-B313-903B082E2A89}"/>
               </a:ext>
             </a:extLst>
           </p:cNvPr>
@@ -1736,8 +1771,8 @@
         </p:nvSpPr>
         <p:spPr>
           <a:xfrm>
-            <a:off x="-1" y="8847000"/>
-            <a:ext cx="6488999" cy="297000"/>
+            <a:off x="-1" y="8892000"/>
+            <a:ext cx="6488999" cy="252000"/>
           </a:xfrm>
           <a:prstGeom prst="rect">
             <a:avLst/>
@@ -1752,26 +1787,31 @@
           </a:lstStyle>
           <a:p>
             <a:r>
-              <a:rPr lang="en-US" dirty="0"/>
-              <a:t>© SoftUni – </a:t>
-            </a:r>
-            <a:r>
-              <a:rPr lang="en-US" u="sng" dirty="0">
+              <a:rPr lang="bg-BG" sz="1100" dirty="0"/>
+              <a:t>Работна група </a:t>
+            </a:r>
+            <a:r>
+              <a:rPr lang="bg-BG" dirty="0"/>
+              <a:t>"Образование по програмиране и ИТ"</a:t>
+            </a:r>
+            <a:r>
+              <a:rPr lang="bg-BG" sz="1100" dirty="0"/>
+              <a:t>, с подкрепата на </a:t>
+            </a:r>
+            <a:r>
+              <a:rPr lang="en-US" sz="1100" dirty="0">
                 <a:hlinkClick r:id="rId3"/>
               </a:rPr>
-              <a:t>https://softuni.org</a:t>
-            </a:r>
-            <a:r>
-              <a:rPr lang="en-US" dirty="0"/>
-              <a:t>. Copyrighted document. Unauthorized copy or reproduction is not permitted.</a:t>
-            </a:r>
+              <a:t>SoftUni</a:t>
+            </a:r>
+            <a:endParaRPr lang="en-US" sz="1100" dirty="0"/>
           </a:p>
         </p:txBody>
       </p:sp>
     </p:spTree>
     <p:extLst>
       <p:ext uri="{BB962C8B-B14F-4D97-AF65-F5344CB8AC3E}">
-        <p14:creationId xmlns:p14="http://schemas.microsoft.com/office/powerpoint/2010/main" val="2325412448"/>
+        <p14:creationId xmlns:p14="http://schemas.microsoft.com/office/powerpoint/2010/main" val="3269817477"/>
       </p:ext>
     </p:extLst>
   </p:cSld>
@@ -1854,7 +1894,13 @@
       </p:sp>
       <p:sp>
         <p:nvSpPr>
-          <p:cNvPr id="5" name="Footer Placeholder 4"/>
+          <p:cNvPr id="6" name="Footer Placeholder 7">
+            <a:extLst>
+              <a:ext uri="{FF2B5EF4-FFF2-40B4-BE49-F238E27FC236}">
+                <a16:creationId xmlns:a16="http://schemas.microsoft.com/office/drawing/2014/main" id="{C2E06057-571B-C28C-7E2A-F13E1E4D811D}"/>
+              </a:ext>
+            </a:extLst>
+          </p:cNvPr>
           <p:cNvSpPr>
             <a:spLocks noGrp="1"/>
           </p:cNvSpPr>
@@ -1862,32 +1908,49 @@
             <p:ph type="ftr" sz="quarter" idx="4"/>
           </p:nvPr>
         </p:nvSpPr>
-        <p:spPr/>
+        <p:spPr>
+          <a:xfrm>
+            <a:off x="-1" y="8892000"/>
+            <a:ext cx="6488999" cy="252000"/>
+          </a:xfrm>
+          <a:prstGeom prst="rect">
+            <a:avLst/>
+          </a:prstGeom>
+        </p:spPr>
         <p:txBody>
-          <a:bodyPr/>
-          <a:lstStyle/>
-          <a:p>
-            <a:r>
-              <a:rPr lang="en-US" dirty="0"/>
-              <a:t>© SoftUni – </a:t>
-            </a:r>
-            <a:r>
-              <a:rPr lang="en-US" u="sng" dirty="0">
+          <a:bodyPr vert="horz" lIns="91440" tIns="45720" rIns="91440" bIns="45720" rtlCol="0" anchor="b"/>
+          <a:lstStyle>
+            <a:lvl1pPr algn="l">
+              <a:defRPr sz="1100"/>
+            </a:lvl1pPr>
+          </a:lstStyle>
+          <a:p>
+            <a:r>
+              <a:rPr lang="bg-BG" sz="1100" dirty="0"/>
+              <a:t>Работна група </a:t>
+            </a:r>
+            <a:r>
+              <a:rPr lang="bg-BG" dirty="0"/>
+              <a:t>"Образование по програмиране и ИТ"</a:t>
+            </a:r>
+            <a:r>
+              <a:rPr lang="bg-BG" sz="1100" dirty="0"/>
+              <a:t>, с подкрепата на </a:t>
+            </a:r>
+            <a:r>
+              <a:rPr lang="en-US" sz="1100" dirty="0">
                 <a:hlinkClick r:id="rId3"/>
               </a:rPr>
-              <a:t>https://softuni.org</a:t>
-            </a:r>
-            <a:r>
-              <a:rPr lang="en-US" dirty="0"/>
-              <a:t>. Copyrighted document. Unauthorized copy or reproduction is not permitted.</a:t>
-            </a:r>
+              <a:t>SoftUni</a:t>
+            </a:r>
+            <a:endParaRPr lang="en-US" sz="1100" dirty="0"/>
           </a:p>
         </p:txBody>
       </p:sp>
     </p:spTree>
     <p:extLst>
       <p:ext uri="{BB962C8B-B14F-4D97-AF65-F5344CB8AC3E}">
-        <p14:creationId xmlns:p14="http://schemas.microsoft.com/office/powerpoint/2010/main" val="2863198763"/>
+        <p14:creationId xmlns:p14="http://schemas.microsoft.com/office/powerpoint/2010/main" val="4061200092"/>
       </p:ext>
     </p:extLst>
   </p:cSld>
@@ -1970,7 +2033,13 @@
       </p:sp>
       <p:sp>
         <p:nvSpPr>
-          <p:cNvPr id="5" name="Footer Placeholder 4"/>
+          <p:cNvPr id="6" name="Footer Placeholder 7">
+            <a:extLst>
+              <a:ext uri="{FF2B5EF4-FFF2-40B4-BE49-F238E27FC236}">
+                <a16:creationId xmlns:a16="http://schemas.microsoft.com/office/drawing/2014/main" id="{FB79299F-82DC-9262-C2F1-C5639301AACB}"/>
+              </a:ext>
+            </a:extLst>
+          </p:cNvPr>
           <p:cNvSpPr>
             <a:spLocks noGrp="1"/>
           </p:cNvSpPr>
@@ -1978,32 +2047,49 @@
             <p:ph type="ftr" sz="quarter" idx="4"/>
           </p:nvPr>
         </p:nvSpPr>
-        <p:spPr/>
+        <p:spPr>
+          <a:xfrm>
+            <a:off x="-1" y="8892000"/>
+            <a:ext cx="6488999" cy="252000"/>
+          </a:xfrm>
+          <a:prstGeom prst="rect">
+            <a:avLst/>
+          </a:prstGeom>
+        </p:spPr>
         <p:txBody>
-          <a:bodyPr/>
-          <a:lstStyle/>
-          <a:p>
-            <a:r>
-              <a:rPr lang="en-US" dirty="0"/>
-              <a:t>© SoftUni – </a:t>
-            </a:r>
-            <a:r>
-              <a:rPr lang="en-US" u="sng" dirty="0">
+          <a:bodyPr vert="horz" lIns="91440" tIns="45720" rIns="91440" bIns="45720" rtlCol="0" anchor="b"/>
+          <a:lstStyle>
+            <a:lvl1pPr algn="l">
+              <a:defRPr sz="1100"/>
+            </a:lvl1pPr>
+          </a:lstStyle>
+          <a:p>
+            <a:r>
+              <a:rPr lang="bg-BG" sz="1100" dirty="0"/>
+              <a:t>Работна група </a:t>
+            </a:r>
+            <a:r>
+              <a:rPr lang="bg-BG" dirty="0"/>
+              <a:t>"Образование по програмиране и ИТ"</a:t>
+            </a:r>
+            <a:r>
+              <a:rPr lang="bg-BG" sz="1100" dirty="0"/>
+              <a:t>, с подкрепата на </a:t>
+            </a:r>
+            <a:r>
+              <a:rPr lang="en-US" sz="1100" dirty="0">
                 <a:hlinkClick r:id="rId3"/>
               </a:rPr>
-              <a:t>https://softuni.org</a:t>
-            </a:r>
-            <a:r>
-              <a:rPr lang="en-US" dirty="0"/>
-              <a:t>. Copyrighted document. Unauthorized copy or reproduction is not permitted.</a:t>
-            </a:r>
+              <a:t>SoftUni</a:t>
+            </a:r>
+            <a:endParaRPr lang="en-US" sz="1100" dirty="0"/>
           </a:p>
         </p:txBody>
       </p:sp>
     </p:spTree>
     <p:extLst>
       <p:ext uri="{BB962C8B-B14F-4D97-AF65-F5344CB8AC3E}">
-        <p14:creationId xmlns:p14="http://schemas.microsoft.com/office/powerpoint/2010/main" val="324393165"/>
+        <p14:creationId xmlns:p14="http://schemas.microsoft.com/office/powerpoint/2010/main" val="4067533713"/>
       </p:ext>
     </p:extLst>
   </p:cSld>
@@ -2087,10 +2173,10 @@
       </p:sp>
       <p:sp>
         <p:nvSpPr>
-          <p:cNvPr id="7" name="Footer Placeholder 7">
+          <p:cNvPr id="5" name="Footer Placeholder 7">
             <a:extLst>
               <a:ext uri="{FF2B5EF4-FFF2-40B4-BE49-F238E27FC236}">
-                <a16:creationId xmlns:a16="http://schemas.microsoft.com/office/drawing/2014/main" id="{2A96E02F-AF46-4AF6-80F4-2FDC4B8F1E2C}"/>
+                <a16:creationId xmlns:a16="http://schemas.microsoft.com/office/drawing/2014/main" id="{224D8C2A-FD12-322B-8C21-BA4FB458A680}"/>
               </a:ext>
             </a:extLst>
           </p:cNvPr>
@@ -2103,8 +2189,8 @@
         </p:nvSpPr>
         <p:spPr>
           <a:xfrm>
-            <a:off x="-1" y="8847000"/>
-            <a:ext cx="6488999" cy="297000"/>
+            <a:off x="-1" y="8892000"/>
+            <a:ext cx="6488999" cy="252000"/>
           </a:xfrm>
           <a:prstGeom prst="rect">
             <a:avLst/>
@@ -2119,26 +2205,31 @@
           </a:lstStyle>
           <a:p>
             <a:r>
-              <a:rPr lang="en-US" dirty="0"/>
-              <a:t>© SoftUni – </a:t>
-            </a:r>
-            <a:r>
-              <a:rPr lang="en-US" u="sng" dirty="0">
+              <a:rPr lang="bg-BG" sz="1100" dirty="0"/>
+              <a:t>Работна група </a:t>
+            </a:r>
+            <a:r>
+              <a:rPr lang="bg-BG" dirty="0"/>
+              <a:t>"Образование по програмиране и ИТ"</a:t>
+            </a:r>
+            <a:r>
+              <a:rPr lang="bg-BG" sz="1100" dirty="0"/>
+              <a:t>, с подкрепата на </a:t>
+            </a:r>
+            <a:r>
+              <a:rPr lang="en-US" sz="1100" dirty="0">
                 <a:hlinkClick r:id="rId3"/>
               </a:rPr>
-              <a:t>https://softuni.org</a:t>
-            </a:r>
-            <a:r>
-              <a:rPr lang="en-US" dirty="0"/>
-              <a:t>. Copyrighted document. Unauthorized copy or reproduction is not permitted.</a:t>
-            </a:r>
+              <a:t>SoftUni</a:t>
+            </a:r>
+            <a:endParaRPr lang="en-US" sz="1100" dirty="0"/>
           </a:p>
         </p:txBody>
       </p:sp>
     </p:spTree>
     <p:extLst>
       <p:ext uri="{BB962C8B-B14F-4D97-AF65-F5344CB8AC3E}">
-        <p14:creationId xmlns:p14="http://schemas.microsoft.com/office/powerpoint/2010/main" val="38528637"/>
+        <p14:creationId xmlns:p14="http://schemas.microsoft.com/office/powerpoint/2010/main" val="3033755158"/>
       </p:ext>
     </p:extLst>
   </p:cSld>
@@ -2222,10 +2313,10 @@
       </p:sp>
       <p:sp>
         <p:nvSpPr>
-          <p:cNvPr id="7" name="Footer Placeholder 7">
+          <p:cNvPr id="4" name="Footer Placeholder 7">
             <a:extLst>
               <a:ext uri="{FF2B5EF4-FFF2-40B4-BE49-F238E27FC236}">
-                <a16:creationId xmlns:a16="http://schemas.microsoft.com/office/drawing/2014/main" id="{3C94BA0D-ACAC-4B1E-AE24-9DE7D7ABD801}"/>
+                <a16:creationId xmlns:a16="http://schemas.microsoft.com/office/drawing/2014/main" id="{B669A2F0-52D9-29D7-AA09-3BF014C739F6}"/>
               </a:ext>
             </a:extLst>
           </p:cNvPr>
@@ -2238,8 +2329,8 @@
         </p:nvSpPr>
         <p:spPr>
           <a:xfrm>
-            <a:off x="-1" y="8847000"/>
-            <a:ext cx="6488999" cy="297000"/>
+            <a:off x="-1" y="8892000"/>
+            <a:ext cx="6488999" cy="252000"/>
           </a:xfrm>
           <a:prstGeom prst="rect">
             <a:avLst/>
@@ -2254,26 +2345,31 @@
           </a:lstStyle>
           <a:p>
             <a:r>
-              <a:rPr lang="en-US" dirty="0"/>
-              <a:t>© SoftUni – </a:t>
-            </a:r>
-            <a:r>
-              <a:rPr lang="en-US" u="sng" dirty="0">
+              <a:rPr lang="bg-BG" sz="1100" dirty="0"/>
+              <a:t>Работна група </a:t>
+            </a:r>
+            <a:r>
+              <a:rPr lang="bg-BG" dirty="0"/>
+              <a:t>"Образование по програмиране и ИТ"</a:t>
+            </a:r>
+            <a:r>
+              <a:rPr lang="bg-BG" sz="1100" dirty="0"/>
+              <a:t>, с подкрепата на </a:t>
+            </a:r>
+            <a:r>
+              <a:rPr lang="en-US" sz="1100" dirty="0">
                 <a:hlinkClick r:id="rId3"/>
               </a:rPr>
-              <a:t>https://softuni.org</a:t>
-            </a:r>
-            <a:r>
-              <a:rPr lang="en-US" dirty="0"/>
-              <a:t>. Copyrighted document. Unauthorized copy or reproduction is not permitted.</a:t>
-            </a:r>
+              <a:t>SoftUni</a:t>
+            </a:r>
+            <a:endParaRPr lang="en-US" sz="1100" dirty="0"/>
           </a:p>
         </p:txBody>
       </p:sp>
     </p:spTree>
     <p:extLst>
       <p:ext uri="{BB962C8B-B14F-4D97-AF65-F5344CB8AC3E}">
-        <p14:creationId xmlns:p14="http://schemas.microsoft.com/office/powerpoint/2010/main" val="2212300984"/>
+        <p14:creationId xmlns:p14="http://schemas.microsoft.com/office/powerpoint/2010/main" val="2233117363"/>
       </p:ext>
     </p:extLst>
   </p:cSld>
@@ -2357,10 +2453,10 @@
       </p:sp>
       <p:sp>
         <p:nvSpPr>
-          <p:cNvPr id="7" name="Footer Placeholder 7">
+          <p:cNvPr id="4" name="Footer Placeholder 7">
             <a:extLst>
               <a:ext uri="{FF2B5EF4-FFF2-40B4-BE49-F238E27FC236}">
-                <a16:creationId xmlns:a16="http://schemas.microsoft.com/office/drawing/2014/main" id="{235C5E03-E567-4050-9C80-DB17E66B64DC}"/>
+                <a16:creationId xmlns:a16="http://schemas.microsoft.com/office/drawing/2014/main" id="{3319C8A1-033D-ADFC-071E-6879CB6374E2}"/>
               </a:ext>
             </a:extLst>
           </p:cNvPr>
@@ -2373,8 +2469,8 @@
         </p:nvSpPr>
         <p:spPr>
           <a:xfrm>
-            <a:off x="-1" y="8847000"/>
-            <a:ext cx="6488999" cy="297000"/>
+            <a:off x="-1" y="8892000"/>
+            <a:ext cx="6488999" cy="252000"/>
           </a:xfrm>
           <a:prstGeom prst="rect">
             <a:avLst/>
@@ -2389,26 +2485,31 @@
           </a:lstStyle>
           <a:p>
             <a:r>
-              <a:rPr lang="en-US" dirty="0"/>
-              <a:t>© SoftUni – </a:t>
-            </a:r>
-            <a:r>
-              <a:rPr lang="en-US" u="sng" dirty="0">
+              <a:rPr lang="bg-BG" sz="1100" dirty="0"/>
+              <a:t>Работна група </a:t>
+            </a:r>
+            <a:r>
+              <a:rPr lang="bg-BG" dirty="0"/>
+              <a:t>"Образование по програмиране и ИТ"</a:t>
+            </a:r>
+            <a:r>
+              <a:rPr lang="bg-BG" sz="1100" dirty="0"/>
+              <a:t>, с подкрепата на </a:t>
+            </a:r>
+            <a:r>
+              <a:rPr lang="en-US" sz="1100" dirty="0">
                 <a:hlinkClick r:id="rId3"/>
               </a:rPr>
-              <a:t>https://softuni.org</a:t>
-            </a:r>
-            <a:r>
-              <a:rPr lang="en-US" dirty="0"/>
-              <a:t>. Copyrighted document. Unauthorized copy or reproduction is not permitted.</a:t>
-            </a:r>
+              <a:t>SoftUni</a:t>
+            </a:r>
+            <a:endParaRPr lang="en-US" sz="1100" dirty="0"/>
           </a:p>
         </p:txBody>
       </p:sp>
     </p:spTree>
     <p:extLst>
       <p:ext uri="{BB962C8B-B14F-4D97-AF65-F5344CB8AC3E}">
-        <p14:creationId xmlns:p14="http://schemas.microsoft.com/office/powerpoint/2010/main" val="712245180"/>
+        <p14:creationId xmlns:p14="http://schemas.microsoft.com/office/powerpoint/2010/main" val="2103132001"/>
       </p:ext>
     </p:extLst>
   </p:cSld>
@@ -2491,7 +2592,13 @@
       </p:sp>
       <p:sp>
         <p:nvSpPr>
-          <p:cNvPr id="5" name="Footer Placeholder 4"/>
+          <p:cNvPr id="6" name="Footer Placeholder 7">
+            <a:extLst>
+              <a:ext uri="{FF2B5EF4-FFF2-40B4-BE49-F238E27FC236}">
+                <a16:creationId xmlns:a16="http://schemas.microsoft.com/office/drawing/2014/main" id="{2656C950-FDDF-656E-DC8D-54B36799AB5A}"/>
+              </a:ext>
+            </a:extLst>
+          </p:cNvPr>
           <p:cNvSpPr>
             <a:spLocks noGrp="1"/>
           </p:cNvSpPr>
@@ -2499,32 +2606,49 @@
             <p:ph type="ftr" sz="quarter" idx="4"/>
           </p:nvPr>
         </p:nvSpPr>
-        <p:spPr/>
+        <p:spPr>
+          <a:xfrm>
+            <a:off x="-1" y="8892000"/>
+            <a:ext cx="6488999" cy="252000"/>
+          </a:xfrm>
+          <a:prstGeom prst="rect">
+            <a:avLst/>
+          </a:prstGeom>
+        </p:spPr>
         <p:txBody>
-          <a:bodyPr/>
-          <a:lstStyle/>
-          <a:p>
-            <a:r>
-              <a:rPr lang="en-US" dirty="0"/>
-              <a:t>© SoftUni – </a:t>
-            </a:r>
-            <a:r>
-              <a:rPr lang="en-US" u="sng" dirty="0">
+          <a:bodyPr vert="horz" lIns="91440" tIns="45720" rIns="91440" bIns="45720" rtlCol="0" anchor="b"/>
+          <a:lstStyle>
+            <a:lvl1pPr algn="l">
+              <a:defRPr sz="1100"/>
+            </a:lvl1pPr>
+          </a:lstStyle>
+          <a:p>
+            <a:r>
+              <a:rPr lang="bg-BG" sz="1100" dirty="0"/>
+              <a:t>Работна група </a:t>
+            </a:r>
+            <a:r>
+              <a:rPr lang="bg-BG" dirty="0"/>
+              <a:t>"Образование по програмиране и ИТ"</a:t>
+            </a:r>
+            <a:r>
+              <a:rPr lang="bg-BG" sz="1100" dirty="0"/>
+              <a:t>, с подкрепата на </a:t>
+            </a:r>
+            <a:r>
+              <a:rPr lang="en-US" sz="1100" dirty="0">
                 <a:hlinkClick r:id="rId3"/>
               </a:rPr>
-              <a:t>https://softuni.org</a:t>
-            </a:r>
-            <a:r>
-              <a:rPr lang="en-US" dirty="0"/>
-              <a:t>. Copyrighted document. Unauthorized copy or reproduction is not permitted.</a:t>
-            </a:r>
+              <a:t>SoftUni</a:t>
+            </a:r>
+            <a:endParaRPr lang="en-US" sz="1100" dirty="0"/>
           </a:p>
         </p:txBody>
       </p:sp>
     </p:spTree>
     <p:extLst>
       <p:ext uri="{BB962C8B-B14F-4D97-AF65-F5344CB8AC3E}">
-        <p14:creationId xmlns:p14="http://schemas.microsoft.com/office/powerpoint/2010/main" val="3747272470"/>
+        <p14:creationId xmlns:p14="http://schemas.microsoft.com/office/powerpoint/2010/main" val="657443715"/>
       </p:ext>
     </p:extLst>
   </p:cSld>
@@ -2607,10 +2731,10 @@
       </p:sp>
       <p:sp>
         <p:nvSpPr>
-          <p:cNvPr id="7" name="Footer Placeholder 7">
+          <p:cNvPr id="5" name="Footer Placeholder 7">
             <a:extLst>
               <a:ext uri="{FF2B5EF4-FFF2-40B4-BE49-F238E27FC236}">
-                <a16:creationId xmlns:a16="http://schemas.microsoft.com/office/drawing/2014/main" id="{C663E775-B715-45B3-BD85-2BE7799CA3D7}"/>
+                <a16:creationId xmlns:a16="http://schemas.microsoft.com/office/drawing/2014/main" id="{A604E1B8-D6A4-7795-3F24-686D2659FBBA}"/>
               </a:ext>
             </a:extLst>
           </p:cNvPr>
@@ -2623,8 +2747,8 @@
         </p:nvSpPr>
         <p:spPr>
           <a:xfrm>
-            <a:off x="-1" y="8847000"/>
-            <a:ext cx="6488999" cy="297000"/>
+            <a:off x="-1" y="8892000"/>
+            <a:ext cx="6488999" cy="252000"/>
           </a:xfrm>
           <a:prstGeom prst="rect">
             <a:avLst/>
@@ -2639,26 +2763,31 @@
           </a:lstStyle>
           <a:p>
             <a:r>
-              <a:rPr lang="en-US" dirty="0"/>
-              <a:t>© SoftUni – </a:t>
-            </a:r>
-            <a:r>
-              <a:rPr lang="en-US" u="sng" dirty="0">
+              <a:rPr lang="bg-BG" sz="1100" dirty="0"/>
+              <a:t>Работна група </a:t>
+            </a:r>
+            <a:r>
+              <a:rPr lang="bg-BG" dirty="0"/>
+              <a:t>"Образование по програмиране и ИТ"</a:t>
+            </a:r>
+            <a:r>
+              <a:rPr lang="bg-BG" sz="1100" dirty="0"/>
+              <a:t>, с подкрепата на </a:t>
+            </a:r>
+            <a:r>
+              <a:rPr lang="en-US" sz="1100" dirty="0">
                 <a:hlinkClick r:id="rId3"/>
               </a:rPr>
-              <a:t>https://softuni.org</a:t>
-            </a:r>
-            <a:r>
-              <a:rPr lang="en-US" dirty="0"/>
-              <a:t>. Copyrighted document. Unauthorized copy or reproduction is not permitted.</a:t>
-            </a:r>
+              <a:t>SoftUni</a:t>
+            </a:r>
+            <a:endParaRPr lang="en-US" sz="1100" dirty="0"/>
           </a:p>
         </p:txBody>
       </p:sp>
     </p:spTree>
     <p:extLst>
       <p:ext uri="{BB962C8B-B14F-4D97-AF65-F5344CB8AC3E}">
-        <p14:creationId xmlns:p14="http://schemas.microsoft.com/office/powerpoint/2010/main" val="39802663"/>
+        <p14:creationId xmlns:p14="http://schemas.microsoft.com/office/powerpoint/2010/main" val="4050245709"/>
       </p:ext>
     </p:extLst>
   </p:cSld>
@@ -2741,7 +2870,13 @@
       </p:sp>
       <p:sp>
         <p:nvSpPr>
-          <p:cNvPr id="5" name="Footer Placeholder 4"/>
+          <p:cNvPr id="6" name="Footer Placeholder 7">
+            <a:extLst>
+              <a:ext uri="{FF2B5EF4-FFF2-40B4-BE49-F238E27FC236}">
+                <a16:creationId xmlns:a16="http://schemas.microsoft.com/office/drawing/2014/main" id="{B895DDB6-4583-FE92-7C96-3355DCEFACE6}"/>
+              </a:ext>
+            </a:extLst>
+          </p:cNvPr>
           <p:cNvSpPr>
             <a:spLocks noGrp="1"/>
           </p:cNvSpPr>
@@ -2749,32 +2884,49 @@
             <p:ph type="ftr" sz="quarter" idx="4"/>
           </p:nvPr>
         </p:nvSpPr>
-        <p:spPr/>
+        <p:spPr>
+          <a:xfrm>
+            <a:off x="-1" y="8892000"/>
+            <a:ext cx="6488999" cy="252000"/>
+          </a:xfrm>
+          <a:prstGeom prst="rect">
+            <a:avLst/>
+          </a:prstGeom>
+        </p:spPr>
         <p:txBody>
-          <a:bodyPr/>
-          <a:lstStyle/>
-          <a:p>
-            <a:r>
-              <a:rPr lang="en-US" dirty="0"/>
-              <a:t>© SoftUni – </a:t>
-            </a:r>
-            <a:r>
-              <a:rPr lang="en-US" u="sng" dirty="0">
+          <a:bodyPr vert="horz" lIns="91440" tIns="45720" rIns="91440" bIns="45720" rtlCol="0" anchor="b"/>
+          <a:lstStyle>
+            <a:lvl1pPr algn="l">
+              <a:defRPr sz="1100"/>
+            </a:lvl1pPr>
+          </a:lstStyle>
+          <a:p>
+            <a:r>
+              <a:rPr lang="bg-BG" sz="1100" dirty="0"/>
+              <a:t>Работна група </a:t>
+            </a:r>
+            <a:r>
+              <a:rPr lang="bg-BG" dirty="0"/>
+              <a:t>"Образование по програмиране и ИТ"</a:t>
+            </a:r>
+            <a:r>
+              <a:rPr lang="bg-BG" sz="1100" dirty="0"/>
+              <a:t>, с подкрепата на </a:t>
+            </a:r>
+            <a:r>
+              <a:rPr lang="en-US" sz="1100" dirty="0">
                 <a:hlinkClick r:id="rId3"/>
               </a:rPr>
-              <a:t>https://softuni.org</a:t>
-            </a:r>
-            <a:r>
-              <a:rPr lang="en-US" dirty="0"/>
-              <a:t>. Copyrighted document. Unauthorized copy or reproduction is not permitted.</a:t>
-            </a:r>
+              <a:t>SoftUni</a:t>
+            </a:r>
+            <a:endParaRPr lang="en-US" sz="1100" dirty="0"/>
           </a:p>
         </p:txBody>
       </p:sp>
     </p:spTree>
     <p:extLst>
       <p:ext uri="{BB962C8B-B14F-4D97-AF65-F5344CB8AC3E}">
-        <p14:creationId xmlns:p14="http://schemas.microsoft.com/office/powerpoint/2010/main" val="1449648738"/>
+        <p14:creationId xmlns:p14="http://schemas.microsoft.com/office/powerpoint/2010/main" val="335422322"/>
       </p:ext>
     </p:extLst>
   </p:cSld>
@@ -2785,7 +2937,7 @@
 </file>
 
 <file path=ppt/slideLayouts/slideLayout1.xml><?xml version="1.0" encoding="utf-8"?>
-<p:sldLayout xmlns:a="http://schemas.openxmlformats.org/drawingml/2006/main" xmlns:r="http://schemas.openxmlformats.org/officeDocument/2006/relationships" xmlns:p="http://schemas.openxmlformats.org/presentationml/2006/main" preserve="1">
+<p:sldLayout xmlns:a="http://schemas.openxmlformats.org/drawingml/2006/main" xmlns:r="http://schemas.openxmlformats.org/officeDocument/2006/relationships" xmlns:p="http://schemas.openxmlformats.org/presentationml/2006/main" preserve="1" userDrawn="1">
   <p:cSld name="Presentation Title Slide">
     <p:spTree>
       <p:nvGrpSpPr>
@@ -2811,7 +2963,7 @@
             </a:extLst>
           </p:cNvPr>
           <p:cNvSpPr/>
-          <p:nvPr/>
+          <p:nvPr userDrawn="1"/>
         </p:nvSpPr>
         <p:spPr>
           <a:xfrm>
@@ -2865,7 +3017,7 @@
               <a:tabLst/>
               <a:defRPr/>
             </a:pPr>
-            <a:endParaRPr kumimoji="0" lang="en-US" altLang="ko-KR" sz="2398" b="0" i="0" u="none" strike="noStrike" kern="1200" cap="none" spc="0" normalizeH="0" baseline="0" noProof="0" dirty="0">
+            <a:endParaRPr kumimoji="0" lang="en-US" altLang="ko-KR" sz="2398" b="0" i="0" u="none" strike="noStrike" kern="1200" cap="none" spc="0" normalizeH="0" baseline="0" noProof="0">
               <a:ln>
                 <a:noFill/>
               </a:ln>
@@ -2882,55 +3034,139 @@
           </a:p>
         </p:txBody>
       </p:sp>
-      <p:pic>
-        <p:nvPicPr>
-          <p:cNvPr id="14" name="Picture Logo SoftUni" descr="SoftUni logo">
+      <p:sp>
+        <p:nvSpPr>
+          <p:cNvPr id="33" name="Picture Placeholder Title Image">
             <a:extLst>
               <a:ext uri="{FF2B5EF4-FFF2-40B4-BE49-F238E27FC236}">
-                <a16:creationId xmlns:a16="http://schemas.microsoft.com/office/drawing/2014/main" id="{C4D6B2A2-DFF0-4712-BFEC-6676BEC99FEC}"/>
+                <a16:creationId xmlns:a16="http://schemas.microsoft.com/office/drawing/2014/main" id="{A04D819A-89E2-4714-8C56-1838BF467EF7}"/>
               </a:ext>
             </a:extLst>
           </p:cNvPr>
-          <p:cNvPicPr>
-            <a:picLocks noChangeAspect="1"/>
-          </p:cNvPicPr>
-          <p:nvPr userDrawn="1"/>
-        </p:nvPicPr>
-        <p:blipFill>
-          <a:blip r:embed="rId2">
-            <a:clrChange>
-              <a:clrFrom>
-                <a:srgbClr val="FFFFFF"/>
-              </a:clrFrom>
-              <a:clrTo>
-                <a:srgbClr val="FFFFFF">
-                  <a:alpha val="0"/>
-                </a:srgbClr>
-              </a:clrTo>
-            </a:clrChange>
+          <p:cNvSpPr>
+            <a:spLocks noGrp="1"/>
+          </p:cNvSpPr>
+          <p:nvPr>
+            <p:ph type="pic" sz="quarter" idx="10"/>
+          </p:nvPr>
+        </p:nvSpPr>
+        <p:spPr>
+          <a:xfrm>
+            <a:off x="6390123" y="3400017"/>
+            <a:ext cx="5248260" cy="2188983"/>
+          </a:xfrm>
+        </p:spPr>
+        <p:txBody>
+          <a:bodyPr/>
+          <a:lstStyle>
+            <a:lvl1pPr marL="0" indent="0" algn="ctr" latinLnBrk="0">
+              <a:buNone/>
+              <a:defRPr>
+                <a:solidFill>
+                  <a:schemeClr val="bg1"/>
+                </a:solidFill>
+              </a:defRPr>
+            </a:lvl1pPr>
+          </a:lstStyle>
+          <a:p>
+            <a:r>
+              <a:rPr lang="en-US" noProof="0" dirty="0"/>
+              <a:t>Click icon to add picture</a:t>
+            </a:r>
+          </a:p>
+        </p:txBody>
+      </p:sp>
+      <p:sp>
+        <p:nvSpPr>
+          <p:cNvPr id="10" name="Company Web Site">
             <a:extLst>
-              <a:ext uri="{28A0092B-C50C-407E-A947-70E740481C1C}">
-                <a14:useLocalDpi xmlns:a14="http://schemas.microsoft.com/office/drawing/2010/main" val="0"/>
+              <a:ext uri="{FF2B5EF4-FFF2-40B4-BE49-F238E27FC236}">
+                <a16:creationId xmlns:a16="http://schemas.microsoft.com/office/drawing/2014/main" id="{0B99B1EE-62FA-4AA4-920C-D444D6C0B778}"/>
               </a:ext>
             </a:extLst>
-          </a:blip>
-          <a:stretch>
-            <a:fillRect/>
-          </a:stretch>
-        </p:blipFill>
+          </p:cNvPr>
+          <p:cNvSpPr>
+            <a:spLocks noGrp="1"/>
+          </p:cNvSpPr>
+          <p:nvPr>
+            <p:ph type="body" sz="quarter" idx="22" hasCustomPrompt="1"/>
+          </p:nvPr>
+        </p:nvSpPr>
         <p:spPr>
           <a:xfrm>
-            <a:off x="4324460" y="5184000"/>
-            <a:ext cx="3751540" cy="1297655"/>
+            <a:off x="6390120" y="6086106"/>
+            <a:ext cx="5248260" cy="341313"/>
           </a:xfrm>
-          <a:prstGeom prst="rect">
-            <a:avLst/>
-          </a:prstGeom>
         </p:spPr>
-      </p:pic>
+        <p:txBody>
+          <a:bodyPr lIns="36000" rIns="36000" anchor="ctr" anchorCtr="0">
+            <a:noAutofit/>
+          </a:bodyPr>
+          <a:lstStyle>
+            <a:lvl1pPr marL="0" indent="0" algn="r">
+              <a:buNone/>
+              <a:defRPr sz="1800"/>
+            </a:lvl1pPr>
+          </a:lstStyle>
+          <a:p>
+            <a:pPr lvl="0"/>
+            <a:r>
+              <a:rPr lang="en-US" dirty="0"/>
+              <a:t>https://softuni.foundation  </a:t>
+            </a:r>
+          </a:p>
+        </p:txBody>
+      </p:sp>
       <p:sp>
         <p:nvSpPr>
-          <p:cNvPr id="31" name="Text Placeholder Company Site">
+          <p:cNvPr id="6" name="Company Name">
+            <a:extLst>
+              <a:ext uri="{FF2B5EF4-FFF2-40B4-BE49-F238E27FC236}">
+                <a16:creationId xmlns:a16="http://schemas.microsoft.com/office/drawing/2014/main" id="{2A76510A-0BAE-A827-E77C-BE88E38F52AA}"/>
+              </a:ext>
+            </a:extLst>
+          </p:cNvPr>
+          <p:cNvSpPr>
+            <a:spLocks noGrp="1"/>
+          </p:cNvSpPr>
+          <p:nvPr>
+            <p:ph type="body" sz="quarter" idx="21" hasCustomPrompt="1"/>
+          </p:nvPr>
+        </p:nvSpPr>
+        <p:spPr>
+          <a:xfrm>
+            <a:off x="6390122" y="5698189"/>
+            <a:ext cx="5248260" cy="374236"/>
+          </a:xfrm>
+        </p:spPr>
+        <p:txBody>
+          <a:bodyPr lIns="36000" rIns="36000" anchor="ctr" anchorCtr="0">
+            <a:normAutofit/>
+          </a:bodyPr>
+          <a:lstStyle>
+            <a:lvl1pPr marL="0" indent="0" algn="r">
+              <a:buNone/>
+              <a:defRPr sz="2000" b="1">
+                <a:solidFill>
+                  <a:schemeClr val="tx1">
+                    <a:lumMod val="75000"/>
+                  </a:schemeClr>
+                </a:solidFill>
+              </a:defRPr>
+            </a:lvl1pPr>
+          </a:lstStyle>
+          <a:p>
+            <a:pPr lvl="0"/>
+            <a:r>
+              <a:rPr lang="en-US" dirty="0"/>
+              <a:t>SoftUni Foundation</a:t>
+            </a:r>
+          </a:p>
+        </p:txBody>
+      </p:sp>
+      <p:sp>
+        <p:nvSpPr>
+          <p:cNvPr id="31" name="Author Position">
             <a:extLst>
               <a:ext uri="{FF2B5EF4-FFF2-40B4-BE49-F238E27FC236}">
                 <a16:creationId xmlns:a16="http://schemas.microsoft.com/office/drawing/2014/main" id="{3E6B87B7-9D33-4EBB-BD4F-C0436BA3FD72}"/>
@@ -2946,274 +3182,8 @@
         </p:nvSpPr>
         <p:spPr bwMode="auto">
           <a:xfrm>
-            <a:off x="8708505" y="6130863"/>
-            <a:ext cx="2951518" cy="341556"/>
-          </a:xfrm>
-          <a:prstGeom prst="rect">
-            <a:avLst/>
-          </a:prstGeom>
-          <a:noFill/>
-          <a:effectLst/>
-        </p:spPr>
-        <p:txBody>
-          <a:bodyPr wrap="square" lIns="36000" tIns="36000" rIns="36000" bIns="36000" rtlCol="0" anchor="ctr" anchorCtr="0">
-            <a:noAutofit/>
-          </a:bodyPr>
-          <a:lstStyle>
-            <a:lvl1pPr marL="0" indent="0" algn="r" rtl="0" fontAlgn="base" latinLnBrk="0">
-              <a:spcBef>
-                <a:spcPct val="0"/>
-              </a:spcBef>
-              <a:spcAft>
-                <a:spcPct val="0"/>
-              </a:spcAft>
-              <a:buNone/>
-              <a:defRPr lang="en-US" sz="1798" b="1" kern="1200" dirty="0" smtClean="0">
-                <a:solidFill>
-                  <a:schemeClr val="tx1">
-                    <a:lumMod val="75000"/>
-                  </a:schemeClr>
-                </a:solidFill>
-                <a:effectLst/>
-                <a:latin typeface="+mn-lt"/>
-                <a:ea typeface="+mn-ea"/>
-                <a:cs typeface="+mn-cs"/>
-              </a:defRPr>
-            </a:lvl1pPr>
-          </a:lstStyle>
-          <a:p>
-            <a:pPr lvl="0"/>
-            <a:r>
-              <a:rPr lang="en-US" noProof="0" dirty="0"/>
-              <a:t>Company Web Site</a:t>
-            </a:r>
-          </a:p>
-        </p:txBody>
-      </p:sp>
-      <p:sp>
-        <p:nvSpPr>
-          <p:cNvPr id="30" name="Text Placeholder Company Name">
-            <a:extLst>
-              <a:ext uri="{FF2B5EF4-FFF2-40B4-BE49-F238E27FC236}">
-                <a16:creationId xmlns:a16="http://schemas.microsoft.com/office/drawing/2014/main" id="{2EA92DCA-4DB5-4D03-ACD3-A6A296592D0C}"/>
-              </a:ext>
-            </a:extLst>
-          </p:cNvPr>
-          <p:cNvSpPr>
-            <a:spLocks noGrp="1"/>
-          </p:cNvSpPr>
-          <p:nvPr>
-            <p:ph type="body" sz="quarter" idx="17" hasCustomPrompt="1"/>
-          </p:nvPr>
-        </p:nvSpPr>
-        <p:spPr bwMode="auto">
-          <a:xfrm>
-            <a:off x="8708505" y="5756628"/>
-            <a:ext cx="2951518" cy="367080"/>
-          </a:xfrm>
-          <a:prstGeom prst="rect">
-            <a:avLst/>
-          </a:prstGeom>
-          <a:noFill/>
-          <a:effectLst/>
-        </p:spPr>
-        <p:txBody>
-          <a:bodyPr wrap="square" lIns="36000" tIns="36000" rIns="36000" bIns="36000" rtlCol="0" anchor="ctr" anchorCtr="0">
-            <a:noAutofit/>
-          </a:bodyPr>
-          <a:lstStyle>
-            <a:lvl1pPr marL="0" indent="0" algn="r" rtl="0" fontAlgn="base" latinLnBrk="0">
-              <a:spcBef>
-                <a:spcPct val="0"/>
-              </a:spcBef>
-              <a:spcAft>
-                <a:spcPct val="0"/>
-              </a:spcAft>
-              <a:buNone/>
-              <a:defRPr lang="en-US" sz="1998" b="1" kern="1200" dirty="0" smtClean="0">
-                <a:solidFill>
-                  <a:schemeClr val="tx1">
-                    <a:lumMod val="75000"/>
-                  </a:schemeClr>
-                </a:solidFill>
-                <a:effectLst/>
-                <a:latin typeface="+mn-lt"/>
-                <a:ea typeface="+mn-ea"/>
-                <a:cs typeface="+mn-cs"/>
-              </a:defRPr>
-            </a:lvl1pPr>
-          </a:lstStyle>
-          <a:p>
-            <a:pPr lvl="0"/>
-            <a:r>
-              <a:rPr lang="en-US" noProof="0" dirty="0"/>
-              <a:t>Company Name</a:t>
-            </a:r>
-          </a:p>
-        </p:txBody>
-      </p:sp>
-      <p:pic>
-        <p:nvPicPr>
-          <p:cNvPr id="35" name="Picture SoftUni Mascot" descr="SoftUni mascot">
-            <a:extLst>
-              <a:ext uri="{FF2B5EF4-FFF2-40B4-BE49-F238E27FC236}">
-                <a16:creationId xmlns:a16="http://schemas.microsoft.com/office/drawing/2014/main" id="{951E7DA9-C5F0-43D9-B013-3BDF9EEF029D}"/>
-              </a:ext>
-            </a:extLst>
-          </p:cNvPr>
-          <p:cNvPicPr>
-            <a:picLocks noChangeAspect="1"/>
-          </p:cNvPicPr>
-          <p:nvPr/>
-        </p:nvPicPr>
-        <p:blipFill rotWithShape="1">
-          <a:blip r:embed="rId3" cstate="print">
-            <a:extLst>
-              <a:ext uri="{28A0092B-C50C-407E-A947-70E740481C1C}">
-                <a14:useLocalDpi xmlns:a14="http://schemas.microsoft.com/office/drawing/2010/main" val="0"/>
-              </a:ext>
-            </a:extLst>
-          </a:blip>
-          <a:srcRect/>
-          <a:stretch/>
-        </p:blipFill>
-        <p:spPr>
-          <a:xfrm flipH="1">
-            <a:off x="8848924" y="2609644"/>
-            <a:ext cx="2788893" cy="3018284"/>
-          </a:xfrm>
-          <a:prstGeom prst="rect">
-            <a:avLst/>
-          </a:prstGeom>
-        </p:spPr>
-      </p:pic>
-      <p:pic>
-        <p:nvPicPr>
-          <p:cNvPr id="22" name="Picture Logo Software University" descr="Software University logo">
-            <a:hlinkClick r:id="rId4"/>
-            <a:extLst>
-              <a:ext uri="{FF2B5EF4-FFF2-40B4-BE49-F238E27FC236}">
-                <a16:creationId xmlns:a16="http://schemas.microsoft.com/office/drawing/2014/main" id="{F2315EB3-3FE4-4D3B-921E-5F209CEC13CB}"/>
-              </a:ext>
-            </a:extLst>
-          </p:cNvPr>
-          <p:cNvPicPr>
-            <a:picLocks noChangeAspect="1"/>
-          </p:cNvPicPr>
-          <p:nvPr userDrawn="1"/>
-        </p:nvPicPr>
-        <p:blipFill>
-          <a:blip r:embed="rId5">
-            <a:clrChange>
-              <a:clrFrom>
-                <a:srgbClr val="FFFFFF"/>
-              </a:clrFrom>
-              <a:clrTo>
-                <a:srgbClr val="FFFFFF">
-                  <a:alpha val="0"/>
-                </a:srgbClr>
-              </a:clrTo>
-            </a:clrChange>
-            <a:extLst>
-              <a:ext uri="{28A0092B-C50C-407E-A947-70E740481C1C}">
-                <a14:useLocalDpi xmlns:a14="http://schemas.microsoft.com/office/drawing/2010/main" val="0"/>
-              </a:ext>
-            </a:extLst>
-          </a:blip>
-          <a:stretch>
-            <a:fillRect/>
-          </a:stretch>
-        </p:blipFill>
-        <p:spPr>
-          <a:xfrm>
-            <a:off x="507944" y="5918567"/>
-            <a:ext cx="1830305" cy="628159"/>
-          </a:xfrm>
-          <a:prstGeom prst="rect">
-            <a:avLst/>
-          </a:prstGeom>
-        </p:spPr>
-      </p:pic>
-      <p:sp>
-        <p:nvSpPr>
-          <p:cNvPr id="40" name="Text Placeholder Author Position">
-            <a:extLst>
-              <a:ext uri="{FF2B5EF4-FFF2-40B4-BE49-F238E27FC236}">
-                <a16:creationId xmlns:a16="http://schemas.microsoft.com/office/drawing/2014/main" id="{CD940256-851E-46C8-8BFB-A5ECA6C7DA07}"/>
-              </a:ext>
-            </a:extLst>
-          </p:cNvPr>
-          <p:cNvSpPr>
-            <a:spLocks noGrp="1"/>
-          </p:cNvSpPr>
-          <p:nvPr>
-            <p:ph type="body" sz="quarter" idx="20" hasCustomPrompt="1"/>
-          </p:nvPr>
-        </p:nvSpPr>
-        <p:spPr bwMode="auto">
-          <a:xfrm>
-            <a:off x="553082" y="5344180"/>
-            <a:ext cx="2980696" cy="444793"/>
-          </a:xfrm>
-          <a:prstGeom prst="rect">
-            <a:avLst/>
-          </a:prstGeom>
-          <a:noFill/>
-          <a:effectLst/>
-        </p:spPr>
-        <p:txBody>
-          <a:bodyPr wrap="square" lIns="36000" tIns="36000" rIns="36000" bIns="36000" rtlCol="0" anchor="ctr" anchorCtr="0">
-            <a:spAutoFit/>
-          </a:bodyPr>
-          <a:lstStyle>
-            <a:lvl1pPr marL="0" indent="0" algn="l" rtl="0" fontAlgn="base" latinLnBrk="0">
-              <a:spcBef>
-                <a:spcPct val="0"/>
-              </a:spcBef>
-              <a:spcAft>
-                <a:spcPct val="0"/>
-              </a:spcAft>
-              <a:buNone/>
-              <a:defRPr lang="en-US" sz="2398" b="1" kern="1200" dirty="0" smtClean="0">
-                <a:solidFill>
-                  <a:schemeClr val="tx1"/>
-                </a:solidFill>
-                <a:effectLst/>
-                <a:latin typeface="+mn-lt"/>
-                <a:ea typeface="+mn-ea"/>
-                <a:cs typeface="+mn-cs"/>
-              </a:defRPr>
-            </a:lvl1pPr>
-          </a:lstStyle>
-          <a:p>
-            <a:pPr lvl="0"/>
-            <a:r>
-              <a:rPr lang="en-US" noProof="0" dirty="0"/>
-              <a:t>Position</a:t>
-            </a:r>
-          </a:p>
-        </p:txBody>
-      </p:sp>
-      <p:sp>
-        <p:nvSpPr>
-          <p:cNvPr id="36" name="Text Placeholder Author Name">
-            <a:extLst>
-              <a:ext uri="{FF2B5EF4-FFF2-40B4-BE49-F238E27FC236}">
-                <a16:creationId xmlns:a16="http://schemas.microsoft.com/office/drawing/2014/main" id="{3B21F47B-DE1F-442D-A2B7-6866F8786704}"/>
-              </a:ext>
-            </a:extLst>
-          </p:cNvPr>
-          <p:cNvSpPr>
-            <a:spLocks noGrp="1"/>
-          </p:cNvSpPr>
-          <p:nvPr>
-            <p:ph type="body" sz="quarter" idx="19" hasCustomPrompt="1"/>
-          </p:nvPr>
-        </p:nvSpPr>
-        <p:spPr bwMode="auto">
-          <a:xfrm>
-            <a:off x="553082" y="4851838"/>
-            <a:ext cx="2980696" cy="454398"/>
+            <a:off x="534045" y="6085863"/>
+            <a:ext cx="4751953" cy="341556"/>
           </a:xfrm>
           <a:prstGeom prst="rect">
             <a:avLst/>
@@ -3234,9 +3204,11 @@
                 <a:spcPct val="0"/>
               </a:spcAft>
               <a:buNone/>
-              <a:defRPr lang="en-US" sz="2798" b="1" kern="1200" dirty="0" smtClean="0">
-                <a:solidFill>
-                  <a:schemeClr val="tx1"/>
+              <a:defRPr lang="en-US" sz="1800" b="0" kern="1200" dirty="0" smtClean="0">
+                <a:solidFill>
+                  <a:schemeClr val="tx1">
+                    <a:lumMod val="75000"/>
+                  </a:schemeClr>
                 </a:solidFill>
                 <a:effectLst/>
                 <a:latin typeface="+mn-lt"/>
@@ -3249,17 +3221,17 @@
             <a:pPr lvl="0"/>
             <a:r>
               <a:rPr lang="en-US" noProof="0" dirty="0"/>
-              <a:t>Author Name</a:t>
+              <a:t>URL</a:t>
             </a:r>
           </a:p>
         </p:txBody>
       </p:sp>
       <p:sp>
         <p:nvSpPr>
-          <p:cNvPr id="33" name="Picture Placeholder Title Image">
+          <p:cNvPr id="30" name="Author Name">
             <a:extLst>
               <a:ext uri="{FF2B5EF4-FFF2-40B4-BE49-F238E27FC236}">
-                <a16:creationId xmlns:a16="http://schemas.microsoft.com/office/drawing/2014/main" id="{A04D819A-89E2-4714-8C56-1838BF467EF7}"/>
+                <a16:creationId xmlns:a16="http://schemas.microsoft.com/office/drawing/2014/main" id="{2EA92DCA-4DB5-4D03-ACD3-A6A296592D0C}"/>
               </a:ext>
             </a:extLst>
           </p:cNvPr>
@@ -3267,31 +3239,51 @@
             <a:spLocks noGrp="1"/>
           </p:cNvSpPr>
           <p:nvPr>
-            <p:ph type="pic" sz="quarter" idx="10"/>
+            <p:ph type="body" sz="quarter" idx="17" hasCustomPrompt="1"/>
           </p:nvPr>
         </p:nvSpPr>
-        <p:spPr>
+        <p:spPr bwMode="auto">
           <a:xfrm>
-            <a:off x="553082" y="2740913"/>
-            <a:ext cx="4642919" cy="1936503"/>
+            <a:off x="534046" y="5251106"/>
+            <a:ext cx="4751954" cy="724904"/>
           </a:xfrm>
+          <a:prstGeom prst="rect">
+            <a:avLst/>
+          </a:prstGeom>
+          <a:noFill/>
+          <a:effectLst/>
         </p:spPr>
         <p:txBody>
-          <a:bodyPr/>
+          <a:bodyPr wrap="square" lIns="36000" tIns="36000" rIns="36000" bIns="36000" rtlCol="0" anchor="ctr" anchorCtr="0">
+            <a:noAutofit/>
+          </a:bodyPr>
           <a:lstStyle>
-            <a:lvl1pPr marL="0" indent="0" algn="ctr" latinLnBrk="0">
+            <a:lvl1pPr marL="0" indent="0" algn="l" rtl="0" fontAlgn="base" latinLnBrk="0">
+              <a:spcBef>
+                <a:spcPct val="0"/>
+              </a:spcBef>
+              <a:spcAft>
+                <a:spcPct val="0"/>
+              </a:spcAft>
               <a:buNone/>
-              <a:defRPr>
-                <a:solidFill>
-                  <a:schemeClr val="bg1"/>
-                </a:solidFill>
+              <a:defRPr lang="en-US" sz="2000" b="1" kern="1200" dirty="0" smtClean="0">
+                <a:solidFill>
+                  <a:schemeClr val="tx1">
+                    <a:lumMod val="75000"/>
+                  </a:schemeClr>
+                </a:solidFill>
+                <a:effectLst/>
+                <a:latin typeface="+mn-lt"/>
+                <a:ea typeface="+mn-ea"/>
+                <a:cs typeface="+mn-cs"/>
               </a:defRPr>
             </a:lvl1pPr>
           </a:lstStyle>
           <a:p>
+            <a:pPr lvl="0"/>
             <a:r>
               <a:rPr lang="en-US" noProof="0" dirty="0"/>
-              <a:t>Click icon to add picture</a:t>
+              <a:t>Authors</a:t>
             </a:r>
           </a:p>
         </p:txBody>
@@ -3314,8 +3306,8 @@
         </p:nvSpPr>
         <p:spPr>
           <a:xfrm>
-            <a:off x="554182" y="1258272"/>
-            <a:ext cx="11083636" cy="1315728"/>
+            <a:off x="554746" y="1402942"/>
+            <a:ext cx="11083636" cy="1306057"/>
           </a:xfrm>
         </p:spPr>
         <p:txBody>
@@ -3325,7 +3317,7 @@
           <a:lstStyle>
             <a:lvl1pPr marL="0" indent="0" algn="ctr" latinLnBrk="0">
               <a:buNone/>
-              <a:defRPr sz="3598">
+              <a:defRPr sz="3600">
                 <a:solidFill>
                   <a:schemeClr val="tx1"/>
                 </a:solidFill>
@@ -3358,15 +3350,17 @@
         </p:nvSpPr>
         <p:spPr>
           <a:xfrm>
-            <a:off x="554182" y="321502"/>
-            <a:ext cx="11083636" cy="882654"/>
+            <a:off x="554746" y="321501"/>
+            <a:ext cx="11083636" cy="971589"/>
           </a:xfrm>
         </p:spPr>
         <p:txBody>
-          <a:bodyPr/>
+          <a:bodyPr>
+            <a:normAutofit/>
+          </a:bodyPr>
           <a:lstStyle>
             <a:lvl1pPr algn="ctr" latinLnBrk="0">
-              <a:defRPr sz="4798"/>
+              <a:defRPr sz="5400"/>
             </a:lvl1pPr>
           </a:lstStyle>
           <a:p>
@@ -3377,10 +3371,94 @@
           </a:p>
         </p:txBody>
       </p:sp>
+      <p:pic>
+        <p:nvPicPr>
+          <p:cNvPr id="4" name="Picture 3">
+            <a:extLst>
+              <a:ext uri="{FF2B5EF4-FFF2-40B4-BE49-F238E27FC236}">
+                <a16:creationId xmlns:a16="http://schemas.microsoft.com/office/drawing/2014/main" id="{324D0DB3-F60A-469B-7831-209CB666CCE4}"/>
+              </a:ext>
+            </a:extLst>
+          </p:cNvPr>
+          <p:cNvPicPr>
+            <a:picLocks noChangeAspect="1"/>
+          </p:cNvPicPr>
+          <p:nvPr userDrawn="1"/>
+        </p:nvPicPr>
+        <p:blipFill>
+          <a:blip r:embed="rId2" cstate="print">
+            <a:extLst>
+              <a:ext uri="{28A0092B-C50C-407E-A947-70E740481C1C}">
+                <a14:useLocalDpi xmlns:a14="http://schemas.microsoft.com/office/drawing/2010/main" val="0"/>
+              </a:ext>
+            </a:extLst>
+          </a:blip>
+          <a:stretch>
+            <a:fillRect/>
+          </a:stretch>
+        </p:blipFill>
+        <p:spPr>
+          <a:xfrm>
+            <a:off x="536549" y="4325954"/>
+            <a:ext cx="2538082" cy="633046"/>
+          </a:xfrm>
+          <a:prstGeom prst="rect">
+            <a:avLst/>
+          </a:prstGeom>
+        </p:spPr>
+      </p:pic>
+      <p:pic>
+        <p:nvPicPr>
+          <p:cNvPr id="5" name="Picture 4" title="CC-BY-NC-SA License">
+            <a:hlinkClick r:id="rId3" tooltip="This work is licensed under the &quot;Creative Commons Attribution-NonCommercial-ShareAlike 4.0 International&quot; license"/>
+            <a:extLst>
+              <a:ext uri="{FF2B5EF4-FFF2-40B4-BE49-F238E27FC236}">
+                <a16:creationId xmlns:a16="http://schemas.microsoft.com/office/drawing/2014/main" id="{2D40731C-0303-A69D-63FD-E048A73CA59F}"/>
+              </a:ext>
+            </a:extLst>
+          </p:cNvPr>
+          <p:cNvPicPr>
+            <a:picLocks noChangeAspect="1" noChangeArrowheads="1"/>
+          </p:cNvPicPr>
+          <p:nvPr userDrawn="1"/>
+        </p:nvPicPr>
+        <p:blipFill>
+          <a:blip r:embed="rId4">
+            <a:extLst>
+              <a:ext uri="{28A0092B-C50C-407E-A947-70E740481C1C}">
+                <a14:useLocalDpi xmlns:a14="http://schemas.microsoft.com/office/drawing/2010/main"/>
+              </a:ext>
+            </a:extLst>
+          </a:blip>
+          <a:srcRect/>
+          <a:stretch>
+            <a:fillRect/>
+          </a:stretch>
+        </p:blipFill>
+        <p:spPr bwMode="auto">
+          <a:xfrm>
+            <a:off x="3402682" y="4321352"/>
+            <a:ext cx="1809336" cy="633045"/>
+          </a:xfrm>
+          <a:prstGeom prst="roundRect">
+            <a:avLst>
+              <a:gd name="adj" fmla="val 3940"/>
+            </a:avLst>
+          </a:prstGeom>
+          <a:solidFill>
+            <a:srgbClr val="231F20">
+              <a:alpha val="50000"/>
+            </a:srgbClr>
+          </a:solidFill>
+          <a:ln>
+            <a:noFill/>
+          </a:ln>
+        </p:spPr>
+      </p:pic>
     </p:spTree>
     <p:extLst>
       <p:ext uri="{BB962C8B-B14F-4D97-AF65-F5344CB8AC3E}">
-        <p14:creationId xmlns:p14="http://schemas.microsoft.com/office/powerpoint/2010/main" val="970179299"/>
+        <p14:creationId xmlns:p14="http://schemas.microsoft.com/office/powerpoint/2010/main" val="370654144"/>
       </p:ext>
     </p:extLst>
   </p:cSld>
@@ -3494,7 +3572,7 @@
               <a:tabLst/>
               <a:defRPr/>
             </a:pPr>
-            <a:endParaRPr kumimoji="0" lang="en-US" altLang="ko-KR" sz="2398" b="0" i="0" u="none" strike="noStrike" kern="1200" cap="none" spc="0" normalizeH="0" baseline="0" noProof="0" dirty="0">
+            <a:endParaRPr kumimoji="0" lang="en-US" altLang="ko-KR" sz="2398" b="0" i="0" u="none" strike="noStrike" kern="1200" cap="none" spc="0" normalizeH="0" baseline="0" noProof="0">
               <a:ln>
                 <a:noFill/>
               </a:ln>
@@ -3617,7 +3695,7 @@
               <a:tabLst/>
               <a:defRPr/>
             </a:pPr>
-            <a:endParaRPr kumimoji="0" lang="en-US" altLang="ko-KR" sz="2398" b="0" i="0" u="none" strike="noStrike" kern="1200" cap="none" spc="0" normalizeH="0" baseline="0" noProof="0" dirty="0">
+            <a:endParaRPr kumimoji="0" lang="en-US" altLang="ko-KR" sz="2398" b="0" i="0" u="none" strike="noStrike" kern="1200" cap="none" spc="0" normalizeH="0" baseline="0" noProof="0">
               <a:ln>
                 <a:noFill/>
               </a:ln>
@@ -3634,42 +3712,6 @@
           </a:p>
         </p:txBody>
       </p:sp>
-      <p:pic>
-        <p:nvPicPr>
-          <p:cNvPr id="12" name="Logo Software University Down" descr="Software University logo">
-            <a:extLst>
-              <a:ext uri="{FF2B5EF4-FFF2-40B4-BE49-F238E27FC236}">
-                <a16:creationId xmlns:a16="http://schemas.microsoft.com/office/drawing/2014/main" id="{7028D2F0-1E67-414B-A93D-D3F8F131A132}"/>
-              </a:ext>
-            </a:extLst>
-          </p:cNvPr>
-          <p:cNvPicPr>
-            <a:picLocks noChangeAspect="1"/>
-          </p:cNvPicPr>
-          <p:nvPr/>
-        </p:nvPicPr>
-        <p:blipFill>
-          <a:blip r:embed="rId2" cstate="print">
-            <a:extLst>
-              <a:ext uri="{28A0092B-C50C-407E-A947-70E740481C1C}">
-                <a14:useLocalDpi xmlns:a14="http://schemas.microsoft.com/office/drawing/2010/main" val="0"/>
-              </a:ext>
-            </a:extLst>
-          </a:blip>
-          <a:stretch>
-            <a:fillRect/>
-          </a:stretch>
-        </p:blipFill>
-        <p:spPr>
-          <a:xfrm>
-            <a:off x="5616551" y="5206773"/>
-            <a:ext cx="958900" cy="1184869"/>
-          </a:xfrm>
-          <a:prstGeom prst="rect">
-            <a:avLst/>
-          </a:prstGeom>
-        </p:spPr>
-      </p:pic>
       <p:sp>
         <p:nvSpPr>
           <p:cNvPr id="10" name="Text Placeholder Right">
@@ -3890,7 +3932,7 @@
               <a:tabLst/>
               <a:defRPr/>
             </a:pPr>
-            <a:endParaRPr kumimoji="0" lang="en-US" altLang="ko-KR" sz="2398" b="0" i="0" u="none" strike="noStrike" kern="1200" cap="none" spc="0" normalizeH="0" baseline="0" noProof="0" dirty="0">
+            <a:endParaRPr kumimoji="0" lang="en-US" altLang="ko-KR" sz="2398" b="0" i="0" u="none" strike="noStrike" kern="1200" cap="none" spc="0" normalizeH="0" baseline="0" noProof="0">
               <a:ln>
                 <a:noFill/>
               </a:ln>
@@ -3907,42 +3949,6 @@
           </a:p>
         </p:txBody>
       </p:sp>
-      <p:pic>
-        <p:nvPicPr>
-          <p:cNvPr id="14" name="Logo Software University" descr="Software University logo">
-            <a:extLst>
-              <a:ext uri="{FF2B5EF4-FFF2-40B4-BE49-F238E27FC236}">
-                <a16:creationId xmlns:a16="http://schemas.microsoft.com/office/drawing/2014/main" id="{19A67BB9-D880-4EAD-B90E-89C4219BFC0B}"/>
-              </a:ext>
-            </a:extLst>
-          </p:cNvPr>
-          <p:cNvPicPr>
-            <a:picLocks noChangeAspect="1"/>
-          </p:cNvPicPr>
-          <p:nvPr userDrawn="1"/>
-        </p:nvPicPr>
-        <p:blipFill>
-          <a:blip r:embed="rId3">
-            <a:extLst>
-              <a:ext uri="{28A0092B-C50C-407E-A947-70E740481C1C}">
-                <a14:useLocalDpi xmlns:a14="http://schemas.microsoft.com/office/drawing/2010/main" val="0"/>
-              </a:ext>
-            </a:extLst>
-          </a:blip>
-          <a:stretch>
-            <a:fillRect/>
-          </a:stretch>
-        </p:blipFill>
-        <p:spPr>
-          <a:xfrm>
-            <a:off x="10067957" y="253936"/>
-            <a:ext cx="1915704" cy="559235"/>
-          </a:xfrm>
-          <a:prstGeom prst="rect">
-            <a:avLst/>
-          </a:prstGeom>
-        </p:spPr>
-      </p:pic>
       <p:sp>
         <p:nvSpPr>
           <p:cNvPr id="15" name="Slide Title">
@@ -3961,8 +3967,8 @@
         </p:nvSpPr>
         <p:spPr>
           <a:xfrm>
-            <a:off x="190406" y="100750"/>
-            <a:ext cx="9715594" cy="882654"/>
+            <a:off x="190405" y="100750"/>
+            <a:ext cx="10270595" cy="882654"/>
           </a:xfrm>
         </p:spPr>
         <p:txBody>
@@ -3984,6 +3990,72 @@
           </a:p>
         </p:txBody>
       </p:sp>
+      <p:pic>
+        <p:nvPicPr>
+          <p:cNvPr id="8" name="Picture 7">
+            <a:extLst>
+              <a:ext uri="{FF2B5EF4-FFF2-40B4-BE49-F238E27FC236}">
+                <a16:creationId xmlns:a16="http://schemas.microsoft.com/office/drawing/2014/main" id="{2C9792D8-D354-4699-B7D6-B8CB7F77594F}"/>
+              </a:ext>
+            </a:extLst>
+          </p:cNvPr>
+          <p:cNvPicPr>
+            <a:picLocks noChangeAspect="1"/>
+          </p:cNvPicPr>
+          <p:nvPr userDrawn="1"/>
+        </p:nvPicPr>
+        <p:blipFill>
+          <a:blip r:embed="rId2"/>
+          <a:stretch>
+            <a:fillRect/>
+          </a:stretch>
+        </p:blipFill>
+        <p:spPr>
+          <a:xfrm>
+            <a:off x="5398753" y="5340443"/>
+            <a:ext cx="1334859" cy="982867"/>
+          </a:xfrm>
+          <a:prstGeom prst="rect">
+            <a:avLst/>
+          </a:prstGeom>
+        </p:spPr>
+      </p:pic>
+      <p:pic>
+        <p:nvPicPr>
+          <p:cNvPr id="3" name="Picture 2">
+            <a:extLst>
+              <a:ext uri="{FF2B5EF4-FFF2-40B4-BE49-F238E27FC236}">
+                <a16:creationId xmlns:a16="http://schemas.microsoft.com/office/drawing/2014/main" id="{B6351E19-25DA-EAD2-9FBE-358B6135D728}"/>
+              </a:ext>
+            </a:extLst>
+          </p:cNvPr>
+          <p:cNvPicPr>
+            <a:picLocks noChangeAspect="1"/>
+          </p:cNvPicPr>
+          <p:nvPr userDrawn="1"/>
+        </p:nvPicPr>
+        <p:blipFill>
+          <a:blip r:embed="rId3" cstate="print">
+            <a:extLst>
+              <a:ext uri="{28A0092B-C50C-407E-A947-70E740481C1C}">
+                <a14:useLocalDpi xmlns:a14="http://schemas.microsoft.com/office/drawing/2010/main" val="0"/>
+              </a:ext>
+            </a:extLst>
+          </a:blip>
+          <a:stretch>
+            <a:fillRect/>
+          </a:stretch>
+        </p:blipFill>
+        <p:spPr>
+          <a:xfrm>
+            <a:off x="10553573" y="368999"/>
+            <a:ext cx="1443361" cy="360001"/>
+          </a:xfrm>
+          <a:prstGeom prst="rect">
+            <a:avLst/>
+          </a:prstGeom>
+        </p:spPr>
+      </p:pic>
     </p:spTree>
     <p:extLst>
       <p:ext uri="{BB962C8B-B14F-4D97-AF65-F5344CB8AC3E}">
@@ -4076,7 +4148,7 @@
               <a:pPr/>
               <a:t>‹#›</a:t>
             </a:fld>
-            <a:endParaRPr lang="en-US" noProof="0" dirty="0"/>
+            <a:endParaRPr lang="en-US" noProof="0"/>
           </a:p>
         </p:txBody>
       </p:sp>
@@ -4230,7 +4302,7 @@
           </a:lstStyle>
           <a:p>
             <a:r>
-              <a:rPr lang="en-US" altLang="ko-KR" noProof="0" dirty="0"/>
+              <a:rPr lang="en-US" altLang="ko-KR" noProof="0"/>
               <a:t>Your Picture Here</a:t>
             </a:r>
           </a:p>
@@ -4294,7 +4366,7 @@
               <a:tabLst/>
               <a:defRPr/>
             </a:pPr>
-            <a:endParaRPr kumimoji="0" lang="en-US" altLang="ko-KR" sz="2398" b="0" i="0" u="none" strike="noStrike" kern="1200" cap="none" spc="0" normalizeH="0" baseline="0" noProof="0" dirty="0">
+            <a:endParaRPr kumimoji="0" lang="en-US" altLang="ko-KR" sz="2398" b="0" i="0" u="none" strike="noStrike" kern="1200" cap="none" spc="0" normalizeH="0" baseline="0" noProof="0">
               <a:ln>
                 <a:noFill/>
               </a:ln>
@@ -4369,7 +4441,7 @@
               <a:tabLst/>
               <a:defRPr/>
             </a:pPr>
-            <a:endParaRPr kumimoji="0" lang="en-US" altLang="ko-KR" sz="2398" b="0" i="0" u="none" strike="noStrike" kern="1200" cap="none" spc="0" normalizeH="0" baseline="0" noProof="0" dirty="0">
+            <a:endParaRPr kumimoji="0" lang="en-US" altLang="ko-KR" sz="2398" b="0" i="0" u="none" strike="noStrike" kern="1200" cap="none" spc="0" normalizeH="0" baseline="0" noProof="0">
               <a:ln>
                 <a:noFill/>
               </a:ln>
@@ -4450,7 +4522,7 @@
               <a:tabLst/>
               <a:defRPr/>
             </a:pPr>
-            <a:endParaRPr kumimoji="0" lang="en-US" altLang="ko-KR" sz="2398" b="0" i="0" u="none" strike="noStrike" kern="1200" cap="none" spc="0" normalizeH="0" baseline="0" noProof="0" dirty="0">
+            <a:endParaRPr kumimoji="0" lang="en-US" altLang="ko-KR" sz="2398" b="0" i="0" u="none" strike="noStrike" kern="1200" cap="none" spc="0" normalizeH="0" baseline="0" noProof="0">
               <a:ln>
                 <a:noFill/>
               </a:ln>
@@ -4531,7 +4603,7 @@
               <a:tabLst/>
               <a:defRPr/>
             </a:pPr>
-            <a:endParaRPr kumimoji="0" lang="en-US" altLang="ko-KR" sz="2398" b="0" i="0" u="none" strike="noStrike" kern="1200" cap="none" spc="0" normalizeH="0" baseline="0" noProof="0" dirty="0">
+            <a:endParaRPr kumimoji="0" lang="en-US" altLang="ko-KR" sz="2398" b="0" i="0" u="none" strike="noStrike" kern="1200" cap="none" spc="0" normalizeH="0" baseline="0" noProof="0">
               <a:ln>
                 <a:noFill/>
               </a:ln>
@@ -4548,42 +4620,6 @@
           </a:p>
         </p:txBody>
       </p:sp>
-      <p:pic>
-        <p:nvPicPr>
-          <p:cNvPr id="12" name="Logo Software University" descr="Software University logo">
-            <a:extLst>
-              <a:ext uri="{FF2B5EF4-FFF2-40B4-BE49-F238E27FC236}">
-                <a16:creationId xmlns:a16="http://schemas.microsoft.com/office/drawing/2014/main" id="{233CBB95-791E-4630-B3D9-FADFCE7BCF52}"/>
-              </a:ext>
-            </a:extLst>
-          </p:cNvPr>
-          <p:cNvPicPr>
-            <a:picLocks noChangeAspect="1"/>
-          </p:cNvPicPr>
-          <p:nvPr userDrawn="1"/>
-        </p:nvPicPr>
-        <p:blipFill>
-          <a:blip r:embed="rId2">
-            <a:extLst>
-              <a:ext uri="{28A0092B-C50C-407E-A947-70E740481C1C}">
-                <a14:useLocalDpi xmlns:a14="http://schemas.microsoft.com/office/drawing/2010/main" val="0"/>
-              </a:ext>
-            </a:extLst>
-          </a:blip>
-          <a:stretch>
-            <a:fillRect/>
-          </a:stretch>
-        </p:blipFill>
-        <p:spPr>
-          <a:xfrm>
-            <a:off x="10067957" y="253936"/>
-            <a:ext cx="1915704" cy="559235"/>
-          </a:xfrm>
-          <a:prstGeom prst="rect">
-            <a:avLst/>
-          </a:prstGeom>
-        </p:spPr>
-      </p:pic>
       <p:sp>
         <p:nvSpPr>
           <p:cNvPr id="13" name="Slide Title">
@@ -4603,7 +4639,7 @@
         <p:spPr>
           <a:xfrm>
             <a:off x="190406" y="100750"/>
-            <a:ext cx="9715594" cy="882654"/>
+            <a:ext cx="10270594" cy="882654"/>
           </a:xfrm>
         </p:spPr>
         <p:txBody>
@@ -4625,6 +4661,42 @@
           </a:p>
         </p:txBody>
       </p:sp>
+      <p:pic>
+        <p:nvPicPr>
+          <p:cNvPr id="4" name="Picture 3">
+            <a:extLst>
+              <a:ext uri="{FF2B5EF4-FFF2-40B4-BE49-F238E27FC236}">
+                <a16:creationId xmlns:a16="http://schemas.microsoft.com/office/drawing/2014/main" id="{42F3DB3E-BDAA-8201-9A01-2F52640A84CA}"/>
+              </a:ext>
+            </a:extLst>
+          </p:cNvPr>
+          <p:cNvPicPr>
+            <a:picLocks noChangeAspect="1"/>
+          </p:cNvPicPr>
+          <p:nvPr userDrawn="1"/>
+        </p:nvPicPr>
+        <p:blipFill>
+          <a:blip r:embed="rId2" cstate="print">
+            <a:extLst>
+              <a:ext uri="{28A0092B-C50C-407E-A947-70E740481C1C}">
+                <a14:useLocalDpi xmlns:a14="http://schemas.microsoft.com/office/drawing/2010/main" val="0"/>
+              </a:ext>
+            </a:extLst>
+          </a:blip>
+          <a:stretch>
+            <a:fillRect/>
+          </a:stretch>
+        </p:blipFill>
+        <p:spPr>
+          <a:xfrm>
+            <a:off x="10553573" y="368999"/>
+            <a:ext cx="1443361" cy="360001"/>
+          </a:xfrm>
+          <a:prstGeom prst="rect">
+            <a:avLst/>
+          </a:prstGeom>
+        </p:spPr>
+      </p:pic>
     </p:spTree>
     <p:extLst>
       <p:ext uri="{BB962C8B-B14F-4D97-AF65-F5344CB8AC3E}">
@@ -4735,7 +4807,7 @@
               <a:tabLst/>
               <a:defRPr/>
             </a:pPr>
-            <a:endParaRPr kumimoji="0" lang="en-US" altLang="ko-KR" sz="2398" b="0" i="0" u="none" strike="noStrike" kern="1200" cap="none" spc="0" normalizeH="0" baseline="0" noProof="0" dirty="0">
+            <a:endParaRPr kumimoji="0" lang="en-US" altLang="ko-KR" sz="2398" b="0" i="0" u="none" strike="noStrike" kern="1200" cap="none" spc="0" normalizeH="0" baseline="0" noProof="0">
               <a:ln>
                 <a:noFill/>
               </a:ln>
@@ -4754,714 +4826,10 @@
       </p:sp>
       <p:sp>
         <p:nvSpPr>
-          <p:cNvPr id="53" name="Rectangle Bottom Copyright">
+          <p:cNvPr id="3" name="Title 2">
             <a:extLst>
               <a:ext uri="{FF2B5EF4-FFF2-40B4-BE49-F238E27FC236}">
-                <a16:creationId xmlns:a16="http://schemas.microsoft.com/office/drawing/2014/main" id="{B07FB7FB-DA6C-4F5D-B068-357F0FCE27D8}"/>
-              </a:ext>
-            </a:extLst>
-          </p:cNvPr>
-          <p:cNvSpPr/>
-          <p:nvPr userDrawn="1"/>
-        </p:nvSpPr>
-        <p:spPr>
-          <a:xfrm>
-            <a:off x="111000" y="6454758"/>
-            <a:ext cx="11970000" cy="258449"/>
-          </a:xfrm>
-          <a:prstGeom prst="rect">
-            <a:avLst/>
-          </a:prstGeom>
-        </p:spPr>
-        <p:txBody>
-          <a:bodyPr wrap="square">
-            <a:noAutofit/>
-          </a:bodyPr>
-          <a:lstStyle/>
-          <a:p>
-            <a:pPr algn="ctr">
-              <a:lnSpc>
-                <a:spcPct val="100000"/>
-              </a:lnSpc>
-              <a:spcBef>
-                <a:spcPts val="0"/>
-              </a:spcBef>
-              <a:spcAft>
-                <a:spcPts val="0"/>
-              </a:spcAft>
-            </a:pPr>
-            <a:r>
-              <a:rPr lang="en-US" sz="1600" noProof="0" dirty="0">
-                <a:solidFill>
-                  <a:schemeClr val="bg2"/>
-                </a:solidFill>
-                <a:effectLst/>
-                <a:latin typeface="Calibri" panose="020F0502020204030204" pitchFamily="34" charset="0"/>
-                <a:ea typeface="Calibri" panose="020F0502020204030204" pitchFamily="34" charset="0"/>
-                <a:cs typeface="Arial" panose="020B0604020202020204" pitchFamily="34" charset="0"/>
-              </a:rPr>
-              <a:t>© SoftUni – </a:t>
-            </a:r>
-            <a:r>
-              <a:rPr lang="en-US" sz="1600" u="sng" noProof="0" dirty="0">
-                <a:solidFill>
-                  <a:schemeClr val="bg2"/>
-                </a:solidFill>
-                <a:effectLst/>
-                <a:latin typeface="Calibri" panose="020F0502020204030204" pitchFamily="34" charset="0"/>
-                <a:ea typeface="Calibri" panose="020F0502020204030204" pitchFamily="34" charset="0"/>
-                <a:cs typeface="Arial" panose="020B0604020202020204" pitchFamily="34" charset="0"/>
-                <a:hlinkClick r:id="rId2">
-                  <a:extLst>
-                    <a:ext uri="{A12FA001-AC4F-418D-AE19-62706E023703}">
-                      <ahyp:hlinkClr xmlns:ahyp="http://schemas.microsoft.com/office/drawing/2018/hyperlinkcolor" val="tx"/>
-                    </a:ext>
-                  </a:extLst>
-                </a:hlinkClick>
-              </a:rPr>
-              <a:t>https://softuni.org</a:t>
-            </a:r>
-            <a:r>
-              <a:rPr lang="en-US" sz="1600" noProof="0" dirty="0">
-                <a:solidFill>
-                  <a:schemeClr val="bg2"/>
-                </a:solidFill>
-                <a:effectLst/>
-                <a:latin typeface="Calibri" panose="020F0502020204030204" pitchFamily="34" charset="0"/>
-                <a:ea typeface="Calibri" panose="020F0502020204030204" pitchFamily="34" charset="0"/>
-                <a:cs typeface="Arial" panose="020B0604020202020204" pitchFamily="34" charset="0"/>
-              </a:rPr>
-              <a:t>. Copyrighted document. Unauthorized copy, reproduction or use is not permitted.</a:t>
-            </a:r>
-            <a:endParaRPr lang="en-US" sz="2400" noProof="0" dirty="0">
-              <a:solidFill>
-                <a:schemeClr val="bg2"/>
-              </a:solidFill>
-              <a:effectLst/>
-              <a:latin typeface="Calibri" panose="020F0502020204030204" pitchFamily="34" charset="0"/>
-              <a:ea typeface="Calibri" panose="020F0502020204030204" pitchFamily="34" charset="0"/>
-              <a:cs typeface="Arial" panose="020B0604020202020204" pitchFamily="34" charset="0"/>
-            </a:endParaRPr>
-          </a:p>
-        </p:txBody>
-      </p:sp>
-      <p:pic>
-        <p:nvPicPr>
-          <p:cNvPr id="26" name="Picture SoftUni Mascot" descr="SoftUni mascot with open hand">
-            <a:extLst>
-              <a:ext uri="{FF2B5EF4-FFF2-40B4-BE49-F238E27FC236}">
-                <a16:creationId xmlns:a16="http://schemas.microsoft.com/office/drawing/2014/main" id="{247CFF3C-C4FA-493D-8505-DF469F4D36A4}"/>
-              </a:ext>
-            </a:extLst>
-          </p:cNvPr>
-          <p:cNvPicPr>
-            <a:picLocks noChangeAspect="1"/>
-          </p:cNvPicPr>
-          <p:nvPr/>
-        </p:nvPicPr>
-        <p:blipFill>
-          <a:blip r:embed="rId3" cstate="print">
-            <a:extLst>
-              <a:ext uri="{28A0092B-C50C-407E-A947-70E740481C1C}">
-                <a14:useLocalDpi xmlns:a14="http://schemas.microsoft.com/office/drawing/2010/main" val="0"/>
-              </a:ext>
-            </a:extLst>
-          </a:blip>
-          <a:stretch>
-            <a:fillRect/>
-          </a:stretch>
-        </p:blipFill>
-        <p:spPr>
-          <a:xfrm>
-            <a:off x="642586" y="2898830"/>
-            <a:ext cx="2451608" cy="2959741"/>
-          </a:xfrm>
-          <a:prstGeom prst="rect">
-            <a:avLst/>
-          </a:prstGeom>
-        </p:spPr>
-      </p:pic>
-      <p:grpSp>
-        <p:nvGrpSpPr>
-          <p:cNvPr id="2" name="Group SoftUni Brands">
-            <a:extLst>
-              <a:ext uri="{FF2B5EF4-FFF2-40B4-BE49-F238E27FC236}">
-                <a16:creationId xmlns:a16="http://schemas.microsoft.com/office/drawing/2014/main" id="{418FAE34-C1F8-46C7-A4AE-F270D1E70F25}"/>
-              </a:ext>
-            </a:extLst>
-          </p:cNvPr>
-          <p:cNvGrpSpPr/>
-          <p:nvPr userDrawn="1"/>
-        </p:nvGrpSpPr>
-        <p:grpSpPr>
-          <a:xfrm>
-            <a:off x="3332216" y="1702473"/>
-            <a:ext cx="8314909" cy="3543782"/>
-            <a:chOff x="3332216" y="1702473"/>
-            <a:chExt cx="8314909" cy="3543782"/>
-          </a:xfrm>
-        </p:grpSpPr>
-        <p:pic>
-          <p:nvPicPr>
-            <p:cNvPr id="24" name="Picture SoftUni Kids Logo" descr="SoftUni Kids logo">
-              <a:extLst>
-                <a:ext uri="{FF2B5EF4-FFF2-40B4-BE49-F238E27FC236}">
-                  <a16:creationId xmlns:a16="http://schemas.microsoft.com/office/drawing/2014/main" id="{B0812936-74B6-4265-8C08-AEDC8C798702}"/>
-                </a:ext>
-              </a:extLst>
-            </p:cNvPr>
-            <p:cNvPicPr>
-              <a:picLocks noChangeAspect="1"/>
-            </p:cNvPicPr>
-            <p:nvPr/>
-          </p:nvPicPr>
-          <p:blipFill>
-            <a:blip r:embed="rId4" cstate="print">
-              <a:extLst>
-                <a:ext uri="{28A0092B-C50C-407E-A947-70E740481C1C}">
-                  <a14:useLocalDpi xmlns:a14="http://schemas.microsoft.com/office/drawing/2010/main" val="0"/>
-                </a:ext>
-              </a:extLst>
-            </a:blip>
-            <a:stretch>
-              <a:fillRect/>
-            </a:stretch>
-          </p:blipFill>
-          <p:spPr>
-            <a:xfrm>
-              <a:off x="10516883" y="3776294"/>
-              <a:ext cx="1130242" cy="1389256"/>
-            </a:xfrm>
-            <a:prstGeom prst="rect">
-              <a:avLst/>
-            </a:prstGeom>
-          </p:spPr>
-        </p:pic>
-        <p:pic>
-          <p:nvPicPr>
-            <p:cNvPr id="23" name="Picture SoftUni Foundation Logo" descr="SoftUni Foundation logo">
-              <a:extLst>
-                <a:ext uri="{FF2B5EF4-FFF2-40B4-BE49-F238E27FC236}">
-                  <a16:creationId xmlns:a16="http://schemas.microsoft.com/office/drawing/2014/main" id="{6643F71A-2013-433A-8322-FBAAED3162D8}"/>
-                </a:ext>
-              </a:extLst>
-            </p:cNvPr>
-            <p:cNvPicPr>
-              <a:picLocks noChangeAspect="1"/>
-            </p:cNvPicPr>
-            <p:nvPr userDrawn="1"/>
-          </p:nvPicPr>
-          <p:blipFill>
-            <a:blip r:embed="rId5" cstate="print">
-              <a:extLst>
-                <a:ext uri="{28A0092B-C50C-407E-A947-70E740481C1C}">
-                  <a14:useLocalDpi xmlns:a14="http://schemas.microsoft.com/office/drawing/2010/main" val="0"/>
-                </a:ext>
-              </a:extLst>
-            </a:blip>
-            <a:stretch>
-              <a:fillRect/>
-            </a:stretch>
-          </p:blipFill>
-          <p:spPr>
-            <a:xfrm>
-              <a:off x="9053913" y="3788231"/>
-              <a:ext cx="1166400" cy="1350756"/>
-            </a:xfrm>
-            <a:prstGeom prst="rect">
-              <a:avLst/>
-            </a:prstGeom>
-          </p:spPr>
-        </p:pic>
-        <p:pic>
-          <p:nvPicPr>
-            <p:cNvPr id="22" name="Picture SoftUni Digital Logo" descr="SoftUni Digital logo">
-              <a:extLst>
-                <a:ext uri="{FF2B5EF4-FFF2-40B4-BE49-F238E27FC236}">
-                  <a16:creationId xmlns:a16="http://schemas.microsoft.com/office/drawing/2014/main" id="{0A83D66F-855B-463B-920B-BF239B01A206}"/>
-                </a:ext>
-              </a:extLst>
-            </p:cNvPr>
-            <p:cNvPicPr>
-              <a:picLocks noChangeAspect="1"/>
-            </p:cNvPicPr>
-            <p:nvPr userDrawn="1"/>
-          </p:nvPicPr>
-          <p:blipFill>
-            <a:blip r:embed="rId6" cstate="print">
-              <a:extLst>
-                <a:ext uri="{28A0092B-C50C-407E-A947-70E740481C1C}">
-                  <a14:useLocalDpi xmlns:a14="http://schemas.microsoft.com/office/drawing/2010/main" val="0"/>
-                </a:ext>
-              </a:extLst>
-            </a:blip>
-            <a:stretch>
-              <a:fillRect/>
-            </a:stretch>
-          </p:blipFill>
-          <p:spPr>
-            <a:xfrm>
-              <a:off x="7657695" y="3789000"/>
-              <a:ext cx="1084614" cy="1457255"/>
-            </a:xfrm>
-            <a:prstGeom prst="rect">
-              <a:avLst/>
-            </a:prstGeom>
-          </p:spPr>
-        </p:pic>
-        <p:pic>
-          <p:nvPicPr>
-            <p:cNvPr id="21" name="Picture SoftUni Creative Logo" descr="SoftUni Creative logo">
-              <a:extLst>
-                <a:ext uri="{FF2B5EF4-FFF2-40B4-BE49-F238E27FC236}">
-                  <a16:creationId xmlns:a16="http://schemas.microsoft.com/office/drawing/2014/main" id="{EA755AAE-BA08-481C-9224-0061170EE4B8}"/>
-                </a:ext>
-              </a:extLst>
-            </p:cNvPr>
-            <p:cNvPicPr>
-              <a:picLocks noChangeAspect="1"/>
-            </p:cNvPicPr>
-            <p:nvPr/>
-          </p:nvPicPr>
-          <p:blipFill>
-            <a:blip r:embed="rId7" cstate="print">
-              <a:extLst>
-                <a:ext uri="{28A0092B-C50C-407E-A947-70E740481C1C}">
-                  <a14:useLocalDpi xmlns:a14="http://schemas.microsoft.com/office/drawing/2010/main" val="0"/>
-                </a:ext>
-              </a:extLst>
-            </a:blip>
-            <a:stretch>
-              <a:fillRect/>
-            </a:stretch>
-          </p:blipFill>
-          <p:spPr>
-            <a:xfrm>
-              <a:off x="6173913" y="3776293"/>
-              <a:ext cx="1166400" cy="1389257"/>
-            </a:xfrm>
-            <a:prstGeom prst="rect">
-              <a:avLst/>
-            </a:prstGeom>
-          </p:spPr>
-        </p:pic>
-        <p:pic>
-          <p:nvPicPr>
-            <p:cNvPr id="20" name="Picture SoftUni Svetlina Logo" descr="SoftUni Svetlina logo">
-              <a:extLst>
-                <a:ext uri="{FF2B5EF4-FFF2-40B4-BE49-F238E27FC236}">
-                  <a16:creationId xmlns:a16="http://schemas.microsoft.com/office/drawing/2014/main" id="{827D15FD-4C66-4B85-98E6-7826AA8F61C6}"/>
-                </a:ext>
-              </a:extLst>
-            </p:cNvPr>
-            <p:cNvPicPr>
-              <a:picLocks noChangeAspect="1"/>
-            </p:cNvPicPr>
-            <p:nvPr/>
-          </p:nvPicPr>
-          <p:blipFill>
-            <a:blip r:embed="rId8">
-              <a:extLst>
-                <a:ext uri="{28A0092B-C50C-407E-A947-70E740481C1C}">
-                  <a14:useLocalDpi xmlns:a14="http://schemas.microsoft.com/office/drawing/2010/main" val="0"/>
-                </a:ext>
-              </a:extLst>
-            </a:blip>
-            <a:stretch>
-              <a:fillRect/>
-            </a:stretch>
-          </p:blipFill>
-          <p:spPr>
-            <a:xfrm>
-              <a:off x="4735029" y="3776293"/>
-              <a:ext cx="1166400" cy="1402229"/>
-            </a:xfrm>
-            <a:prstGeom prst="rect">
-              <a:avLst/>
-            </a:prstGeom>
-          </p:spPr>
-        </p:pic>
-        <p:pic>
-          <p:nvPicPr>
-            <p:cNvPr id="25" name="Picture Software University Logo" descr="Software University logo">
-              <a:extLst>
-                <a:ext uri="{FF2B5EF4-FFF2-40B4-BE49-F238E27FC236}">
-                  <a16:creationId xmlns:a16="http://schemas.microsoft.com/office/drawing/2014/main" id="{C74C190C-5856-41B9-8819-AE8DE0E10980}"/>
-                </a:ext>
-              </a:extLst>
-            </p:cNvPr>
-            <p:cNvPicPr>
-              <a:picLocks noChangeAspect="1"/>
-            </p:cNvPicPr>
-            <p:nvPr/>
-          </p:nvPicPr>
-          <p:blipFill>
-            <a:blip r:embed="rId9" cstate="print">
-              <a:extLst>
-                <a:ext uri="{28A0092B-C50C-407E-A947-70E740481C1C}">
-                  <a14:useLocalDpi xmlns:a14="http://schemas.microsoft.com/office/drawing/2010/main" val="0"/>
-                </a:ext>
-              </a:extLst>
-            </a:blip>
-            <a:stretch>
-              <a:fillRect/>
-            </a:stretch>
-          </p:blipFill>
-          <p:spPr>
-            <a:xfrm>
-              <a:off x="3332216" y="3776295"/>
-              <a:ext cx="1164654" cy="1440000"/>
-            </a:xfrm>
-            <a:prstGeom prst="rect">
-              <a:avLst/>
-            </a:prstGeom>
-          </p:spPr>
-        </p:pic>
-        <p:cxnSp>
-          <p:nvCxnSpPr>
-            <p:cNvPr id="33" name="Straight Connector 6">
-              <a:extLst>
-                <a:ext uri="{FF2B5EF4-FFF2-40B4-BE49-F238E27FC236}">
-                  <a16:creationId xmlns:a16="http://schemas.microsoft.com/office/drawing/2014/main" id="{5C63D1E8-4A92-4691-8A24-A2FC7E8008E5}"/>
-                </a:ext>
-              </a:extLst>
-            </p:cNvPr>
-            <p:cNvCxnSpPr>
-              <a:cxnSpLocks/>
-            </p:cNvCxnSpPr>
-            <p:nvPr userDrawn="1"/>
-          </p:nvCxnSpPr>
-          <p:spPr>
-            <a:xfrm>
-              <a:off x="11077113" y="3335565"/>
-              <a:ext cx="0" cy="236220"/>
-            </a:xfrm>
-            <a:prstGeom prst="line">
-              <a:avLst/>
-            </a:prstGeom>
-            <a:ln w="25400"/>
-          </p:spPr>
-          <p:style>
-            <a:lnRef idx="1">
-              <a:schemeClr val="accent1"/>
-            </a:lnRef>
-            <a:fillRef idx="0">
-              <a:schemeClr val="accent1"/>
-            </a:fillRef>
-            <a:effectRef idx="0">
-              <a:schemeClr val="accent1"/>
-            </a:effectRef>
-            <a:fontRef idx="minor">
-              <a:schemeClr val="tx1"/>
-            </a:fontRef>
-          </p:style>
-        </p:cxnSp>
-        <p:cxnSp>
-          <p:nvCxnSpPr>
-            <p:cNvPr id="32" name="Straight Connector 5">
-              <a:extLst>
-                <a:ext uri="{FF2B5EF4-FFF2-40B4-BE49-F238E27FC236}">
-                  <a16:creationId xmlns:a16="http://schemas.microsoft.com/office/drawing/2014/main" id="{6E91D320-3732-40B8-864D-142D0A277ED1}"/>
-                </a:ext>
-              </a:extLst>
-            </p:cNvPr>
-            <p:cNvCxnSpPr>
-              <a:cxnSpLocks/>
-            </p:cNvCxnSpPr>
-            <p:nvPr userDrawn="1"/>
-          </p:nvCxnSpPr>
-          <p:spPr>
-            <a:xfrm>
-              <a:off x="9637113" y="3329215"/>
-              <a:ext cx="0" cy="236220"/>
-            </a:xfrm>
-            <a:prstGeom prst="line">
-              <a:avLst/>
-            </a:prstGeom>
-            <a:ln w="25400"/>
-          </p:spPr>
-          <p:style>
-            <a:lnRef idx="1">
-              <a:schemeClr val="accent1"/>
-            </a:lnRef>
-            <a:fillRef idx="0">
-              <a:schemeClr val="accent1"/>
-            </a:fillRef>
-            <a:effectRef idx="0">
-              <a:schemeClr val="accent1"/>
-            </a:effectRef>
-            <a:fontRef idx="minor">
-              <a:schemeClr val="tx1"/>
-            </a:fontRef>
-          </p:style>
-        </p:cxnSp>
-        <p:cxnSp>
-          <p:nvCxnSpPr>
-            <p:cNvPr id="31" name="Straight Connector 4">
-              <a:extLst>
-                <a:ext uri="{FF2B5EF4-FFF2-40B4-BE49-F238E27FC236}">
-                  <a16:creationId xmlns:a16="http://schemas.microsoft.com/office/drawing/2014/main" id="{299ABE09-E33C-46B7-A80D-7BF4A6956211}"/>
-                </a:ext>
-              </a:extLst>
-            </p:cNvPr>
-            <p:cNvCxnSpPr/>
-            <p:nvPr userDrawn="1"/>
-          </p:nvCxnSpPr>
-          <p:spPr>
-            <a:xfrm>
-              <a:off x="8197113" y="3329215"/>
-              <a:ext cx="0" cy="236220"/>
-            </a:xfrm>
-            <a:prstGeom prst="line">
-              <a:avLst/>
-            </a:prstGeom>
-            <a:ln w="25400"/>
-          </p:spPr>
-          <p:style>
-            <a:lnRef idx="1">
-              <a:schemeClr val="accent1"/>
-            </a:lnRef>
-            <a:fillRef idx="0">
-              <a:schemeClr val="accent1"/>
-            </a:fillRef>
-            <a:effectRef idx="0">
-              <a:schemeClr val="accent1"/>
-            </a:effectRef>
-            <a:fontRef idx="minor">
-              <a:schemeClr val="tx1"/>
-            </a:fontRef>
-          </p:style>
-        </p:cxnSp>
-        <p:cxnSp>
-          <p:nvCxnSpPr>
-            <p:cNvPr id="30" name="Straight Connector 3">
-              <a:extLst>
-                <a:ext uri="{FF2B5EF4-FFF2-40B4-BE49-F238E27FC236}">
-                  <a16:creationId xmlns:a16="http://schemas.microsoft.com/office/drawing/2014/main" id="{93DDBF37-0764-47AA-94E3-9A44F3ED8FB5}"/>
-                </a:ext>
-              </a:extLst>
-            </p:cNvPr>
-            <p:cNvCxnSpPr/>
-            <p:nvPr userDrawn="1"/>
-          </p:nvCxnSpPr>
-          <p:spPr>
-            <a:xfrm>
-              <a:off x="6757113" y="3329215"/>
-              <a:ext cx="0" cy="236220"/>
-            </a:xfrm>
-            <a:prstGeom prst="line">
-              <a:avLst/>
-            </a:prstGeom>
-            <a:ln w="25400"/>
-          </p:spPr>
-          <p:style>
-            <a:lnRef idx="1">
-              <a:schemeClr val="accent1"/>
-            </a:lnRef>
-            <a:fillRef idx="0">
-              <a:schemeClr val="accent1"/>
-            </a:fillRef>
-            <a:effectRef idx="0">
-              <a:schemeClr val="accent1"/>
-            </a:effectRef>
-            <a:fontRef idx="minor">
-              <a:schemeClr val="tx1"/>
-            </a:fontRef>
-          </p:style>
-        </p:cxnSp>
-        <p:cxnSp>
-          <p:nvCxnSpPr>
-            <p:cNvPr id="29" name="Straight Connector 2">
-              <a:extLst>
-                <a:ext uri="{FF2B5EF4-FFF2-40B4-BE49-F238E27FC236}">
-                  <a16:creationId xmlns:a16="http://schemas.microsoft.com/office/drawing/2014/main" id="{72BFE2F3-0845-4E5B-9375-E9D4027DD675}"/>
-                </a:ext>
-              </a:extLst>
-            </p:cNvPr>
-            <p:cNvCxnSpPr/>
-            <p:nvPr userDrawn="1"/>
-          </p:nvCxnSpPr>
-          <p:spPr>
-            <a:xfrm>
-              <a:off x="5309913" y="3335565"/>
-              <a:ext cx="0" cy="236220"/>
-            </a:xfrm>
-            <a:prstGeom prst="line">
-              <a:avLst/>
-            </a:prstGeom>
-            <a:ln w="25400"/>
-          </p:spPr>
-          <p:style>
-            <a:lnRef idx="1">
-              <a:schemeClr val="accent1"/>
-            </a:lnRef>
-            <a:fillRef idx="0">
-              <a:schemeClr val="accent1"/>
-            </a:fillRef>
-            <a:effectRef idx="0">
-              <a:schemeClr val="accent1"/>
-            </a:effectRef>
-            <a:fontRef idx="minor">
-              <a:schemeClr val="tx1"/>
-            </a:fontRef>
-          </p:style>
-        </p:cxnSp>
-        <p:cxnSp>
-          <p:nvCxnSpPr>
-            <p:cNvPr id="28" name="Straight Connector 1">
-              <a:extLst>
-                <a:ext uri="{FF2B5EF4-FFF2-40B4-BE49-F238E27FC236}">
-                  <a16:creationId xmlns:a16="http://schemas.microsoft.com/office/drawing/2014/main" id="{D4E5982E-3110-47E1-A5BB-91B7BECC3093}"/>
-                </a:ext>
-              </a:extLst>
-            </p:cNvPr>
-            <p:cNvCxnSpPr/>
-            <p:nvPr userDrawn="1"/>
-          </p:nvCxnSpPr>
-          <p:spPr>
-            <a:xfrm>
-              <a:off x="3915327" y="3335565"/>
-              <a:ext cx="0" cy="236220"/>
-            </a:xfrm>
-            <a:prstGeom prst="line">
-              <a:avLst/>
-            </a:prstGeom>
-            <a:ln w="25400"/>
-          </p:spPr>
-          <p:style>
-            <a:lnRef idx="1">
-              <a:schemeClr val="accent1"/>
-            </a:lnRef>
-            <a:fillRef idx="0">
-              <a:schemeClr val="accent1"/>
-            </a:fillRef>
-            <a:effectRef idx="0">
-              <a:schemeClr val="accent1"/>
-            </a:effectRef>
-            <a:fontRef idx="minor">
-              <a:schemeClr val="tx1"/>
-            </a:fontRef>
-          </p:style>
-        </p:cxnSp>
-        <p:cxnSp>
-          <p:nvCxnSpPr>
-            <p:cNvPr id="27" name="Straight Connector Horizontal">
-              <a:extLst>
-                <a:ext uri="{FF2B5EF4-FFF2-40B4-BE49-F238E27FC236}">
-                  <a16:creationId xmlns:a16="http://schemas.microsoft.com/office/drawing/2014/main" id="{5F62FB7C-BD6E-4383-98C1-2CF30F34CAFD}"/>
-                </a:ext>
-              </a:extLst>
-            </p:cNvPr>
-            <p:cNvCxnSpPr>
-              <a:cxnSpLocks/>
-            </p:cNvCxnSpPr>
-            <p:nvPr userDrawn="1"/>
-          </p:nvCxnSpPr>
-          <p:spPr>
-            <a:xfrm>
-              <a:off x="3915327" y="3335565"/>
-              <a:ext cx="7161786" cy="0"/>
-            </a:xfrm>
-            <a:prstGeom prst="line">
-              <a:avLst/>
-            </a:prstGeom>
-            <a:ln w="25400"/>
-          </p:spPr>
-          <p:style>
-            <a:lnRef idx="1">
-              <a:schemeClr val="accent1"/>
-            </a:lnRef>
-            <a:fillRef idx="0">
-              <a:schemeClr val="accent1"/>
-            </a:fillRef>
-            <a:effectRef idx="0">
-              <a:schemeClr val="accent1"/>
-            </a:effectRef>
-            <a:fontRef idx="minor">
-              <a:schemeClr val="tx1"/>
-            </a:fontRef>
-          </p:style>
-        </p:cxnSp>
-        <p:cxnSp>
-          <p:nvCxnSpPr>
-            <p:cNvPr id="34" name="Straight Connector 0">
-              <a:extLst>
-                <a:ext uri="{FF2B5EF4-FFF2-40B4-BE49-F238E27FC236}">
-                  <a16:creationId xmlns:a16="http://schemas.microsoft.com/office/drawing/2014/main" id="{C84A0FE1-723D-4682-8682-77BAD950EE15}"/>
-                </a:ext>
-              </a:extLst>
-            </p:cNvPr>
-            <p:cNvCxnSpPr/>
-            <p:nvPr userDrawn="1"/>
-          </p:nvCxnSpPr>
-          <p:spPr>
-            <a:xfrm>
-              <a:off x="7496220" y="3092995"/>
-              <a:ext cx="0" cy="236220"/>
-            </a:xfrm>
-            <a:prstGeom prst="line">
-              <a:avLst/>
-            </a:prstGeom>
-            <a:ln w="25400"/>
-          </p:spPr>
-          <p:style>
-            <a:lnRef idx="1">
-              <a:schemeClr val="accent1"/>
-            </a:lnRef>
-            <a:fillRef idx="0">
-              <a:schemeClr val="accent1"/>
-            </a:fillRef>
-            <a:effectRef idx="0">
-              <a:schemeClr val="accent1"/>
-            </a:effectRef>
-            <a:fontRef idx="minor">
-              <a:schemeClr val="tx1"/>
-            </a:fontRef>
-          </p:style>
-        </p:cxnSp>
-        <p:pic>
-          <p:nvPicPr>
-            <p:cNvPr id="18" name="Picture SoftUni Logo" descr="SoftUni logo">
-              <a:extLst>
-                <a:ext uri="{FF2B5EF4-FFF2-40B4-BE49-F238E27FC236}">
-                  <a16:creationId xmlns:a16="http://schemas.microsoft.com/office/drawing/2014/main" id="{A0675455-B7FA-4569-A5FD-A3B0F20B2A26}"/>
-                </a:ext>
-              </a:extLst>
-            </p:cNvPr>
-            <p:cNvPicPr>
-              <a:picLocks noChangeAspect="1"/>
-            </p:cNvPicPr>
-            <p:nvPr/>
-          </p:nvPicPr>
-          <p:blipFill>
-            <a:blip r:embed="rId10" cstate="print">
-              <a:extLst>
-                <a:ext uri="{28A0092B-C50C-407E-A947-70E740481C1C}">
-                  <a14:useLocalDpi xmlns:a14="http://schemas.microsoft.com/office/drawing/2010/main" val="0"/>
-                </a:ext>
-              </a:extLst>
-            </a:blip>
-            <a:stretch>
-              <a:fillRect/>
-            </a:stretch>
-          </p:blipFill>
-          <p:spPr>
-            <a:xfrm>
-              <a:off x="6896770" y="1702473"/>
-              <a:ext cx="1198901" cy="1198901"/>
-            </a:xfrm>
-            <a:prstGeom prst="rect">
-              <a:avLst/>
-            </a:prstGeom>
-          </p:spPr>
-        </p:pic>
-      </p:grpSp>
-      <p:sp>
-        <p:nvSpPr>
-          <p:cNvPr id="19" name="Slide Title">
-            <a:extLst>
-              <a:ext uri="{FF2B5EF4-FFF2-40B4-BE49-F238E27FC236}">
-                <a16:creationId xmlns:a16="http://schemas.microsoft.com/office/drawing/2014/main" id="{7CFDBB16-985C-4CC7-B6DB-B81B36037922}"/>
+                <a16:creationId xmlns:a16="http://schemas.microsoft.com/office/drawing/2014/main" id="{3107753B-8639-4399-B782-EE5377184D2E}"/>
               </a:ext>
             </a:extLst>
           </p:cNvPr>
@@ -5469,142 +4837,33 @@
             <a:spLocks noGrp="1"/>
           </p:cNvSpPr>
           <p:nvPr>
-            <p:ph type="title"/>
+            <p:ph type="title" hasCustomPrompt="1"/>
           </p:nvPr>
         </p:nvSpPr>
         <p:spPr>
           <a:xfrm>
-            <a:off x="809628" y="703244"/>
-            <a:ext cx="5916372" cy="1033303"/>
+            <a:off x="726988" y="1461842"/>
+            <a:ext cx="10731663" cy="3047158"/>
           </a:xfrm>
-          <a:prstGeom prst="rect">
-            <a:avLst/>
-          </a:prstGeom>
         </p:spPr>
         <p:txBody>
-          <a:bodyPr wrap="none" lIns="0" tIns="0" rIns="0" bIns="0" anchor="ctr" anchorCtr="0">
-            <a:noAutofit/>
-            <a:scene3d>
-              <a:camera prst="orthographicFront"/>
-              <a:lightRig rig="soft" dir="t">
-                <a:rot lat="0" lon="0" rev="10800000"/>
-              </a:lightRig>
-            </a:scene3d>
-            <a:sp3d>
-              <a:bevelT w="27940" h="12700"/>
-              <a:contourClr>
-                <a:srgbClr val="DDDDDD"/>
-              </a:contourClr>
-            </a:sp3d>
+          <a:bodyPr>
+            <a:normAutofit/>
           </a:bodyPr>
-          <a:lstStyle/>
-          <a:p>
-            <a:pPr marL="0" marR="0" lvl="0" indent="0" algn="l" defTabSz="913852" rtl="0" eaLnBrk="0" fontAlgn="auto" latinLnBrk="0" hangingPunct="0">
-              <a:lnSpc>
-                <a:spcPct val="100000"/>
-              </a:lnSpc>
-              <a:spcBef>
-                <a:spcPts val="0"/>
-              </a:spcBef>
-              <a:spcAft>
-                <a:spcPts val="0"/>
-              </a:spcAft>
-              <a:buClr>
-                <a:srgbClr val="67748E">
-                  <a:lumMod val="40000"/>
-                  <a:lumOff val="60000"/>
-                </a:srgbClr>
-              </a:buClr>
-              <a:buSzPct val="70000"/>
-              <a:buFont typeface="Wingdings 2" pitchFamily="18" charset="2"/>
-              <a:buNone/>
-              <a:tabLst/>
-              <a:defRPr/>
-            </a:pPr>
-            <a:r>
-              <a:rPr kumimoji="0" lang="en-US" sz="8797" b="1" i="0" u="none" strike="noStrike" kern="1200" cap="none" spc="0" normalizeH="0" baseline="0" noProof="0" dirty="0">
-                <a:ln>
-                  <a:noFill/>
-                </a:ln>
-                <a:solidFill>
-                  <a:srgbClr val="234465"/>
-                </a:solidFill>
-                <a:effectLst/>
-                <a:uLnTx/>
-                <a:uFillTx/>
-                <a:latin typeface="Calibri" panose="020F0502020204030204"/>
-                <a:ea typeface="+mn-ea"/>
-                <a:cs typeface="+mn-cs"/>
-              </a:rPr>
-              <a:t>Questions?</a:t>
-            </a:r>
-            <a:endParaRPr kumimoji="0" lang="en-US" sz="8797" b="1" i="0" u="none" strike="noStrike" kern="1200" cap="none" spc="150" normalizeH="0" baseline="0" noProof="0" dirty="0">
-              <a:ln w="11430"/>
-              <a:solidFill>
-                <a:srgbClr val="234465"/>
-              </a:solidFill>
-              <a:effectLst>
-                <a:outerShdw blurRad="25400" algn="tl" rotWithShape="0">
-                  <a:srgbClr val="000000">
-                    <a:alpha val="43000"/>
-                  </a:srgbClr>
-                </a:outerShdw>
-              </a:effectLst>
-              <a:uLnTx/>
-              <a:uFillTx/>
-              <a:latin typeface="Calibri" panose="020F0502020204030204"/>
-              <a:ea typeface="+mn-ea"/>
-              <a:cs typeface="+mn-cs"/>
-            </a:endParaRPr>
+          <a:lstStyle>
+            <a:lvl1pPr algn="ctr">
+              <a:defRPr sz="13800"/>
+            </a:lvl1pPr>
+          </a:lstStyle>
+          <a:p>
+            <a:r>
+              <a:rPr lang="bg-BG" dirty="0"/>
+              <a:t>Въпроси?</a:t>
+            </a:r>
+            <a:endParaRPr lang="en-US" dirty="0"/>
           </a:p>
         </p:txBody>
       </p:sp>
-      <p:pic>
-        <p:nvPicPr>
-          <p:cNvPr id="36" name="Logo Software University" descr="Software University logo">
-            <a:extLst>
-              <a:ext uri="{FF2B5EF4-FFF2-40B4-BE49-F238E27FC236}">
-                <a16:creationId xmlns:a16="http://schemas.microsoft.com/office/drawing/2014/main" id="{67FC4D2E-913D-432A-B658-F0D82839FA5E}"/>
-              </a:ext>
-            </a:extLst>
-          </p:cNvPr>
-          <p:cNvPicPr>
-            <a:picLocks noChangeAspect="1"/>
-          </p:cNvPicPr>
-          <p:nvPr userDrawn="1"/>
-        </p:nvPicPr>
-        <p:blipFill>
-          <a:blip r:embed="rId11">
-            <a:clrChange>
-              <a:clrFrom>
-                <a:srgbClr val="FFFFFF"/>
-              </a:clrFrom>
-              <a:clrTo>
-                <a:srgbClr val="FFFFFF">
-                  <a:alpha val="0"/>
-                </a:srgbClr>
-              </a:clrTo>
-            </a:clrChange>
-            <a:extLst>
-              <a:ext uri="{28A0092B-C50C-407E-A947-70E740481C1C}">
-                <a14:useLocalDpi xmlns:a14="http://schemas.microsoft.com/office/drawing/2010/main" val="0"/>
-              </a:ext>
-            </a:extLst>
-          </a:blip>
-          <a:stretch>
-            <a:fillRect/>
-          </a:stretch>
-        </p:blipFill>
-        <p:spPr>
-          <a:xfrm>
-            <a:off x="10008761" y="190267"/>
-            <a:ext cx="2013336" cy="690975"/>
-          </a:xfrm>
-          <a:prstGeom prst="rect">
-            <a:avLst/>
-          </a:prstGeom>
-        </p:spPr>
-      </p:pic>
     </p:spTree>
     <p:extLst>
       <p:ext uri="{BB962C8B-B14F-4D97-AF65-F5344CB8AC3E}">
@@ -5639,528 +4898,6 @@
       </p15:sldGuideLst>
     </p:ext>
   </p:extLst>
-</p:sldLayout>
-</file>
-
-<file path=ppt/slideLayouts/slideLayout13.xml><?xml version="1.0" encoding="utf-8"?>
-<p:sldLayout xmlns:a="http://schemas.openxmlformats.org/drawingml/2006/main" xmlns:r="http://schemas.openxmlformats.org/officeDocument/2006/relationships" xmlns:p="http://schemas.openxmlformats.org/presentationml/2006/main" preserve="1" userDrawn="1">
-  <p:cSld name="About Slide">
-    <p:spTree>
-      <p:nvGrpSpPr>
-        <p:cNvPr id="1" name=""/>
-        <p:cNvGrpSpPr/>
-        <p:nvPr/>
-      </p:nvGrpSpPr>
-      <p:grpSpPr>
-        <a:xfrm>
-          <a:off x="0" y="0"/>
-          <a:ext cx="0" cy="0"/>
-          <a:chOff x="0" y="0"/>
-          <a:chExt cx="0" cy="0"/>
-        </a:xfrm>
-      </p:grpSpPr>
-      <p:sp>
-        <p:nvSpPr>
-          <p:cNvPr id="13" name="Slide Number">
-            <a:extLst>
-              <a:ext uri="{FF2B5EF4-FFF2-40B4-BE49-F238E27FC236}">
-                <a16:creationId xmlns:a16="http://schemas.microsoft.com/office/drawing/2014/main" id="{5B8761D8-B42F-4A70-A0CE-682CEB2AE31B}"/>
-              </a:ext>
-            </a:extLst>
-          </p:cNvPr>
-          <p:cNvSpPr>
-            <a:spLocks noGrp="1"/>
-          </p:cNvSpPr>
-          <p:nvPr>
-            <p:ph type="sldNum" sz="quarter" idx="4"/>
-          </p:nvPr>
-        </p:nvSpPr>
-        <p:spPr>
-          <a:xfrm>
-            <a:off x="11753030" y="6507000"/>
-            <a:ext cx="367414" cy="297000"/>
-          </a:xfrm>
-          <a:prstGeom prst="rect">
-            <a:avLst/>
-          </a:prstGeom>
-        </p:spPr>
-        <p:txBody>
-          <a:bodyPr vert="horz" lIns="91440" tIns="45720" rIns="91440" bIns="45720" rtlCol="0" anchor="b"/>
-          <a:lstStyle>
-            <a:lvl1pPr algn="r">
-              <a:defRPr sz="1000"/>
-            </a:lvl1pPr>
-          </a:lstStyle>
-          <a:p>
-            <a:fld id="{2BF067CD-8E6B-4360-9AA8-C5DF2A48A6D1}" type="slidenum">
-              <a:rPr lang="en-US" noProof="0" smtClean="0"/>
-              <a:pPr/>
-              <a:t>‹#›</a:t>
-            </a:fld>
-            <a:endParaRPr lang="en-US" noProof="0" dirty="0"/>
-          </a:p>
-        </p:txBody>
-      </p:sp>
-      <p:pic>
-        <p:nvPicPr>
-          <p:cNvPr id="19" name="Picture Forum" descr="Forum icon">
-            <a:hlinkClick r:id="rId2" tooltip="Software University Discussion Forum"/>
-            <a:extLst>
-              <a:ext uri="{FF2B5EF4-FFF2-40B4-BE49-F238E27FC236}">
-                <a16:creationId xmlns:a16="http://schemas.microsoft.com/office/drawing/2014/main" id="{98C579AD-FAF5-4B28-9B52-5457F1E90061}"/>
-              </a:ext>
-            </a:extLst>
-          </p:cNvPr>
-          <p:cNvPicPr>
-            <a:picLocks noChangeAspect="1"/>
-          </p:cNvPicPr>
-          <p:nvPr userDrawn="1"/>
-        </p:nvPicPr>
-        <p:blipFill>
-          <a:blip r:embed="rId3" cstate="print">
-            <a:extLst>
-              <a:ext uri="{28A0092B-C50C-407E-A947-70E740481C1C}">
-                <a14:useLocalDpi xmlns:a14="http://schemas.microsoft.com/office/drawing/2010/main"/>
-              </a:ext>
-            </a:extLst>
-          </a:blip>
-          <a:stretch>
-            <a:fillRect/>
-          </a:stretch>
-        </p:blipFill>
-        <p:spPr>
-          <a:xfrm>
-            <a:off x="10524350" y="5249556"/>
-            <a:ext cx="970156" cy="965726"/>
-          </a:xfrm>
-          <a:prstGeom prst="rect">
-            <a:avLst/>
-          </a:prstGeom>
-        </p:spPr>
-      </p:pic>
-      <p:pic>
-        <p:nvPicPr>
-          <p:cNvPr id="17" name="Picture Logo FB" descr="Facebook logo">
-            <a:hlinkClick r:id="rId4" tooltip="Software University @ Facebook"/>
-            <a:extLst>
-              <a:ext uri="{FF2B5EF4-FFF2-40B4-BE49-F238E27FC236}">
-                <a16:creationId xmlns:a16="http://schemas.microsoft.com/office/drawing/2014/main" id="{6B2C510E-5EF2-49F6-B926-2BD74CD3C7F8}"/>
-              </a:ext>
-            </a:extLst>
-          </p:cNvPr>
-          <p:cNvPicPr>
-            <a:picLocks noChangeAspect="1" noChangeArrowheads="1"/>
-          </p:cNvPicPr>
-          <p:nvPr userDrawn="1"/>
-        </p:nvPicPr>
-        <p:blipFill rotWithShape="1">
-          <a:blip r:embed="rId5" cstate="print">
-            <a:extLst>
-              <a:ext uri="{28A0092B-C50C-407E-A947-70E740481C1C}">
-                <a14:useLocalDpi xmlns:a14="http://schemas.microsoft.com/office/drawing/2010/main"/>
-              </a:ext>
-            </a:extLst>
-          </a:blip>
-          <a:srcRect/>
-          <a:stretch/>
-        </p:blipFill>
-        <p:spPr bwMode="auto">
-          <a:xfrm>
-            <a:off x="10507451" y="3689937"/>
-            <a:ext cx="1003954" cy="1017562"/>
-          </a:xfrm>
-          <a:prstGeom prst="rect">
-            <a:avLst/>
-          </a:prstGeom>
-          <a:noFill/>
-          <a:extLst>
-            <a:ext uri="{909E8E84-426E-40DD-AFC4-6F175D3DCCD1}">
-              <a14:hiddenFill xmlns:a14="http://schemas.microsoft.com/office/drawing/2010/main">
-                <a:solidFill>
-                  <a:srgbClr val="FFFFFF"/>
-                </a:solidFill>
-              </a14:hiddenFill>
-            </a:ext>
-          </a:extLst>
-        </p:spPr>
-      </p:pic>
-      <p:pic>
-        <p:nvPicPr>
-          <p:cNvPr id="20" name="Picture Logo SoftUni Right" descr="Software University logo">
-            <a:hlinkClick r:id="rId6"/>
-            <a:extLst>
-              <a:ext uri="{FF2B5EF4-FFF2-40B4-BE49-F238E27FC236}">
-                <a16:creationId xmlns:a16="http://schemas.microsoft.com/office/drawing/2014/main" id="{F4604840-E810-44B7-9FF1-3B28CD68B758}"/>
-              </a:ext>
-            </a:extLst>
-          </p:cNvPr>
-          <p:cNvPicPr>
-            <a:picLocks noChangeAspect="1"/>
-          </p:cNvPicPr>
-          <p:nvPr userDrawn="1"/>
-        </p:nvPicPr>
-        <p:blipFill>
-          <a:blip r:embed="rId7">
-            <a:extLst>
-              <a:ext uri="{28A0092B-C50C-407E-A947-70E740481C1C}">
-                <a14:useLocalDpi xmlns:a14="http://schemas.microsoft.com/office/drawing/2010/main" val="0"/>
-              </a:ext>
-            </a:extLst>
-          </a:blip>
-          <a:stretch>
-            <a:fillRect/>
-          </a:stretch>
-        </p:blipFill>
-        <p:spPr>
-          <a:xfrm>
-            <a:off x="10413401" y="1674000"/>
-            <a:ext cx="1192055" cy="1473880"/>
-          </a:xfrm>
-          <a:prstGeom prst="rect">
-            <a:avLst/>
-          </a:prstGeom>
-        </p:spPr>
-      </p:pic>
-      <p:pic>
-        <p:nvPicPr>
-          <p:cNvPr id="16" name="Picture SoftUni Mascot" descr="SoftUni mascot">
-            <a:hlinkClick r:id="rId8"/>
-            <a:extLst>
-              <a:ext uri="{FF2B5EF4-FFF2-40B4-BE49-F238E27FC236}">
-                <a16:creationId xmlns:a16="http://schemas.microsoft.com/office/drawing/2014/main" id="{07C965FA-A87E-4824-AFA8-C67AF548A76A}"/>
-              </a:ext>
-            </a:extLst>
-          </p:cNvPr>
-          <p:cNvPicPr>
-            <a:picLocks noChangeAspect="1"/>
-          </p:cNvPicPr>
-          <p:nvPr/>
-        </p:nvPicPr>
-        <p:blipFill>
-          <a:blip r:embed="rId9">
-            <a:extLst>
-              <a:ext uri="{28A0092B-C50C-407E-A947-70E740481C1C}">
-                <a14:useLocalDpi xmlns:a14="http://schemas.microsoft.com/office/drawing/2010/main" val="0"/>
-              </a:ext>
-            </a:extLst>
-          </a:blip>
-          <a:srcRect/>
-          <a:stretch/>
-        </p:blipFill>
-        <p:spPr>
-          <a:xfrm>
-            <a:off x="7181957" y="2584289"/>
-            <a:ext cx="2732955" cy="3630993"/>
-          </a:xfrm>
-          <a:prstGeom prst="rect">
-            <a:avLst/>
-          </a:prstGeom>
-        </p:spPr>
-      </p:pic>
-      <p:sp>
-        <p:nvSpPr>
-          <p:cNvPr id="12" name="Slide Body Text">
-            <a:extLst>
-              <a:ext uri="{FF2B5EF4-FFF2-40B4-BE49-F238E27FC236}">
-                <a16:creationId xmlns:a16="http://schemas.microsoft.com/office/drawing/2014/main" id="{0C1F9416-8B6E-46DE-973C-777785E27A26}"/>
-              </a:ext>
-            </a:extLst>
-          </p:cNvPr>
-          <p:cNvSpPr>
-            <a:spLocks noGrp="1"/>
-          </p:cNvSpPr>
-          <p:nvPr>
-            <p:ph idx="4294967295" hasCustomPrompt="1"/>
-          </p:nvPr>
-        </p:nvSpPr>
-        <p:spPr>
-          <a:xfrm>
-            <a:off x="152410" y="1186307"/>
-            <a:ext cx="8688590" cy="5496127"/>
-          </a:xfrm>
-        </p:spPr>
-        <p:txBody>
-          <a:bodyPr wrap="square">
-            <a:noAutofit/>
-          </a:bodyPr>
-          <a:lstStyle>
-            <a:lvl1pPr latinLnBrk="0">
-              <a:buClr>
-                <a:schemeClr val="tx1"/>
-              </a:buClr>
-              <a:defRPr sz="2798"/>
-            </a:lvl1pPr>
-            <a:lvl2pPr marL="989981" marR="0" indent="-380762" algn="l" defTabSz="1218438" rtl="0" eaLnBrk="1" fontAlgn="auto" latinLnBrk="1" hangingPunct="1">
-              <a:lnSpc>
-                <a:spcPct val="100000"/>
-              </a:lnSpc>
-              <a:spcBef>
-                <a:spcPts val="600"/>
-              </a:spcBef>
-              <a:spcAft>
-                <a:spcPts val="600"/>
-              </a:spcAft>
-              <a:buClrTx/>
-              <a:buSzTx/>
-              <a:buFont typeface="Wingdings" panose="05000000000000000000" pitchFamily="2" charset="2"/>
-              <a:buChar char="§"/>
-              <a:tabLst>
-                <a:tab pos="282405" algn="l"/>
-              </a:tabLst>
-              <a:defRPr sz="2800"/>
-            </a:lvl2pPr>
-            <a:lvl3pPr>
-              <a:buClr>
-                <a:schemeClr val="tx1"/>
-              </a:buClr>
-              <a:defRPr/>
-            </a:lvl3pPr>
-          </a:lstStyle>
-          <a:p>
-            <a:r>
-              <a:rPr lang="en-US" sz="3000" noProof="0" dirty="0"/>
-              <a:t>Software University – High-Quality Education, Profession and Job for Software Developers</a:t>
-            </a:r>
-          </a:p>
-          <a:p>
-            <a:pPr lvl="1"/>
-            <a:r>
-              <a:rPr lang="en-US" noProof="1">
-                <a:hlinkClick r:id="rId8"/>
-              </a:rPr>
-              <a:t>softuni.bg</a:t>
-            </a:r>
-            <a:r>
-              <a:rPr lang="en-US" noProof="1"/>
-              <a:t> </a:t>
-            </a:r>
-          </a:p>
-          <a:p>
-            <a:r>
-              <a:rPr lang="en-US" sz="3000" noProof="0" dirty="0"/>
-              <a:t>Software University Foundation</a:t>
-            </a:r>
-          </a:p>
-          <a:p>
-            <a:pPr lvl="1"/>
-            <a:r>
-              <a:rPr lang="en-US" noProof="1">
-                <a:hlinkClick r:id="rId10"/>
-              </a:rPr>
-              <a:t>softuni.foundation</a:t>
-            </a:r>
-            <a:endParaRPr lang="en-US" noProof="1"/>
-          </a:p>
-          <a:p>
-            <a:r>
-              <a:rPr lang="en-US" sz="3000" noProof="0" dirty="0"/>
-              <a:t>Software University @ Facebook</a:t>
-            </a:r>
-          </a:p>
-          <a:p>
-            <a:pPr lvl="1"/>
-            <a:r>
-              <a:rPr lang="en-US" noProof="1">
-                <a:hlinkClick r:id="rId4"/>
-              </a:rPr>
-              <a:t>facebook.com/SoftwareUniversity</a:t>
-            </a:r>
-            <a:endParaRPr lang="en-US" noProof="1"/>
-          </a:p>
-          <a:p>
-            <a:r>
-              <a:rPr lang="en-US" sz="3000" noProof="0" dirty="0"/>
-              <a:t>Software University Forums</a:t>
-            </a:r>
-          </a:p>
-          <a:p>
-            <a:pPr lvl="1"/>
-            <a:r>
-              <a:rPr lang="en-US" noProof="1">
-                <a:hlinkClick r:id="rId2"/>
-              </a:rPr>
-              <a:t>forum.softuni.bg</a:t>
-            </a:r>
-            <a:endParaRPr lang="en-US" noProof="1"/>
-          </a:p>
-        </p:txBody>
-      </p:sp>
-      <p:sp>
-        <p:nvSpPr>
-          <p:cNvPr id="10" name="Rectangle Top">
-            <a:extLst>
-              <a:ext uri="{FF2B5EF4-FFF2-40B4-BE49-F238E27FC236}">
-                <a16:creationId xmlns:a16="http://schemas.microsoft.com/office/drawing/2014/main" id="{86646B95-5E3B-4DE8-9118-031C2C296D8C}"/>
-              </a:ext>
-            </a:extLst>
-          </p:cNvPr>
-          <p:cNvSpPr/>
-          <p:nvPr userDrawn="1"/>
-        </p:nvSpPr>
-        <p:spPr>
-          <a:xfrm>
-            <a:off x="0" y="0"/>
-            <a:ext cx="12195176" cy="1095376"/>
-          </a:xfrm>
-          <a:prstGeom prst="rect">
-            <a:avLst/>
-          </a:prstGeom>
-          <a:solidFill>
-            <a:schemeClr val="tx2"/>
-          </a:solidFill>
-          <a:ln>
-            <a:noFill/>
-          </a:ln>
-        </p:spPr>
-        <p:style>
-          <a:lnRef idx="2">
-            <a:schemeClr val="accent1">
-              <a:shade val="50000"/>
-            </a:schemeClr>
-          </a:lnRef>
-          <a:fillRef idx="1">
-            <a:schemeClr val="accent1"/>
-          </a:fillRef>
-          <a:effectRef idx="0">
-            <a:schemeClr val="accent1"/>
-          </a:effectRef>
-          <a:fontRef idx="minor">
-            <a:schemeClr val="lt1"/>
-          </a:fontRef>
-        </p:style>
-        <p:txBody>
-          <a:bodyPr rtlCol="0" anchor="ctr"/>
-          <a:lstStyle/>
-          <a:p>
-            <a:pPr marL="0" marR="0" lvl="0" indent="0" algn="ctr" defTabSz="913852" rtl="0" eaLnBrk="1" fontAlgn="auto" latinLnBrk="0" hangingPunct="1">
-              <a:lnSpc>
-                <a:spcPct val="100000"/>
-              </a:lnSpc>
-              <a:spcBef>
-                <a:spcPts val="0"/>
-              </a:spcBef>
-              <a:spcAft>
-                <a:spcPts val="0"/>
-              </a:spcAft>
-              <a:buClrTx/>
-              <a:buSzTx/>
-              <a:buFontTx/>
-              <a:buNone/>
-              <a:tabLst/>
-              <a:defRPr/>
-            </a:pPr>
-            <a:endParaRPr kumimoji="0" lang="en-US" altLang="ko-KR" sz="2398" b="0" i="0" u="none" strike="noStrike" kern="1200" cap="none" spc="0" normalizeH="0" baseline="0" noProof="0" dirty="0">
-              <a:ln>
-                <a:noFill/>
-              </a:ln>
-              <a:solidFill>
-                <a:srgbClr val="F7C86D"/>
-              </a:solidFill>
-              <a:effectLst/>
-              <a:uLnTx/>
-              <a:uFillTx/>
-              <a:latin typeface="Calibri" panose="020F0502020204030204"/>
-              <a:ea typeface="맑은 고딕" panose="020B0503020000020004" pitchFamily="34" charset="-127"/>
-              <a:cs typeface="+mn-cs"/>
-            </a:endParaRPr>
-          </a:p>
-        </p:txBody>
-      </p:sp>
-      <p:pic>
-        <p:nvPicPr>
-          <p:cNvPr id="11" name="Logo Software University" descr="Software University logo">
-            <a:extLst>
-              <a:ext uri="{FF2B5EF4-FFF2-40B4-BE49-F238E27FC236}">
-                <a16:creationId xmlns:a16="http://schemas.microsoft.com/office/drawing/2014/main" id="{58AB1944-B146-4E89-B2D9-426EB610F319}"/>
-              </a:ext>
-            </a:extLst>
-          </p:cNvPr>
-          <p:cNvPicPr>
-            <a:picLocks noChangeAspect="1"/>
-          </p:cNvPicPr>
-          <p:nvPr userDrawn="1"/>
-        </p:nvPicPr>
-        <p:blipFill>
-          <a:blip r:embed="rId11">
-            <a:extLst>
-              <a:ext uri="{28A0092B-C50C-407E-A947-70E740481C1C}">
-                <a14:useLocalDpi xmlns:a14="http://schemas.microsoft.com/office/drawing/2010/main" val="0"/>
-              </a:ext>
-            </a:extLst>
-          </a:blip>
-          <a:stretch>
-            <a:fillRect/>
-          </a:stretch>
-        </p:blipFill>
-        <p:spPr>
-          <a:xfrm>
-            <a:off x="10067957" y="253936"/>
-            <a:ext cx="1915704" cy="559235"/>
-          </a:xfrm>
-          <a:prstGeom prst="rect">
-            <a:avLst/>
-          </a:prstGeom>
-        </p:spPr>
-      </p:pic>
-      <p:sp>
-        <p:nvSpPr>
-          <p:cNvPr id="18" name="Slide Title">
-            <a:extLst>
-              <a:ext uri="{FF2B5EF4-FFF2-40B4-BE49-F238E27FC236}">
-                <a16:creationId xmlns:a16="http://schemas.microsoft.com/office/drawing/2014/main" id="{AE87ED9C-76E1-4D85-9B06-3AF44AABB668}"/>
-              </a:ext>
-            </a:extLst>
-          </p:cNvPr>
-          <p:cNvSpPr>
-            <a:spLocks noGrp="1"/>
-          </p:cNvSpPr>
-          <p:nvPr>
-            <p:ph type="title" hasCustomPrompt="1"/>
-          </p:nvPr>
-        </p:nvSpPr>
-        <p:spPr>
-          <a:xfrm>
-            <a:off x="172286" y="108873"/>
-            <a:ext cx="9742626" cy="882654"/>
-          </a:xfrm>
-        </p:spPr>
-        <p:txBody>
-          <a:bodyPr/>
-          <a:lstStyle>
-            <a:lvl1pPr latinLnBrk="0">
-              <a:defRPr>
-                <a:solidFill>
-                  <a:schemeClr val="bg2"/>
-                </a:solidFill>
-              </a:defRPr>
-            </a:lvl1pPr>
-          </a:lstStyle>
-          <a:p>
-            <a:r>
-              <a:rPr lang="en-US" noProof="0" dirty="0"/>
-              <a:t>Trainings @ Software University (SoftUni)</a:t>
-            </a:r>
-          </a:p>
-        </p:txBody>
-      </p:sp>
-    </p:spTree>
-    <p:extLst>
-      <p:ext uri="{BB962C8B-B14F-4D97-AF65-F5344CB8AC3E}">
-        <p14:creationId xmlns:p14="http://schemas.microsoft.com/office/powerpoint/2010/main" val="2196466322"/>
-      </p:ext>
-    </p:extLst>
-  </p:cSld>
-  <p:clrMapOvr>
-    <a:masterClrMapping/>
-  </p:clrMapOvr>
-  <mc:AlternateContent xmlns:mc="http://schemas.openxmlformats.org/markup-compatibility/2006" xmlns:p14="http://schemas.microsoft.com/office/powerpoint/2010/main">
-    <mc:Choice Requires="p14">
-      <p:transition spd="slow" p14:dur="2000" advClick="0" advTm="5000"/>
-    </mc:Choice>
-    <mc:Fallback xmlns="">
-      <p:transition spd="slow" advClick="0" advTm="5000"/>
-    </mc:Fallback>
-  </mc:AlternateContent>
 </p:sldLayout>
 </file>
 
@@ -6241,7 +4978,7 @@
               <a:tabLst/>
               <a:defRPr/>
             </a:pPr>
-            <a:endParaRPr kumimoji="0" lang="en-US" altLang="ko-KR" sz="2398" b="0" i="0" u="none" strike="noStrike" kern="1200" cap="none" spc="0" normalizeH="0" baseline="0" noProof="0" dirty="0">
+            <a:endParaRPr kumimoji="0" lang="en-US" altLang="ko-KR" sz="2398" b="0" i="0" u="none" strike="noStrike" kern="1200" cap="none" spc="0" normalizeH="0" baseline="0" noProof="0">
               <a:ln>
                 <a:noFill/>
               </a:ln>
@@ -6569,7 +5306,7 @@
               <a:tabLst/>
               <a:defRPr/>
             </a:pPr>
-            <a:endParaRPr kumimoji="0" lang="en-US" altLang="ko-KR" sz="2398" b="0" i="0" u="none" strike="noStrike" kern="1200" cap="none" spc="0" normalizeH="0" baseline="0" noProof="0" dirty="0">
+            <a:endParaRPr kumimoji="0" lang="en-US" altLang="ko-KR" sz="2398" b="0" i="0" u="none" strike="noStrike" kern="1200" cap="none" spc="0" normalizeH="0" baseline="0" noProof="0">
               <a:ln>
                 <a:noFill/>
               </a:ln>
@@ -6586,42 +5323,6 @@
           </a:p>
         </p:txBody>
       </p:sp>
-      <p:pic>
-        <p:nvPicPr>
-          <p:cNvPr id="12" name="Logo Software University" descr="Software University logo">
-            <a:extLst>
-              <a:ext uri="{FF2B5EF4-FFF2-40B4-BE49-F238E27FC236}">
-                <a16:creationId xmlns:a16="http://schemas.microsoft.com/office/drawing/2014/main" id="{B1D3B425-B9BF-43ED-9DEC-C05002FBA22F}"/>
-              </a:ext>
-            </a:extLst>
-          </p:cNvPr>
-          <p:cNvPicPr>
-            <a:picLocks noChangeAspect="1"/>
-          </p:cNvPicPr>
-          <p:nvPr userDrawn="1"/>
-        </p:nvPicPr>
-        <p:blipFill>
-          <a:blip r:embed="rId2">
-            <a:extLst>
-              <a:ext uri="{28A0092B-C50C-407E-A947-70E740481C1C}">
-                <a14:useLocalDpi xmlns:a14="http://schemas.microsoft.com/office/drawing/2010/main" val="0"/>
-              </a:ext>
-            </a:extLst>
-          </a:blip>
-          <a:stretch>
-            <a:fillRect/>
-          </a:stretch>
-        </p:blipFill>
-        <p:spPr>
-          <a:xfrm>
-            <a:off x="10067957" y="253936"/>
-            <a:ext cx="1915704" cy="559235"/>
-          </a:xfrm>
-          <a:prstGeom prst="rect">
-            <a:avLst/>
-          </a:prstGeom>
-        </p:spPr>
-      </p:pic>
       <p:sp>
         <p:nvSpPr>
           <p:cNvPr id="6" name="Slide Title">
@@ -6641,7 +5342,7 @@
         <p:spPr>
           <a:xfrm>
             <a:off x="190406" y="100750"/>
-            <a:ext cx="9715594" cy="882654"/>
+            <a:ext cx="10270594" cy="882654"/>
           </a:xfrm>
         </p:spPr>
         <p:txBody>
@@ -6663,6 +5364,42 @@
           </a:p>
         </p:txBody>
       </p:sp>
+      <p:pic>
+        <p:nvPicPr>
+          <p:cNvPr id="4" name="Picture 3">
+            <a:extLst>
+              <a:ext uri="{FF2B5EF4-FFF2-40B4-BE49-F238E27FC236}">
+                <a16:creationId xmlns:a16="http://schemas.microsoft.com/office/drawing/2014/main" id="{4B9A1D0F-F579-6A3C-C698-4E2E7F1AB265}"/>
+              </a:ext>
+            </a:extLst>
+          </p:cNvPr>
+          <p:cNvPicPr>
+            <a:picLocks noChangeAspect="1"/>
+          </p:cNvPicPr>
+          <p:nvPr userDrawn="1"/>
+        </p:nvPicPr>
+        <p:blipFill>
+          <a:blip r:embed="rId2" cstate="print">
+            <a:extLst>
+              <a:ext uri="{28A0092B-C50C-407E-A947-70E740481C1C}">
+                <a14:useLocalDpi xmlns:a14="http://schemas.microsoft.com/office/drawing/2010/main" val="0"/>
+              </a:ext>
+            </a:extLst>
+          </a:blip>
+          <a:stretch>
+            <a:fillRect/>
+          </a:stretch>
+        </p:blipFill>
+        <p:spPr>
+          <a:xfrm>
+            <a:off x="10553573" y="368999"/>
+            <a:ext cx="1443361" cy="360001"/>
+          </a:xfrm>
+          <a:prstGeom prst="rect">
+            <a:avLst/>
+          </a:prstGeom>
+        </p:spPr>
+      </p:pic>
     </p:spTree>
     <p:extLst>
       <p:ext uri="{BB962C8B-B14F-4D97-AF65-F5344CB8AC3E}">
@@ -6685,371 +5422,6 @@
 </file>
 
 <file path=ppt/slideLayouts/slideLayout4.xml><?xml version="1.0" encoding="utf-8"?>
-<p:sldLayout xmlns:a="http://schemas.openxmlformats.org/drawingml/2006/main" xmlns:r="http://schemas.openxmlformats.org/officeDocument/2006/relationships" xmlns:p="http://schemas.openxmlformats.org/presentationml/2006/main" preserve="1" userDrawn="1">
-  <p:cSld name="Table of Contents">
-    <p:spTree>
-      <p:nvGrpSpPr>
-        <p:cNvPr id="1" name=""/>
-        <p:cNvGrpSpPr/>
-        <p:nvPr/>
-      </p:nvGrpSpPr>
-      <p:grpSpPr>
-        <a:xfrm>
-          <a:off x="0" y="0"/>
-          <a:ext cx="0" cy="0"/>
-          <a:chOff x="0" y="0"/>
-          <a:chExt cx="0" cy="0"/>
-        </a:xfrm>
-      </p:grpSpPr>
-      <p:sp>
-        <p:nvSpPr>
-          <p:cNvPr id="10" name="Slide Number">
-            <a:extLst>
-              <a:ext uri="{FF2B5EF4-FFF2-40B4-BE49-F238E27FC236}">
-                <a16:creationId xmlns:a16="http://schemas.microsoft.com/office/drawing/2014/main" id="{39DDE17E-5472-41F3-AF5F-54DFF10DC63C}"/>
-              </a:ext>
-            </a:extLst>
-          </p:cNvPr>
-          <p:cNvSpPr>
-            <a:spLocks noGrp="1"/>
-          </p:cNvSpPr>
-          <p:nvPr>
-            <p:ph type="sldNum" sz="quarter" idx="4"/>
-          </p:nvPr>
-        </p:nvSpPr>
-        <p:spPr>
-          <a:xfrm>
-            <a:off x="11753030" y="6507000"/>
-            <a:ext cx="367414" cy="297000"/>
-          </a:xfrm>
-          <a:prstGeom prst="rect">
-            <a:avLst/>
-          </a:prstGeom>
-        </p:spPr>
-        <p:txBody>
-          <a:bodyPr vert="horz" lIns="91440" tIns="45720" rIns="91440" bIns="45720" rtlCol="0" anchor="b"/>
-          <a:lstStyle>
-            <a:lvl1pPr algn="r">
-              <a:defRPr sz="1000"/>
-            </a:lvl1pPr>
-          </a:lstStyle>
-          <a:p>
-            <a:fld id="{2BF067CD-8E6B-4360-9AA8-C5DF2A48A6D1}" type="slidenum">
-              <a:rPr lang="en-US" noProof="0" smtClean="0"/>
-              <a:pPr/>
-              <a:t>‹#›</a:t>
-            </a:fld>
-            <a:endParaRPr lang="en-US" noProof="0" dirty="0"/>
-          </a:p>
-        </p:txBody>
-      </p:sp>
-      <p:pic>
-        <p:nvPicPr>
-          <p:cNvPr id="9" name="Picture SoftUni Mascot" descr="SoftUni mascot with laptop">
-            <a:extLst>
-              <a:ext uri="{FF2B5EF4-FFF2-40B4-BE49-F238E27FC236}">
-                <a16:creationId xmlns:a16="http://schemas.microsoft.com/office/drawing/2014/main" id="{DC4365F6-D2C1-47B4-8477-38FD2C7711AA}"/>
-              </a:ext>
-            </a:extLst>
-          </p:cNvPr>
-          <p:cNvPicPr>
-            <a:picLocks noChangeAspect="1"/>
-          </p:cNvPicPr>
-          <p:nvPr/>
-        </p:nvPicPr>
-        <p:blipFill>
-          <a:blip r:embed="rId2" cstate="print">
-            <a:extLst>
-              <a:ext uri="{28A0092B-C50C-407E-A947-70E740481C1C}">
-                <a14:useLocalDpi xmlns:a14="http://schemas.microsoft.com/office/drawing/2010/main" val="0"/>
-              </a:ext>
-            </a:extLst>
-          </a:blip>
-          <a:stretch>
-            <a:fillRect/>
-          </a:stretch>
-        </p:blipFill>
-        <p:spPr>
-          <a:xfrm flipH="1">
-            <a:off x="9516000" y="3408496"/>
-            <a:ext cx="2251057" cy="3044431"/>
-          </a:xfrm>
-          <a:prstGeom prst="rect">
-            <a:avLst/>
-          </a:prstGeom>
-        </p:spPr>
-      </p:pic>
-      <p:sp>
-        <p:nvSpPr>
-          <p:cNvPr id="23" name="Slide Body Text">
-            <a:extLst>
-              <a:ext uri="{FF2B5EF4-FFF2-40B4-BE49-F238E27FC236}">
-                <a16:creationId xmlns:a16="http://schemas.microsoft.com/office/drawing/2014/main" id="{889D93F4-ABFA-46BF-8E5D-FE6562ACB20F}"/>
-              </a:ext>
-            </a:extLst>
-          </p:cNvPr>
-          <p:cNvSpPr>
-            <a:spLocks noGrp="1"/>
-          </p:cNvSpPr>
-          <p:nvPr>
-            <p:ph type="body" sz="quarter" idx="13" hasCustomPrompt="1"/>
-          </p:nvPr>
-        </p:nvSpPr>
-        <p:spPr>
-          <a:xfrm>
-            <a:off x="196766" y="1371604"/>
-            <a:ext cx="9049234" cy="5207396"/>
-          </a:xfrm>
-        </p:spPr>
-        <p:txBody>
-          <a:bodyPr>
-            <a:normAutofit/>
-          </a:bodyPr>
-          <a:lstStyle>
-            <a:lvl1pPr marL="514042" indent="-514042" latinLnBrk="0">
-              <a:buFont typeface="+mj-lt"/>
-              <a:buAutoNum type="arabicPeriod"/>
-              <a:defRPr sz="3600">
-                <a:solidFill>
-                  <a:schemeClr val="tx1"/>
-                </a:solidFill>
-              </a:defRPr>
-            </a:lvl1pPr>
-            <a:lvl2pPr>
-              <a:defRPr sz="3400"/>
-            </a:lvl2pPr>
-          </a:lstStyle>
-          <a:p>
-            <a:pPr lvl="0"/>
-            <a:r>
-              <a:rPr lang="en-US" noProof="0"/>
-              <a:t>…</a:t>
-            </a:r>
-          </a:p>
-          <a:p>
-            <a:pPr lvl="1"/>
-            <a:r>
-              <a:rPr lang="en-US" noProof="0"/>
-              <a:t>…</a:t>
-            </a:r>
-          </a:p>
-          <a:p>
-            <a:pPr lvl="1"/>
-            <a:r>
-              <a:rPr lang="en-US" noProof="0"/>
-              <a:t>…</a:t>
-            </a:r>
-          </a:p>
-          <a:p>
-            <a:pPr lvl="0"/>
-            <a:r>
-              <a:rPr lang="en-US" noProof="0"/>
-              <a:t>…</a:t>
-            </a:r>
-          </a:p>
-          <a:p>
-            <a:pPr lvl="1"/>
-            <a:r>
-              <a:rPr lang="en-US" noProof="0"/>
-              <a:t>…</a:t>
-            </a:r>
-          </a:p>
-          <a:p>
-            <a:pPr lvl="1"/>
-            <a:r>
-              <a:rPr lang="en-US" noProof="0"/>
-              <a:t>…</a:t>
-            </a:r>
-          </a:p>
-          <a:p>
-            <a:pPr lvl="0"/>
-            <a:r>
-              <a:rPr lang="en-US" noProof="0"/>
-              <a:t>…</a:t>
-            </a:r>
-          </a:p>
-        </p:txBody>
-      </p:sp>
-      <p:sp>
-        <p:nvSpPr>
-          <p:cNvPr id="8" name="Rectangle Top">
-            <a:extLst>
-              <a:ext uri="{FF2B5EF4-FFF2-40B4-BE49-F238E27FC236}">
-                <a16:creationId xmlns:a16="http://schemas.microsoft.com/office/drawing/2014/main" id="{930E0800-9260-4369-8330-8264DD33C5CE}"/>
-              </a:ext>
-            </a:extLst>
-          </p:cNvPr>
-          <p:cNvSpPr/>
-          <p:nvPr userDrawn="1"/>
-        </p:nvSpPr>
-        <p:spPr>
-          <a:xfrm>
-            <a:off x="0" y="0"/>
-            <a:ext cx="12196800" cy="1095376"/>
-          </a:xfrm>
-          <a:prstGeom prst="rect">
-            <a:avLst/>
-          </a:prstGeom>
-          <a:solidFill>
-            <a:schemeClr val="tx2"/>
-          </a:solidFill>
-          <a:ln>
-            <a:noFill/>
-          </a:ln>
-        </p:spPr>
-        <p:style>
-          <a:lnRef idx="2">
-            <a:schemeClr val="accent1">
-              <a:shade val="50000"/>
-            </a:schemeClr>
-          </a:lnRef>
-          <a:fillRef idx="1">
-            <a:schemeClr val="accent1"/>
-          </a:fillRef>
-          <a:effectRef idx="0">
-            <a:schemeClr val="accent1"/>
-          </a:effectRef>
-          <a:fontRef idx="minor">
-            <a:schemeClr val="lt1"/>
-          </a:fontRef>
-        </p:style>
-        <p:txBody>
-          <a:bodyPr rtlCol="0" anchor="ctr"/>
-          <a:lstStyle/>
-          <a:p>
-            <a:pPr marL="0" marR="0" lvl="0" indent="0" algn="ctr" defTabSz="913852" rtl="0" eaLnBrk="1" fontAlgn="auto" latinLnBrk="0" hangingPunct="1">
-              <a:lnSpc>
-                <a:spcPct val="100000"/>
-              </a:lnSpc>
-              <a:spcBef>
-                <a:spcPts val="0"/>
-              </a:spcBef>
-              <a:spcAft>
-                <a:spcPts val="0"/>
-              </a:spcAft>
-              <a:buClrTx/>
-              <a:buSzTx/>
-              <a:buFontTx/>
-              <a:buNone/>
-              <a:tabLst/>
-              <a:defRPr/>
-            </a:pPr>
-            <a:endParaRPr kumimoji="0" lang="en-US" altLang="ko-KR" sz="2398" b="0" i="0" u="none" strike="noStrike" kern="1200" cap="none" spc="0" normalizeH="0" baseline="0" noProof="0" dirty="0">
-              <a:ln>
-                <a:noFill/>
-              </a:ln>
-              <a:solidFill>
-                <a:srgbClr val="F7C86D"/>
-              </a:solidFill>
-              <a:effectLst/>
-              <a:uLnTx/>
-              <a:uFillTx/>
-              <a:latin typeface="Calibri" panose="020F0502020204030204"/>
-              <a:ea typeface="맑은 고딕" panose="020B0503020000020004" pitchFamily="34" charset="-127"/>
-              <a:cs typeface="+mn-cs"/>
-            </a:endParaRPr>
-          </a:p>
-        </p:txBody>
-      </p:sp>
-      <p:pic>
-        <p:nvPicPr>
-          <p:cNvPr id="11" name="Logo Software University" descr="Software University logo">
-            <a:extLst>
-              <a:ext uri="{FF2B5EF4-FFF2-40B4-BE49-F238E27FC236}">
-                <a16:creationId xmlns:a16="http://schemas.microsoft.com/office/drawing/2014/main" id="{14F779A7-4A91-448B-BEFA-956C70A1C22F}"/>
-              </a:ext>
-            </a:extLst>
-          </p:cNvPr>
-          <p:cNvPicPr>
-            <a:picLocks noChangeAspect="1"/>
-          </p:cNvPicPr>
-          <p:nvPr userDrawn="1"/>
-        </p:nvPicPr>
-        <p:blipFill>
-          <a:blip r:embed="rId3">
-            <a:extLst>
-              <a:ext uri="{28A0092B-C50C-407E-A947-70E740481C1C}">
-                <a14:useLocalDpi xmlns:a14="http://schemas.microsoft.com/office/drawing/2010/main" val="0"/>
-              </a:ext>
-            </a:extLst>
-          </a:blip>
-          <a:stretch>
-            <a:fillRect/>
-          </a:stretch>
-        </p:blipFill>
-        <p:spPr>
-          <a:xfrm>
-            <a:off x="10067957" y="253936"/>
-            <a:ext cx="1915704" cy="559235"/>
-          </a:xfrm>
-          <a:prstGeom prst="rect">
-            <a:avLst/>
-          </a:prstGeom>
-        </p:spPr>
-      </p:pic>
-      <p:sp>
-        <p:nvSpPr>
-          <p:cNvPr id="13" name="Slide Title">
-            <a:extLst>
-              <a:ext uri="{FF2B5EF4-FFF2-40B4-BE49-F238E27FC236}">
-                <a16:creationId xmlns:a16="http://schemas.microsoft.com/office/drawing/2014/main" id="{357D7BE1-6358-42CC-94F3-7BCDD91DCB6D}"/>
-              </a:ext>
-            </a:extLst>
-          </p:cNvPr>
-          <p:cNvSpPr>
-            <a:spLocks noGrp="1"/>
-          </p:cNvSpPr>
-          <p:nvPr>
-            <p:ph type="title" hasCustomPrompt="1"/>
-          </p:nvPr>
-        </p:nvSpPr>
-        <p:spPr>
-          <a:xfrm>
-            <a:off x="190406" y="100750"/>
-            <a:ext cx="9715594" cy="882654"/>
-          </a:xfrm>
-        </p:spPr>
-        <p:txBody>
-          <a:bodyPr/>
-          <a:lstStyle>
-            <a:lvl1pPr latinLnBrk="0">
-              <a:defRPr>
-                <a:solidFill>
-                  <a:schemeClr val="bg2"/>
-                </a:solidFill>
-              </a:defRPr>
-            </a:lvl1pPr>
-          </a:lstStyle>
-          <a:p>
-            <a:r>
-              <a:rPr lang="en-US" noProof="0" dirty="0"/>
-              <a:t>Table of Contents</a:t>
-            </a:r>
-          </a:p>
-        </p:txBody>
-      </p:sp>
-    </p:spTree>
-    <p:extLst>
-      <p:ext uri="{BB962C8B-B14F-4D97-AF65-F5344CB8AC3E}">
-        <p14:creationId xmlns:p14="http://schemas.microsoft.com/office/powerpoint/2010/main" val="1028724482"/>
-      </p:ext>
-    </p:extLst>
-  </p:cSld>
-  <p:clrMapOvr>
-    <a:masterClrMapping/>
-  </p:clrMapOvr>
-  <mc:AlternateContent xmlns:mc="http://schemas.openxmlformats.org/markup-compatibility/2006" xmlns:p14="http://schemas.microsoft.com/office/powerpoint/2010/main">
-    <mc:Choice Requires="p14">
-      <p:transition spd="slow" p14:dur="2000" advClick="0" advTm="5000"/>
-    </mc:Choice>
-    <mc:Fallback xmlns="">
-      <p:transition spd="slow" advClick="0" advTm="5000"/>
-    </mc:Fallback>
-  </mc:AlternateContent>
-</p:sldLayout>
-</file>
-
-<file path=ppt/slideLayouts/slideLayout5.xml><?xml version="1.0" encoding="utf-8"?>
 <p:sldLayout xmlns:a="http://schemas.openxmlformats.org/drawingml/2006/main" xmlns:r="http://schemas.openxmlformats.org/officeDocument/2006/relationships" xmlns:p="http://schemas.openxmlformats.org/presentationml/2006/main" preserve="1" userDrawn="1">
   <p:cSld name="Important Concept">
     <p:spTree>
@@ -7320,52 +5692,6 @@
           </a:p>
         </p:txBody>
       </p:sp>
-      <p:pic>
-        <p:nvPicPr>
-          <p:cNvPr id="3" name="Logo Software University" descr="Software University logo">
-            <a:extLst>
-              <a:ext uri="{FF2B5EF4-FFF2-40B4-BE49-F238E27FC236}">
-                <a16:creationId xmlns:a16="http://schemas.microsoft.com/office/drawing/2014/main" id="{5573C101-930B-47AC-967A-A64513DFFDEE}"/>
-              </a:ext>
-            </a:extLst>
-          </p:cNvPr>
-          <p:cNvPicPr>
-            <a:picLocks noChangeAspect="1"/>
-          </p:cNvPicPr>
-          <p:nvPr userDrawn="1"/>
-        </p:nvPicPr>
-        <p:blipFill>
-          <a:blip r:embed="rId3">
-            <a:clrChange>
-              <a:clrFrom>
-                <a:srgbClr val="FFFFFF"/>
-              </a:clrFrom>
-              <a:clrTo>
-                <a:srgbClr val="FFFFFF">
-                  <a:alpha val="0"/>
-                </a:srgbClr>
-              </a:clrTo>
-            </a:clrChange>
-            <a:extLst>
-              <a:ext uri="{28A0092B-C50C-407E-A947-70E740481C1C}">
-                <a14:useLocalDpi xmlns:a14="http://schemas.microsoft.com/office/drawing/2010/main" val="0"/>
-              </a:ext>
-            </a:extLst>
-          </a:blip>
-          <a:stretch>
-            <a:fillRect/>
-          </a:stretch>
-        </p:blipFill>
-        <p:spPr>
-          <a:xfrm>
-            <a:off x="10008761" y="190267"/>
-            <a:ext cx="2013336" cy="690975"/>
-          </a:xfrm>
-          <a:prstGeom prst="rect">
-            <a:avLst/>
-          </a:prstGeom>
-        </p:spPr>
-      </p:pic>
       <p:sp>
         <p:nvSpPr>
           <p:cNvPr id="8" name="Slide Title">
@@ -7384,8 +5710,8 @@
         </p:nvSpPr>
         <p:spPr>
           <a:xfrm>
-            <a:off x="1296957" y="100750"/>
-            <a:ext cx="8625520" cy="882654"/>
+            <a:off x="1296956" y="100750"/>
+            <a:ext cx="9164044" cy="882654"/>
           </a:xfrm>
         </p:spPr>
         <p:txBody>
@@ -7403,6 +5729,42 @@
           </a:p>
         </p:txBody>
       </p:sp>
+      <p:pic>
+        <p:nvPicPr>
+          <p:cNvPr id="2" name="Picture 1">
+            <a:extLst>
+              <a:ext uri="{FF2B5EF4-FFF2-40B4-BE49-F238E27FC236}">
+                <a16:creationId xmlns:a16="http://schemas.microsoft.com/office/drawing/2014/main" id="{78CA5371-2597-CF8F-1859-226395807433}"/>
+              </a:ext>
+            </a:extLst>
+          </p:cNvPr>
+          <p:cNvPicPr>
+            <a:picLocks noChangeAspect="1"/>
+          </p:cNvPicPr>
+          <p:nvPr userDrawn="1"/>
+        </p:nvPicPr>
+        <p:blipFill>
+          <a:blip r:embed="rId3" cstate="print">
+            <a:extLst>
+              <a:ext uri="{28A0092B-C50C-407E-A947-70E740481C1C}">
+                <a14:useLocalDpi xmlns:a14="http://schemas.microsoft.com/office/drawing/2010/main" val="0"/>
+              </a:ext>
+            </a:extLst>
+          </a:blip>
+          <a:stretch>
+            <a:fillRect/>
+          </a:stretch>
+        </p:blipFill>
+        <p:spPr>
+          <a:xfrm>
+            <a:off x="10551877" y="362077"/>
+            <a:ext cx="1443357" cy="360000"/>
+          </a:xfrm>
+          <a:prstGeom prst="rect">
+            <a:avLst/>
+          </a:prstGeom>
+        </p:spPr>
+      </p:pic>
     </p:spTree>
     <p:extLst>
       <p:ext uri="{BB962C8B-B14F-4D97-AF65-F5344CB8AC3E}">
@@ -7424,7 +5786,7 @@
 </p:sldLayout>
 </file>
 
-<file path=ppt/slideLayouts/slideLayout6.xml><?xml version="1.0" encoding="utf-8"?>
+<file path=ppt/slideLayouts/slideLayout5.xml><?xml version="1.0" encoding="utf-8"?>
 <p:sldLayout xmlns:a="http://schemas.openxmlformats.org/drawingml/2006/main" xmlns:r="http://schemas.openxmlformats.org/officeDocument/2006/relationships" xmlns:p="http://schemas.openxmlformats.org/presentationml/2006/main" preserve="1">
   <p:cSld name="Important Example">
     <p:spTree>
@@ -7701,52 +6063,6 @@
           </a:p>
         </p:txBody>
       </p:sp>
-      <p:pic>
-        <p:nvPicPr>
-          <p:cNvPr id="16" name="Logo Software University" descr="Software University logo">
-            <a:extLst>
-              <a:ext uri="{FF2B5EF4-FFF2-40B4-BE49-F238E27FC236}">
-                <a16:creationId xmlns:a16="http://schemas.microsoft.com/office/drawing/2014/main" id="{EFEBB553-EACE-4B4F-8B4F-7629FDD910A4}"/>
-              </a:ext>
-            </a:extLst>
-          </p:cNvPr>
-          <p:cNvPicPr>
-            <a:picLocks noChangeAspect="1"/>
-          </p:cNvPicPr>
-          <p:nvPr userDrawn="1"/>
-        </p:nvPicPr>
-        <p:blipFill>
-          <a:blip r:embed="rId3">
-            <a:clrChange>
-              <a:clrFrom>
-                <a:srgbClr val="FFFFFF"/>
-              </a:clrFrom>
-              <a:clrTo>
-                <a:srgbClr val="FFFFFF">
-                  <a:alpha val="0"/>
-                </a:srgbClr>
-              </a:clrTo>
-            </a:clrChange>
-            <a:extLst>
-              <a:ext uri="{28A0092B-C50C-407E-A947-70E740481C1C}">
-                <a14:useLocalDpi xmlns:a14="http://schemas.microsoft.com/office/drawing/2010/main" val="0"/>
-              </a:ext>
-            </a:extLst>
-          </a:blip>
-          <a:stretch>
-            <a:fillRect/>
-          </a:stretch>
-        </p:blipFill>
-        <p:spPr>
-          <a:xfrm>
-            <a:off x="10008761" y="190267"/>
-            <a:ext cx="2013336" cy="690975"/>
-          </a:xfrm>
-          <a:prstGeom prst="rect">
-            <a:avLst/>
-          </a:prstGeom>
-        </p:spPr>
-      </p:pic>
       <p:sp>
         <p:nvSpPr>
           <p:cNvPr id="13" name="Slide Title">
@@ -7765,8 +6081,8 @@
         </p:nvSpPr>
         <p:spPr>
           <a:xfrm>
-            <a:off x="1296957" y="100750"/>
-            <a:ext cx="8625520" cy="882654"/>
+            <a:off x="1296956" y="100750"/>
+            <a:ext cx="9164044" cy="882654"/>
           </a:xfrm>
         </p:spPr>
         <p:txBody>
@@ -7784,6 +6100,42 @@
           </a:p>
         </p:txBody>
       </p:sp>
+      <p:pic>
+        <p:nvPicPr>
+          <p:cNvPr id="2" name="Picture 1">
+            <a:extLst>
+              <a:ext uri="{FF2B5EF4-FFF2-40B4-BE49-F238E27FC236}">
+                <a16:creationId xmlns:a16="http://schemas.microsoft.com/office/drawing/2014/main" id="{A37AF1B9-D67A-246A-86B6-E28F19C52390}"/>
+              </a:ext>
+            </a:extLst>
+          </p:cNvPr>
+          <p:cNvPicPr>
+            <a:picLocks noChangeAspect="1"/>
+          </p:cNvPicPr>
+          <p:nvPr userDrawn="1"/>
+        </p:nvPicPr>
+        <p:blipFill>
+          <a:blip r:embed="rId3" cstate="print">
+            <a:extLst>
+              <a:ext uri="{28A0092B-C50C-407E-A947-70E740481C1C}">
+                <a14:useLocalDpi xmlns:a14="http://schemas.microsoft.com/office/drawing/2010/main" val="0"/>
+              </a:ext>
+            </a:extLst>
+          </a:blip>
+          <a:stretch>
+            <a:fillRect/>
+          </a:stretch>
+        </p:blipFill>
+        <p:spPr>
+          <a:xfrm>
+            <a:off x="10551877" y="362077"/>
+            <a:ext cx="1443357" cy="360000"/>
+          </a:xfrm>
+          <a:prstGeom prst="rect">
+            <a:avLst/>
+          </a:prstGeom>
+        </p:spPr>
+      </p:pic>
     </p:spTree>
     <p:extLst>
       <p:ext uri="{BB962C8B-B14F-4D97-AF65-F5344CB8AC3E}">
@@ -7805,7 +6157,7 @@
 </p:sldLayout>
 </file>
 
-<file path=ppt/slideLayouts/slideLayout7.xml><?xml version="1.0" encoding="utf-8"?>
+<file path=ppt/slideLayouts/slideLayout6.xml><?xml version="1.0" encoding="utf-8"?>
 <p:sldLayout xmlns:a="http://schemas.openxmlformats.org/drawingml/2006/main" xmlns:r="http://schemas.openxmlformats.org/officeDocument/2006/relationships" xmlns:p="http://schemas.openxmlformats.org/presentationml/2006/main" preserve="1" userDrawn="1">
   <p:cSld name="Blank Slide">
     <p:spTree>
@@ -8100,8 +6452,8 @@
         </p:nvSpPr>
         <p:spPr>
           <a:xfrm>
-            <a:off x="585176" y="100750"/>
-            <a:ext cx="11410061" cy="882654"/>
+            <a:off x="585177" y="100750"/>
+            <a:ext cx="9875824" cy="882654"/>
           </a:xfrm>
         </p:spPr>
         <p:txBody>
@@ -8119,6 +6471,42 @@
           </a:p>
         </p:txBody>
       </p:sp>
+      <p:pic>
+        <p:nvPicPr>
+          <p:cNvPr id="2" name="Picture 1">
+            <a:extLst>
+              <a:ext uri="{FF2B5EF4-FFF2-40B4-BE49-F238E27FC236}">
+                <a16:creationId xmlns:a16="http://schemas.microsoft.com/office/drawing/2014/main" id="{9C2C375B-43BF-D1DD-F160-1500A111885C}"/>
+              </a:ext>
+            </a:extLst>
+          </p:cNvPr>
+          <p:cNvPicPr>
+            <a:picLocks noChangeAspect="1"/>
+          </p:cNvPicPr>
+          <p:nvPr userDrawn="1"/>
+        </p:nvPicPr>
+        <p:blipFill>
+          <a:blip r:embed="rId3" cstate="print">
+            <a:extLst>
+              <a:ext uri="{28A0092B-C50C-407E-A947-70E740481C1C}">
+                <a14:useLocalDpi xmlns:a14="http://schemas.microsoft.com/office/drawing/2010/main" val="0"/>
+              </a:ext>
+            </a:extLst>
+          </a:blip>
+          <a:stretch>
+            <a:fillRect/>
+          </a:stretch>
+        </p:blipFill>
+        <p:spPr>
+          <a:xfrm>
+            <a:off x="10551877" y="362077"/>
+            <a:ext cx="1443357" cy="360000"/>
+          </a:xfrm>
+          <a:prstGeom prst="rect">
+            <a:avLst/>
+          </a:prstGeom>
+        </p:spPr>
+      </p:pic>
     </p:spTree>
     <p:extLst>
       <p:ext uri="{BB962C8B-B14F-4D97-AF65-F5344CB8AC3E}">
@@ -8140,7 +6528,7 @@
 </p:sldLayout>
 </file>
 
-<file path=ppt/slideLayouts/slideLayout8.xml><?xml version="1.0" encoding="utf-8"?>
+<file path=ppt/slideLayouts/slideLayout7.xml><?xml version="1.0" encoding="utf-8"?>
 <p:sldLayout xmlns:a="http://schemas.openxmlformats.org/drawingml/2006/main" xmlns:r="http://schemas.openxmlformats.org/officeDocument/2006/relationships" xmlns:p="http://schemas.openxmlformats.org/presentationml/2006/main" preserve="1" userDrawn="1">
   <p:cSld name="Source Code Example">
     <p:spTree>
@@ -8195,7 +6583,7 @@
               <a:pPr/>
               <a:t>‹#›</a:t>
             </a:fld>
-            <a:endParaRPr lang="en-US" noProof="0" dirty="0"/>
+            <a:endParaRPr lang="en-US" noProof="0"/>
           </a:p>
         </p:txBody>
       </p:sp>
@@ -8213,7 +6601,7 @@
         </p:nvSpPr>
         <p:spPr>
           <a:xfrm>
-            <a:off x="0" y="0"/>
+            <a:off x="0" y="1311"/>
             <a:ext cx="12196800" cy="1095376"/>
           </a:xfrm>
           <a:prstGeom prst="rect">
@@ -8280,48 +6668,12 @@
           </a:p>
         </p:txBody>
       </p:sp>
-      <p:pic>
-        <p:nvPicPr>
-          <p:cNvPr id="10" name="Logo Software University" descr="Software University logo">
+      <p:sp>
+        <p:nvSpPr>
+          <p:cNvPr id="12" name="Slide Body Text">
             <a:extLst>
               <a:ext uri="{FF2B5EF4-FFF2-40B4-BE49-F238E27FC236}">
-                <a16:creationId xmlns:a16="http://schemas.microsoft.com/office/drawing/2014/main" id="{8C01D7AF-7CBD-46E1-99F3-8EB60E838D91}"/>
-              </a:ext>
-            </a:extLst>
-          </p:cNvPr>
-          <p:cNvPicPr>
-            <a:picLocks noChangeAspect="1"/>
-          </p:cNvPicPr>
-          <p:nvPr userDrawn="1"/>
-        </p:nvPicPr>
-        <p:blipFill>
-          <a:blip r:embed="rId2">
-            <a:extLst>
-              <a:ext uri="{28A0092B-C50C-407E-A947-70E740481C1C}">
-                <a14:useLocalDpi xmlns:a14="http://schemas.microsoft.com/office/drawing/2010/main" val="0"/>
-              </a:ext>
-            </a:extLst>
-          </a:blip>
-          <a:stretch>
-            <a:fillRect/>
-          </a:stretch>
-        </p:blipFill>
-        <p:spPr>
-          <a:xfrm>
-            <a:off x="10067957" y="253936"/>
-            <a:ext cx="1915704" cy="559235"/>
-          </a:xfrm>
-          <a:prstGeom prst="rect">
-            <a:avLst/>
-          </a:prstGeom>
-        </p:spPr>
-      </p:pic>
-      <p:sp>
-        <p:nvSpPr>
-          <p:cNvPr id="17" name="Slide Body Text">
-            <a:extLst>
-              <a:ext uri="{FF2B5EF4-FFF2-40B4-BE49-F238E27FC236}">
-                <a16:creationId xmlns:a16="http://schemas.microsoft.com/office/drawing/2014/main" id="{1E60575F-8475-4C78-97A7-27D7891D2770}"/>
+                <a16:creationId xmlns:a16="http://schemas.microsoft.com/office/drawing/2014/main" id="{B608ED73-CE88-49E4-8BFC-DBD6E9AE6B10}"/>
               </a:ext>
             </a:extLst>
           </p:cNvPr>
@@ -8329,32 +6681,52 @@
             <a:spLocks noGrp="1"/>
           </p:cNvSpPr>
           <p:nvPr>
-            <p:ph type="body" sz="quarter" idx="12" hasCustomPrompt="1"/>
+            <p:ph type="body" sz="quarter" idx="10" hasCustomPrompt="1"/>
           </p:nvPr>
         </p:nvSpPr>
         <p:spPr>
           <a:xfrm>
-            <a:off x="190402" y="1196125"/>
-            <a:ext cx="11818096" cy="5528766"/>
+            <a:off x="190406" y="1206668"/>
+            <a:ext cx="11804831" cy="5550582"/>
           </a:xfrm>
         </p:spPr>
         <p:txBody>
           <a:bodyPr/>
           <a:lstStyle>
             <a:lvl1pPr latinLnBrk="0">
-              <a:defRPr/>
+              <a:defRPr>
+                <a:solidFill>
+                  <a:schemeClr val="tx1"/>
+                </a:solidFill>
+              </a:defRPr>
             </a:lvl1pPr>
             <a:lvl2pPr latinLnBrk="0">
-              <a:defRPr/>
+              <a:defRPr>
+                <a:solidFill>
+                  <a:schemeClr val="tx1"/>
+                </a:solidFill>
+              </a:defRPr>
             </a:lvl2pPr>
             <a:lvl3pPr latinLnBrk="0">
-              <a:defRPr/>
+              <a:defRPr>
+                <a:solidFill>
+                  <a:schemeClr val="tx1"/>
+                </a:solidFill>
+              </a:defRPr>
             </a:lvl3pPr>
             <a:lvl4pPr latinLnBrk="0">
-              <a:defRPr/>
+              <a:defRPr>
+                <a:solidFill>
+                  <a:schemeClr val="tx1"/>
+                </a:solidFill>
+              </a:defRPr>
             </a:lvl4pPr>
             <a:lvl5pPr latinLnBrk="0">
-              <a:defRPr/>
+              <a:defRPr>
+                <a:solidFill>
+                  <a:schemeClr val="tx1"/>
+                </a:solidFill>
+              </a:defRPr>
             </a:lvl5pPr>
           </a:lstStyle>
           <a:p>
@@ -8368,10 +6740,10 @@
       </p:sp>
       <p:sp>
         <p:nvSpPr>
-          <p:cNvPr id="15" name="Code Box">
+          <p:cNvPr id="4" name="Code Box">
             <a:extLst>
               <a:ext uri="{FF2B5EF4-FFF2-40B4-BE49-F238E27FC236}">
-                <a16:creationId xmlns:a16="http://schemas.microsoft.com/office/drawing/2014/main" id="{29C63EC2-5578-406B-8C2A-23FDE6C14C82}"/>
+                <a16:creationId xmlns:a16="http://schemas.microsoft.com/office/drawing/2014/main" id="{F4E021E9-D6DB-4272-8C9F-CEF4940FDC10}"/>
               </a:ext>
             </a:extLst>
           </p:cNvPr>
@@ -8385,7 +6757,7 @@
         <p:spPr>
           <a:xfrm>
             <a:off x="674683" y="2034000"/>
-            <a:ext cx="10836275" cy="2318684"/>
+            <a:ext cx="10836275" cy="2237893"/>
           </a:xfrm>
           <a:solidFill>
             <a:schemeClr val="accent6">
@@ -8407,15 +6779,6 @@
           </a:bodyPr>
           <a:lstStyle>
             <a:lvl1pPr>
-              <a:lnSpc>
-                <a:spcPct val="110000"/>
-              </a:lnSpc>
-              <a:spcBef>
-                <a:spcPts val="0"/>
-              </a:spcBef>
-              <a:spcAft>
-                <a:spcPts val="0"/>
-              </a:spcAft>
               <a:buNone/>
               <a:defRPr lang="en-US" sz="2800" b="1" smtClean="0">
                 <a:latin typeface="Consolas" pitchFamily="49" charset="0"/>
@@ -8510,8 +6873,8 @@
         </p:nvSpPr>
         <p:spPr>
           <a:xfrm>
-            <a:off x="190406" y="100750"/>
-            <a:ext cx="9715594" cy="882654"/>
+            <a:off x="190405" y="100750"/>
+            <a:ext cx="10239658" cy="882654"/>
           </a:xfrm>
         </p:spPr>
         <p:txBody>
@@ -8533,6 +6896,42 @@
           </a:p>
         </p:txBody>
       </p:sp>
+      <p:pic>
+        <p:nvPicPr>
+          <p:cNvPr id="3" name="Picture 2">
+            <a:extLst>
+              <a:ext uri="{FF2B5EF4-FFF2-40B4-BE49-F238E27FC236}">
+                <a16:creationId xmlns:a16="http://schemas.microsoft.com/office/drawing/2014/main" id="{4B69A4E8-9221-8F79-65B4-BF9AA7F87DD7}"/>
+              </a:ext>
+            </a:extLst>
+          </p:cNvPr>
+          <p:cNvPicPr>
+            <a:picLocks noChangeAspect="1"/>
+          </p:cNvPicPr>
+          <p:nvPr userDrawn="1"/>
+        </p:nvPicPr>
+        <p:blipFill>
+          <a:blip r:embed="rId2" cstate="print">
+            <a:extLst>
+              <a:ext uri="{28A0092B-C50C-407E-A947-70E740481C1C}">
+                <a14:useLocalDpi xmlns:a14="http://schemas.microsoft.com/office/drawing/2010/main" val="0"/>
+              </a:ext>
+            </a:extLst>
+          </a:blip>
+          <a:stretch>
+            <a:fillRect/>
+          </a:stretch>
+        </p:blipFill>
+        <p:spPr>
+          <a:xfrm>
+            <a:off x="10553573" y="368999"/>
+            <a:ext cx="1443361" cy="360001"/>
+          </a:xfrm>
+          <a:prstGeom prst="rect">
+            <a:avLst/>
+          </a:prstGeom>
+        </p:spPr>
+      </p:pic>
     </p:spTree>
     <p:extLst>
       <p:ext uri="{BB962C8B-B14F-4D97-AF65-F5344CB8AC3E}">
@@ -8554,7 +6953,7 @@
 </p:sldLayout>
 </file>
 
-<file path=ppt/slideLayouts/slideLayout9.xml><?xml version="1.0" encoding="utf-8"?>
+<file path=ppt/slideLayouts/slideLayout8.xml><?xml version="1.0" encoding="utf-8"?>
 <p:sldLayout xmlns:a="http://schemas.openxmlformats.org/drawingml/2006/main" xmlns:r="http://schemas.openxmlformats.org/officeDocument/2006/relationships" xmlns:p="http://schemas.openxmlformats.org/presentationml/2006/main" preserve="1">
   <p:cSld name="Demo Slide">
     <p:spTree>
@@ -8631,7 +7030,7 @@
               <a:tabLst/>
               <a:defRPr/>
             </a:pPr>
-            <a:endParaRPr kumimoji="0" lang="en-US" altLang="ko-KR" sz="2398" b="0" i="0" u="none" strike="noStrike" kern="1200" cap="none" spc="0" normalizeH="0" baseline="0" noProof="0" dirty="0">
+            <a:endParaRPr kumimoji="0" lang="en-US" altLang="ko-KR" sz="2398" b="0" i="0" u="none" strike="noStrike" kern="1200" cap="none" spc="0" normalizeH="0" baseline="0" noProof="0">
               <a:ln>
                 <a:noFill/>
               </a:ln>
@@ -8741,6 +7140,335 @@
     <p:extLst>
       <p:ext uri="{BB962C8B-B14F-4D97-AF65-F5344CB8AC3E}">
         <p14:creationId xmlns:p14="http://schemas.microsoft.com/office/powerpoint/2010/main" val="2423919747"/>
+      </p:ext>
+    </p:extLst>
+  </p:cSld>
+  <p:clrMapOvr>
+    <a:masterClrMapping/>
+  </p:clrMapOvr>
+  <mc:AlternateContent xmlns:mc="http://schemas.openxmlformats.org/markup-compatibility/2006" xmlns:p14="http://schemas.microsoft.com/office/powerpoint/2010/main">
+    <mc:Choice Requires="p14">
+      <p:transition spd="slow" p14:dur="2000" advClick="0" advTm="5000"/>
+    </mc:Choice>
+    <mc:Fallback xmlns="">
+      <p:transition spd="slow" advClick="0" advTm="5000"/>
+    </mc:Fallback>
+  </mc:AlternateContent>
+</p:sldLayout>
+</file>
+
+<file path=ppt/slideLayouts/slideLayout9.xml><?xml version="1.0" encoding="utf-8"?>
+<p:sldLayout xmlns:a="http://schemas.openxmlformats.org/drawingml/2006/main" xmlns:r="http://schemas.openxmlformats.org/officeDocument/2006/relationships" xmlns:p="http://schemas.openxmlformats.org/presentationml/2006/main" preserve="1" userDrawn="1">
+  <p:cSld name="Table of Contents">
+    <p:spTree>
+      <p:nvGrpSpPr>
+        <p:cNvPr id="1" name=""/>
+        <p:cNvGrpSpPr/>
+        <p:nvPr/>
+      </p:nvGrpSpPr>
+      <p:grpSpPr>
+        <a:xfrm>
+          <a:off x="0" y="0"/>
+          <a:ext cx="0" cy="0"/>
+          <a:chOff x="0" y="0"/>
+          <a:chExt cx="0" cy="0"/>
+        </a:xfrm>
+      </p:grpSpPr>
+      <p:sp>
+        <p:nvSpPr>
+          <p:cNvPr id="10" name="Slide Number">
+            <a:extLst>
+              <a:ext uri="{FF2B5EF4-FFF2-40B4-BE49-F238E27FC236}">
+                <a16:creationId xmlns:a16="http://schemas.microsoft.com/office/drawing/2014/main" id="{39DDE17E-5472-41F3-AF5F-54DFF10DC63C}"/>
+              </a:ext>
+            </a:extLst>
+          </p:cNvPr>
+          <p:cNvSpPr>
+            <a:spLocks noGrp="1"/>
+          </p:cNvSpPr>
+          <p:nvPr>
+            <p:ph type="sldNum" sz="quarter" idx="4"/>
+          </p:nvPr>
+        </p:nvSpPr>
+        <p:spPr>
+          <a:xfrm>
+            <a:off x="11753030" y="6507000"/>
+            <a:ext cx="367414" cy="297000"/>
+          </a:xfrm>
+          <a:prstGeom prst="rect">
+            <a:avLst/>
+          </a:prstGeom>
+        </p:spPr>
+        <p:txBody>
+          <a:bodyPr vert="horz" lIns="91440" tIns="45720" rIns="91440" bIns="45720" rtlCol="0" anchor="b"/>
+          <a:lstStyle>
+            <a:lvl1pPr algn="r">
+              <a:defRPr sz="1000"/>
+            </a:lvl1pPr>
+          </a:lstStyle>
+          <a:p>
+            <a:fld id="{2BF067CD-8E6B-4360-9AA8-C5DF2A48A6D1}" type="slidenum">
+              <a:rPr lang="en-US" noProof="0" smtClean="0"/>
+              <a:pPr/>
+              <a:t>‹#›</a:t>
+            </a:fld>
+            <a:endParaRPr lang="en-US" noProof="0"/>
+          </a:p>
+        </p:txBody>
+      </p:sp>
+      <p:sp>
+        <p:nvSpPr>
+          <p:cNvPr id="23" name="Slide Body Text">
+            <a:extLst>
+              <a:ext uri="{FF2B5EF4-FFF2-40B4-BE49-F238E27FC236}">
+                <a16:creationId xmlns:a16="http://schemas.microsoft.com/office/drawing/2014/main" id="{889D93F4-ABFA-46BF-8E5D-FE6562ACB20F}"/>
+              </a:ext>
+            </a:extLst>
+          </p:cNvPr>
+          <p:cNvSpPr>
+            <a:spLocks noGrp="1"/>
+          </p:cNvSpPr>
+          <p:nvPr>
+            <p:ph type="body" sz="quarter" idx="13" hasCustomPrompt="1"/>
+          </p:nvPr>
+        </p:nvSpPr>
+        <p:spPr>
+          <a:xfrm>
+            <a:off x="196766" y="1371604"/>
+            <a:ext cx="11781606" cy="5207396"/>
+          </a:xfrm>
+        </p:spPr>
+        <p:txBody>
+          <a:bodyPr>
+            <a:normAutofit/>
+          </a:bodyPr>
+          <a:lstStyle>
+            <a:lvl1pPr marL="514042" indent="-514042" latinLnBrk="0">
+              <a:buFont typeface="+mj-lt"/>
+              <a:buAutoNum type="arabicPeriod"/>
+              <a:defRPr sz="3600">
+                <a:solidFill>
+                  <a:schemeClr val="tx1"/>
+                </a:solidFill>
+              </a:defRPr>
+            </a:lvl1pPr>
+            <a:lvl2pPr>
+              <a:defRPr sz="3400"/>
+            </a:lvl2pPr>
+          </a:lstStyle>
+          <a:p>
+            <a:pPr lvl="0"/>
+            <a:r>
+              <a:rPr lang="en-US" noProof="0" dirty="0"/>
+              <a:t>…</a:t>
+            </a:r>
+          </a:p>
+          <a:p>
+            <a:pPr lvl="1"/>
+            <a:r>
+              <a:rPr lang="en-US" noProof="0" dirty="0"/>
+              <a:t>…</a:t>
+            </a:r>
+          </a:p>
+          <a:p>
+            <a:pPr lvl="1"/>
+            <a:r>
+              <a:rPr lang="en-US" noProof="0" dirty="0"/>
+              <a:t>…</a:t>
+            </a:r>
+          </a:p>
+          <a:p>
+            <a:pPr lvl="0"/>
+            <a:r>
+              <a:rPr lang="en-US" noProof="0" dirty="0"/>
+              <a:t>…</a:t>
+            </a:r>
+          </a:p>
+          <a:p>
+            <a:pPr lvl="1"/>
+            <a:r>
+              <a:rPr lang="en-US" noProof="0" dirty="0"/>
+              <a:t>…</a:t>
+            </a:r>
+          </a:p>
+          <a:p>
+            <a:pPr lvl="1"/>
+            <a:r>
+              <a:rPr lang="en-US" noProof="0" dirty="0"/>
+              <a:t>…</a:t>
+            </a:r>
+          </a:p>
+          <a:p>
+            <a:pPr lvl="0"/>
+            <a:r>
+              <a:rPr lang="en-US" noProof="0" dirty="0"/>
+              <a:t>…</a:t>
+            </a:r>
+          </a:p>
+        </p:txBody>
+      </p:sp>
+      <p:sp>
+        <p:nvSpPr>
+          <p:cNvPr id="8" name="Rectangle Top">
+            <a:extLst>
+              <a:ext uri="{FF2B5EF4-FFF2-40B4-BE49-F238E27FC236}">
+                <a16:creationId xmlns:a16="http://schemas.microsoft.com/office/drawing/2014/main" id="{930E0800-9260-4369-8330-8264DD33C5CE}"/>
+              </a:ext>
+            </a:extLst>
+          </p:cNvPr>
+          <p:cNvSpPr/>
+          <p:nvPr userDrawn="1"/>
+        </p:nvSpPr>
+        <p:spPr>
+          <a:xfrm>
+            <a:off x="0" y="0"/>
+            <a:ext cx="12196800" cy="1095376"/>
+          </a:xfrm>
+          <a:prstGeom prst="rect">
+            <a:avLst/>
+          </a:prstGeom>
+          <a:solidFill>
+            <a:schemeClr val="tx2"/>
+          </a:solidFill>
+          <a:ln>
+            <a:noFill/>
+          </a:ln>
+        </p:spPr>
+        <p:style>
+          <a:lnRef idx="2">
+            <a:schemeClr val="accent1">
+              <a:shade val="50000"/>
+            </a:schemeClr>
+          </a:lnRef>
+          <a:fillRef idx="1">
+            <a:schemeClr val="accent1"/>
+          </a:fillRef>
+          <a:effectRef idx="0">
+            <a:schemeClr val="accent1"/>
+          </a:effectRef>
+          <a:fontRef idx="minor">
+            <a:schemeClr val="lt1"/>
+          </a:fontRef>
+        </p:style>
+        <p:txBody>
+          <a:bodyPr rtlCol="0" anchor="ctr"/>
+          <a:lstStyle/>
+          <a:p>
+            <a:pPr marL="0" marR="0" lvl="0" indent="0" algn="ctr" defTabSz="913852" rtl="0" eaLnBrk="1" fontAlgn="auto" latinLnBrk="0" hangingPunct="1">
+              <a:lnSpc>
+                <a:spcPct val="100000"/>
+              </a:lnSpc>
+              <a:spcBef>
+                <a:spcPts val="0"/>
+              </a:spcBef>
+              <a:spcAft>
+                <a:spcPts val="0"/>
+              </a:spcAft>
+              <a:buClrTx/>
+              <a:buSzTx/>
+              <a:buFontTx/>
+              <a:buNone/>
+              <a:tabLst/>
+              <a:defRPr/>
+            </a:pPr>
+            <a:endParaRPr kumimoji="0" lang="en-US" altLang="ko-KR" sz="2398" b="0" i="0" u="none" strike="noStrike" kern="1200" cap="none" spc="0" normalizeH="0" baseline="0" noProof="0">
+              <a:ln>
+                <a:noFill/>
+              </a:ln>
+              <a:solidFill>
+                <a:srgbClr val="F7C86D"/>
+              </a:solidFill>
+              <a:effectLst/>
+              <a:uLnTx/>
+              <a:uFillTx/>
+              <a:latin typeface="Calibri" panose="020F0502020204030204"/>
+              <a:ea typeface="맑은 고딕" panose="020B0503020000020004" pitchFamily="34" charset="-127"/>
+              <a:cs typeface="+mn-cs"/>
+            </a:endParaRPr>
+          </a:p>
+        </p:txBody>
+      </p:sp>
+      <p:sp>
+        <p:nvSpPr>
+          <p:cNvPr id="13" name="Slide Title">
+            <a:extLst>
+              <a:ext uri="{FF2B5EF4-FFF2-40B4-BE49-F238E27FC236}">
+                <a16:creationId xmlns:a16="http://schemas.microsoft.com/office/drawing/2014/main" id="{357D7BE1-6358-42CC-94F3-7BCDD91DCB6D}"/>
+              </a:ext>
+            </a:extLst>
+          </p:cNvPr>
+          <p:cNvSpPr>
+            <a:spLocks noGrp="1"/>
+          </p:cNvSpPr>
+          <p:nvPr>
+            <p:ph type="title" hasCustomPrompt="1"/>
+          </p:nvPr>
+        </p:nvSpPr>
+        <p:spPr>
+          <a:xfrm>
+            <a:off x="190406" y="100750"/>
+            <a:ext cx="10270594" cy="882654"/>
+          </a:xfrm>
+        </p:spPr>
+        <p:txBody>
+          <a:bodyPr/>
+          <a:lstStyle>
+            <a:lvl1pPr latinLnBrk="0">
+              <a:defRPr>
+                <a:solidFill>
+                  <a:schemeClr val="bg2"/>
+                </a:solidFill>
+              </a:defRPr>
+            </a:lvl1pPr>
+          </a:lstStyle>
+          <a:p>
+            <a:r>
+              <a:rPr lang="en-US" noProof="0" dirty="0"/>
+              <a:t>Table of Contents</a:t>
+            </a:r>
+          </a:p>
+        </p:txBody>
+      </p:sp>
+      <p:pic>
+        <p:nvPicPr>
+          <p:cNvPr id="3" name="Picture 2">
+            <a:extLst>
+              <a:ext uri="{FF2B5EF4-FFF2-40B4-BE49-F238E27FC236}">
+                <a16:creationId xmlns:a16="http://schemas.microsoft.com/office/drawing/2014/main" id="{4FD808AB-EC49-1578-0005-D58D2A365AA1}"/>
+              </a:ext>
+            </a:extLst>
+          </p:cNvPr>
+          <p:cNvPicPr>
+            <a:picLocks noChangeAspect="1"/>
+          </p:cNvPicPr>
+          <p:nvPr userDrawn="1"/>
+        </p:nvPicPr>
+        <p:blipFill>
+          <a:blip r:embed="rId2" cstate="print">
+            <a:extLst>
+              <a:ext uri="{28A0092B-C50C-407E-A947-70E740481C1C}">
+                <a14:useLocalDpi xmlns:a14="http://schemas.microsoft.com/office/drawing/2010/main" val="0"/>
+              </a:ext>
+            </a:extLst>
+          </a:blip>
+          <a:stretch>
+            <a:fillRect/>
+          </a:stretch>
+        </p:blipFill>
+        <p:spPr>
+          <a:xfrm>
+            <a:off x="10553573" y="368999"/>
+            <a:ext cx="1443361" cy="360001"/>
+          </a:xfrm>
+          <a:prstGeom prst="rect">
+            <a:avLst/>
+          </a:prstGeom>
+        </p:spPr>
+      </p:pic>
+    </p:spTree>
+    <p:extLst>
+      <p:ext uri="{BB962C8B-B14F-4D97-AF65-F5344CB8AC3E}">
+        <p14:creationId xmlns:p14="http://schemas.microsoft.com/office/powerpoint/2010/main" val="1028724482"/>
       </p:ext>
     </p:extLst>
   </p:cSld>
@@ -8783,35 +7511,6 @@
           <a:chExt cx="0" cy="0"/>
         </a:xfrm>
       </p:grpSpPr>
-      <p:pic>
-        <p:nvPicPr>
-          <p:cNvPr id="4" name="Picture Background" descr="SoftUni Background">
-            <a:extLst>
-              <a:ext uri="{FF2B5EF4-FFF2-40B4-BE49-F238E27FC236}">
-                <a16:creationId xmlns:a16="http://schemas.microsoft.com/office/drawing/2014/main" id="{5BE90A63-DDD9-4B3B-A234-DF69B9BC812F}"/>
-              </a:ext>
-            </a:extLst>
-          </p:cNvPr>
-          <p:cNvPicPr>
-            <a:picLocks noChangeAspect="1"/>
-          </p:cNvPicPr>
-          <p:nvPr userDrawn="1"/>
-        </p:nvPicPr>
-        <p:blipFill rotWithShape="1">
-          <a:blip r:embed="rId15"/>
-          <a:srcRect b="1672"/>
-          <a:stretch/>
-        </p:blipFill>
-        <p:spPr>
-          <a:xfrm>
-            <a:off x="0" y="1"/>
-            <a:ext cx="12192000" cy="6857999"/>
-          </a:xfrm>
-          <a:prstGeom prst="rect">
-            <a:avLst/>
-          </a:prstGeom>
-        </p:spPr>
-      </p:pic>
       <p:sp>
         <p:nvSpPr>
           <p:cNvPr id="11" name="Slide Body Text">
@@ -8928,19 +7627,18 @@
   </p:cSld>
   <p:clrMap bg1="lt1" tx1="dk1" bg2="lt2" tx2="dk2" accent1="accent1" accent2="accent2" accent3="accent3" accent4="accent4" accent5="accent5" accent6="accent6" hlink="hlink" folHlink="folHlink"/>
   <p:sldLayoutIdLst>
-    <p:sldLayoutId id="2147483676" r:id="rId1"/>
+    <p:sldLayoutId id="2147483691" r:id="rId1"/>
     <p:sldLayoutId id="2147483689" r:id="rId2"/>
     <p:sldLayoutId id="2147483681" r:id="rId3"/>
-    <p:sldLayoutId id="2147483677" r:id="rId4"/>
-    <p:sldLayoutId id="2147483679" r:id="rId5"/>
-    <p:sldLayoutId id="2147483680" r:id="rId6"/>
-    <p:sldLayoutId id="2147483688" r:id="rId7"/>
-    <p:sldLayoutId id="2147483684" r:id="rId8"/>
-    <p:sldLayoutId id="2147483690" r:id="rId9"/>
+    <p:sldLayoutId id="2147483679" r:id="rId4"/>
+    <p:sldLayoutId id="2147483680" r:id="rId5"/>
+    <p:sldLayoutId id="2147483688" r:id="rId6"/>
+    <p:sldLayoutId id="2147483684" r:id="rId7"/>
+    <p:sldLayoutId id="2147483690" r:id="rId8"/>
+    <p:sldLayoutId id="2147483677" r:id="rId9"/>
     <p:sldLayoutId id="2147483683" r:id="rId10"/>
     <p:sldLayoutId id="2147483685" r:id="rId11"/>
     <p:sldLayoutId id="2147483686" r:id="rId12"/>
-    <p:sldLayoutId id="2147483687" r:id="rId13"/>
   </p:sldLayoutIdLst>
   <mc:AlternateContent xmlns:mc="http://schemas.openxmlformats.org/markup-compatibility/2006" xmlns:p14="http://schemas.microsoft.com/office/powerpoint/2010/main">
     <mc:Choice Requires="p14">
@@ -9269,6 +7967,140 @@
       </p:grpSpPr>
       <p:sp>
         <p:nvSpPr>
+          <p:cNvPr id="21" name="Text Placeholder 6">
+            <a:extLst>
+              <a:ext uri="{FF2B5EF4-FFF2-40B4-BE49-F238E27FC236}">
+                <a16:creationId xmlns:a16="http://schemas.microsoft.com/office/drawing/2014/main" id="{76A05CC2-FC4D-4504-ABD3-8A2DED65D274}"/>
+              </a:ext>
+            </a:extLst>
+          </p:cNvPr>
+          <p:cNvSpPr>
+            <a:spLocks noGrp="1"/>
+          </p:cNvSpPr>
+          <p:nvPr>
+            <p:ph type="body" sz="quarter" idx="22"/>
+          </p:nvPr>
+        </p:nvSpPr>
+        <p:spPr>
+          <a:xfrm>
+            <a:off x="6379867" y="5904000"/>
+            <a:ext cx="5248260" cy="341313"/>
+          </a:xfrm>
+        </p:spPr>
+        <p:txBody>
+          <a:bodyPr/>
+          <a:lstStyle/>
+          <a:p>
+            <a:r>
+              <a:rPr lang="bg-BG" noProof="1"/>
+              <a:t>Софтуерни и хардуерни науки</a:t>
+            </a:r>
+            <a:endParaRPr lang="en-US" dirty="0"/>
+          </a:p>
+        </p:txBody>
+      </p:sp>
+      <p:sp>
+        <p:nvSpPr>
+          <p:cNvPr id="18" name="Text Placeholder 11"/>
+          <p:cNvSpPr>
+            <a:spLocks noGrp="1"/>
+          </p:cNvSpPr>
+          <p:nvPr>
+            <p:ph type="body" sz="quarter" idx="21"/>
+          </p:nvPr>
+        </p:nvSpPr>
+        <p:spPr>
+          <a:xfrm>
+            <a:off x="6374856" y="5529764"/>
+            <a:ext cx="5248260" cy="374236"/>
+          </a:xfrm>
+        </p:spPr>
+        <p:txBody>
+          <a:bodyPr>
+            <a:noAutofit/>
+          </a:bodyPr>
+          <a:lstStyle/>
+          <a:p>
+            <a:r>
+              <a:rPr lang="bg-BG" dirty="0">
+                <a:solidFill>
+                  <a:srgbClr val="234465"/>
+                </a:solidFill>
+              </a:rPr>
+              <a:t>Курс "ООП"</a:t>
+            </a:r>
+          </a:p>
+        </p:txBody>
+      </p:sp>
+      <p:sp>
+        <p:nvSpPr>
+          <p:cNvPr id="20" name="Text Placeholder 3">
+            <a:extLst>
+              <a:ext uri="{FF2B5EF4-FFF2-40B4-BE49-F238E27FC236}">
+                <a16:creationId xmlns:a16="http://schemas.microsoft.com/office/drawing/2014/main" id="{941D5C10-8D10-4D4A-BDC4-202C30EAED2F}"/>
+              </a:ext>
+            </a:extLst>
+          </p:cNvPr>
+          <p:cNvSpPr>
+            <a:spLocks noGrp="1"/>
+          </p:cNvSpPr>
+          <p:nvPr>
+            <p:ph type="body" sz="quarter" idx="18"/>
+          </p:nvPr>
+        </p:nvSpPr>
+        <p:spPr>
+          <a:xfrm>
+            <a:off x="534045" y="6039000"/>
+            <a:ext cx="4751953" cy="341556"/>
+          </a:xfrm>
+        </p:spPr>
+        <p:txBody>
+          <a:bodyPr/>
+          <a:lstStyle/>
+          <a:p>
+            <a:r>
+              <a:rPr lang="en-US" dirty="0">
+                <a:hlinkClick r:id="rId3"/>
+              </a:rPr>
+              <a:t>https://github.com/BG-IT-Edu</a:t>
+            </a:r>
+            <a:endParaRPr lang="bg-BG" dirty="0"/>
+          </a:p>
+        </p:txBody>
+      </p:sp>
+      <p:sp>
+        <p:nvSpPr>
+          <p:cNvPr id="19" name="Text Placeholder 9"/>
+          <p:cNvSpPr>
+            <a:spLocks noGrp="1"/>
+          </p:cNvSpPr>
+          <p:nvPr>
+            <p:ph type="body" sz="quarter" idx="17"/>
+          </p:nvPr>
+        </p:nvSpPr>
+        <p:spPr>
+          <a:xfrm>
+            <a:off x="534046" y="5229000"/>
+            <a:ext cx="4751954" cy="724904"/>
+          </a:xfrm>
+        </p:spPr>
+        <p:txBody>
+          <a:bodyPr/>
+          <a:lstStyle/>
+          <a:p>
+            <a:r>
+              <a:rPr lang="bg-BG" dirty="0">
+                <a:solidFill>
+                  <a:schemeClr val="tx1"/>
+                </a:solidFill>
+              </a:rPr>
+              <a:t>Проект "Отворено учебно съдържание по програмиране и ИТ", СофтУни Фондация</a:t>
+            </a:r>
+          </a:p>
+        </p:txBody>
+      </p:sp>
+      <p:sp>
+        <p:nvSpPr>
           <p:cNvPr id="5" name="Title 4"/>
           <p:cNvSpPr>
             <a:spLocks noGrp="1"/>
@@ -9286,118 +8118,64 @@
           <a:p>
             <a:r>
               <a:rPr lang="bg-BG" dirty="0"/>
-              <a:t>Класове и обекти и списъци</a:t>
+              <a:t>Класове, обекти и списъци</a:t>
             </a:r>
             <a:endParaRPr lang="en-US" dirty="0"/>
-          </a:p>
-        </p:txBody>
-      </p:sp>
-      <p:sp>
-        <p:nvSpPr>
-          <p:cNvPr id="7" name="Text Placeholder 6"/>
-          <p:cNvSpPr>
-            <a:spLocks noGrp="1"/>
-          </p:cNvSpPr>
-          <p:nvPr>
-            <p:ph type="body" sz="quarter" idx="17"/>
-          </p:nvPr>
-        </p:nvSpPr>
-        <p:spPr/>
-        <p:txBody>
-          <a:bodyPr/>
-          <a:lstStyle/>
-          <a:p>
-            <a:r>
-              <a:rPr lang="en-US" dirty="0"/>
-              <a:t>Software University</a:t>
-            </a:r>
-          </a:p>
-        </p:txBody>
-      </p:sp>
-      <p:sp>
-        <p:nvSpPr>
-          <p:cNvPr id="8" name="Text Placeholder 7"/>
-          <p:cNvSpPr>
-            <a:spLocks noGrp="1"/>
-          </p:cNvSpPr>
-          <p:nvPr>
-            <p:ph type="body" sz="quarter" idx="18"/>
-          </p:nvPr>
-        </p:nvSpPr>
-        <p:spPr/>
-        <p:txBody>
-          <a:bodyPr/>
-          <a:lstStyle/>
-          <a:p>
-            <a:r>
-              <a:rPr lang="en-US" dirty="0">
-                <a:hlinkClick r:id="rId3"/>
-              </a:rPr>
-              <a:t>https://about.softuni.bg/</a:t>
-            </a:r>
-            <a:endParaRPr lang="en-US" dirty="0"/>
-          </a:p>
-        </p:txBody>
-      </p:sp>
-      <p:sp>
-        <p:nvSpPr>
-          <p:cNvPr id="11" name="Text Placeholder 10"/>
-          <p:cNvSpPr>
-            <a:spLocks noGrp="1"/>
-          </p:cNvSpPr>
-          <p:nvPr>
-            <p:ph type="body" sz="quarter" idx="19"/>
-          </p:nvPr>
-        </p:nvSpPr>
-        <p:spPr/>
-        <p:txBody>
-          <a:bodyPr/>
-          <a:lstStyle/>
-          <a:p>
-            <a:r>
-              <a:rPr lang="en-US" dirty="0"/>
-              <a:t>SoftUni Team</a:t>
-            </a:r>
-          </a:p>
-        </p:txBody>
-      </p:sp>
-      <p:sp>
-        <p:nvSpPr>
-          <p:cNvPr id="12" name="Text Placeholder 11"/>
-          <p:cNvSpPr>
-            <a:spLocks noGrp="1"/>
-          </p:cNvSpPr>
-          <p:nvPr>
-            <p:ph type="body" sz="quarter" idx="20"/>
-          </p:nvPr>
-        </p:nvSpPr>
-        <p:spPr>
-          <a:xfrm>
-            <a:off x="554525" y="5335991"/>
-            <a:ext cx="2979920" cy="460061"/>
-          </a:xfrm>
-        </p:spPr>
-        <p:txBody>
-          <a:bodyPr/>
-          <a:lstStyle/>
-          <a:p>
-            <a:r>
-              <a:rPr lang="en-US" dirty="0"/>
-              <a:t>Technical Trainers</a:t>
-            </a:r>
           </a:p>
         </p:txBody>
       </p:sp>
       <p:pic>
         <p:nvPicPr>
-          <p:cNvPr id="1026" name="Picture 2" descr="https://miro.medium.com/max/630/0*sJcCz-q5pIZbgmsK.png"/>
+          <p:cNvPr id="8" name="Picture 7" descr="A green and blue rectangular sign with white text&#10;&#10;Description automatically generated">
+            <a:extLst>
+              <a:ext uri="{FF2B5EF4-FFF2-40B4-BE49-F238E27FC236}">
+                <a16:creationId xmlns:a16="http://schemas.microsoft.com/office/drawing/2014/main" id="{75312D09-226E-6C55-27BB-461591B94F24}"/>
+              </a:ext>
+            </a:extLst>
+          </p:cNvPr>
+          <p:cNvPicPr>
+            <a:picLocks noChangeAspect="1"/>
+          </p:cNvPicPr>
+          <p:nvPr/>
+        </p:nvPicPr>
+        <p:blipFill>
+          <a:blip r:embed="rId4">
+            <a:extLst>
+              <a:ext uri="{28A0092B-C50C-407E-A947-70E740481C1C}">
+                <a14:useLocalDpi xmlns:a14="http://schemas.microsoft.com/office/drawing/2010/main" val="0"/>
+              </a:ext>
+            </a:extLst>
+          </a:blip>
+          <a:stretch>
+            <a:fillRect/>
+          </a:stretch>
+        </p:blipFill>
+        <p:spPr>
+          <a:xfrm>
+            <a:off x="449311" y="2980813"/>
+            <a:ext cx="1956689" cy="988187"/>
+          </a:xfrm>
+          <a:prstGeom prst="rect">
+            <a:avLst/>
+          </a:prstGeom>
+        </p:spPr>
+      </p:pic>
+      <p:pic>
+        <p:nvPicPr>
+          <p:cNvPr id="3" name="Picture 2" descr="https://miro.medium.com/max/630/0*sJcCz-q5pIZbgmsK.png">
+            <a:extLst>
+              <a:ext uri="{FF2B5EF4-FFF2-40B4-BE49-F238E27FC236}">
+                <a16:creationId xmlns:a16="http://schemas.microsoft.com/office/drawing/2014/main" id="{F4DABAB0-653F-1C88-401A-B1F47EEBF785}"/>
+              </a:ext>
+            </a:extLst>
+          </p:cNvPr>
           <p:cNvPicPr>
             <a:picLocks noChangeAspect="1" noChangeArrowheads="1"/>
           </p:cNvPicPr>
           <p:nvPr/>
         </p:nvPicPr>
         <p:blipFill>
-          <a:blip r:embed="rId4">
+          <a:blip r:embed="rId5">
             <a:clrChange>
               <a:clrFrom>
                 <a:srgbClr val="FFFFFF"/>
@@ -9421,8 +8199,8 @@
         </p:blipFill>
         <p:spPr bwMode="auto">
           <a:xfrm>
-            <a:off x="3306000" y="1444585"/>
-            <a:ext cx="5156992" cy="3634452"/>
+            <a:off x="8158116" y="2576912"/>
+            <a:ext cx="3465000" cy="2442000"/>
           </a:xfrm>
           <a:prstGeom prst="rect">
             <a:avLst/>
@@ -9439,10 +8217,38 @@
           </a:extLst>
         </p:spPr>
       </p:pic>
+      <p:sp>
+        <p:nvSpPr>
+          <p:cNvPr id="4" name="Subtitle 3">
+            <a:extLst>
+              <a:ext uri="{FF2B5EF4-FFF2-40B4-BE49-F238E27FC236}">
+                <a16:creationId xmlns:a16="http://schemas.microsoft.com/office/drawing/2014/main" id="{7786D22C-6CEB-7D50-2BF7-5D3640609FCB}"/>
+              </a:ext>
+            </a:extLst>
+          </p:cNvPr>
+          <p:cNvSpPr>
+            <a:spLocks noGrp="1"/>
+          </p:cNvSpPr>
+          <p:nvPr>
+            <p:ph type="subTitle" idx="1"/>
+          </p:nvPr>
+        </p:nvSpPr>
+        <p:spPr/>
+        <p:txBody>
+          <a:bodyPr/>
+          <a:lstStyle/>
+          <a:p>
+            <a:r>
+              <a:rPr lang="bg-BG" dirty="0"/>
+              <a:t>Множество конструктори, списъци от обекти</a:t>
+            </a:r>
+          </a:p>
+        </p:txBody>
+      </p:sp>
     </p:spTree>
     <p:extLst>
       <p:ext uri="{BB962C8B-B14F-4D97-AF65-F5344CB8AC3E}">
-        <p14:creationId xmlns:p14="http://schemas.microsoft.com/office/powerpoint/2010/main" val="1379317436"/>
+        <p14:creationId xmlns:p14="http://schemas.microsoft.com/office/powerpoint/2010/main" val="2637781195"/>
       </p:ext>
     </p:extLst>
   </p:cSld>
@@ -10080,136 +8886,6 @@
               </a:rPr>
               <a:t>  Console.WriteLine(name);</a:t>
             </a:r>
-          </a:p>
-        </p:txBody>
-      </p:sp>
-      <p:sp>
-        <p:nvSpPr>
-          <p:cNvPr id="6" name="Slide Number">
-            <a:extLst>
-              <a:ext uri="{FF2B5EF4-FFF2-40B4-BE49-F238E27FC236}">
-                <a16:creationId xmlns:a16="http://schemas.microsoft.com/office/drawing/2014/main" id="{DD2D1701-43CF-4C5D-9416-C61ABBB7B0DA}"/>
-              </a:ext>
-            </a:extLst>
-          </p:cNvPr>
-          <p:cNvSpPr txBox="1">
-            <a:spLocks/>
-          </p:cNvSpPr>
-          <p:nvPr/>
-        </p:nvSpPr>
-        <p:spPr>
-          <a:xfrm>
-            <a:off x="11753030" y="6507000"/>
-            <a:ext cx="367414" cy="297000"/>
-          </a:xfrm>
-          <a:prstGeom prst="rect">
-            <a:avLst/>
-          </a:prstGeom>
-        </p:spPr>
-        <p:txBody>
-          <a:bodyPr vert="horz" lIns="91440" tIns="45720" rIns="91440" bIns="45720" rtlCol="0" anchor="b"/>
-          <a:lstStyle>
-            <a:defPPr>
-              <a:defRPr lang="en-US"/>
-            </a:defPPr>
-            <a:lvl1pPr marL="0" algn="r" defTabSz="914400" rtl="0" eaLnBrk="1" latinLnBrk="0" hangingPunct="1">
-              <a:defRPr sz="1000" kern="1200">
-                <a:solidFill>
-                  <a:schemeClr val="tx1"/>
-                </a:solidFill>
-                <a:latin typeface="+mn-lt"/>
-                <a:ea typeface="+mn-ea"/>
-                <a:cs typeface="+mn-cs"/>
-              </a:defRPr>
-            </a:lvl1pPr>
-            <a:lvl2pPr marL="457200" algn="l" defTabSz="914400" rtl="0" eaLnBrk="1" latinLnBrk="0" hangingPunct="1">
-              <a:defRPr sz="1800" kern="1200">
-                <a:solidFill>
-                  <a:schemeClr val="tx1"/>
-                </a:solidFill>
-                <a:latin typeface="+mn-lt"/>
-                <a:ea typeface="+mn-ea"/>
-                <a:cs typeface="+mn-cs"/>
-              </a:defRPr>
-            </a:lvl2pPr>
-            <a:lvl3pPr marL="914400" algn="l" defTabSz="914400" rtl="0" eaLnBrk="1" latinLnBrk="0" hangingPunct="1">
-              <a:defRPr sz="1800" kern="1200">
-                <a:solidFill>
-                  <a:schemeClr val="tx1"/>
-                </a:solidFill>
-                <a:latin typeface="+mn-lt"/>
-                <a:ea typeface="+mn-ea"/>
-                <a:cs typeface="+mn-cs"/>
-              </a:defRPr>
-            </a:lvl3pPr>
-            <a:lvl4pPr marL="1371600" algn="l" defTabSz="914400" rtl="0" eaLnBrk="1" latinLnBrk="0" hangingPunct="1">
-              <a:defRPr sz="1800" kern="1200">
-                <a:solidFill>
-                  <a:schemeClr val="tx1"/>
-                </a:solidFill>
-                <a:latin typeface="+mn-lt"/>
-                <a:ea typeface="+mn-ea"/>
-                <a:cs typeface="+mn-cs"/>
-              </a:defRPr>
-            </a:lvl4pPr>
-            <a:lvl5pPr marL="1828800" algn="l" defTabSz="914400" rtl="0" eaLnBrk="1" latinLnBrk="0" hangingPunct="1">
-              <a:defRPr sz="1800" kern="1200">
-                <a:solidFill>
-                  <a:schemeClr val="tx1"/>
-                </a:solidFill>
-                <a:latin typeface="+mn-lt"/>
-                <a:ea typeface="+mn-ea"/>
-                <a:cs typeface="+mn-cs"/>
-              </a:defRPr>
-            </a:lvl5pPr>
-            <a:lvl6pPr marL="2286000" algn="l" defTabSz="914400" rtl="0" eaLnBrk="1" latinLnBrk="0" hangingPunct="1">
-              <a:defRPr sz="1800" kern="1200">
-                <a:solidFill>
-                  <a:schemeClr val="tx1"/>
-                </a:solidFill>
-                <a:latin typeface="+mn-lt"/>
-                <a:ea typeface="+mn-ea"/>
-                <a:cs typeface="+mn-cs"/>
-              </a:defRPr>
-            </a:lvl6pPr>
-            <a:lvl7pPr marL="2743200" algn="l" defTabSz="914400" rtl="0" eaLnBrk="1" latinLnBrk="0" hangingPunct="1">
-              <a:defRPr sz="1800" kern="1200">
-                <a:solidFill>
-                  <a:schemeClr val="tx1"/>
-                </a:solidFill>
-                <a:latin typeface="+mn-lt"/>
-                <a:ea typeface="+mn-ea"/>
-                <a:cs typeface="+mn-cs"/>
-              </a:defRPr>
-            </a:lvl7pPr>
-            <a:lvl8pPr marL="3200400" algn="l" defTabSz="914400" rtl="0" eaLnBrk="1" latinLnBrk="0" hangingPunct="1">
-              <a:defRPr sz="1800" kern="1200">
-                <a:solidFill>
-                  <a:schemeClr val="tx1"/>
-                </a:solidFill>
-                <a:latin typeface="+mn-lt"/>
-                <a:ea typeface="+mn-ea"/>
-                <a:cs typeface="+mn-cs"/>
-              </a:defRPr>
-            </a:lvl8pPr>
-            <a:lvl9pPr marL="3657600" algn="l" defTabSz="914400" rtl="0" eaLnBrk="1" latinLnBrk="0" hangingPunct="1">
-              <a:defRPr sz="1800" kern="1200">
-                <a:solidFill>
-                  <a:schemeClr val="tx1"/>
-                </a:solidFill>
-                <a:latin typeface="+mn-lt"/>
-                <a:ea typeface="+mn-ea"/>
-                <a:cs typeface="+mn-cs"/>
-              </a:defRPr>
-            </a:lvl9pPr>
-          </a:lstStyle>
-          <a:p>
-            <a:fld id="{2BF067CD-8E6B-4360-9AA8-C5DF2A48A6D1}" type="slidenum">
-              <a:rPr lang="en-US" smtClean="0"/>
-              <a:pPr/>
-              <a:t>10</a:t>
-            </a:fld>
-            <a:endParaRPr lang="en-US" dirty="0"/>
           </a:p>
         </p:txBody>
       </p:sp>
@@ -10613,10 +9289,140 @@
           </p:txBody>
         </p:sp>
       </p:grpSp>
+      <p:sp>
+        <p:nvSpPr>
+          <p:cNvPr id="10" name="Slide Number">
+            <a:extLst>
+              <a:ext uri="{FF2B5EF4-FFF2-40B4-BE49-F238E27FC236}">
+                <a16:creationId xmlns:a16="http://schemas.microsoft.com/office/drawing/2014/main" id="{7DBE6E53-F465-DB7B-CE75-65D47DE0D95E}"/>
+              </a:ext>
+            </a:extLst>
+          </p:cNvPr>
+          <p:cNvSpPr txBox="1">
+            <a:spLocks/>
+          </p:cNvSpPr>
+          <p:nvPr/>
+        </p:nvSpPr>
+        <p:spPr>
+          <a:xfrm>
+            <a:off x="11753030" y="6507000"/>
+            <a:ext cx="367414" cy="297000"/>
+          </a:xfrm>
+          <a:prstGeom prst="rect">
+            <a:avLst/>
+          </a:prstGeom>
+        </p:spPr>
+        <p:txBody>
+          <a:bodyPr vert="horz" lIns="91440" tIns="45720" rIns="91440" bIns="45720" rtlCol="0" anchor="b"/>
+          <a:lstStyle>
+            <a:defPPr>
+              <a:defRPr lang="en-US"/>
+            </a:defPPr>
+            <a:lvl1pPr marL="0" algn="r" defTabSz="914400" rtl="0" eaLnBrk="1" latinLnBrk="0" hangingPunct="1">
+              <a:defRPr sz="1000" kern="1200">
+                <a:solidFill>
+                  <a:schemeClr val="tx1"/>
+                </a:solidFill>
+                <a:latin typeface="+mn-lt"/>
+                <a:ea typeface="+mn-ea"/>
+                <a:cs typeface="+mn-cs"/>
+              </a:defRPr>
+            </a:lvl1pPr>
+            <a:lvl2pPr marL="457200" algn="l" defTabSz="914400" rtl="0" eaLnBrk="1" latinLnBrk="0" hangingPunct="1">
+              <a:defRPr sz="1800" kern="1200">
+                <a:solidFill>
+                  <a:schemeClr val="tx1"/>
+                </a:solidFill>
+                <a:latin typeface="+mn-lt"/>
+                <a:ea typeface="+mn-ea"/>
+                <a:cs typeface="+mn-cs"/>
+              </a:defRPr>
+            </a:lvl2pPr>
+            <a:lvl3pPr marL="914400" algn="l" defTabSz="914400" rtl="0" eaLnBrk="1" latinLnBrk="0" hangingPunct="1">
+              <a:defRPr sz="1800" kern="1200">
+                <a:solidFill>
+                  <a:schemeClr val="tx1"/>
+                </a:solidFill>
+                <a:latin typeface="+mn-lt"/>
+                <a:ea typeface="+mn-ea"/>
+                <a:cs typeface="+mn-cs"/>
+              </a:defRPr>
+            </a:lvl3pPr>
+            <a:lvl4pPr marL="1371600" algn="l" defTabSz="914400" rtl="0" eaLnBrk="1" latinLnBrk="0" hangingPunct="1">
+              <a:defRPr sz="1800" kern="1200">
+                <a:solidFill>
+                  <a:schemeClr val="tx1"/>
+                </a:solidFill>
+                <a:latin typeface="+mn-lt"/>
+                <a:ea typeface="+mn-ea"/>
+                <a:cs typeface="+mn-cs"/>
+              </a:defRPr>
+            </a:lvl4pPr>
+            <a:lvl5pPr marL="1828800" algn="l" defTabSz="914400" rtl="0" eaLnBrk="1" latinLnBrk="0" hangingPunct="1">
+              <a:defRPr sz="1800" kern="1200">
+                <a:solidFill>
+                  <a:schemeClr val="tx1"/>
+                </a:solidFill>
+                <a:latin typeface="+mn-lt"/>
+                <a:ea typeface="+mn-ea"/>
+                <a:cs typeface="+mn-cs"/>
+              </a:defRPr>
+            </a:lvl5pPr>
+            <a:lvl6pPr marL="2286000" algn="l" defTabSz="914400" rtl="0" eaLnBrk="1" latinLnBrk="0" hangingPunct="1">
+              <a:defRPr sz="1800" kern="1200">
+                <a:solidFill>
+                  <a:schemeClr val="tx1"/>
+                </a:solidFill>
+                <a:latin typeface="+mn-lt"/>
+                <a:ea typeface="+mn-ea"/>
+                <a:cs typeface="+mn-cs"/>
+              </a:defRPr>
+            </a:lvl6pPr>
+            <a:lvl7pPr marL="2743200" algn="l" defTabSz="914400" rtl="0" eaLnBrk="1" latinLnBrk="0" hangingPunct="1">
+              <a:defRPr sz="1800" kern="1200">
+                <a:solidFill>
+                  <a:schemeClr val="tx1"/>
+                </a:solidFill>
+                <a:latin typeface="+mn-lt"/>
+                <a:ea typeface="+mn-ea"/>
+                <a:cs typeface="+mn-cs"/>
+              </a:defRPr>
+            </a:lvl7pPr>
+            <a:lvl8pPr marL="3200400" algn="l" defTabSz="914400" rtl="0" eaLnBrk="1" latinLnBrk="0" hangingPunct="1">
+              <a:defRPr sz="1800" kern="1200">
+                <a:solidFill>
+                  <a:schemeClr val="tx1"/>
+                </a:solidFill>
+                <a:latin typeface="+mn-lt"/>
+                <a:ea typeface="+mn-ea"/>
+                <a:cs typeface="+mn-cs"/>
+              </a:defRPr>
+            </a:lvl8pPr>
+            <a:lvl9pPr marL="3657600" algn="l" defTabSz="914400" rtl="0" eaLnBrk="1" latinLnBrk="0" hangingPunct="1">
+              <a:defRPr sz="1800" kern="1200">
+                <a:solidFill>
+                  <a:schemeClr val="tx1"/>
+                </a:solidFill>
+                <a:latin typeface="+mn-lt"/>
+                <a:ea typeface="+mn-ea"/>
+                <a:cs typeface="+mn-cs"/>
+              </a:defRPr>
+            </a:lvl9pPr>
+          </a:lstStyle>
+          <a:p>
+            <a:fld id="{2BF067CD-8E6B-4360-9AA8-C5DF2A48A6D1}" type="slidenum">
+              <a:rPr lang="en-US" smtClean="0"/>
+              <a:pPr/>
+              <a:t>10</a:t>
+            </a:fld>
+            <a:endParaRPr lang="en-US" dirty="0"/>
+          </a:p>
+        </p:txBody>
+      </p:sp>
     </p:spTree>
     <p:extLst>
       <p:ext uri="{BB962C8B-B14F-4D97-AF65-F5344CB8AC3E}">
-        <p14:creationId xmlns:p14="http://schemas.microsoft.com/office/powerpoint/2010/main" val="632337627"/>
+        <p14:creationId xmlns:p14="http://schemas.microsoft.com/office/powerpoint/2010/main" val="2260056112"/>
       </p:ext>
     </p:extLst>
   </p:cSld>
@@ -11376,10 +10182,10 @@
       </p:pic>
       <p:sp>
         <p:nvSpPr>
-          <p:cNvPr id="10" name="Slide Number">
+          <p:cNvPr id="4" name="Slide Number">
             <a:extLst>
               <a:ext uri="{FF2B5EF4-FFF2-40B4-BE49-F238E27FC236}">
-                <a16:creationId xmlns:a16="http://schemas.microsoft.com/office/drawing/2014/main" id="{6D364257-BE32-4CCC-90C9-95AE6FBD6999}"/>
+                <a16:creationId xmlns:a16="http://schemas.microsoft.com/office/drawing/2014/main" id="{9101B144-8F8A-35D5-F0B2-7D60A275DFFF}"/>
               </a:ext>
             </a:extLst>
           </p:cNvPr>
@@ -11419,7 +10225,7 @@
     </p:spTree>
     <p:extLst>
       <p:ext uri="{BB962C8B-B14F-4D97-AF65-F5344CB8AC3E}">
-        <p14:creationId xmlns:p14="http://schemas.microsoft.com/office/powerpoint/2010/main" val="3892256803"/>
+        <p14:creationId xmlns:p14="http://schemas.microsoft.com/office/powerpoint/2010/main" val="3507747743"/>
       </p:ext>
     </p:extLst>
   </p:cSld>
@@ -12381,17 +11187,19 @@
       </p:sp>
       <p:sp>
         <p:nvSpPr>
-          <p:cNvPr id="6" name="Slide Number">
+          <p:cNvPr id="2" name="Slide Number">
             <a:extLst>
               <a:ext uri="{FF2B5EF4-FFF2-40B4-BE49-F238E27FC236}">
-                <a16:creationId xmlns:a16="http://schemas.microsoft.com/office/drawing/2014/main" id="{DD2D1701-43CF-4C5D-9416-C61ABBB7B0DA}"/>
+                <a16:creationId xmlns:a16="http://schemas.microsoft.com/office/drawing/2014/main" id="{E07938BB-9E8F-F712-B7BA-72ED33F84614}"/>
               </a:ext>
             </a:extLst>
           </p:cNvPr>
-          <p:cNvSpPr txBox="1">
-            <a:spLocks/>
+          <p:cNvSpPr>
+            <a:spLocks noGrp="1"/>
           </p:cNvSpPr>
-          <p:nvPr/>
+          <p:nvPr>
+            <p:ph type="sldNum" sz="quarter" idx="5"/>
+          </p:nvPr>
         </p:nvSpPr>
         <p:spPr>
           <a:xfrm>
@@ -12405,114 +11213,24 @@
         <p:txBody>
           <a:bodyPr vert="horz" lIns="91440" tIns="45720" rIns="91440" bIns="45720" rtlCol="0" anchor="b"/>
           <a:lstStyle>
-            <a:defPPr>
-              <a:defRPr lang="en-US"/>
-            </a:defPPr>
-            <a:lvl1pPr marL="0" algn="r" defTabSz="914400" rtl="0" eaLnBrk="1" latinLnBrk="0" hangingPunct="1">
-              <a:defRPr sz="1000" kern="1200">
-                <a:solidFill>
-                  <a:schemeClr val="tx1"/>
-                </a:solidFill>
-                <a:latin typeface="+mn-lt"/>
-                <a:ea typeface="+mn-ea"/>
-                <a:cs typeface="+mn-cs"/>
-              </a:defRPr>
+            <a:lvl1pPr algn="r">
+              <a:defRPr sz="1000"/>
             </a:lvl1pPr>
-            <a:lvl2pPr marL="457200" algn="l" defTabSz="914400" rtl="0" eaLnBrk="1" latinLnBrk="0" hangingPunct="1">
-              <a:defRPr sz="1800" kern="1200">
-                <a:solidFill>
-                  <a:schemeClr val="tx1"/>
-                </a:solidFill>
-                <a:latin typeface="+mn-lt"/>
-                <a:ea typeface="+mn-ea"/>
-                <a:cs typeface="+mn-cs"/>
-              </a:defRPr>
-            </a:lvl2pPr>
-            <a:lvl3pPr marL="914400" algn="l" defTabSz="914400" rtl="0" eaLnBrk="1" latinLnBrk="0" hangingPunct="1">
-              <a:defRPr sz="1800" kern="1200">
-                <a:solidFill>
-                  <a:schemeClr val="tx1"/>
-                </a:solidFill>
-                <a:latin typeface="+mn-lt"/>
-                <a:ea typeface="+mn-ea"/>
-                <a:cs typeface="+mn-cs"/>
-              </a:defRPr>
-            </a:lvl3pPr>
-            <a:lvl4pPr marL="1371600" algn="l" defTabSz="914400" rtl="0" eaLnBrk="1" latinLnBrk="0" hangingPunct="1">
-              <a:defRPr sz="1800" kern="1200">
-                <a:solidFill>
-                  <a:schemeClr val="tx1"/>
-                </a:solidFill>
-                <a:latin typeface="+mn-lt"/>
-                <a:ea typeface="+mn-ea"/>
-                <a:cs typeface="+mn-cs"/>
-              </a:defRPr>
-            </a:lvl4pPr>
-            <a:lvl5pPr marL="1828800" algn="l" defTabSz="914400" rtl="0" eaLnBrk="1" latinLnBrk="0" hangingPunct="1">
-              <a:defRPr sz="1800" kern="1200">
-                <a:solidFill>
-                  <a:schemeClr val="tx1"/>
-                </a:solidFill>
-                <a:latin typeface="+mn-lt"/>
-                <a:ea typeface="+mn-ea"/>
-                <a:cs typeface="+mn-cs"/>
-              </a:defRPr>
-            </a:lvl5pPr>
-            <a:lvl6pPr marL="2286000" algn="l" defTabSz="914400" rtl="0" eaLnBrk="1" latinLnBrk="0" hangingPunct="1">
-              <a:defRPr sz="1800" kern="1200">
-                <a:solidFill>
-                  <a:schemeClr val="tx1"/>
-                </a:solidFill>
-                <a:latin typeface="+mn-lt"/>
-                <a:ea typeface="+mn-ea"/>
-                <a:cs typeface="+mn-cs"/>
-              </a:defRPr>
-            </a:lvl6pPr>
-            <a:lvl7pPr marL="2743200" algn="l" defTabSz="914400" rtl="0" eaLnBrk="1" latinLnBrk="0" hangingPunct="1">
-              <a:defRPr sz="1800" kern="1200">
-                <a:solidFill>
-                  <a:schemeClr val="tx1"/>
-                </a:solidFill>
-                <a:latin typeface="+mn-lt"/>
-                <a:ea typeface="+mn-ea"/>
-                <a:cs typeface="+mn-cs"/>
-              </a:defRPr>
-            </a:lvl7pPr>
-            <a:lvl8pPr marL="3200400" algn="l" defTabSz="914400" rtl="0" eaLnBrk="1" latinLnBrk="0" hangingPunct="1">
-              <a:defRPr sz="1800" kern="1200">
-                <a:solidFill>
-                  <a:schemeClr val="tx1"/>
-                </a:solidFill>
-                <a:latin typeface="+mn-lt"/>
-                <a:ea typeface="+mn-ea"/>
-                <a:cs typeface="+mn-cs"/>
-              </a:defRPr>
-            </a:lvl8pPr>
-            <a:lvl9pPr marL="3657600" algn="l" defTabSz="914400" rtl="0" eaLnBrk="1" latinLnBrk="0" hangingPunct="1">
-              <a:defRPr sz="1800" kern="1200">
-                <a:solidFill>
-                  <a:schemeClr val="tx1"/>
-                </a:solidFill>
-                <a:latin typeface="+mn-lt"/>
-                <a:ea typeface="+mn-ea"/>
-                <a:cs typeface="+mn-cs"/>
-              </a:defRPr>
-            </a:lvl9pPr>
           </a:lstStyle>
           <a:p>
             <a:fld id="{2BF067CD-8E6B-4360-9AA8-C5DF2A48A6D1}" type="slidenum">
-              <a:rPr lang="en-US" smtClean="0"/>
+              <a:rPr lang="en-US" noProof="0" smtClean="0"/>
               <a:pPr/>
               <a:t>12</a:t>
             </a:fld>
-            <a:endParaRPr lang="en-US" dirty="0"/>
+            <a:endParaRPr lang="en-US" noProof="0" dirty="0"/>
           </a:p>
         </p:txBody>
       </p:sp>
     </p:spTree>
     <p:extLst>
       <p:ext uri="{BB962C8B-B14F-4D97-AF65-F5344CB8AC3E}">
-        <p14:creationId xmlns:p14="http://schemas.microsoft.com/office/powerpoint/2010/main" val="106818180"/>
+        <p14:creationId xmlns:p14="http://schemas.microsoft.com/office/powerpoint/2010/main" val="115852172"/>
       </p:ext>
     </p:extLst>
   </p:cSld>
@@ -13404,17 +12122,19 @@
       </p:sp>
       <p:sp>
         <p:nvSpPr>
-          <p:cNvPr id="6" name="Slide Number">
+          <p:cNvPr id="2" name="Slide Number">
             <a:extLst>
               <a:ext uri="{FF2B5EF4-FFF2-40B4-BE49-F238E27FC236}">
-                <a16:creationId xmlns:a16="http://schemas.microsoft.com/office/drawing/2014/main" id="{DD2D1701-43CF-4C5D-9416-C61ABBB7B0DA}"/>
+                <a16:creationId xmlns:a16="http://schemas.microsoft.com/office/drawing/2014/main" id="{A440AAA1-8720-2009-7EA7-12FF76CB3596}"/>
               </a:ext>
             </a:extLst>
           </p:cNvPr>
-          <p:cNvSpPr txBox="1">
-            <a:spLocks/>
+          <p:cNvSpPr>
+            <a:spLocks noGrp="1"/>
           </p:cNvSpPr>
-          <p:nvPr/>
+          <p:nvPr>
+            <p:ph type="sldNum" sz="quarter" idx="5"/>
+          </p:nvPr>
         </p:nvSpPr>
         <p:spPr>
           <a:xfrm>
@@ -13428,114 +12148,24 @@
         <p:txBody>
           <a:bodyPr vert="horz" lIns="91440" tIns="45720" rIns="91440" bIns="45720" rtlCol="0" anchor="b"/>
           <a:lstStyle>
-            <a:defPPr>
-              <a:defRPr lang="en-US"/>
-            </a:defPPr>
-            <a:lvl1pPr marL="0" algn="r" defTabSz="914400" rtl="0" eaLnBrk="1" latinLnBrk="0" hangingPunct="1">
-              <a:defRPr sz="1000" kern="1200">
-                <a:solidFill>
-                  <a:schemeClr val="tx1"/>
-                </a:solidFill>
-                <a:latin typeface="+mn-lt"/>
-                <a:ea typeface="+mn-ea"/>
-                <a:cs typeface="+mn-cs"/>
-              </a:defRPr>
+            <a:lvl1pPr algn="r">
+              <a:defRPr sz="1000"/>
             </a:lvl1pPr>
-            <a:lvl2pPr marL="457200" algn="l" defTabSz="914400" rtl="0" eaLnBrk="1" latinLnBrk="0" hangingPunct="1">
-              <a:defRPr sz="1800" kern="1200">
-                <a:solidFill>
-                  <a:schemeClr val="tx1"/>
-                </a:solidFill>
-                <a:latin typeface="+mn-lt"/>
-                <a:ea typeface="+mn-ea"/>
-                <a:cs typeface="+mn-cs"/>
-              </a:defRPr>
-            </a:lvl2pPr>
-            <a:lvl3pPr marL="914400" algn="l" defTabSz="914400" rtl="0" eaLnBrk="1" latinLnBrk="0" hangingPunct="1">
-              <a:defRPr sz="1800" kern="1200">
-                <a:solidFill>
-                  <a:schemeClr val="tx1"/>
-                </a:solidFill>
-                <a:latin typeface="+mn-lt"/>
-                <a:ea typeface="+mn-ea"/>
-                <a:cs typeface="+mn-cs"/>
-              </a:defRPr>
-            </a:lvl3pPr>
-            <a:lvl4pPr marL="1371600" algn="l" defTabSz="914400" rtl="0" eaLnBrk="1" latinLnBrk="0" hangingPunct="1">
-              <a:defRPr sz="1800" kern="1200">
-                <a:solidFill>
-                  <a:schemeClr val="tx1"/>
-                </a:solidFill>
-                <a:latin typeface="+mn-lt"/>
-                <a:ea typeface="+mn-ea"/>
-                <a:cs typeface="+mn-cs"/>
-              </a:defRPr>
-            </a:lvl4pPr>
-            <a:lvl5pPr marL="1828800" algn="l" defTabSz="914400" rtl="0" eaLnBrk="1" latinLnBrk="0" hangingPunct="1">
-              <a:defRPr sz="1800" kern="1200">
-                <a:solidFill>
-                  <a:schemeClr val="tx1"/>
-                </a:solidFill>
-                <a:latin typeface="+mn-lt"/>
-                <a:ea typeface="+mn-ea"/>
-                <a:cs typeface="+mn-cs"/>
-              </a:defRPr>
-            </a:lvl5pPr>
-            <a:lvl6pPr marL="2286000" algn="l" defTabSz="914400" rtl="0" eaLnBrk="1" latinLnBrk="0" hangingPunct="1">
-              <a:defRPr sz="1800" kern="1200">
-                <a:solidFill>
-                  <a:schemeClr val="tx1"/>
-                </a:solidFill>
-                <a:latin typeface="+mn-lt"/>
-                <a:ea typeface="+mn-ea"/>
-                <a:cs typeface="+mn-cs"/>
-              </a:defRPr>
-            </a:lvl6pPr>
-            <a:lvl7pPr marL="2743200" algn="l" defTabSz="914400" rtl="0" eaLnBrk="1" latinLnBrk="0" hangingPunct="1">
-              <a:defRPr sz="1800" kern="1200">
-                <a:solidFill>
-                  <a:schemeClr val="tx1"/>
-                </a:solidFill>
-                <a:latin typeface="+mn-lt"/>
-                <a:ea typeface="+mn-ea"/>
-                <a:cs typeface="+mn-cs"/>
-              </a:defRPr>
-            </a:lvl7pPr>
-            <a:lvl8pPr marL="3200400" algn="l" defTabSz="914400" rtl="0" eaLnBrk="1" latinLnBrk="0" hangingPunct="1">
-              <a:defRPr sz="1800" kern="1200">
-                <a:solidFill>
-                  <a:schemeClr val="tx1"/>
-                </a:solidFill>
-                <a:latin typeface="+mn-lt"/>
-                <a:ea typeface="+mn-ea"/>
-                <a:cs typeface="+mn-cs"/>
-              </a:defRPr>
-            </a:lvl8pPr>
-            <a:lvl9pPr marL="3657600" algn="l" defTabSz="914400" rtl="0" eaLnBrk="1" latinLnBrk="0" hangingPunct="1">
-              <a:defRPr sz="1800" kern="1200">
-                <a:solidFill>
-                  <a:schemeClr val="tx1"/>
-                </a:solidFill>
-                <a:latin typeface="+mn-lt"/>
-                <a:ea typeface="+mn-ea"/>
-                <a:cs typeface="+mn-cs"/>
-              </a:defRPr>
-            </a:lvl9pPr>
           </a:lstStyle>
           <a:p>
             <a:fld id="{2BF067CD-8E6B-4360-9AA8-C5DF2A48A6D1}" type="slidenum">
-              <a:rPr lang="en-US" smtClean="0"/>
+              <a:rPr lang="en-US" noProof="0" smtClean="0"/>
               <a:pPr/>
               <a:t>13</a:t>
             </a:fld>
-            <a:endParaRPr lang="en-US" dirty="0"/>
+            <a:endParaRPr lang="en-US" noProof="0" dirty="0"/>
           </a:p>
         </p:txBody>
       </p:sp>
     </p:spTree>
     <p:extLst>
       <p:ext uri="{BB962C8B-B14F-4D97-AF65-F5344CB8AC3E}">
-        <p14:creationId xmlns:p14="http://schemas.microsoft.com/office/powerpoint/2010/main" val="1072598040"/>
+        <p14:creationId xmlns:p14="http://schemas.microsoft.com/office/powerpoint/2010/main" val="3181838257"/>
       </p:ext>
     </p:extLst>
   </p:cSld>
@@ -14165,10 +12795,10 @@
       </p:sp>
       <p:sp>
         <p:nvSpPr>
-          <p:cNvPr id="6" name="Slide Number">
+          <p:cNvPr id="2" name="Slide Number">
             <a:extLst>
               <a:ext uri="{FF2B5EF4-FFF2-40B4-BE49-F238E27FC236}">
-                <a16:creationId xmlns:a16="http://schemas.microsoft.com/office/drawing/2014/main" id="{5A1539A2-D6E7-4CBC-BF16-65E6C8C7163E}"/>
+                <a16:creationId xmlns:a16="http://schemas.microsoft.com/office/drawing/2014/main" id="{35D49E58-CC17-3E52-D4D7-B8EFF52A095F}"/>
               </a:ext>
             </a:extLst>
           </p:cNvPr>
@@ -14208,7 +12838,7 @@
     </p:spTree>
     <p:extLst>
       <p:ext uri="{BB962C8B-B14F-4D97-AF65-F5344CB8AC3E}">
-        <p14:creationId xmlns:p14="http://schemas.microsoft.com/office/powerpoint/2010/main" val="875389688"/>
+        <p14:creationId xmlns:p14="http://schemas.microsoft.com/office/powerpoint/2010/main" val="3568154070"/>
       </p:ext>
     </p:extLst>
   </p:cSld>
@@ -15066,13 +13696,24 @@
             <a:r>
               <a:rPr lang="bg-BG" sz="3900" b="1" dirty="0">
                 <a:solidFill>
+                  <a:schemeClr val="accent1">
+                    <a:lumMod val="60000"/>
+                    <a:lumOff val="40000"/>
+                  </a:schemeClr>
+                </a:solidFill>
+              </a:rPr>
+              <a:t>инстанцииране</a:t>
+            </a:r>
+            <a:r>
+              <a:rPr lang="bg-BG" sz="3900" b="1" dirty="0">
+                <a:solidFill>
                   <a:schemeClr val="bg1">
                     <a:lumMod val="60000"/>
                     <a:lumOff val="40000"/>
                   </a:schemeClr>
                 </a:solidFill>
               </a:rPr>
-              <a:t>инстанцииране </a:t>
+              <a:t> </a:t>
             </a:r>
             <a:r>
               <a:rPr lang="bg-BG" sz="3900" dirty="0">
@@ -15081,6 +13722,17 @@
                 </a:solidFill>
               </a:rPr>
               <a:t>на класа се създава </a:t>
+            </a:r>
+            <a:r>
+              <a:rPr lang="bg-BG" sz="3900" b="1" dirty="0">
+                <a:solidFill>
+                  <a:schemeClr val="accent1">
+                    <a:lumMod val="60000"/>
+                    <a:lumOff val="40000"/>
+                  </a:schemeClr>
+                </a:solidFill>
+              </a:rPr>
+              <a:t>референция</a:t>
             </a:r>
             <a:r>
               <a:rPr lang="bg-BG" sz="3900" b="1" dirty="0">
@@ -15091,7 +13743,7 @@
                   </a:schemeClr>
                 </a:solidFill>
               </a:rPr>
-              <a:t>референция </a:t>
+              <a:t> </a:t>
             </a:r>
             <a:r>
               <a:rPr lang="bg-BG" sz="3900" dirty="0">
@@ -15127,7 +13779,7 @@
             <a:r>
               <a:rPr lang="bg-BG" sz="3800" b="1" dirty="0">
                 <a:solidFill>
-                  <a:schemeClr val="bg1">
+                  <a:schemeClr val="accent1">
                     <a:lumMod val="60000"/>
                     <a:lumOff val="40000"/>
                   </a:schemeClr>
@@ -15166,13 +13818,24 @@
             <a:r>
               <a:rPr lang="bg-BG" sz="3600" b="1" dirty="0">
                 <a:solidFill>
+                  <a:schemeClr val="accent1">
+                    <a:lumMod val="60000"/>
+                    <a:lumOff val="40000"/>
+                  </a:schemeClr>
+                </a:solidFill>
+              </a:rPr>
+              <a:t>Създаване</a:t>
+            </a:r>
+            <a:r>
+              <a:rPr lang="bg-BG" sz="3600" b="1" dirty="0">
+                <a:solidFill>
                   <a:schemeClr val="bg1">
                     <a:lumMod val="60000"/>
                     <a:lumOff val="40000"/>
                   </a:schemeClr>
                 </a:solidFill>
               </a:rPr>
-              <a:t>Създаване </a:t>
+              <a:t> </a:t>
             </a:r>
             <a:r>
               <a:rPr lang="bg-BG" sz="3600" dirty="0">
@@ -15195,13 +13858,24 @@
             <a:r>
               <a:rPr lang="bg-BG" sz="3600" b="1" dirty="0">
                 <a:solidFill>
+                  <a:schemeClr val="accent1">
+                    <a:lumMod val="60000"/>
+                    <a:lumOff val="40000"/>
+                  </a:schemeClr>
+                </a:solidFill>
+              </a:rPr>
+              <a:t>Добавяне</a:t>
+            </a:r>
+            <a:r>
+              <a:rPr lang="bg-BG" sz="3600" b="1" dirty="0">
+                <a:solidFill>
                   <a:schemeClr val="bg1">
                     <a:lumMod val="60000"/>
                     <a:lumOff val="40000"/>
                   </a:schemeClr>
                 </a:solidFill>
               </a:rPr>
-              <a:t>Добавяне </a:t>
+              <a:t> </a:t>
             </a:r>
             <a:r>
               <a:rPr lang="bg-BG" sz="3600" dirty="0">
@@ -15214,7 +13888,7 @@
             <a:r>
               <a:rPr lang="bg-BG" sz="3600" b="1" dirty="0">
                 <a:solidFill>
-                  <a:schemeClr val="bg1">
+                  <a:schemeClr val="accent1">
                     <a:lumMod val="60000"/>
                     <a:lumOff val="40000"/>
                   </a:schemeClr>
@@ -15243,32 +13917,43 @@
             <a:r>
               <a:rPr lang="bg-BG" sz="3600" b="1" dirty="0">
                 <a:solidFill>
+                  <a:schemeClr val="accent1">
+                    <a:lumMod val="60000"/>
+                    <a:lumOff val="40000"/>
+                  </a:schemeClr>
+                </a:solidFill>
+              </a:rPr>
+              <a:t>Сортиране</a:t>
+            </a:r>
+            <a:r>
+              <a:rPr lang="bg-BG" sz="3600" dirty="0">
+                <a:solidFill>
+                  <a:schemeClr val="bg2"/>
+                </a:solidFill>
+              </a:rPr>
+              <a:t> и </a:t>
+            </a:r>
+            <a:r>
+              <a:rPr lang="bg-BG" sz="3600" b="1" dirty="0">
+                <a:solidFill>
+                  <a:schemeClr val="accent1">
+                    <a:lumMod val="60000"/>
+                    <a:lumOff val="40000"/>
+                  </a:schemeClr>
+                </a:solidFill>
+              </a:rPr>
+              <a:t>отпечатване</a:t>
+            </a:r>
+            <a:r>
+              <a:rPr lang="bg-BG" sz="3600" b="1" dirty="0">
+                <a:solidFill>
                   <a:schemeClr val="bg1">
                     <a:lumMod val="60000"/>
                     <a:lumOff val="40000"/>
                   </a:schemeClr>
                 </a:solidFill>
               </a:rPr>
-              <a:t>Сортиране</a:t>
-            </a:r>
-            <a:r>
-              <a:rPr lang="bg-BG" sz="3600" dirty="0">
-                <a:solidFill>
-                  <a:schemeClr val="bg2"/>
-                </a:solidFill>
-              </a:rPr>
-              <a:t> и </a:t>
-            </a:r>
-            <a:r>
-              <a:rPr lang="bg-BG" sz="3600" b="1" dirty="0">
-                <a:solidFill>
-                  <a:schemeClr val="bg1">
-                    <a:lumMod val="60000"/>
-                    <a:lumOff val="40000"/>
-                  </a:schemeClr>
-                </a:solidFill>
-              </a:rPr>
-              <a:t>отпечатване </a:t>
+              <a:t> </a:t>
             </a:r>
             <a:r>
               <a:rPr lang="bg-BG" sz="3600" dirty="0">
@@ -15283,10 +13968,10 @@
       </p:sp>
       <p:sp>
         <p:nvSpPr>
-          <p:cNvPr id="13" name="Slide Number">
+          <p:cNvPr id="2" name="Slide Number">
             <a:extLst>
               <a:ext uri="{FF2B5EF4-FFF2-40B4-BE49-F238E27FC236}">
-                <a16:creationId xmlns:a16="http://schemas.microsoft.com/office/drawing/2014/main" id="{DDF7888B-F1B3-45BC-A7B1-2A3F984CE2C0}"/>
+                <a16:creationId xmlns:a16="http://schemas.microsoft.com/office/drawing/2014/main" id="{B958285F-25E3-4E97-0C82-B0149AF5638F}"/>
               </a:ext>
             </a:extLst>
           </p:cNvPr>
@@ -15326,7 +14011,7 @@
     </p:spTree>
     <p:extLst>
       <p:ext uri="{BB962C8B-B14F-4D97-AF65-F5344CB8AC3E}">
-        <p14:creationId xmlns:p14="http://schemas.microsoft.com/office/powerpoint/2010/main" val="1024900031"/>
+        <p14:creationId xmlns:p14="http://schemas.microsoft.com/office/powerpoint/2010/main" val="2609108040"/>
       </p:ext>
     </p:extLst>
   </p:cSld>
@@ -15441,33 +14126,15 @@
                                   </p:childTnLst>
                                 </p:cTn>
                               </p:par>
-                            </p:childTnLst>
-                          </p:cTn>
-                        </p:par>
-                      </p:childTnLst>
-                    </p:cTn>
-                  </p:par>
-                  <p:par>
-                    <p:cTn id="11" fill="hold">
-                      <p:stCondLst>
-                        <p:cond delay="indefinite"/>
-                      </p:stCondLst>
-                      <p:childTnLst>
-                        <p:par>
-                          <p:cTn id="12" fill="hold">
-                            <p:stCondLst>
-                              <p:cond delay="0"/>
-                            </p:stCondLst>
-                            <p:childTnLst>
                               <p:par>
-                                <p:cTn id="13" presetID="1" presetClass="entr" presetSubtype="0" fill="hold" nodeType="clickEffect">
+                                <p:cTn id="11" presetID="1" presetClass="entr" presetSubtype="0" fill="hold" nodeType="withEffect">
                                   <p:stCondLst>
                                     <p:cond delay="0"/>
                                   </p:stCondLst>
                                   <p:childTnLst>
                                     <p:set>
                                       <p:cBhvr>
-                                        <p:cTn id="14" dur="1" fill="hold">
+                                        <p:cTn id="12" dur="1" fill="hold">
                                           <p:stCondLst>
                                             <p:cond delay="0"/>
                                           </p:stCondLst>
@@ -15497,26 +14164,26 @@
                     </p:cTn>
                   </p:par>
                   <p:par>
-                    <p:cTn id="15" fill="hold">
+                    <p:cTn id="13" fill="hold">
                       <p:stCondLst>
                         <p:cond delay="indefinite"/>
                       </p:stCondLst>
                       <p:childTnLst>
                         <p:par>
-                          <p:cTn id="16" fill="hold">
+                          <p:cTn id="14" fill="hold">
                             <p:stCondLst>
                               <p:cond delay="0"/>
                             </p:stCondLst>
                             <p:childTnLst>
                               <p:par>
-                                <p:cTn id="17" presetID="1" presetClass="entr" presetSubtype="0" fill="hold" nodeType="clickEffect">
+                                <p:cTn id="15" presetID="1" presetClass="entr" presetSubtype="0" fill="hold" nodeType="clickEffect">
                                   <p:stCondLst>
                                     <p:cond delay="0"/>
                                   </p:stCondLst>
                                   <p:childTnLst>
                                     <p:set>
                                       <p:cBhvr>
-                                        <p:cTn id="18" dur="1" fill="hold">
+                                        <p:cTn id="16" dur="1" fill="hold">
                                           <p:stCondLst>
                                             <p:cond delay="0"/>
                                           </p:stCondLst>
@@ -15546,26 +14213,26 @@
                     </p:cTn>
                   </p:par>
                   <p:par>
-                    <p:cTn id="19" fill="hold">
+                    <p:cTn id="17" fill="hold">
                       <p:stCondLst>
                         <p:cond delay="indefinite"/>
                       </p:stCondLst>
                       <p:childTnLst>
                         <p:par>
-                          <p:cTn id="20" fill="hold">
+                          <p:cTn id="18" fill="hold">
                             <p:stCondLst>
                               <p:cond delay="0"/>
                             </p:stCondLst>
                             <p:childTnLst>
                               <p:par>
-                                <p:cTn id="21" presetID="1" presetClass="entr" presetSubtype="0" fill="hold" nodeType="clickEffect">
+                                <p:cTn id="19" presetID="1" presetClass="entr" presetSubtype="0" fill="hold" nodeType="clickEffect">
                                   <p:stCondLst>
                                     <p:cond delay="0"/>
                                   </p:stCondLst>
                                   <p:childTnLst>
                                     <p:set>
                                       <p:cBhvr>
-                                        <p:cTn id="22" dur="1" fill="hold">
+                                        <p:cTn id="20" dur="1" fill="hold">
                                           <p:stCondLst>
                                             <p:cond delay="0"/>
                                           </p:stCondLst>
@@ -15658,29 +14325,140 @@
           <a:lstStyle/>
           <a:p>
             <a:r>
-              <a:rPr lang="bg-BG" sz="8800" dirty="0">
-                <a:solidFill>
-                  <a:srgbClr val="234465"/>
-                </a:solidFill>
-              </a:rPr>
+              <a:rPr lang="bg-BG" dirty="0"/>
               <a:t>Въпроси</a:t>
             </a:r>
             <a:r>
-              <a:rPr lang="en-US" sz="8800" dirty="0">
-                <a:solidFill>
-                  <a:srgbClr val="234465"/>
-                </a:solidFill>
-              </a:rPr>
+              <a:rPr lang="en-US" dirty="0"/>
               <a:t>?</a:t>
             </a:r>
-            <a:endParaRPr lang="en-US" sz="8800" dirty="0"/>
+          </a:p>
+        </p:txBody>
+      </p:sp>
+      <p:sp>
+        <p:nvSpPr>
+          <p:cNvPr id="2" name="Rectangle Bottom Copyright">
+            <a:extLst>
+              <a:ext uri="{FF2B5EF4-FFF2-40B4-BE49-F238E27FC236}">
+                <a16:creationId xmlns:a16="http://schemas.microsoft.com/office/drawing/2014/main" id="{664812A4-2991-44D1-BFE9-32E55AADF8A5}"/>
+              </a:ext>
+            </a:extLst>
+          </p:cNvPr>
+          <p:cNvSpPr/>
+          <p:nvPr/>
+        </p:nvSpPr>
+        <p:spPr>
+          <a:xfrm>
+            <a:off x="111000" y="6454758"/>
+            <a:ext cx="11970000" cy="304242"/>
+          </a:xfrm>
+          <a:prstGeom prst="rect">
+            <a:avLst/>
+          </a:prstGeom>
+        </p:spPr>
+        <p:txBody>
+          <a:bodyPr wrap="square">
+            <a:noAutofit/>
+          </a:bodyPr>
+          <a:lstStyle/>
+          <a:p>
+            <a:pPr algn="ctr">
+              <a:lnSpc>
+                <a:spcPct val="100000"/>
+              </a:lnSpc>
+              <a:spcBef>
+                <a:spcPts val="0"/>
+              </a:spcBef>
+              <a:spcAft>
+                <a:spcPts val="0"/>
+              </a:spcAft>
+            </a:pPr>
+            <a:r>
+              <a:rPr lang="bg-BG" sz="1600" dirty="0">
+                <a:solidFill>
+                  <a:schemeClr val="bg2"/>
+                </a:solidFill>
+                <a:effectLst/>
+                <a:latin typeface="Calibri" panose="020F0502020204030204" pitchFamily="34" charset="0"/>
+                <a:ea typeface="Calibri" panose="020F0502020204030204" pitchFamily="34" charset="0"/>
+                <a:cs typeface="Arial" panose="020B0604020202020204" pitchFamily="34" charset="0"/>
+              </a:rPr>
+              <a:t>Проект "</a:t>
+            </a:r>
+            <a:r>
+              <a:rPr lang="bg-BG" sz="1600" dirty="0">
+                <a:solidFill>
+                  <a:schemeClr val="bg1">
+                    <a:lumMod val="20000"/>
+                    <a:lumOff val="80000"/>
+                  </a:schemeClr>
+                </a:solidFill>
+                <a:effectLst/>
+                <a:latin typeface="Calibri" panose="020F0502020204030204" pitchFamily="34" charset="0"/>
+                <a:ea typeface="Calibri" panose="020F0502020204030204" pitchFamily="34" charset="0"/>
+                <a:cs typeface="Arial" panose="020B0604020202020204" pitchFamily="34" charset="0"/>
+                <a:hlinkClick r:id="rId3">
+                  <a:extLst>
+                    <a:ext uri="{A12FA001-AC4F-418D-AE19-62706E023703}">
+                      <ahyp:hlinkClr xmlns:ahyp="http://schemas.microsoft.com/office/drawing/2018/hyperlinkcolor" val="tx"/>
+                    </a:ext>
+                  </a:extLst>
+                </a:hlinkClick>
+              </a:rPr>
+              <a:t>Отворено учебно съдържание по програмиране и ИТ</a:t>
+            </a:r>
+            <a:r>
+              <a:rPr lang="bg-BG" sz="1600" dirty="0">
+                <a:solidFill>
+                  <a:schemeClr val="bg2"/>
+                </a:solidFill>
+                <a:effectLst/>
+                <a:latin typeface="Calibri" panose="020F0502020204030204" pitchFamily="34" charset="0"/>
+                <a:ea typeface="Calibri" panose="020F0502020204030204" pitchFamily="34" charset="0"/>
+                <a:cs typeface="Arial" panose="020B0604020202020204" pitchFamily="34" charset="0"/>
+              </a:rPr>
+              <a:t>", СофтУни Фондация (лиценз </a:t>
+            </a:r>
+            <a:r>
+              <a:rPr lang="en-US" sz="1600" dirty="0">
+                <a:solidFill>
+                  <a:schemeClr val="bg2"/>
+                </a:solidFill>
+                <a:effectLst/>
+                <a:latin typeface="Calibri" panose="020F0502020204030204" pitchFamily="34" charset="0"/>
+                <a:ea typeface="Calibri" panose="020F0502020204030204" pitchFamily="34" charset="0"/>
+                <a:cs typeface="Arial" panose="020B0604020202020204" pitchFamily="34" charset="0"/>
+              </a:rPr>
+              <a:t>CC-BY-NC-SA</a:t>
+            </a:r>
+            <a:r>
+              <a:rPr lang="bg-BG" sz="1600" dirty="0">
+                <a:solidFill>
+                  <a:schemeClr val="bg2"/>
+                </a:solidFill>
+                <a:effectLst/>
+                <a:latin typeface="Calibri" panose="020F0502020204030204" pitchFamily="34" charset="0"/>
+                <a:ea typeface="Calibri" panose="020F0502020204030204" pitchFamily="34" charset="0"/>
+                <a:cs typeface="Arial" panose="020B0604020202020204" pitchFamily="34" charset="0"/>
+              </a:rPr>
+              <a:t>)</a:t>
+            </a:r>
+            <a:endParaRPr lang="bg-BG" sz="2400" dirty="0">
+              <a:solidFill>
+                <a:schemeClr val="bg2"/>
+              </a:solidFill>
+              <a:effectLst/>
+              <a:latin typeface="Calibri" panose="020F0502020204030204" pitchFamily="34" charset="0"/>
+              <a:ea typeface="Calibri" panose="020F0502020204030204" pitchFamily="34" charset="0"/>
+              <a:cs typeface="Arial" panose="020B0604020202020204" pitchFamily="34" charset="0"/>
+            </a:endParaRPr>
           </a:p>
         </p:txBody>
       </p:sp>
     </p:spTree>
     <p:extLst>
       <p:ext uri="{BB962C8B-B14F-4D97-AF65-F5344CB8AC3E}">
-        <p14:creationId xmlns:p14="http://schemas.microsoft.com/office/powerpoint/2010/main" val="1776523149"/>
+        <p14:creationId xmlns:p14="http://schemas.microsoft.com/office/powerpoint/2010/main" val="2094175573"/>
       </p:ext>
     </p:extLst>
   </p:cSld>
@@ -15734,11 +14512,13 @@
         <p:spPr>
           <a:xfrm>
             <a:off x="190402" y="1269001"/>
-            <a:ext cx="11818096" cy="5455890"/>
+            <a:ext cx="9865598" cy="2474999"/>
           </a:xfrm>
         </p:spPr>
         <p:txBody>
-          <a:bodyPr/>
+          <a:bodyPr>
+            <a:normAutofit/>
+          </a:bodyPr>
           <a:lstStyle/>
           <a:p>
             <a:pPr>
@@ -15747,113 +14527,42 @@
               </a:lnSpc>
             </a:pPr>
             <a:r>
-              <a:rPr lang="bg-BG" dirty="0"/>
+              <a:rPr lang="bg-BG" sz="3200" dirty="0"/>
               <a:t>Този курс</a:t>
             </a:r>
             <a:r>
-              <a:rPr lang="en-US" dirty="0"/>
+              <a:rPr lang="en-US" sz="3200" dirty="0"/>
               <a:t> (</a:t>
             </a:r>
             <a:r>
-              <a:rPr lang="bg-BG" dirty="0"/>
+              <a:rPr lang="bg-BG" sz="3200" dirty="0"/>
               <a:t>презентации, примери, демонстрационен код, упражнения, домашни, видео и други активи</a:t>
             </a:r>
             <a:r>
-              <a:rPr lang="en-US" dirty="0"/>
+              <a:rPr lang="en-US" sz="3200" dirty="0"/>
               <a:t>) </a:t>
             </a:r>
             <a:r>
-              <a:rPr lang="bg-BG" dirty="0"/>
+              <a:rPr lang="bg-BG" sz="3200" dirty="0"/>
               <a:t>представлява</a:t>
             </a:r>
             <a:r>
-              <a:rPr lang="en-US" dirty="0"/>
+              <a:rPr lang="en-US" sz="3200" dirty="0"/>
               <a:t> </a:t>
             </a:r>
             <a:r>
-              <a:rPr lang="bg-BG" b="1" dirty="0"/>
-              <a:t>защитено авторско съдържание</a:t>
-            </a:r>
-            <a:endParaRPr lang="en-US" dirty="0"/>
-          </a:p>
-          <a:p>
-            <a:pPr>
-              <a:lnSpc>
-                <a:spcPct val="120000"/>
-              </a:lnSpc>
-            </a:pPr>
-            <a:r>
-              <a:rPr lang="bg-BG" dirty="0"/>
-              <a:t>Нерегламентирано копиране</a:t>
-            </a:r>
-            <a:r>
-              <a:rPr lang="en-US" dirty="0"/>
-              <a:t>,</a:t>
-            </a:r>
-            <a:r>
-              <a:rPr lang="bg-BG" dirty="0"/>
-              <a:t> разпространение или използване е незаконно</a:t>
-            </a:r>
-          </a:p>
-          <a:p>
-            <a:pPr>
-              <a:lnSpc>
-                <a:spcPct val="120000"/>
-              </a:lnSpc>
-            </a:pPr>
-            <a:r>
-              <a:rPr lang="en-US" dirty="0"/>
-              <a:t>© </a:t>
-            </a:r>
-            <a:r>
-              <a:rPr lang="bg-BG" dirty="0"/>
-              <a:t>СофтУни</a:t>
-            </a:r>
-            <a:r>
-              <a:rPr lang="en-US" dirty="0"/>
-              <a:t> – </a:t>
-            </a:r>
-            <a:r>
-              <a:rPr lang="en-US" dirty="0">
-                <a:hlinkClick r:id="rId3"/>
-              </a:rPr>
-              <a:t>https://softuni.org</a:t>
-            </a:r>
-            <a:endParaRPr lang="en-US" dirty="0"/>
-          </a:p>
-          <a:p>
-            <a:pPr>
-              <a:lnSpc>
-                <a:spcPct val="120000"/>
-              </a:lnSpc>
-            </a:pPr>
-            <a:r>
-              <a:rPr lang="en-US" dirty="0"/>
-              <a:t>© </a:t>
-            </a:r>
-            <a:r>
-              <a:rPr lang="bg-BG" dirty="0"/>
-              <a:t>Софтуерен университет</a:t>
-            </a:r>
-            <a:r>
-              <a:rPr lang="en-US" dirty="0"/>
-              <a:t> – </a:t>
-            </a:r>
-            <a:r>
-              <a:rPr lang="en-US" dirty="0">
-                <a:hlinkClick r:id="rId4"/>
-              </a:rPr>
-              <a:t>https://softuni.bg</a:t>
-            </a:r>
-            <a:endParaRPr lang="bg-BG" dirty="0"/>
-          </a:p>
-          <a:p>
-            <a:pPr>
-              <a:lnSpc>
-                <a:spcPct val="120000"/>
-              </a:lnSpc>
-            </a:pPr>
-            <a:endParaRPr lang="bg-BG" dirty="0"/>
+              <a:rPr lang="bg-BG" sz="3200" b="1" dirty="0"/>
+              <a:t>свободно учебно съдържание </a:t>
+            </a:r>
+            <a:r>
+              <a:rPr lang="bg-BG" sz="3200" dirty="0"/>
+              <a:t>и се разпространява под свободен лиценз </a:t>
+            </a:r>
+            <a:r>
+              <a:rPr lang="en-US" sz="3200" b="1" dirty="0"/>
+              <a:t>CC-BY-NC-SA</a:t>
+            </a:r>
+            <a:endParaRPr lang="bg-BG" sz="3200" dirty="0"/>
           </a:p>
         </p:txBody>
       </p:sp>
@@ -15862,7 +14571,7 @@
           <p:cNvPr id="6" name="Picture License" descr="License">
             <a:extLst>
               <a:ext uri="{FF2B5EF4-FFF2-40B4-BE49-F238E27FC236}">
-                <a16:creationId xmlns:a16="http://schemas.microsoft.com/office/drawing/2014/main" id="{A10A2585-858C-4B1E-8846-27CF1C15729E}"/>
+                <a16:creationId xmlns:a16="http://schemas.microsoft.com/office/drawing/2014/main" id="{82BA520F-A037-4E01-AA18-27D9F1E930A6}"/>
               </a:ext>
             </a:extLst>
           </p:cNvPr>
@@ -15872,7 +14581,7 @@
           <p:nvPr/>
         </p:nvPicPr>
         <p:blipFill>
-          <a:blip r:embed="rId5">
+          <a:blip r:embed="rId3">
             <a:clrChange>
               <a:clrFrom>
                 <a:srgbClr val="FFFFFF"/>
@@ -15890,8 +14599,8 @@
         </p:blipFill>
         <p:spPr>
           <a:xfrm>
-            <a:off x="9745023" y="4445455"/>
-            <a:ext cx="1930977" cy="2043545"/>
+            <a:off x="10226175" y="1440120"/>
+            <a:ext cx="1198986" cy="1268880"/>
           </a:xfrm>
           <a:prstGeom prst="rect">
             <a:avLst/>
@@ -15928,10 +14637,171 @@
       </p:sp>
       <p:sp>
         <p:nvSpPr>
-          <p:cNvPr id="7" name="Slide Number">
+          <p:cNvPr id="11" name="TextBox 10">
             <a:extLst>
               <a:ext uri="{FF2B5EF4-FFF2-40B4-BE49-F238E27FC236}">
-                <a16:creationId xmlns:a16="http://schemas.microsoft.com/office/drawing/2014/main" id="{81B99331-148D-4BF9-81B1-48BCEE036C35}"/>
+                <a16:creationId xmlns:a16="http://schemas.microsoft.com/office/drawing/2014/main" id="{0C18DF19-B750-4C88-975B-661A6BF61F5E}"/>
+              </a:ext>
+            </a:extLst>
+          </p:cNvPr>
+          <p:cNvSpPr txBox="1"/>
+          <p:nvPr/>
+        </p:nvSpPr>
+        <p:spPr>
+          <a:xfrm>
+            <a:off x="190401" y="3927519"/>
+            <a:ext cx="11710599" cy="1979644"/>
+          </a:xfrm>
+          <a:prstGeom prst="rect">
+            <a:avLst/>
+          </a:prstGeom>
+          <a:noFill/>
+          <a:ln w="12700">
+            <a:noFill/>
+          </a:ln>
+        </p:spPr>
+        <p:txBody>
+          <a:bodyPr wrap="square">
+            <a:spAutoFit/>
+          </a:bodyPr>
+          <a:lstStyle/>
+          <a:p>
+            <a:pPr marL="360363" indent="-360363" defTabSz="1218438">
+              <a:lnSpc>
+                <a:spcPct val="120000"/>
+              </a:lnSpc>
+              <a:spcBef>
+                <a:spcPts val="600"/>
+              </a:spcBef>
+              <a:spcAft>
+                <a:spcPts val="600"/>
+              </a:spcAft>
+              <a:buFont typeface="Wingdings" panose="05000000000000000000" pitchFamily="2" charset="2"/>
+              <a:buChar char="§"/>
+              <a:defRPr/>
+            </a:pPr>
+            <a:r>
+              <a:rPr lang="bg-BG" sz="3200" dirty="0"/>
+              <a:t>Проект "</a:t>
+            </a:r>
+            <a:r>
+              <a:rPr lang="bg-BG" sz="3200" b="1" dirty="0"/>
+              <a:t>Отворено учебно съдържание по програмиране и ИТ</a:t>
+            </a:r>
+            <a:r>
+              <a:rPr lang="bg-BG" sz="3200" dirty="0"/>
+              <a:t>" към Фондация "Софтуерен университет"</a:t>
+            </a:r>
+            <a:r>
+              <a:rPr lang="en-US" sz="3200" dirty="0"/>
+              <a:t>:</a:t>
+            </a:r>
+            <a:endParaRPr lang="bg-BG" sz="3200" dirty="0"/>
+          </a:p>
+          <a:p>
+            <a:pPr marL="817563" lvl="1" indent="-360363" defTabSz="1218438">
+              <a:lnSpc>
+                <a:spcPct val="120000"/>
+              </a:lnSpc>
+              <a:spcBef>
+                <a:spcPts val="600"/>
+              </a:spcBef>
+              <a:spcAft>
+                <a:spcPts val="600"/>
+              </a:spcAft>
+              <a:buFont typeface="Wingdings" panose="05000000000000000000" pitchFamily="2" charset="2"/>
+              <a:buChar char="§"/>
+              <a:defRPr/>
+            </a:pPr>
+            <a:r>
+              <a:rPr kumimoji="0" lang="en-US" sz="3200" b="0" i="0" u="none" strike="noStrike" kern="1200" cap="none" spc="0" normalizeH="0" baseline="0" noProof="0" dirty="0">
+                <a:ln>
+                  <a:noFill/>
+                </a:ln>
+                <a:solidFill>
+                  <a:srgbClr val="234465"/>
+                </a:solidFill>
+                <a:effectLst/>
+                <a:uLnTx/>
+                <a:uFillTx/>
+                <a:latin typeface="Calibri"/>
+                <a:ea typeface="+mn-ea"/>
+                <a:cs typeface="+mn-cs"/>
+                <a:hlinkClick r:id="rId4"/>
+              </a:rPr>
+              <a:t>https://github.com/BG-IT-Edu</a:t>
+            </a:r>
+            <a:endParaRPr kumimoji="0" lang="bg-BG" sz="3200" b="0" i="0" u="none" strike="noStrike" kern="1200" cap="none" spc="0" normalizeH="0" baseline="0" noProof="0" dirty="0">
+              <a:ln>
+                <a:noFill/>
+              </a:ln>
+              <a:solidFill>
+                <a:srgbClr val="234465"/>
+              </a:solidFill>
+              <a:effectLst/>
+              <a:uLnTx/>
+              <a:uFillTx/>
+              <a:latin typeface="Calibri"/>
+              <a:ea typeface="+mn-ea"/>
+              <a:cs typeface="+mn-cs"/>
+            </a:endParaRPr>
+          </a:p>
+        </p:txBody>
+      </p:sp>
+      <p:pic>
+        <p:nvPicPr>
+          <p:cNvPr id="7" name="Picture 6" title="CC-BY-NC-SA License">
+            <a:hlinkClick r:id="rId5" tooltip="This work is licensed under the &quot;Creative Commons Attribution-NonCommercial-ShareAlike 4.0 International&quot; license"/>
+            <a:extLst>
+              <a:ext uri="{FF2B5EF4-FFF2-40B4-BE49-F238E27FC236}">
+                <a16:creationId xmlns:a16="http://schemas.microsoft.com/office/drawing/2014/main" id="{F6C77C47-F7D8-A176-5C69-7FDE5C7E8003}"/>
+              </a:ext>
+            </a:extLst>
+          </p:cNvPr>
+          <p:cNvPicPr>
+            <a:picLocks noChangeAspect="1" noChangeArrowheads="1"/>
+          </p:cNvPicPr>
+          <p:nvPr/>
+        </p:nvPicPr>
+        <p:blipFill>
+          <a:blip r:embed="rId6">
+            <a:extLst>
+              <a:ext uri="{28A0092B-C50C-407E-A947-70E740481C1C}">
+                <a14:useLocalDpi xmlns:a14="http://schemas.microsoft.com/office/drawing/2010/main"/>
+              </a:ext>
+            </a:extLst>
+          </a:blip>
+          <a:srcRect/>
+          <a:stretch>
+            <a:fillRect/>
+          </a:stretch>
+        </p:blipFill>
+        <p:spPr bwMode="auto">
+          <a:xfrm>
+            <a:off x="9831000" y="2908593"/>
+            <a:ext cx="1989336" cy="696022"/>
+          </a:xfrm>
+          <a:prstGeom prst="roundRect">
+            <a:avLst>
+              <a:gd name="adj" fmla="val 3940"/>
+            </a:avLst>
+          </a:prstGeom>
+          <a:solidFill>
+            <a:srgbClr val="231F20">
+              <a:alpha val="50000"/>
+            </a:srgbClr>
+          </a:solidFill>
+          <a:ln>
+            <a:noFill/>
+          </a:ln>
+        </p:spPr>
+      </p:pic>
+      <p:sp>
+        <p:nvSpPr>
+          <p:cNvPr id="4" name="Slide Number">
+            <a:extLst>
+              <a:ext uri="{FF2B5EF4-FFF2-40B4-BE49-F238E27FC236}">
+                <a16:creationId xmlns:a16="http://schemas.microsoft.com/office/drawing/2014/main" id="{A108B387-A986-388D-C046-89E5B1805D26}"/>
               </a:ext>
             </a:extLst>
           </p:cNvPr>
@@ -15971,7 +14841,7 @@
     </p:spTree>
     <p:extLst>
       <p:ext uri="{BB962C8B-B14F-4D97-AF65-F5344CB8AC3E}">
-        <p14:creationId xmlns:p14="http://schemas.microsoft.com/office/powerpoint/2010/main" val="935486157"/>
+        <p14:creationId xmlns:p14="http://schemas.microsoft.com/office/powerpoint/2010/main" val="2868420160"/>
       </p:ext>
     </p:extLst>
   </p:cSld>
@@ -16043,6 +14913,10 @@
               </a:buClr>
             </a:pPr>
             <a:r>
+              <a:rPr lang="bg-BG" sz="4000" dirty="0"/>
+              <a:t>͏</a:t>
+            </a:r>
+            <a:r>
               <a:rPr lang="bg-BG" sz="4000" b="1" dirty="0"/>
               <a:t>Инстанциране</a:t>
             </a:r>
@@ -16069,6 +14943,10 @@
               </a:buClr>
             </a:pPr>
             <a:r>
+              <a:rPr lang="bg-BG" sz="4000" dirty="0"/>
+              <a:t>͏</a:t>
+            </a:r>
+            <a:r>
               <a:rPr lang="bg-BG" sz="4000" b="1" dirty="0"/>
               <a:t>Множество конструктори </a:t>
             </a:r>
@@ -16084,6 +14962,10 @@
                 <a:schemeClr val="tx1"/>
               </a:buClr>
             </a:pPr>
+            <a:r>
+              <a:rPr lang="bg-BG" sz="4000" dirty="0"/>
+              <a:t>͏</a:t>
+            </a:r>
             <a:r>
               <a:rPr lang="bg-BG" sz="4000" b="1" dirty="0"/>
               <a:t>Списъци</a:t>
@@ -16189,10 +15071,10 @@
       </p:sp>
       <p:sp>
         <p:nvSpPr>
-          <p:cNvPr id="5" name="Slide Number">
+          <p:cNvPr id="2" name="Slide Number">
             <a:extLst>
               <a:ext uri="{FF2B5EF4-FFF2-40B4-BE49-F238E27FC236}">
-                <a16:creationId xmlns:a16="http://schemas.microsoft.com/office/drawing/2014/main" id="{1B86B665-40A1-4665-9152-E336968DEBEB}"/>
+                <a16:creationId xmlns:a16="http://schemas.microsoft.com/office/drawing/2014/main" id="{0E924AFD-670F-738A-96B0-CD5AC485956B}"/>
               </a:ext>
             </a:extLst>
           </p:cNvPr>
@@ -16320,7 +15202,7 @@
     </p:spTree>
     <p:extLst>
       <p:ext uri="{BB962C8B-B14F-4D97-AF65-F5344CB8AC3E}">
-        <p14:creationId xmlns:p14="http://schemas.microsoft.com/office/powerpoint/2010/main" val="277132680"/>
+        <p14:creationId xmlns:p14="http://schemas.microsoft.com/office/powerpoint/2010/main" val="1096172450"/>
       </p:ext>
     </p:extLst>
   </p:cSld>
@@ -16435,33 +15317,15 @@
                                   </p:childTnLst>
                                 </p:cTn>
                               </p:par>
-                            </p:childTnLst>
-                          </p:cTn>
-                        </p:par>
-                      </p:childTnLst>
-                    </p:cTn>
-                  </p:par>
-                  <p:par>
-                    <p:cTn id="11" fill="hold">
-                      <p:stCondLst>
-                        <p:cond delay="indefinite"/>
-                      </p:stCondLst>
-                      <p:childTnLst>
-                        <p:par>
-                          <p:cTn id="12" fill="hold">
-                            <p:stCondLst>
-                              <p:cond delay="0"/>
-                            </p:stCondLst>
-                            <p:childTnLst>
                               <p:par>
-                                <p:cTn id="13" presetID="1" presetClass="entr" presetSubtype="0" fill="hold" nodeType="clickEffect">
+                                <p:cTn id="11" presetID="1" presetClass="entr" presetSubtype="0" fill="hold" nodeType="withEffect">
                                   <p:stCondLst>
                                     <p:cond delay="0"/>
                                   </p:stCondLst>
                                   <p:childTnLst>
                                     <p:set>
                                       <p:cBhvr>
-                                        <p:cTn id="14" dur="1" fill="hold">
+                                        <p:cTn id="12" dur="1" fill="hold">
                                           <p:stCondLst>
                                             <p:cond delay="0"/>
                                           </p:stCondLst>
@@ -16491,26 +15355,26 @@
                     </p:cTn>
                   </p:par>
                   <p:par>
-                    <p:cTn id="15" fill="hold">
+                    <p:cTn id="13" fill="hold">
                       <p:stCondLst>
                         <p:cond delay="indefinite"/>
                       </p:stCondLst>
                       <p:childTnLst>
                         <p:par>
-                          <p:cTn id="16" fill="hold">
+                          <p:cTn id="14" fill="hold">
                             <p:stCondLst>
                               <p:cond delay="0"/>
                             </p:stCondLst>
                             <p:childTnLst>
                               <p:par>
-                                <p:cTn id="17" presetID="1" presetClass="entr" presetSubtype="0" fill="hold" nodeType="clickEffect">
+                                <p:cTn id="15" presetID="1" presetClass="entr" presetSubtype="0" fill="hold" nodeType="clickEffect">
                                   <p:stCondLst>
                                     <p:cond delay="0"/>
                                   </p:stCondLst>
                                   <p:childTnLst>
                                     <p:set>
                                       <p:cBhvr>
-                                        <p:cTn id="18" dur="1" fill="hold">
+                                        <p:cTn id="16" dur="1" fill="hold">
                                           <p:stCondLst>
                                             <p:cond delay="0"/>
                                           </p:stCondLst>
@@ -16540,26 +15404,26 @@
                     </p:cTn>
                   </p:par>
                   <p:par>
-                    <p:cTn id="19" fill="hold">
+                    <p:cTn id="17" fill="hold">
                       <p:stCondLst>
                         <p:cond delay="indefinite"/>
                       </p:stCondLst>
                       <p:childTnLst>
                         <p:par>
-                          <p:cTn id="20" fill="hold">
+                          <p:cTn id="18" fill="hold">
                             <p:stCondLst>
                               <p:cond delay="0"/>
                             </p:stCondLst>
                             <p:childTnLst>
                               <p:par>
-                                <p:cTn id="21" presetID="1" presetClass="entr" presetSubtype="0" fill="hold" nodeType="clickEffect">
+                                <p:cTn id="19" presetID="1" presetClass="entr" presetSubtype="0" fill="hold" nodeType="clickEffect">
                                   <p:stCondLst>
                                     <p:cond delay="0"/>
                                   </p:stCondLst>
                                   <p:childTnLst>
                                     <p:set>
                                       <p:cBhvr>
-                                        <p:cTn id="22" dur="1" fill="hold">
+                                        <p:cTn id="20" dur="1" fill="hold">
                                           <p:stCondLst>
                                             <p:cond delay="0"/>
                                           </p:stCondLst>
@@ -16630,64 +15494,6 @@
           <a:chExt cx="0" cy="0"/>
         </a:xfrm>
       </p:grpSpPr>
-      <p:sp>
-        <p:nvSpPr>
-          <p:cNvPr id="4" name="Subtitle 3">
-            <a:extLst>
-              <a:ext uri="{FF2B5EF4-FFF2-40B4-BE49-F238E27FC236}">
-                <a16:creationId xmlns:a16="http://schemas.microsoft.com/office/drawing/2014/main" id="{5E4CE840-28DA-2E58-95E1-50D574EA5FB6}"/>
-              </a:ext>
-            </a:extLst>
-          </p:cNvPr>
-          <p:cNvSpPr>
-            <a:spLocks noGrp="1"/>
-          </p:cNvSpPr>
-          <p:nvPr>
-            <p:ph type="subTitle" sz="quarter" idx="11"/>
-          </p:nvPr>
-        </p:nvSpPr>
-        <p:spPr/>
-        <p:txBody>
-          <a:bodyPr/>
-          <a:lstStyle/>
-          <a:p>
-            <a:r>
-              <a:rPr lang="bg-BG" dirty="0"/>
-              <a:t>Референция към обекта</a:t>
-            </a:r>
-            <a:endParaRPr lang="en-BG"/>
-          </a:p>
-        </p:txBody>
-      </p:sp>
-      <p:sp>
-        <p:nvSpPr>
-          <p:cNvPr id="3" name="Title 2">
-            <a:extLst>
-              <a:ext uri="{FF2B5EF4-FFF2-40B4-BE49-F238E27FC236}">
-                <a16:creationId xmlns:a16="http://schemas.microsoft.com/office/drawing/2014/main" id="{6FB18FE3-0649-439F-938A-D1385061D408}"/>
-              </a:ext>
-            </a:extLst>
-          </p:cNvPr>
-          <p:cNvSpPr>
-            <a:spLocks noGrp="1"/>
-          </p:cNvSpPr>
-          <p:nvPr>
-            <p:ph type="title" sz="quarter" idx="10"/>
-          </p:nvPr>
-        </p:nvSpPr>
-        <p:spPr/>
-        <p:txBody>
-          <a:bodyPr/>
-          <a:lstStyle/>
-          <a:p>
-            <a:r>
-              <a:rPr lang="bg-BG" dirty="0"/>
-              <a:t>Инстанциране на клас</a:t>
-            </a:r>
-            <a:endParaRPr lang="en-US" dirty="0"/>
-          </a:p>
-        </p:txBody>
-      </p:sp>
       <p:pic>
         <p:nvPicPr>
           <p:cNvPr id="7" name="Picture 6"/>
@@ -16725,10 +15531,66 @@
           </a:prstGeom>
         </p:spPr>
       </p:pic>
+      <p:sp>
+        <p:nvSpPr>
+          <p:cNvPr id="5" name="Подзаглавие 4">
+            <a:extLst>
+              <a:ext uri="{FF2B5EF4-FFF2-40B4-BE49-F238E27FC236}">
+                <a16:creationId xmlns:a16="http://schemas.microsoft.com/office/drawing/2014/main" id="{E38FF6A7-CF57-EF1C-CA7F-C2D9109BD4DD}"/>
+              </a:ext>
+            </a:extLst>
+          </p:cNvPr>
+          <p:cNvSpPr>
+            <a:spLocks noGrp="1"/>
+          </p:cNvSpPr>
+          <p:nvPr>
+            <p:ph type="subTitle" sz="quarter" idx="11"/>
+          </p:nvPr>
+        </p:nvSpPr>
+        <p:spPr/>
+        <p:txBody>
+          <a:bodyPr/>
+          <a:lstStyle/>
+          <a:p>
+            <a:r>
+              <a:rPr lang="bg-BG" dirty="0"/>
+              <a:t>Референция към обекта</a:t>
+            </a:r>
+          </a:p>
+        </p:txBody>
+      </p:sp>
+      <p:sp>
+        <p:nvSpPr>
+          <p:cNvPr id="8" name="Заглавие 7">
+            <a:extLst>
+              <a:ext uri="{FF2B5EF4-FFF2-40B4-BE49-F238E27FC236}">
+                <a16:creationId xmlns:a16="http://schemas.microsoft.com/office/drawing/2014/main" id="{F1201111-82F2-3C78-F8B2-7E0B258E51D5}"/>
+              </a:ext>
+            </a:extLst>
+          </p:cNvPr>
+          <p:cNvSpPr>
+            <a:spLocks noGrp="1"/>
+          </p:cNvSpPr>
+          <p:nvPr>
+            <p:ph type="title" sz="quarter" idx="10"/>
+          </p:nvPr>
+        </p:nvSpPr>
+        <p:spPr/>
+        <p:txBody>
+          <a:bodyPr/>
+          <a:lstStyle/>
+          <a:p>
+            <a:r>
+              <a:rPr lang="bg-BG" dirty="0"/>
+              <a:t>Инстанциране на клас</a:t>
+            </a:r>
+          </a:p>
+        </p:txBody>
+      </p:sp>
     </p:spTree>
     <p:extLst>
       <p:ext uri="{BB962C8B-B14F-4D97-AF65-F5344CB8AC3E}">
-        <p14:creationId xmlns:p14="http://schemas.microsoft.com/office/powerpoint/2010/main" val="2347864479"/>
+        <p14:creationId xmlns:p14="http://schemas.microsoft.com/office/powerpoint/2010/main" val="3721820397"/>
       </p:ext>
     </p:extLst>
   </p:cSld>
@@ -16793,7 +15655,7 @@
           <a:p>
             <a:r>
               <a:rPr lang="bg-BG" sz="3200" dirty="0"/>
-              <a:t>При всяко инстанцииране на класа се създава </a:t>
+              <a:t>При всяко инстанциране на класа се създава </a:t>
             </a:r>
             <a:r>
               <a:rPr lang="bg-BG" sz="3200" b="1" dirty="0">
@@ -17302,7 +16164,7 @@
             <a:r>
               <a:rPr lang="bg-BG" sz="2399" b="1" dirty="0">
                 <a:solidFill>
-                  <a:schemeClr val="bg1">
+                  <a:schemeClr val="accent1">
                     <a:lumMod val="60000"/>
                     <a:lumOff val="40000"/>
                   </a:schemeClr>
@@ -17401,11 +16263,13 @@
             <a:r>
               <a:rPr lang="en-US" sz="2399" b="1" dirty="0">
                 <a:solidFill>
-                  <a:schemeClr val="bg1">
+                  <a:schemeClr val="accent1">
                     <a:lumMod val="60000"/>
                     <a:lumOff val="40000"/>
                   </a:schemeClr>
                 </a:solidFill>
+                <a:latin typeface="Consolas" panose="020B0609020204030204" pitchFamily="49" charset="0"/>
+                <a:cs typeface="Consolas" panose="020B0609020204030204" pitchFamily="49" charset="0"/>
               </a:rPr>
               <a:t>new</a:t>
             </a:r>
@@ -17422,48 +16286,6 @@
                 <a:schemeClr val="bg2"/>
               </a:solidFill>
             </a:endParaRPr>
-          </a:p>
-        </p:txBody>
-      </p:sp>
-      <p:sp>
-        <p:nvSpPr>
-          <p:cNvPr id="10" name="Slide Number">
-            <a:extLst>
-              <a:ext uri="{FF2B5EF4-FFF2-40B4-BE49-F238E27FC236}">
-                <a16:creationId xmlns:a16="http://schemas.microsoft.com/office/drawing/2014/main" id="{939F43DE-AA6B-4710-A24C-A6885E078748}"/>
-              </a:ext>
-            </a:extLst>
-          </p:cNvPr>
-          <p:cNvSpPr>
-            <a:spLocks noGrp="1"/>
-          </p:cNvSpPr>
-          <p:nvPr>
-            <p:ph type="sldNum" sz="quarter" idx="5"/>
-          </p:nvPr>
-        </p:nvSpPr>
-        <p:spPr>
-          <a:xfrm>
-            <a:off x="11754618" y="6507000"/>
-            <a:ext cx="367414" cy="297000"/>
-          </a:xfrm>
-          <a:prstGeom prst="rect">
-            <a:avLst/>
-          </a:prstGeom>
-        </p:spPr>
-        <p:txBody>
-          <a:bodyPr vert="horz" lIns="91440" tIns="45720" rIns="91440" bIns="45720" rtlCol="0" anchor="b"/>
-          <a:lstStyle>
-            <a:lvl1pPr algn="r">
-              <a:defRPr sz="1000"/>
-            </a:lvl1pPr>
-          </a:lstStyle>
-          <a:p>
-            <a:fld id="{2BF067CD-8E6B-4360-9AA8-C5DF2A48A6D1}" type="slidenum">
-              <a:rPr lang="en-US" noProof="0" smtClean="0"/>
-              <a:pPr/>
-              <a:t>4</a:t>
-            </a:fld>
-            <a:endParaRPr lang="en-US" noProof="0" dirty="0"/>
           </a:p>
         </p:txBody>
       </p:sp>
@@ -17597,10 +16419,52 @@
           </a:p>
         </p:txBody>
       </p:sp>
+      <p:sp>
+        <p:nvSpPr>
+          <p:cNvPr id="2" name="Slide Number">
+            <a:extLst>
+              <a:ext uri="{FF2B5EF4-FFF2-40B4-BE49-F238E27FC236}">
+                <a16:creationId xmlns:a16="http://schemas.microsoft.com/office/drawing/2014/main" id="{A8385AAA-1590-509B-7739-BDEA1645DF13}"/>
+              </a:ext>
+            </a:extLst>
+          </p:cNvPr>
+          <p:cNvSpPr>
+            <a:spLocks noGrp="1"/>
+          </p:cNvSpPr>
+          <p:nvPr>
+            <p:ph type="sldNum" sz="quarter" idx="5"/>
+          </p:nvPr>
+        </p:nvSpPr>
+        <p:spPr>
+          <a:xfrm>
+            <a:off x="11905430" y="6659400"/>
+            <a:ext cx="367414" cy="297000"/>
+          </a:xfrm>
+          <a:prstGeom prst="rect">
+            <a:avLst/>
+          </a:prstGeom>
+        </p:spPr>
+        <p:txBody>
+          <a:bodyPr vert="horz" lIns="91440" tIns="45720" rIns="91440" bIns="45720" rtlCol="0" anchor="b"/>
+          <a:lstStyle>
+            <a:lvl1pPr algn="r">
+              <a:defRPr sz="1000"/>
+            </a:lvl1pPr>
+          </a:lstStyle>
+          <a:p>
+            <a:fld id="{2BF067CD-8E6B-4360-9AA8-C5DF2A48A6D1}" type="slidenum">
+              <a:rPr lang="en-US" noProof="0" smtClean="0"/>
+              <a:pPr/>
+              <a:t>4</a:t>
+            </a:fld>
+            <a:endParaRPr lang="en-US" noProof="0" dirty="0"/>
+          </a:p>
+        </p:txBody>
+      </p:sp>
     </p:spTree>
     <p:extLst>
       <p:ext uri="{BB962C8B-B14F-4D97-AF65-F5344CB8AC3E}">
-        <p14:creationId xmlns:p14="http://schemas.microsoft.com/office/powerpoint/2010/main" val="1574348336"/>
+        <p14:creationId xmlns:p14="http://schemas.microsoft.com/office/powerpoint/2010/main" val="4264440493"/>
       </p:ext>
     </p:extLst>
   </p:cSld>
@@ -17909,7 +16773,21 @@
             </a:r>
             <a:r>
               <a:rPr lang="en-GB" sz="3200" dirty="0"/>
-              <a:t> new </a:t>
+              <a:t> </a:t>
+            </a:r>
+            <a:r>
+              <a:rPr lang="en-GB" sz="3200" b="1" dirty="0">
+                <a:solidFill>
+                  <a:schemeClr val="bg1"/>
+                </a:solidFill>
+                <a:latin typeface="Consolas" panose="020B0609020204030204" pitchFamily="49" charset="0"/>
+                <a:cs typeface="Consolas" panose="020B0609020204030204" pitchFamily="49" charset="0"/>
+              </a:rPr>
+              <a:t>new</a:t>
+            </a:r>
+            <a:r>
+              <a:rPr lang="en-GB" sz="3200" dirty="0"/>
+              <a:t> </a:t>
             </a:r>
             <a:r>
               <a:rPr lang="bg-BG" sz="3200" dirty="0"/>
@@ -18843,17 +17721,19 @@
       </p:grpSp>
       <p:sp>
         <p:nvSpPr>
-          <p:cNvPr id="20" name="Slide Number">
+          <p:cNvPr id="2" name="Slide Number">
             <a:extLst>
               <a:ext uri="{FF2B5EF4-FFF2-40B4-BE49-F238E27FC236}">
-                <a16:creationId xmlns:a16="http://schemas.microsoft.com/office/drawing/2014/main" id="{40550814-1DA3-44D9-936E-A5213CA3D1AE}"/>
+                <a16:creationId xmlns:a16="http://schemas.microsoft.com/office/drawing/2014/main" id="{08F0DB72-8D41-CBBA-9506-D39006F77031}"/>
               </a:ext>
             </a:extLst>
           </p:cNvPr>
-          <p:cNvSpPr txBox="1">
-            <a:spLocks/>
+          <p:cNvSpPr>
+            <a:spLocks noGrp="1"/>
           </p:cNvSpPr>
-          <p:nvPr/>
+          <p:nvPr>
+            <p:ph type="sldNum" sz="quarter" idx="5"/>
+          </p:nvPr>
         </p:nvSpPr>
         <p:spPr>
           <a:xfrm>
@@ -18867,114 +17747,24 @@
         <p:txBody>
           <a:bodyPr vert="horz" lIns="91440" tIns="45720" rIns="91440" bIns="45720" rtlCol="0" anchor="b"/>
           <a:lstStyle>
-            <a:defPPr>
-              <a:defRPr lang="en-US"/>
-            </a:defPPr>
-            <a:lvl1pPr marL="0" algn="r" defTabSz="914400" rtl="0" eaLnBrk="1" latinLnBrk="0" hangingPunct="1">
-              <a:defRPr sz="1000" kern="1200">
-                <a:solidFill>
-                  <a:schemeClr val="tx1"/>
-                </a:solidFill>
-                <a:latin typeface="+mn-lt"/>
-                <a:ea typeface="+mn-ea"/>
-                <a:cs typeface="+mn-cs"/>
-              </a:defRPr>
+            <a:lvl1pPr algn="r">
+              <a:defRPr sz="1000"/>
             </a:lvl1pPr>
-            <a:lvl2pPr marL="457200" algn="l" defTabSz="914400" rtl="0" eaLnBrk="1" latinLnBrk="0" hangingPunct="1">
-              <a:defRPr sz="1800" kern="1200">
-                <a:solidFill>
-                  <a:schemeClr val="tx1"/>
-                </a:solidFill>
-                <a:latin typeface="+mn-lt"/>
-                <a:ea typeface="+mn-ea"/>
-                <a:cs typeface="+mn-cs"/>
-              </a:defRPr>
-            </a:lvl2pPr>
-            <a:lvl3pPr marL="914400" algn="l" defTabSz="914400" rtl="0" eaLnBrk="1" latinLnBrk="0" hangingPunct="1">
-              <a:defRPr sz="1800" kern="1200">
-                <a:solidFill>
-                  <a:schemeClr val="tx1"/>
-                </a:solidFill>
-                <a:latin typeface="+mn-lt"/>
-                <a:ea typeface="+mn-ea"/>
-                <a:cs typeface="+mn-cs"/>
-              </a:defRPr>
-            </a:lvl3pPr>
-            <a:lvl4pPr marL="1371600" algn="l" defTabSz="914400" rtl="0" eaLnBrk="1" latinLnBrk="0" hangingPunct="1">
-              <a:defRPr sz="1800" kern="1200">
-                <a:solidFill>
-                  <a:schemeClr val="tx1"/>
-                </a:solidFill>
-                <a:latin typeface="+mn-lt"/>
-                <a:ea typeface="+mn-ea"/>
-                <a:cs typeface="+mn-cs"/>
-              </a:defRPr>
-            </a:lvl4pPr>
-            <a:lvl5pPr marL="1828800" algn="l" defTabSz="914400" rtl="0" eaLnBrk="1" latinLnBrk="0" hangingPunct="1">
-              <a:defRPr sz="1800" kern="1200">
-                <a:solidFill>
-                  <a:schemeClr val="tx1"/>
-                </a:solidFill>
-                <a:latin typeface="+mn-lt"/>
-                <a:ea typeface="+mn-ea"/>
-                <a:cs typeface="+mn-cs"/>
-              </a:defRPr>
-            </a:lvl5pPr>
-            <a:lvl6pPr marL="2286000" algn="l" defTabSz="914400" rtl="0" eaLnBrk="1" latinLnBrk="0" hangingPunct="1">
-              <a:defRPr sz="1800" kern="1200">
-                <a:solidFill>
-                  <a:schemeClr val="tx1"/>
-                </a:solidFill>
-                <a:latin typeface="+mn-lt"/>
-                <a:ea typeface="+mn-ea"/>
-                <a:cs typeface="+mn-cs"/>
-              </a:defRPr>
-            </a:lvl6pPr>
-            <a:lvl7pPr marL="2743200" algn="l" defTabSz="914400" rtl="0" eaLnBrk="1" latinLnBrk="0" hangingPunct="1">
-              <a:defRPr sz="1800" kern="1200">
-                <a:solidFill>
-                  <a:schemeClr val="tx1"/>
-                </a:solidFill>
-                <a:latin typeface="+mn-lt"/>
-                <a:ea typeface="+mn-ea"/>
-                <a:cs typeface="+mn-cs"/>
-              </a:defRPr>
-            </a:lvl7pPr>
-            <a:lvl8pPr marL="3200400" algn="l" defTabSz="914400" rtl="0" eaLnBrk="1" latinLnBrk="0" hangingPunct="1">
-              <a:defRPr sz="1800" kern="1200">
-                <a:solidFill>
-                  <a:schemeClr val="tx1"/>
-                </a:solidFill>
-                <a:latin typeface="+mn-lt"/>
-                <a:ea typeface="+mn-ea"/>
-                <a:cs typeface="+mn-cs"/>
-              </a:defRPr>
-            </a:lvl8pPr>
-            <a:lvl9pPr marL="3657600" algn="l" defTabSz="914400" rtl="0" eaLnBrk="1" latinLnBrk="0" hangingPunct="1">
-              <a:defRPr sz="1800" kern="1200">
-                <a:solidFill>
-                  <a:schemeClr val="tx1"/>
-                </a:solidFill>
-                <a:latin typeface="+mn-lt"/>
-                <a:ea typeface="+mn-ea"/>
-                <a:cs typeface="+mn-cs"/>
-              </a:defRPr>
-            </a:lvl9pPr>
           </a:lstStyle>
           <a:p>
             <a:fld id="{2BF067CD-8E6B-4360-9AA8-C5DF2A48A6D1}" type="slidenum">
-              <a:rPr lang="en-US" smtClean="0"/>
+              <a:rPr lang="en-US" noProof="0" smtClean="0"/>
               <a:pPr/>
               <a:t>5</a:t>
             </a:fld>
-            <a:endParaRPr lang="en-US" dirty="0"/>
+            <a:endParaRPr lang="en-US" noProof="0" dirty="0"/>
           </a:p>
         </p:txBody>
       </p:sp>
     </p:spTree>
     <p:extLst>
       <p:ext uri="{BB962C8B-B14F-4D97-AF65-F5344CB8AC3E}">
-        <p14:creationId xmlns:p14="http://schemas.microsoft.com/office/powerpoint/2010/main" val="3050664244"/>
+        <p14:creationId xmlns:p14="http://schemas.microsoft.com/office/powerpoint/2010/main" val="692483061"/>
       </p:ext>
     </p:extLst>
   </p:cSld>
@@ -19237,10 +18027,10 @@
       </p:pic>
       <p:sp>
         <p:nvSpPr>
-          <p:cNvPr id="6" name="Subtitle 5">
+          <p:cNvPr id="7" name="Подзаглавие 6">
             <a:extLst>
               <a:ext uri="{FF2B5EF4-FFF2-40B4-BE49-F238E27FC236}">
-                <a16:creationId xmlns:a16="http://schemas.microsoft.com/office/drawing/2014/main" id="{B40176D9-2BBD-0775-0D92-E52C23ED3C0B}"/>
+                <a16:creationId xmlns:a16="http://schemas.microsoft.com/office/drawing/2014/main" id="{B60985FD-E0DA-B767-4112-4C8790F5295B}"/>
               </a:ext>
             </a:extLst>
           </p:cNvPr>
@@ -19257,19 +18047,19 @@
           <a:lstStyle/>
           <a:p>
             <a:r>
-              <a:rPr lang="bg-BG" dirty="0"/>
+              <a:rPr lang="ru-RU" dirty="0"/>
               <a:t>Вериги от извиквания на конструктори</a:t>
             </a:r>
-            <a:endParaRPr lang="en-US" dirty="0"/>
+            <a:endParaRPr lang="bg-BG" dirty="0"/>
           </a:p>
         </p:txBody>
       </p:sp>
       <p:sp>
         <p:nvSpPr>
-          <p:cNvPr id="5" name="Title 4">
+          <p:cNvPr id="9" name="Заглавие 8">
             <a:extLst>
               <a:ext uri="{FF2B5EF4-FFF2-40B4-BE49-F238E27FC236}">
-                <a16:creationId xmlns:a16="http://schemas.microsoft.com/office/drawing/2014/main" id="{B30474CC-C911-40CF-93A2-91F807D99B7C}"/>
+                <a16:creationId xmlns:a16="http://schemas.microsoft.com/office/drawing/2014/main" id="{95C30962-4152-ADE3-BB82-997F974C4FE0}"/>
               </a:ext>
             </a:extLst>
           </p:cNvPr>
@@ -19289,14 +18079,13 @@
               <a:rPr lang="bg-BG" dirty="0"/>
               <a:t>Множество конструктори</a:t>
             </a:r>
-            <a:endParaRPr lang="en-US" dirty="0"/>
           </a:p>
         </p:txBody>
       </p:sp>
     </p:spTree>
     <p:extLst>
       <p:ext uri="{BB962C8B-B14F-4D97-AF65-F5344CB8AC3E}">
-        <p14:creationId xmlns:p14="http://schemas.microsoft.com/office/powerpoint/2010/main" val="3880750744"/>
+        <p14:creationId xmlns:p14="http://schemas.microsoft.com/office/powerpoint/2010/main" val="411200554"/>
       </p:ext>
     </p:extLst>
   </p:cSld>
@@ -19389,7 +18178,7 @@
           <a:p>
             <a:r>
               <a:rPr lang="bg-BG" dirty="0"/>
-              <a:t>Множество конструктори</a:t>
+              <a:t>Множество конструктори (1)</a:t>
             </a:r>
             <a:endParaRPr lang="en-US" dirty="0"/>
           </a:p>
@@ -19980,7 +18769,7 @@
             <a:r>
               <a:rPr lang="bg-BG" sz="2799" b="1" noProof="1">
                 <a:solidFill>
-                  <a:schemeClr val="bg1">
+                  <a:schemeClr val="accent1">
                     <a:lumMod val="60000"/>
                     <a:lumOff val="40000"/>
                   </a:schemeClr>
@@ -20092,7 +18881,7 @@
             <a:r>
               <a:rPr lang="bg-BG" sz="2799" b="1" noProof="1">
                 <a:solidFill>
-                  <a:schemeClr val="bg1">
+                  <a:schemeClr val="accent1">
                     <a:lumMod val="60000"/>
                     <a:lumOff val="40000"/>
                   </a:schemeClr>
@@ -20126,10 +18915,10 @@
       </p:sp>
       <p:sp>
         <p:nvSpPr>
-          <p:cNvPr id="10" name="Slide Number">
+          <p:cNvPr id="2" name="Slide Number">
             <a:extLst>
               <a:ext uri="{FF2B5EF4-FFF2-40B4-BE49-F238E27FC236}">
-                <a16:creationId xmlns:a16="http://schemas.microsoft.com/office/drawing/2014/main" id="{8A79ACE2-0BF0-4BCE-8C95-52F1D6A2291C}"/>
+                <a16:creationId xmlns:a16="http://schemas.microsoft.com/office/drawing/2014/main" id="{CBC3BE96-1A53-00D4-DD38-68329A4411FC}"/>
               </a:ext>
             </a:extLst>
           </p:cNvPr>
@@ -20169,7 +18958,7 @@
     </p:spTree>
     <p:extLst>
       <p:ext uri="{BB962C8B-B14F-4D97-AF65-F5344CB8AC3E}">
-        <p14:creationId xmlns:p14="http://schemas.microsoft.com/office/powerpoint/2010/main" val="2962358483"/>
+        <p14:creationId xmlns:p14="http://schemas.microsoft.com/office/powerpoint/2010/main" val="2614480660"/>
       </p:ext>
     </p:extLst>
   </p:cSld>
@@ -20526,7 +19315,7 @@
         </p:nvSpPr>
         <p:spPr>
           <a:xfrm>
-            <a:off x="2633721" y="1809423"/>
+            <a:off x="2633721" y="1880501"/>
             <a:ext cx="6924558" cy="4833499"/>
           </a:xfrm>
           <a:prstGeom prst="rect">
@@ -20940,8 +19729,8 @@
           </a:xfrm>
           <a:prstGeom prst="wedgeRoundRectCallout">
             <a:avLst>
-              <a:gd name="adj1" fmla="val -57140"/>
-              <a:gd name="adj2" fmla="val -65465"/>
+              <a:gd name="adj1" fmla="val -50373"/>
+              <a:gd name="adj2" fmla="val -61201"/>
               <a:gd name="adj3" fmla="val 16667"/>
             </a:avLst>
           </a:prstGeom>
@@ -21032,7 +19821,7 @@
         </p:nvSpPr>
         <p:spPr bwMode="auto">
           <a:xfrm rot="16200000">
-            <a:off x="6568379" y="2352118"/>
+            <a:off x="6568379" y="2417057"/>
             <a:ext cx="1484612" cy="2789273"/>
           </a:xfrm>
           <a:prstGeom prst="bentUpArrow">
@@ -21100,10 +19889,44 @@
       </p:sp>
       <p:sp>
         <p:nvSpPr>
-          <p:cNvPr id="9" name="Slide Number">
+          <p:cNvPr id="4" name="Title 3">
             <a:extLst>
               <a:ext uri="{FF2B5EF4-FFF2-40B4-BE49-F238E27FC236}">
-                <a16:creationId xmlns:a16="http://schemas.microsoft.com/office/drawing/2014/main" id="{A51533B7-5A5A-47A5-9D36-01D79EE4E731}"/>
+                <a16:creationId xmlns:a16="http://schemas.microsoft.com/office/drawing/2014/main" id="{3AB52913-7F05-0402-99A5-90DD453629C7}"/>
+              </a:ext>
+            </a:extLst>
+          </p:cNvPr>
+          <p:cNvSpPr>
+            <a:spLocks noGrp="1"/>
+          </p:cNvSpPr>
+          <p:nvPr>
+            <p:ph type="title"/>
+          </p:nvPr>
+        </p:nvSpPr>
+        <p:spPr>
+          <a:xfrm>
+            <a:off x="190406" y="100750"/>
+            <a:ext cx="9715594" cy="882654"/>
+          </a:xfrm>
+        </p:spPr>
+        <p:txBody>
+          <a:bodyPr/>
+          <a:lstStyle/>
+          <a:p>
+            <a:r>
+              <a:rPr lang="bg-BG" dirty="0"/>
+              <a:t>Множество конструктори (2)</a:t>
+            </a:r>
+            <a:endParaRPr lang="en-US" dirty="0"/>
+          </a:p>
+        </p:txBody>
+      </p:sp>
+      <p:sp>
+        <p:nvSpPr>
+          <p:cNvPr id="3" name="Slide Number">
+            <a:extLst>
+              <a:ext uri="{FF2B5EF4-FFF2-40B4-BE49-F238E27FC236}">
+                <a16:creationId xmlns:a16="http://schemas.microsoft.com/office/drawing/2014/main" id="{FE13CC93-193B-0C82-7B9A-D3F66689B8F3}"/>
               </a:ext>
             </a:extLst>
           </p:cNvPr>
@@ -21140,44 +19963,10 @@
           </a:p>
         </p:txBody>
       </p:sp>
-      <p:sp>
-        <p:nvSpPr>
-          <p:cNvPr id="4" name="Title 3">
-            <a:extLst>
-              <a:ext uri="{FF2B5EF4-FFF2-40B4-BE49-F238E27FC236}">
-                <a16:creationId xmlns:a16="http://schemas.microsoft.com/office/drawing/2014/main" id="{3AB52913-7F05-0402-99A5-90DD453629C7}"/>
-              </a:ext>
-            </a:extLst>
-          </p:cNvPr>
-          <p:cNvSpPr>
-            <a:spLocks noGrp="1"/>
-          </p:cNvSpPr>
-          <p:nvPr>
-            <p:ph type="title"/>
-          </p:nvPr>
-        </p:nvSpPr>
-        <p:spPr>
-          <a:xfrm>
-            <a:off x="190406" y="100750"/>
-            <a:ext cx="9715594" cy="882654"/>
-          </a:xfrm>
-        </p:spPr>
-        <p:txBody>
-          <a:bodyPr/>
-          <a:lstStyle/>
-          <a:p>
-            <a:r>
-              <a:rPr lang="bg-BG" dirty="0"/>
-              <a:t>Множество конструктори</a:t>
-            </a:r>
-            <a:endParaRPr lang="en-US" dirty="0"/>
-          </a:p>
-        </p:txBody>
-      </p:sp>
     </p:spTree>
     <p:extLst>
       <p:ext uri="{BB962C8B-B14F-4D97-AF65-F5344CB8AC3E}">
-        <p14:creationId xmlns:p14="http://schemas.microsoft.com/office/powerpoint/2010/main" val="3176543289"/>
+        <p14:creationId xmlns:p14="http://schemas.microsoft.com/office/powerpoint/2010/main" val="1486744957"/>
       </p:ext>
     </p:extLst>
   </p:cSld>
@@ -21571,72 +20360,6 @@
           <a:chExt cx="0" cy="0"/>
         </a:xfrm>
       </p:grpSpPr>
-      <p:sp>
-        <p:nvSpPr>
-          <p:cNvPr id="6" name="Subtitle 5">
-            <a:extLst>
-              <a:ext uri="{FF2B5EF4-FFF2-40B4-BE49-F238E27FC236}">
-                <a16:creationId xmlns:a16="http://schemas.microsoft.com/office/drawing/2014/main" id="{B6003C90-12CA-398D-8798-28D0F6581E6D}"/>
-              </a:ext>
-            </a:extLst>
-          </p:cNvPr>
-          <p:cNvSpPr>
-            <a:spLocks noGrp="1"/>
-          </p:cNvSpPr>
-          <p:nvPr>
-            <p:ph type="subTitle" sz="quarter" idx="11"/>
-          </p:nvPr>
-        </p:nvSpPr>
-        <p:spPr/>
-        <p:txBody>
-          <a:bodyPr/>
-          <a:lstStyle/>
-          <a:p>
-            <a:r>
-              <a:rPr lang="bg-BG" dirty="0"/>
-              <a:t>Как да използваме </a:t>
-            </a:r>
-            <a:r>
-              <a:rPr lang="en-US" b="1" dirty="0"/>
-              <a:t>List&lt;T&gt;</a:t>
-            </a:r>
-            <a:r>
-              <a:rPr lang="bg-BG" dirty="0"/>
-              <a:t>?</a:t>
-            </a:r>
-            <a:endParaRPr lang="en-US" dirty="0"/>
-          </a:p>
-        </p:txBody>
-      </p:sp>
-      <p:sp>
-        <p:nvSpPr>
-          <p:cNvPr id="5" name="Title 4">
-            <a:extLst>
-              <a:ext uri="{FF2B5EF4-FFF2-40B4-BE49-F238E27FC236}">
-                <a16:creationId xmlns:a16="http://schemas.microsoft.com/office/drawing/2014/main" id="{BC556FD9-B580-2E6F-BE7E-ADF1C99610ED}"/>
-              </a:ext>
-            </a:extLst>
-          </p:cNvPr>
-          <p:cNvSpPr>
-            <a:spLocks noGrp="1"/>
-          </p:cNvSpPr>
-          <p:nvPr>
-            <p:ph type="title" sz="quarter" idx="10"/>
-          </p:nvPr>
-        </p:nvSpPr>
-        <p:spPr/>
-        <p:txBody>
-          <a:bodyPr/>
-          <a:lstStyle/>
-          <a:p>
-            <a:r>
-              <a:rPr lang="bg-BG" dirty="0"/>
-              <a:t>Списъци от обекти</a:t>
-            </a:r>
-            <a:endParaRPr lang="en-US" dirty="0"/>
-          </a:p>
-        </p:txBody>
-      </p:sp>
       <p:grpSp>
         <p:nvGrpSpPr>
           <p:cNvPr id="18" name="Group 17">
@@ -22408,10 +21131,75 @@
           </p:txBody>
         </p:sp>
       </p:grpSp>
+      <p:sp>
+        <p:nvSpPr>
+          <p:cNvPr id="3" name="Подзаглавие 2">
+            <a:extLst>
+              <a:ext uri="{FF2B5EF4-FFF2-40B4-BE49-F238E27FC236}">
+                <a16:creationId xmlns:a16="http://schemas.microsoft.com/office/drawing/2014/main" id="{495B323C-497F-5726-C70D-505C4EE7CA6C}"/>
+              </a:ext>
+            </a:extLst>
+          </p:cNvPr>
+          <p:cNvSpPr>
+            <a:spLocks noGrp="1"/>
+          </p:cNvSpPr>
+          <p:nvPr>
+            <p:ph type="subTitle" sz="quarter" idx="11"/>
+          </p:nvPr>
+        </p:nvSpPr>
+        <p:spPr/>
+        <p:txBody>
+          <a:bodyPr/>
+          <a:lstStyle/>
+          <a:p>
+            <a:r>
+              <a:rPr lang="ru-RU" dirty="0"/>
+              <a:t>Как да използваме List&lt;</a:t>
+            </a:r>
+            <a:r>
+              <a:rPr lang="ru-RU" dirty="0" err="1"/>
+              <a:t>T</a:t>
+            </a:r>
+            <a:r>
+              <a:rPr lang="ru-RU" dirty="0"/>
+              <a:t>&gt;?</a:t>
+            </a:r>
+            <a:endParaRPr lang="bg-BG" dirty="0"/>
+          </a:p>
+        </p:txBody>
+      </p:sp>
+      <p:sp>
+        <p:nvSpPr>
+          <p:cNvPr id="7" name="Заглавие 6">
+            <a:extLst>
+              <a:ext uri="{FF2B5EF4-FFF2-40B4-BE49-F238E27FC236}">
+                <a16:creationId xmlns:a16="http://schemas.microsoft.com/office/drawing/2014/main" id="{06B1F1C8-EBFD-0A5F-76F6-69FA73A23D19}"/>
+              </a:ext>
+            </a:extLst>
+          </p:cNvPr>
+          <p:cNvSpPr>
+            <a:spLocks noGrp="1"/>
+          </p:cNvSpPr>
+          <p:nvPr>
+            <p:ph type="title" sz="quarter" idx="10"/>
+          </p:nvPr>
+        </p:nvSpPr>
+        <p:spPr/>
+        <p:txBody>
+          <a:bodyPr/>
+          <a:lstStyle/>
+          <a:p>
+            <a:r>
+              <a:rPr lang="bg-BG" dirty="0"/>
+              <a:t>Списъци от обекти</a:t>
+            </a:r>
+          </a:p>
+        </p:txBody>
+      </p:sp>
     </p:spTree>
     <p:extLst>
       <p:ext uri="{BB962C8B-B14F-4D97-AF65-F5344CB8AC3E}">
-        <p14:creationId xmlns:p14="http://schemas.microsoft.com/office/powerpoint/2010/main" val="3261034154"/>
+        <p14:creationId xmlns:p14="http://schemas.microsoft.com/office/powerpoint/2010/main" val="4194287656"/>
       </p:ext>
     </p:extLst>
   </p:cSld>
@@ -22432,12 +21220,12 @@
 <file path=ppt/theme/theme1.xml><?xml version="1.0" encoding="utf-8"?>
 <a:theme xmlns:a="http://schemas.openxmlformats.org/drawingml/2006/main" name="SoftUni">
   <a:themeElements>
-    <a:clrScheme name="Custom 28">
+    <a:clrScheme name="Custom 2">
       <a:dk1>
         <a:srgbClr val="234465"/>
       </a:dk1>
       <a:lt1>
-        <a:srgbClr val="FFA000"/>
+        <a:srgbClr val="BF7800"/>
       </a:lt1>
       <a:dk2>
         <a:srgbClr val="234465"/>
@@ -22446,7 +21234,7 @@
         <a:srgbClr val="FFFFFF"/>
       </a:lt2>
       <a:accent1>
-        <a:srgbClr val="F29600"/>
+        <a:srgbClr val="FFA000"/>
       </a:accent1>
       <a:accent2>
         <a:srgbClr val="00B050"/>
@@ -22464,10 +21252,10 @@
         <a:srgbClr val="F4F5F7"/>
       </a:accent6>
       <a:hlink>
-        <a:srgbClr val="F2AC44"/>
+        <a:srgbClr val="BF7800"/>
       </a:hlink>
       <a:folHlink>
-        <a:srgbClr val="F6C781"/>
+        <a:srgbClr val="EF9511"/>
       </a:folHlink>
     </a:clrScheme>
     <a:fontScheme name="SoftUni">

--- a/Courses/Software-Sciences/Module-1-OOP/07.2-Classes-and-Objects-Advanced/07.2-Classes-and-Objects-Advanced.pptx
+++ b/Courses/Software-Sciences/Module-1-OOP/07.2-Classes-and-Objects-Advanced/07.2-Classes-and-Objects-Advanced.pptx
@@ -283,7 +283,7 @@
           <a:p>
             <a:fld id="{4E087215-0C8F-4762-A664-737A353EC9A4}" type="datetimeFigureOut">
               <a:rPr lang="bg-BG" smtClean="0"/>
-              <a:t>2.10.23 г.</a:t>
+              <a:t>11.06.24 г.</a:t>
             </a:fld>
             <a:endParaRPr lang="bg-BG"/>
           </a:p>
@@ -479,7 +479,7 @@
           <a:p>
             <a:fld id="{72D84649-876A-46C9-8472-14CB09C070D8}" type="datetimeFigureOut">
               <a:rPr lang="en-US" smtClean="0"/>
-              <a:t>10/2/23</a:t>
+              <a:t>6/11/24</a:t>
             </a:fld>
             <a:endParaRPr lang="en-US"/>
           </a:p>
@@ -9904,7 +9904,7 @@
                 <a:latin typeface="Consolas" panose="020B0609020204030204" pitchFamily="49" charset="0"/>
                 <a:cs typeface="Arial" panose="020B0604020202020204" pitchFamily="34" charset="0"/>
               </a:rPr>
-              <a:t>List&lt;string&gt; list = new List&lt;string&gt;() {</a:t>
+              <a:t>List&lt;string&gt; list = new List&lt;string&gt; {</a:t>
             </a:r>
           </a:p>
           <a:p>
@@ -10046,7 +10046,7 @@
                 <a:latin typeface="Consolas" panose="020B0609020204030204" pitchFamily="49" charset="0"/>
                 <a:cs typeface="Arial" panose="020B0604020202020204" pitchFamily="34" charset="0"/>
               </a:rPr>
-              <a:t>List&lt;string&gt; list = new List&lt;string&gt;() {</a:t>
+              <a:t>List&lt;string&gt; list = new List&lt;string&gt; {</a:t>
             </a:r>
           </a:p>
           <a:p>

--- a/Courses/Software-Sciences/Module-1-OOP/07.2-Classes-and-Objects-Advanced/07.2-Classes-and-Objects-Advanced.pptx
+++ b/Courses/Software-Sciences/Module-1-OOP/07.2-Classes-and-Objects-Advanced/07.2-Classes-and-Objects-Advanced.pptx
@@ -283,7 +283,7 @@
           <a:p>
             <a:fld id="{4E087215-0C8F-4762-A664-737A353EC9A4}" type="datetimeFigureOut">
               <a:rPr lang="bg-BG" smtClean="0"/>
-              <a:t>11.06.24 г.</a:t>
+              <a:t>26.06.24 г.</a:t>
             </a:fld>
             <a:endParaRPr lang="bg-BG"/>
           </a:p>
@@ -479,7 +479,7 @@
           <a:p>
             <a:fld id="{72D84649-876A-46C9-8472-14CB09C070D8}" type="datetimeFigureOut">
               <a:rPr lang="en-US" smtClean="0"/>
-              <a:t>6/11/24</a:t>
+              <a:t>6/26/24</a:t>
             </a:fld>
             <a:endParaRPr lang="en-US"/>
           </a:p>
@@ -8866,7 +8866,23 @@
                   <a:schemeClr val="tx1"/>
                 </a:solidFill>
               </a:rPr>
-              <a:t>foreach (var name in names)</a:t>
+              <a:t>foreach </a:t>
+            </a:r>
+            <a:r>
+              <a:rPr lang="en-US" sz="2400">
+                <a:solidFill>
+                  <a:schemeClr val="tx1"/>
+                </a:solidFill>
+              </a:rPr>
+              <a:t>(string </a:t>
+            </a:r>
+            <a:r>
+              <a:rPr lang="en-US" sz="2400" dirty="0">
+                <a:solidFill>
+                  <a:schemeClr val="tx1"/>
+                </a:solidFill>
+              </a:rPr>
+              <a:t>name in names)</a:t>
             </a:r>
           </a:p>
           <a:p>
